--- a/Documents/diaporama/présentation.pptx
+++ b/Documents/diaporama/présentation.pptx
@@ -6,6 +6,7 @@
   </p:sldMasterIdLst>
   <p:sldIdLst>
     <p:sldId id="256" r:id="rId2"/>
+    <p:sldId id="257" r:id="rId3"/>
   </p:sldIdLst>
   <p:sldSz cx="12192000" cy="6858000"/>
   <p:notesSz cx="6858000" cy="9144000"/>
@@ -104,7 +105,4917 @@
       </a:defRPr>
     </a:lvl9pPr>
   </p:defaultTextStyle>
+  <p:extLst>
+    <p:ext uri="{EFAFB233-063F-42B5-8137-9DF3F51BA10A}">
+      <p15:sldGuideLst xmlns:p15="http://schemas.microsoft.com/office/powerpoint/2012/main"/>
+    </p:ext>
+  </p:extLst>
 </p:presentation>
+</file>
+
+<file path=ppt/diagrams/colors1.xml><?xml version="1.0" encoding="utf-8"?>
+<dgm:colorsDef xmlns:dgm="http://schemas.openxmlformats.org/drawingml/2006/diagram" xmlns:a="http://schemas.openxmlformats.org/drawingml/2006/main" uniqueId="urn:microsoft.com/office/officeart/2005/8/colors/accent1_2">
+  <dgm:title val=""/>
+  <dgm:desc val=""/>
+  <dgm:catLst>
+    <dgm:cat type="accent1" pri="11200"/>
+  </dgm:catLst>
+  <dgm:styleLbl name="node0">
+    <dgm:fillClrLst meth="repeat">
+      <a:schemeClr val="accent1"/>
+    </dgm:fillClrLst>
+    <dgm:linClrLst meth="repeat">
+      <a:schemeClr val="lt1"/>
+    </dgm:linClrLst>
+    <dgm:effectClrLst/>
+    <dgm:txLinClrLst/>
+    <dgm:txFillClrLst/>
+    <dgm:txEffectClrLst/>
+  </dgm:styleLbl>
+  <dgm:styleLbl name="alignNode1">
+    <dgm:fillClrLst meth="repeat">
+      <a:schemeClr val="accent1"/>
+    </dgm:fillClrLst>
+    <dgm:linClrLst meth="repeat">
+      <a:schemeClr val="accent1"/>
+    </dgm:linClrLst>
+    <dgm:effectClrLst/>
+    <dgm:txLinClrLst/>
+    <dgm:txFillClrLst/>
+    <dgm:txEffectClrLst/>
+  </dgm:styleLbl>
+  <dgm:styleLbl name="node1">
+    <dgm:fillClrLst meth="repeat">
+      <a:schemeClr val="accent1"/>
+    </dgm:fillClrLst>
+    <dgm:linClrLst meth="repeat">
+      <a:schemeClr val="lt1"/>
+    </dgm:linClrLst>
+    <dgm:effectClrLst/>
+    <dgm:txLinClrLst/>
+    <dgm:txFillClrLst/>
+    <dgm:txEffectClrLst/>
+  </dgm:styleLbl>
+  <dgm:styleLbl name="lnNode1">
+    <dgm:fillClrLst meth="repeat">
+      <a:schemeClr val="accent1"/>
+    </dgm:fillClrLst>
+    <dgm:linClrLst meth="repeat">
+      <a:schemeClr val="lt1"/>
+    </dgm:linClrLst>
+    <dgm:effectClrLst/>
+    <dgm:txLinClrLst/>
+    <dgm:txFillClrLst/>
+    <dgm:txEffectClrLst/>
+  </dgm:styleLbl>
+  <dgm:styleLbl name="vennNode1">
+    <dgm:fillClrLst meth="repeat">
+      <a:schemeClr val="accent1">
+        <a:alpha val="50000"/>
+      </a:schemeClr>
+    </dgm:fillClrLst>
+    <dgm:linClrLst meth="repeat">
+      <a:schemeClr val="lt1"/>
+    </dgm:linClrLst>
+    <dgm:effectClrLst/>
+    <dgm:txLinClrLst/>
+    <dgm:txFillClrLst/>
+    <dgm:txEffectClrLst/>
+  </dgm:styleLbl>
+  <dgm:styleLbl name="node2">
+    <dgm:fillClrLst meth="repeat">
+      <a:schemeClr val="accent1"/>
+    </dgm:fillClrLst>
+    <dgm:linClrLst meth="repeat">
+      <a:schemeClr val="lt1"/>
+    </dgm:linClrLst>
+    <dgm:effectClrLst/>
+    <dgm:txLinClrLst/>
+    <dgm:txFillClrLst/>
+    <dgm:txEffectClrLst/>
+  </dgm:styleLbl>
+  <dgm:styleLbl name="node3">
+    <dgm:fillClrLst meth="repeat">
+      <a:schemeClr val="accent1"/>
+    </dgm:fillClrLst>
+    <dgm:linClrLst meth="repeat">
+      <a:schemeClr val="lt1"/>
+    </dgm:linClrLst>
+    <dgm:effectClrLst/>
+    <dgm:txLinClrLst/>
+    <dgm:txFillClrLst/>
+    <dgm:txEffectClrLst/>
+  </dgm:styleLbl>
+  <dgm:styleLbl name="node4">
+    <dgm:fillClrLst meth="repeat">
+      <a:schemeClr val="accent1"/>
+    </dgm:fillClrLst>
+    <dgm:linClrLst meth="repeat">
+      <a:schemeClr val="lt1"/>
+    </dgm:linClrLst>
+    <dgm:effectClrLst/>
+    <dgm:txLinClrLst/>
+    <dgm:txFillClrLst/>
+    <dgm:txEffectClrLst/>
+  </dgm:styleLbl>
+  <dgm:styleLbl name="fgImgPlace1">
+    <dgm:fillClrLst meth="repeat">
+      <a:schemeClr val="accent1">
+        <a:tint val="50000"/>
+      </a:schemeClr>
+    </dgm:fillClrLst>
+    <dgm:linClrLst meth="repeat">
+      <a:schemeClr val="lt1"/>
+    </dgm:linClrLst>
+    <dgm:effectClrLst/>
+    <dgm:txLinClrLst/>
+    <dgm:txFillClrLst meth="repeat">
+      <a:schemeClr val="lt1"/>
+    </dgm:txFillClrLst>
+    <dgm:txEffectClrLst/>
+  </dgm:styleLbl>
+  <dgm:styleLbl name="alignImgPlace1">
+    <dgm:fillClrLst meth="repeat">
+      <a:schemeClr val="accent1">
+        <a:tint val="50000"/>
+      </a:schemeClr>
+    </dgm:fillClrLst>
+    <dgm:linClrLst meth="repeat">
+      <a:schemeClr val="lt1"/>
+    </dgm:linClrLst>
+    <dgm:effectClrLst/>
+    <dgm:txLinClrLst/>
+    <dgm:txFillClrLst meth="repeat">
+      <a:schemeClr val="lt1"/>
+    </dgm:txFillClrLst>
+    <dgm:txEffectClrLst/>
+  </dgm:styleLbl>
+  <dgm:styleLbl name="bgImgPlace1">
+    <dgm:fillClrLst meth="repeat">
+      <a:schemeClr val="accent1">
+        <a:tint val="50000"/>
+      </a:schemeClr>
+    </dgm:fillClrLst>
+    <dgm:linClrLst meth="repeat">
+      <a:schemeClr val="lt1"/>
+    </dgm:linClrLst>
+    <dgm:effectClrLst/>
+    <dgm:txLinClrLst/>
+    <dgm:txFillClrLst meth="repeat">
+      <a:schemeClr val="lt1"/>
+    </dgm:txFillClrLst>
+    <dgm:txEffectClrLst/>
+  </dgm:styleLbl>
+  <dgm:styleLbl name="sibTrans2D1">
+    <dgm:fillClrLst meth="repeat">
+      <a:schemeClr val="accent1">
+        <a:tint val="60000"/>
+      </a:schemeClr>
+    </dgm:fillClrLst>
+    <dgm:linClrLst meth="repeat">
+      <a:schemeClr val="accent1">
+        <a:tint val="60000"/>
+      </a:schemeClr>
+    </dgm:linClrLst>
+    <dgm:effectClrLst/>
+    <dgm:txLinClrLst/>
+    <dgm:txFillClrLst/>
+    <dgm:txEffectClrLst/>
+  </dgm:styleLbl>
+  <dgm:styleLbl name="fgSibTrans2D1">
+    <dgm:fillClrLst meth="repeat">
+      <a:schemeClr val="accent1">
+        <a:tint val="60000"/>
+      </a:schemeClr>
+    </dgm:fillClrLst>
+    <dgm:linClrLst meth="repeat">
+      <a:schemeClr val="accent1">
+        <a:tint val="60000"/>
+      </a:schemeClr>
+    </dgm:linClrLst>
+    <dgm:effectClrLst/>
+    <dgm:txLinClrLst/>
+    <dgm:txFillClrLst/>
+    <dgm:txEffectClrLst/>
+  </dgm:styleLbl>
+  <dgm:styleLbl name="bgSibTrans2D1">
+    <dgm:fillClrLst meth="repeat">
+      <a:schemeClr val="accent1">
+        <a:tint val="60000"/>
+      </a:schemeClr>
+    </dgm:fillClrLst>
+    <dgm:linClrLst meth="repeat">
+      <a:schemeClr val="accent1">
+        <a:tint val="60000"/>
+      </a:schemeClr>
+    </dgm:linClrLst>
+    <dgm:effectClrLst/>
+    <dgm:txLinClrLst/>
+    <dgm:txFillClrLst/>
+    <dgm:txEffectClrLst/>
+  </dgm:styleLbl>
+  <dgm:styleLbl name="sibTrans1D1">
+    <dgm:fillClrLst meth="repeat">
+      <a:schemeClr val="accent1"/>
+    </dgm:fillClrLst>
+    <dgm:linClrLst meth="repeat">
+      <a:schemeClr val="accent1"/>
+    </dgm:linClrLst>
+    <dgm:effectClrLst/>
+    <dgm:txLinClrLst/>
+    <dgm:txFillClrLst meth="repeat">
+      <a:schemeClr val="tx1"/>
+    </dgm:txFillClrLst>
+    <dgm:txEffectClrLst/>
+  </dgm:styleLbl>
+  <dgm:styleLbl name="callout">
+    <dgm:fillClrLst meth="repeat">
+      <a:schemeClr val="accent1"/>
+    </dgm:fillClrLst>
+    <dgm:linClrLst meth="repeat">
+      <a:schemeClr val="accent1">
+        <a:tint val="50000"/>
+      </a:schemeClr>
+    </dgm:linClrLst>
+    <dgm:effectClrLst/>
+    <dgm:txLinClrLst/>
+    <dgm:txFillClrLst meth="repeat">
+      <a:schemeClr val="tx1"/>
+    </dgm:txFillClrLst>
+    <dgm:txEffectClrLst/>
+  </dgm:styleLbl>
+  <dgm:styleLbl name="asst0">
+    <dgm:fillClrLst meth="repeat">
+      <a:schemeClr val="accent1"/>
+    </dgm:fillClrLst>
+    <dgm:linClrLst meth="repeat">
+      <a:schemeClr val="lt1"/>
+    </dgm:linClrLst>
+    <dgm:effectClrLst/>
+    <dgm:txLinClrLst/>
+    <dgm:txFillClrLst/>
+    <dgm:txEffectClrLst/>
+  </dgm:styleLbl>
+  <dgm:styleLbl name="asst1">
+    <dgm:fillClrLst meth="repeat">
+      <a:schemeClr val="accent1"/>
+    </dgm:fillClrLst>
+    <dgm:linClrLst meth="repeat">
+      <a:schemeClr val="lt1"/>
+    </dgm:linClrLst>
+    <dgm:effectClrLst/>
+    <dgm:txLinClrLst/>
+    <dgm:txFillClrLst/>
+    <dgm:txEffectClrLst/>
+  </dgm:styleLbl>
+  <dgm:styleLbl name="asst2">
+    <dgm:fillClrLst meth="repeat">
+      <a:schemeClr val="accent1"/>
+    </dgm:fillClrLst>
+    <dgm:linClrLst meth="repeat">
+      <a:schemeClr val="lt1"/>
+    </dgm:linClrLst>
+    <dgm:effectClrLst/>
+    <dgm:txLinClrLst/>
+    <dgm:txFillClrLst/>
+    <dgm:txEffectClrLst/>
+  </dgm:styleLbl>
+  <dgm:styleLbl name="asst3">
+    <dgm:fillClrLst meth="repeat">
+      <a:schemeClr val="accent1"/>
+    </dgm:fillClrLst>
+    <dgm:linClrLst meth="repeat">
+      <a:schemeClr val="lt1"/>
+    </dgm:linClrLst>
+    <dgm:effectClrLst/>
+    <dgm:txLinClrLst/>
+    <dgm:txFillClrLst/>
+    <dgm:txEffectClrLst/>
+  </dgm:styleLbl>
+  <dgm:styleLbl name="asst4">
+    <dgm:fillClrLst meth="repeat">
+      <a:schemeClr val="accent1"/>
+    </dgm:fillClrLst>
+    <dgm:linClrLst meth="repeat">
+      <a:schemeClr val="lt1"/>
+    </dgm:linClrLst>
+    <dgm:effectClrLst/>
+    <dgm:txLinClrLst/>
+    <dgm:txFillClrLst/>
+    <dgm:txEffectClrLst/>
+  </dgm:styleLbl>
+  <dgm:styleLbl name="parChTrans2D1">
+    <dgm:fillClrLst meth="repeat">
+      <a:schemeClr val="accent1">
+        <a:tint val="60000"/>
+      </a:schemeClr>
+    </dgm:fillClrLst>
+    <dgm:linClrLst meth="repeat">
+      <a:schemeClr val="accent1">
+        <a:tint val="60000"/>
+      </a:schemeClr>
+    </dgm:linClrLst>
+    <dgm:effectClrLst/>
+    <dgm:txLinClrLst/>
+    <dgm:txFillClrLst meth="repeat">
+      <a:schemeClr val="lt1"/>
+    </dgm:txFillClrLst>
+    <dgm:txEffectClrLst/>
+  </dgm:styleLbl>
+  <dgm:styleLbl name="parChTrans2D2">
+    <dgm:fillClrLst meth="repeat">
+      <a:schemeClr val="accent1"/>
+    </dgm:fillClrLst>
+    <dgm:linClrLst meth="repeat">
+      <a:schemeClr val="accent1"/>
+    </dgm:linClrLst>
+    <dgm:effectClrLst/>
+    <dgm:txLinClrLst/>
+    <dgm:txFillClrLst meth="repeat">
+      <a:schemeClr val="lt1"/>
+    </dgm:txFillClrLst>
+    <dgm:txEffectClrLst/>
+  </dgm:styleLbl>
+  <dgm:styleLbl name="parChTrans2D3">
+    <dgm:fillClrLst meth="repeat">
+      <a:schemeClr val="accent1"/>
+    </dgm:fillClrLst>
+    <dgm:linClrLst meth="repeat">
+      <a:schemeClr val="accent1"/>
+    </dgm:linClrLst>
+    <dgm:effectClrLst/>
+    <dgm:txLinClrLst/>
+    <dgm:txFillClrLst meth="repeat">
+      <a:schemeClr val="lt1"/>
+    </dgm:txFillClrLst>
+    <dgm:txEffectClrLst/>
+  </dgm:styleLbl>
+  <dgm:styleLbl name="parChTrans2D4">
+    <dgm:fillClrLst meth="repeat">
+      <a:schemeClr val="accent1"/>
+    </dgm:fillClrLst>
+    <dgm:linClrLst meth="repeat">
+      <a:schemeClr val="accent1"/>
+    </dgm:linClrLst>
+    <dgm:effectClrLst/>
+    <dgm:txLinClrLst/>
+    <dgm:txFillClrLst meth="repeat">
+      <a:schemeClr val="lt1"/>
+    </dgm:txFillClrLst>
+    <dgm:txEffectClrLst/>
+  </dgm:styleLbl>
+  <dgm:styleLbl name="parChTrans1D1">
+    <dgm:fillClrLst meth="repeat">
+      <a:schemeClr val="accent1"/>
+    </dgm:fillClrLst>
+    <dgm:linClrLst meth="repeat">
+      <a:schemeClr val="accent1">
+        <a:shade val="60000"/>
+      </a:schemeClr>
+    </dgm:linClrLst>
+    <dgm:effectClrLst/>
+    <dgm:txLinClrLst/>
+    <dgm:txFillClrLst meth="repeat">
+      <a:schemeClr val="tx1"/>
+    </dgm:txFillClrLst>
+    <dgm:txEffectClrLst/>
+  </dgm:styleLbl>
+  <dgm:styleLbl name="parChTrans1D2">
+    <dgm:fillClrLst meth="repeat">
+      <a:schemeClr val="accent1"/>
+    </dgm:fillClrLst>
+    <dgm:linClrLst meth="repeat">
+      <a:schemeClr val="accent1">
+        <a:shade val="60000"/>
+      </a:schemeClr>
+    </dgm:linClrLst>
+    <dgm:effectClrLst/>
+    <dgm:txLinClrLst/>
+    <dgm:txFillClrLst meth="repeat">
+      <a:schemeClr val="tx1"/>
+    </dgm:txFillClrLst>
+    <dgm:txEffectClrLst/>
+  </dgm:styleLbl>
+  <dgm:styleLbl name="parChTrans1D3">
+    <dgm:fillClrLst meth="repeat">
+      <a:schemeClr val="accent1"/>
+    </dgm:fillClrLst>
+    <dgm:linClrLst meth="repeat">
+      <a:schemeClr val="accent1">
+        <a:shade val="80000"/>
+      </a:schemeClr>
+    </dgm:linClrLst>
+    <dgm:effectClrLst/>
+    <dgm:txLinClrLst/>
+    <dgm:txFillClrLst meth="repeat">
+      <a:schemeClr val="tx1"/>
+    </dgm:txFillClrLst>
+    <dgm:txEffectClrLst/>
+  </dgm:styleLbl>
+  <dgm:styleLbl name="parChTrans1D4">
+    <dgm:fillClrLst meth="repeat">
+      <a:schemeClr val="accent1"/>
+    </dgm:fillClrLst>
+    <dgm:linClrLst meth="repeat">
+      <a:schemeClr val="accent1">
+        <a:shade val="80000"/>
+      </a:schemeClr>
+    </dgm:linClrLst>
+    <dgm:effectClrLst/>
+    <dgm:txLinClrLst/>
+    <dgm:txFillClrLst meth="repeat">
+      <a:schemeClr val="tx1"/>
+    </dgm:txFillClrLst>
+    <dgm:txEffectClrLst/>
+  </dgm:styleLbl>
+  <dgm:styleLbl name="fgAcc1">
+    <dgm:fillClrLst meth="repeat">
+      <a:schemeClr val="lt1">
+        <a:alpha val="90000"/>
+      </a:schemeClr>
+    </dgm:fillClrLst>
+    <dgm:linClrLst meth="repeat">
+      <a:schemeClr val="accent1"/>
+    </dgm:linClrLst>
+    <dgm:effectClrLst/>
+    <dgm:txLinClrLst/>
+    <dgm:txFillClrLst meth="repeat">
+      <a:schemeClr val="dk1"/>
+    </dgm:txFillClrLst>
+    <dgm:txEffectClrLst/>
+  </dgm:styleLbl>
+  <dgm:styleLbl name="conFgAcc1">
+    <dgm:fillClrLst meth="repeat">
+      <a:schemeClr val="lt1">
+        <a:alpha val="90000"/>
+      </a:schemeClr>
+    </dgm:fillClrLst>
+    <dgm:linClrLst meth="repeat">
+      <a:schemeClr val="accent1"/>
+    </dgm:linClrLst>
+    <dgm:effectClrLst/>
+    <dgm:txLinClrLst/>
+    <dgm:txFillClrLst meth="repeat">
+      <a:schemeClr val="dk1"/>
+    </dgm:txFillClrLst>
+    <dgm:txEffectClrLst/>
+  </dgm:styleLbl>
+  <dgm:styleLbl name="alignAcc1">
+    <dgm:fillClrLst meth="repeat">
+      <a:schemeClr val="lt1">
+        <a:alpha val="90000"/>
+      </a:schemeClr>
+    </dgm:fillClrLst>
+    <dgm:linClrLst meth="repeat">
+      <a:schemeClr val="accent1"/>
+    </dgm:linClrLst>
+    <dgm:effectClrLst/>
+    <dgm:txLinClrLst/>
+    <dgm:txFillClrLst meth="repeat">
+      <a:schemeClr val="dk1"/>
+    </dgm:txFillClrLst>
+    <dgm:txEffectClrLst/>
+  </dgm:styleLbl>
+  <dgm:styleLbl name="trAlignAcc1">
+    <dgm:fillClrLst meth="repeat">
+      <a:schemeClr val="lt1">
+        <a:alpha val="40000"/>
+      </a:schemeClr>
+    </dgm:fillClrLst>
+    <dgm:linClrLst meth="repeat">
+      <a:schemeClr val="accent1"/>
+    </dgm:linClrLst>
+    <dgm:effectClrLst/>
+    <dgm:txLinClrLst/>
+    <dgm:txFillClrLst meth="repeat">
+      <a:schemeClr val="dk1"/>
+    </dgm:txFillClrLst>
+    <dgm:txEffectClrLst/>
+  </dgm:styleLbl>
+  <dgm:styleLbl name="bgAcc1">
+    <dgm:fillClrLst meth="repeat">
+      <a:schemeClr val="lt1">
+        <a:alpha val="90000"/>
+      </a:schemeClr>
+    </dgm:fillClrLst>
+    <dgm:linClrLst meth="repeat">
+      <a:schemeClr val="accent1"/>
+    </dgm:linClrLst>
+    <dgm:effectClrLst/>
+    <dgm:txLinClrLst/>
+    <dgm:txFillClrLst meth="repeat">
+      <a:schemeClr val="dk1"/>
+    </dgm:txFillClrLst>
+    <dgm:txEffectClrLst/>
+  </dgm:styleLbl>
+  <dgm:styleLbl name="solidFgAcc1">
+    <dgm:fillClrLst meth="repeat">
+      <a:schemeClr val="lt1"/>
+    </dgm:fillClrLst>
+    <dgm:linClrLst meth="repeat">
+      <a:schemeClr val="accent1"/>
+    </dgm:linClrLst>
+    <dgm:effectClrLst/>
+    <dgm:txLinClrLst/>
+    <dgm:txFillClrLst meth="repeat">
+      <a:schemeClr val="dk1"/>
+    </dgm:txFillClrLst>
+    <dgm:txEffectClrLst/>
+  </dgm:styleLbl>
+  <dgm:styleLbl name="solidAlignAcc1">
+    <dgm:fillClrLst meth="repeat">
+      <a:schemeClr val="lt1"/>
+    </dgm:fillClrLst>
+    <dgm:linClrLst meth="repeat">
+      <a:schemeClr val="accent1"/>
+    </dgm:linClrLst>
+    <dgm:effectClrLst/>
+    <dgm:txLinClrLst/>
+    <dgm:txFillClrLst meth="repeat">
+      <a:schemeClr val="dk1"/>
+    </dgm:txFillClrLst>
+    <dgm:txEffectClrLst/>
+  </dgm:styleLbl>
+  <dgm:styleLbl name="solidBgAcc1">
+    <dgm:fillClrLst meth="repeat">
+      <a:schemeClr val="lt1"/>
+    </dgm:fillClrLst>
+    <dgm:linClrLst meth="repeat">
+      <a:schemeClr val="accent1"/>
+    </dgm:linClrLst>
+    <dgm:effectClrLst/>
+    <dgm:txLinClrLst/>
+    <dgm:txFillClrLst meth="repeat">
+      <a:schemeClr val="dk1"/>
+    </dgm:txFillClrLst>
+    <dgm:txEffectClrLst/>
+  </dgm:styleLbl>
+  <dgm:styleLbl name="fgAccFollowNode1">
+    <dgm:fillClrLst meth="repeat">
+      <a:schemeClr val="accent1">
+        <a:alpha val="90000"/>
+        <a:tint val="40000"/>
+      </a:schemeClr>
+    </dgm:fillClrLst>
+    <dgm:linClrLst meth="repeat">
+      <a:schemeClr val="accent1">
+        <a:alpha val="90000"/>
+        <a:tint val="40000"/>
+      </a:schemeClr>
+    </dgm:linClrLst>
+    <dgm:effectClrLst/>
+    <dgm:txLinClrLst/>
+    <dgm:txFillClrLst meth="repeat">
+      <a:schemeClr val="dk1"/>
+    </dgm:txFillClrLst>
+    <dgm:txEffectClrLst/>
+  </dgm:styleLbl>
+  <dgm:styleLbl name="alignAccFollowNode1">
+    <dgm:fillClrLst meth="repeat">
+      <a:schemeClr val="accent1">
+        <a:alpha val="90000"/>
+        <a:tint val="40000"/>
+      </a:schemeClr>
+    </dgm:fillClrLst>
+    <dgm:linClrLst meth="repeat">
+      <a:schemeClr val="accent1">
+        <a:alpha val="90000"/>
+        <a:tint val="40000"/>
+      </a:schemeClr>
+    </dgm:linClrLst>
+    <dgm:effectClrLst/>
+    <dgm:txLinClrLst/>
+    <dgm:txFillClrLst meth="repeat">
+      <a:schemeClr val="dk1"/>
+    </dgm:txFillClrLst>
+    <dgm:txEffectClrLst/>
+  </dgm:styleLbl>
+  <dgm:styleLbl name="bgAccFollowNode1">
+    <dgm:fillClrLst meth="repeat">
+      <a:schemeClr val="accent1">
+        <a:alpha val="90000"/>
+        <a:tint val="40000"/>
+      </a:schemeClr>
+    </dgm:fillClrLst>
+    <dgm:linClrLst meth="repeat">
+      <a:schemeClr val="accent1">
+        <a:alpha val="90000"/>
+        <a:tint val="40000"/>
+      </a:schemeClr>
+    </dgm:linClrLst>
+    <dgm:effectClrLst/>
+    <dgm:txLinClrLst/>
+    <dgm:txFillClrLst meth="repeat">
+      <a:schemeClr val="dk1"/>
+    </dgm:txFillClrLst>
+    <dgm:txEffectClrLst/>
+  </dgm:styleLbl>
+  <dgm:styleLbl name="fgAcc0">
+    <dgm:fillClrLst meth="repeat">
+      <a:schemeClr val="lt1">
+        <a:alpha val="90000"/>
+      </a:schemeClr>
+    </dgm:fillClrLst>
+    <dgm:linClrLst meth="repeat">
+      <a:schemeClr val="accent1"/>
+    </dgm:linClrLst>
+    <dgm:effectClrLst/>
+    <dgm:txLinClrLst/>
+    <dgm:txFillClrLst meth="repeat">
+      <a:schemeClr val="dk1"/>
+    </dgm:txFillClrLst>
+    <dgm:txEffectClrLst/>
+  </dgm:styleLbl>
+  <dgm:styleLbl name="fgAcc2">
+    <dgm:fillClrLst meth="repeat">
+      <a:schemeClr val="lt1">
+        <a:alpha val="90000"/>
+      </a:schemeClr>
+    </dgm:fillClrLst>
+    <dgm:linClrLst meth="repeat">
+      <a:schemeClr val="accent1"/>
+    </dgm:linClrLst>
+    <dgm:effectClrLst/>
+    <dgm:txLinClrLst/>
+    <dgm:txFillClrLst meth="repeat">
+      <a:schemeClr val="dk1"/>
+    </dgm:txFillClrLst>
+    <dgm:txEffectClrLst/>
+  </dgm:styleLbl>
+  <dgm:styleLbl name="fgAcc3">
+    <dgm:fillClrLst meth="repeat">
+      <a:schemeClr val="lt1">
+        <a:alpha val="90000"/>
+      </a:schemeClr>
+    </dgm:fillClrLst>
+    <dgm:linClrLst meth="repeat">
+      <a:schemeClr val="accent1"/>
+    </dgm:linClrLst>
+    <dgm:effectClrLst/>
+    <dgm:txLinClrLst/>
+    <dgm:txFillClrLst meth="repeat">
+      <a:schemeClr val="dk1"/>
+    </dgm:txFillClrLst>
+    <dgm:txEffectClrLst/>
+  </dgm:styleLbl>
+  <dgm:styleLbl name="fgAcc4">
+    <dgm:fillClrLst meth="repeat">
+      <a:schemeClr val="lt1">
+        <a:alpha val="90000"/>
+      </a:schemeClr>
+    </dgm:fillClrLst>
+    <dgm:linClrLst meth="repeat">
+      <a:schemeClr val="accent1"/>
+    </dgm:linClrLst>
+    <dgm:effectClrLst/>
+    <dgm:txLinClrLst/>
+    <dgm:txFillClrLst meth="repeat">
+      <a:schemeClr val="dk1"/>
+    </dgm:txFillClrLst>
+    <dgm:txEffectClrLst/>
+  </dgm:styleLbl>
+  <dgm:styleLbl name="bgShp">
+    <dgm:fillClrLst meth="repeat">
+      <a:schemeClr val="accent1">
+        <a:tint val="40000"/>
+      </a:schemeClr>
+    </dgm:fillClrLst>
+    <dgm:linClrLst meth="repeat">
+      <a:schemeClr val="accent1"/>
+    </dgm:linClrLst>
+    <dgm:effectClrLst/>
+    <dgm:txLinClrLst/>
+    <dgm:txFillClrLst meth="repeat">
+      <a:schemeClr val="dk1"/>
+    </dgm:txFillClrLst>
+    <dgm:txEffectClrLst/>
+  </dgm:styleLbl>
+  <dgm:styleLbl name="dkBgShp">
+    <dgm:fillClrLst meth="repeat">
+      <a:schemeClr val="accent1">
+        <a:shade val="80000"/>
+      </a:schemeClr>
+    </dgm:fillClrLst>
+    <dgm:linClrLst meth="repeat">
+      <a:schemeClr val="accent1"/>
+    </dgm:linClrLst>
+    <dgm:effectClrLst/>
+    <dgm:txLinClrLst/>
+    <dgm:txFillClrLst meth="repeat">
+      <a:schemeClr val="lt1"/>
+    </dgm:txFillClrLst>
+    <dgm:txEffectClrLst/>
+  </dgm:styleLbl>
+  <dgm:styleLbl name="trBgShp">
+    <dgm:fillClrLst meth="repeat">
+      <a:schemeClr val="accent1">
+        <a:tint val="50000"/>
+        <a:alpha val="40000"/>
+      </a:schemeClr>
+    </dgm:fillClrLst>
+    <dgm:linClrLst meth="repeat">
+      <a:schemeClr val="accent1"/>
+    </dgm:linClrLst>
+    <dgm:effectClrLst/>
+    <dgm:txLinClrLst/>
+    <dgm:txFillClrLst meth="repeat">
+      <a:schemeClr val="lt1"/>
+    </dgm:txFillClrLst>
+    <dgm:txEffectClrLst/>
+  </dgm:styleLbl>
+  <dgm:styleLbl name="fgShp">
+    <dgm:fillClrLst meth="repeat">
+      <a:schemeClr val="accent1">
+        <a:tint val="60000"/>
+      </a:schemeClr>
+    </dgm:fillClrLst>
+    <dgm:linClrLst meth="repeat">
+      <a:schemeClr val="lt1"/>
+    </dgm:linClrLst>
+    <dgm:effectClrLst/>
+    <dgm:txLinClrLst/>
+    <dgm:txFillClrLst meth="repeat">
+      <a:schemeClr val="dk1"/>
+    </dgm:txFillClrLst>
+    <dgm:txEffectClrLst/>
+  </dgm:styleLbl>
+  <dgm:styleLbl name="revTx">
+    <dgm:fillClrLst meth="repeat">
+      <a:schemeClr val="lt1">
+        <a:alpha val="0"/>
+      </a:schemeClr>
+    </dgm:fillClrLst>
+    <dgm:linClrLst meth="repeat">
+      <a:schemeClr val="dk1">
+        <a:alpha val="0"/>
+      </a:schemeClr>
+    </dgm:linClrLst>
+    <dgm:effectClrLst/>
+    <dgm:txLinClrLst/>
+    <dgm:txFillClrLst meth="repeat">
+      <a:schemeClr val="tx1"/>
+    </dgm:txFillClrLst>
+    <dgm:txEffectClrLst/>
+  </dgm:styleLbl>
+</dgm:colorsDef>
+</file>
+
+<file path=ppt/diagrams/data1.xml><?xml version="1.0" encoding="utf-8"?>
+<dgm:dataModel xmlns:dgm="http://schemas.openxmlformats.org/drawingml/2006/diagram" xmlns:a="http://schemas.openxmlformats.org/drawingml/2006/main">
+  <dgm:ptLst>
+    <dgm:pt modelId="{517676F0-4D76-4882-8C05-7F918BBC6763}" type="doc">
+      <dgm:prSet loTypeId="urn:microsoft.com/office/officeart/2005/8/layout/vList3" loCatId="list" qsTypeId="urn:microsoft.com/office/officeart/2005/8/quickstyle/simple5" qsCatId="simple" csTypeId="urn:microsoft.com/office/officeart/2005/8/colors/accent1_2" csCatId="accent1" phldr="1"/>
+      <dgm:spPr/>
+    </dgm:pt>
+    <dgm:pt modelId="{3704DF02-D571-4BF0-8FD4-87E73FAA467B}">
+      <dgm:prSet phldrT="[Texte]"/>
+      <dgm:spPr/>
+      <dgm:t>
+        <a:bodyPr/>
+        <a:lstStyle/>
+        <a:p>
+          <a:r>
+            <a:rPr lang="fr-FR" dirty="0" smtClean="0"/>
+            <a:t>Présentation du concept</a:t>
+          </a:r>
+          <a:endParaRPr lang="fr-FR" dirty="0"/>
+        </a:p>
+      </dgm:t>
+    </dgm:pt>
+    <dgm:pt modelId="{815180CB-F197-496A-931A-D21DF1E1AFA2}" type="parTrans" cxnId="{B3CF4D0C-B986-4755-AE31-9590E90B8483}">
+      <dgm:prSet/>
+      <dgm:spPr/>
+      <dgm:t>
+        <a:bodyPr/>
+        <a:lstStyle/>
+        <a:p>
+          <a:endParaRPr lang="fr-FR"/>
+        </a:p>
+      </dgm:t>
+    </dgm:pt>
+    <dgm:pt modelId="{42E98C6D-B3D6-4D86-B1AA-BCAC14F64351}" type="sibTrans" cxnId="{B3CF4D0C-B986-4755-AE31-9590E90B8483}">
+      <dgm:prSet/>
+      <dgm:spPr/>
+      <dgm:t>
+        <a:bodyPr/>
+        <a:lstStyle/>
+        <a:p>
+          <a:endParaRPr lang="fr-FR"/>
+        </a:p>
+      </dgm:t>
+    </dgm:pt>
+    <dgm:pt modelId="{AB1D5F6F-D154-4709-9953-4684310F3ABE}">
+      <dgm:prSet phldrT="[Texte]"/>
+      <dgm:spPr/>
+      <dgm:t>
+        <a:bodyPr/>
+        <a:lstStyle/>
+        <a:p>
+          <a:r>
+            <a:rPr lang="fr-FR" dirty="0" smtClean="0"/>
+            <a:t>Cahier des Charges</a:t>
+          </a:r>
+          <a:endParaRPr lang="fr-FR" dirty="0"/>
+        </a:p>
+      </dgm:t>
+    </dgm:pt>
+    <dgm:pt modelId="{B0C2C3E4-C0B8-4AC2-8EF4-774109E8E2E4}" type="parTrans" cxnId="{127FB36D-35D3-42CC-8FEA-16127F2365F5}">
+      <dgm:prSet/>
+      <dgm:spPr/>
+      <dgm:t>
+        <a:bodyPr/>
+        <a:lstStyle/>
+        <a:p>
+          <a:endParaRPr lang="fr-FR"/>
+        </a:p>
+      </dgm:t>
+    </dgm:pt>
+    <dgm:pt modelId="{1E1BEAD4-7F3B-43AE-AF54-138F9C7C8C27}" type="sibTrans" cxnId="{127FB36D-35D3-42CC-8FEA-16127F2365F5}">
+      <dgm:prSet/>
+      <dgm:spPr/>
+      <dgm:t>
+        <a:bodyPr/>
+        <a:lstStyle/>
+        <a:p>
+          <a:endParaRPr lang="fr-FR"/>
+        </a:p>
+      </dgm:t>
+    </dgm:pt>
+    <dgm:pt modelId="{3EB24457-F417-4B5D-96F8-3C41FD87B85D}">
+      <dgm:prSet phldrT="[Texte]"/>
+      <dgm:spPr/>
+      <dgm:t>
+        <a:bodyPr/>
+        <a:lstStyle/>
+        <a:p>
+          <a:r>
+            <a:rPr lang="fr-FR" dirty="0" smtClean="0"/>
+            <a:t>Diagramme des cas d’utilisation</a:t>
+          </a:r>
+          <a:endParaRPr lang="fr-FR" dirty="0"/>
+        </a:p>
+      </dgm:t>
+    </dgm:pt>
+    <dgm:pt modelId="{B0AEEB51-DEC6-4F01-9573-0594B2E83BF6}" type="parTrans" cxnId="{5A812DAE-7956-4806-B78F-7D2907CCF2E7}">
+      <dgm:prSet/>
+      <dgm:spPr/>
+      <dgm:t>
+        <a:bodyPr/>
+        <a:lstStyle/>
+        <a:p>
+          <a:endParaRPr lang="fr-FR"/>
+        </a:p>
+      </dgm:t>
+    </dgm:pt>
+    <dgm:pt modelId="{0AD1B4F3-5628-4799-88D3-1706CFC81424}" type="sibTrans" cxnId="{5A812DAE-7956-4806-B78F-7D2907CCF2E7}">
+      <dgm:prSet/>
+      <dgm:spPr/>
+      <dgm:t>
+        <a:bodyPr/>
+        <a:lstStyle/>
+        <a:p>
+          <a:endParaRPr lang="fr-FR"/>
+        </a:p>
+      </dgm:t>
+    </dgm:pt>
+    <dgm:pt modelId="{E443E0CC-399E-43CE-BB7B-FC4F15E3AB5E}">
+      <dgm:prSet phldrT="[Texte]"/>
+      <dgm:spPr/>
+      <dgm:t>
+        <a:bodyPr/>
+        <a:lstStyle/>
+        <a:p>
+          <a:r>
+            <a:rPr lang="fr-FR" dirty="0" smtClean="0"/>
+            <a:t>Etude de marché</a:t>
+          </a:r>
+          <a:endParaRPr lang="fr-FR" dirty="0"/>
+        </a:p>
+      </dgm:t>
+    </dgm:pt>
+    <dgm:pt modelId="{F0DBEB4E-D19D-4F8D-B7D8-8261677AFBB4}" type="parTrans" cxnId="{FA359BE2-1528-4862-8557-3BB73AFBD06B}">
+      <dgm:prSet/>
+      <dgm:spPr/>
+      <dgm:t>
+        <a:bodyPr/>
+        <a:lstStyle/>
+        <a:p>
+          <a:endParaRPr lang="fr-FR"/>
+        </a:p>
+      </dgm:t>
+    </dgm:pt>
+    <dgm:pt modelId="{523C3B4C-D1BD-40F4-950F-AC52188A947A}" type="sibTrans" cxnId="{FA359BE2-1528-4862-8557-3BB73AFBD06B}">
+      <dgm:prSet/>
+      <dgm:spPr/>
+      <dgm:t>
+        <a:bodyPr/>
+        <a:lstStyle/>
+        <a:p>
+          <a:endParaRPr lang="fr-FR"/>
+        </a:p>
+      </dgm:t>
+    </dgm:pt>
+    <dgm:pt modelId="{F2D47B7D-8BDF-4F2F-A766-9F7F65FCE961}">
+      <dgm:prSet phldrT="[Texte]"/>
+      <dgm:spPr/>
+      <dgm:t>
+        <a:bodyPr/>
+        <a:lstStyle/>
+        <a:p>
+          <a:r>
+            <a:rPr lang="fr-FR" dirty="0" smtClean="0"/>
+            <a:t>Diagramme d’état</a:t>
+          </a:r>
+          <a:endParaRPr lang="fr-FR" dirty="0"/>
+        </a:p>
+      </dgm:t>
+    </dgm:pt>
+    <dgm:pt modelId="{F6C7F6E3-CF00-4235-93AA-EB27D762D8FE}" type="parTrans" cxnId="{BBFC22D0-DD61-4DA4-8B4F-77C806A8FA55}">
+      <dgm:prSet/>
+      <dgm:spPr/>
+      <dgm:t>
+        <a:bodyPr/>
+        <a:lstStyle/>
+        <a:p>
+          <a:endParaRPr lang="fr-FR"/>
+        </a:p>
+      </dgm:t>
+    </dgm:pt>
+    <dgm:pt modelId="{388FB196-B34D-4000-B344-9EA7701D63FA}" type="sibTrans" cxnId="{BBFC22D0-DD61-4DA4-8B4F-77C806A8FA55}">
+      <dgm:prSet/>
+      <dgm:spPr/>
+      <dgm:t>
+        <a:bodyPr/>
+        <a:lstStyle/>
+        <a:p>
+          <a:endParaRPr lang="fr-FR"/>
+        </a:p>
+      </dgm:t>
+    </dgm:pt>
+    <dgm:pt modelId="{9E046681-DC89-4A3C-8A5B-C4A7B4820919}">
+      <dgm:prSet phldrT="[Texte]"/>
+      <dgm:spPr/>
+      <dgm:t>
+        <a:bodyPr/>
+        <a:lstStyle/>
+        <a:p>
+          <a:r>
+            <a:rPr lang="fr-FR" dirty="0" smtClean="0"/>
+            <a:t>Le scénario du jeu</a:t>
+          </a:r>
+          <a:endParaRPr lang="fr-FR" dirty="0"/>
+        </a:p>
+      </dgm:t>
+    </dgm:pt>
+    <dgm:pt modelId="{0E8A2DCC-2F0C-4D16-AB3D-F04146DD40F9}" type="parTrans" cxnId="{A421196C-EE95-45D4-A34E-AFFB371EFE07}">
+      <dgm:prSet/>
+      <dgm:spPr/>
+      <dgm:t>
+        <a:bodyPr/>
+        <a:lstStyle/>
+        <a:p>
+          <a:endParaRPr lang="fr-FR"/>
+        </a:p>
+      </dgm:t>
+    </dgm:pt>
+    <dgm:pt modelId="{EB6470FE-344D-45BE-B55D-FC24F39D706C}" type="sibTrans" cxnId="{A421196C-EE95-45D4-A34E-AFFB371EFE07}">
+      <dgm:prSet/>
+      <dgm:spPr/>
+      <dgm:t>
+        <a:bodyPr/>
+        <a:lstStyle/>
+        <a:p>
+          <a:endParaRPr lang="fr-FR"/>
+        </a:p>
+      </dgm:t>
+    </dgm:pt>
+    <dgm:pt modelId="{6F9F8D15-2460-4905-AF08-D50C0B13DE05}">
+      <dgm:prSet phldrT="[Texte]"/>
+      <dgm:spPr/>
+      <dgm:t>
+        <a:bodyPr/>
+        <a:lstStyle/>
+        <a:p>
+          <a:r>
+            <a:rPr lang="fr-FR" dirty="0" smtClean="0"/>
+            <a:t>Les maquettes</a:t>
+          </a:r>
+          <a:endParaRPr lang="fr-FR" dirty="0"/>
+        </a:p>
+      </dgm:t>
+    </dgm:pt>
+    <dgm:pt modelId="{2FCF4C6E-8C2E-410C-9C70-3657DABE7626}" type="parTrans" cxnId="{8B34F81C-A7F1-477B-89C9-DDD37AAF8C32}">
+      <dgm:prSet/>
+      <dgm:spPr/>
+      <dgm:t>
+        <a:bodyPr/>
+        <a:lstStyle/>
+        <a:p>
+          <a:endParaRPr lang="fr-FR"/>
+        </a:p>
+      </dgm:t>
+    </dgm:pt>
+    <dgm:pt modelId="{E71B7482-A280-4D9C-89CB-C0CE194C41DB}" type="sibTrans" cxnId="{8B34F81C-A7F1-477B-89C9-DDD37AAF8C32}">
+      <dgm:prSet/>
+      <dgm:spPr/>
+      <dgm:t>
+        <a:bodyPr/>
+        <a:lstStyle/>
+        <a:p>
+          <a:endParaRPr lang="fr-FR"/>
+        </a:p>
+      </dgm:t>
+    </dgm:pt>
+    <dgm:pt modelId="{9AC0F8FC-69FF-4BFE-9D08-C20B2677DB86}">
+      <dgm:prSet phldrT="[Texte]"/>
+      <dgm:spPr/>
+      <dgm:t>
+        <a:bodyPr/>
+        <a:lstStyle/>
+        <a:p>
+          <a:r>
+            <a:rPr lang="fr-FR" dirty="0" smtClean="0"/>
+            <a:t>Répartition des tâches</a:t>
+          </a:r>
+          <a:endParaRPr lang="fr-FR" dirty="0"/>
+        </a:p>
+      </dgm:t>
+    </dgm:pt>
+    <dgm:pt modelId="{A7DF10B9-0FCC-436F-ABD9-BEE8F2799028}" type="parTrans" cxnId="{F2FD4354-45BE-4E63-A0B2-DCE3E7815014}">
+      <dgm:prSet/>
+      <dgm:spPr/>
+      <dgm:t>
+        <a:bodyPr/>
+        <a:lstStyle/>
+        <a:p>
+          <a:endParaRPr lang="fr-FR"/>
+        </a:p>
+      </dgm:t>
+    </dgm:pt>
+    <dgm:pt modelId="{745B4501-816D-4F4F-BA5C-725183FBA3A4}" type="sibTrans" cxnId="{F2FD4354-45BE-4E63-A0B2-DCE3E7815014}">
+      <dgm:prSet/>
+      <dgm:spPr/>
+      <dgm:t>
+        <a:bodyPr/>
+        <a:lstStyle/>
+        <a:p>
+          <a:endParaRPr lang="fr-FR"/>
+        </a:p>
+      </dgm:t>
+    </dgm:pt>
+    <dgm:pt modelId="{D59EB72C-D12F-4B37-BE08-00781793C997}">
+      <dgm:prSet phldrT="[Texte]"/>
+      <dgm:spPr/>
+      <dgm:t>
+        <a:bodyPr/>
+        <a:lstStyle/>
+        <a:p>
+          <a:r>
+            <a:rPr lang="fr-FR" dirty="0" smtClean="0"/>
+            <a:t>Matériels nécessaires</a:t>
+          </a:r>
+          <a:endParaRPr lang="fr-FR" dirty="0"/>
+        </a:p>
+      </dgm:t>
+    </dgm:pt>
+    <dgm:pt modelId="{D2D3BC28-50C2-4692-B183-1AEC5F76391D}" type="parTrans" cxnId="{E0B72A79-D551-4F03-AD7E-E94E83C5A341}">
+      <dgm:prSet/>
+      <dgm:spPr/>
+      <dgm:t>
+        <a:bodyPr/>
+        <a:lstStyle/>
+        <a:p>
+          <a:endParaRPr lang="fr-FR"/>
+        </a:p>
+      </dgm:t>
+    </dgm:pt>
+    <dgm:pt modelId="{6590D27B-9A15-42D6-8140-38F5C931D87F}" type="sibTrans" cxnId="{E0B72A79-D551-4F03-AD7E-E94E83C5A341}">
+      <dgm:prSet/>
+      <dgm:spPr/>
+      <dgm:t>
+        <a:bodyPr/>
+        <a:lstStyle/>
+        <a:p>
+          <a:endParaRPr lang="fr-FR"/>
+        </a:p>
+      </dgm:t>
+    </dgm:pt>
+    <dgm:pt modelId="{F0C99BDC-CCA8-4530-BC1F-1C8FD249BD21}">
+      <dgm:prSet phldrT="[Texte]"/>
+      <dgm:spPr/>
+      <dgm:t>
+        <a:bodyPr/>
+        <a:lstStyle/>
+        <a:p>
+          <a:r>
+            <a:rPr lang="fr-FR" dirty="0" smtClean="0"/>
+            <a:t>Notre mode de fonctionnement</a:t>
+          </a:r>
+          <a:endParaRPr lang="fr-FR" dirty="0"/>
+        </a:p>
+      </dgm:t>
+    </dgm:pt>
+    <dgm:pt modelId="{11A75260-7059-4E30-9E04-78743DFF2463}" type="parTrans" cxnId="{4AB02308-EEC0-4BAA-B710-1A9C26A84CF1}">
+      <dgm:prSet/>
+      <dgm:spPr/>
+      <dgm:t>
+        <a:bodyPr/>
+        <a:lstStyle/>
+        <a:p>
+          <a:endParaRPr lang="fr-FR"/>
+        </a:p>
+      </dgm:t>
+    </dgm:pt>
+    <dgm:pt modelId="{3F538602-75A8-4869-89DD-F01C7668D10C}" type="sibTrans" cxnId="{4AB02308-EEC0-4BAA-B710-1A9C26A84CF1}">
+      <dgm:prSet/>
+      <dgm:spPr/>
+      <dgm:t>
+        <a:bodyPr/>
+        <a:lstStyle/>
+        <a:p>
+          <a:endParaRPr lang="fr-FR"/>
+        </a:p>
+      </dgm:t>
+    </dgm:pt>
+    <dgm:pt modelId="{CE7AAC67-BC41-4C44-AC16-AE73B186EC47}" type="pres">
+      <dgm:prSet presAssocID="{517676F0-4D76-4882-8C05-7F918BBC6763}" presName="linearFlow" presStyleCnt="0">
+        <dgm:presLayoutVars>
+          <dgm:dir/>
+          <dgm:resizeHandles val="exact"/>
+        </dgm:presLayoutVars>
+      </dgm:prSet>
+      <dgm:spPr/>
+    </dgm:pt>
+    <dgm:pt modelId="{2242CD2B-6F49-4AA2-ABF5-2215F109EDE6}" type="pres">
+      <dgm:prSet presAssocID="{3704DF02-D571-4BF0-8FD4-87E73FAA467B}" presName="composite" presStyleCnt="0"/>
+      <dgm:spPr/>
+    </dgm:pt>
+    <dgm:pt modelId="{B180D815-CB10-47C8-B32B-9CD0B9BE2570}" type="pres">
+      <dgm:prSet presAssocID="{3704DF02-D571-4BF0-8FD4-87E73FAA467B}" presName="imgShp" presStyleLbl="fgImgPlace1" presStyleIdx="0" presStyleCnt="10"/>
+      <dgm:spPr>
+        <a:blipFill>
+          <a:blip xmlns:r="http://schemas.openxmlformats.org/officeDocument/2006/relationships" r:embed="rId1">
+            <a:duotone>
+              <a:schemeClr val="accent1">
+                <a:hueOff val="0"/>
+                <a:satOff val="0"/>
+                <a:lumOff val="0"/>
+                <a:alphaOff val="0"/>
+                <a:shade val="20000"/>
+                <a:satMod val="200000"/>
+              </a:schemeClr>
+              <a:schemeClr val="accent1">
+                <a:hueOff val="0"/>
+                <a:satOff val="0"/>
+                <a:lumOff val="0"/>
+                <a:alphaOff val="0"/>
+                <a:tint val="12000"/>
+                <a:satMod val="190000"/>
+              </a:schemeClr>
+            </a:duotone>
+            <a:extLst>
+              <a:ext uri="{28A0092B-C50C-407E-A947-70E740481C1C}">
+                <a14:useLocalDpi xmlns:a14="http://schemas.microsoft.com/office/drawing/2010/main" val="0"/>
+              </a:ext>
+            </a:extLst>
+          </a:blip>
+          <a:srcRect/>
+          <a:stretch>
+            <a:fillRect/>
+          </a:stretch>
+        </a:blipFill>
+      </dgm:spPr>
+    </dgm:pt>
+    <dgm:pt modelId="{2E129615-8406-4A10-BA45-3BBB08CF2395}" type="pres">
+      <dgm:prSet presAssocID="{3704DF02-D571-4BF0-8FD4-87E73FAA467B}" presName="txShp" presStyleLbl="node1" presStyleIdx="0" presStyleCnt="10">
+        <dgm:presLayoutVars>
+          <dgm:bulletEnabled val="1"/>
+        </dgm:presLayoutVars>
+      </dgm:prSet>
+      <dgm:spPr/>
+    </dgm:pt>
+    <dgm:pt modelId="{F7836A65-BDC6-407E-8DEB-AAC422A543A8}" type="pres">
+      <dgm:prSet presAssocID="{42E98C6D-B3D6-4D86-B1AA-BCAC14F64351}" presName="spacing" presStyleCnt="0"/>
+      <dgm:spPr/>
+    </dgm:pt>
+    <dgm:pt modelId="{21E0E5B2-E984-4F0F-987F-7AF425D5A11F}" type="pres">
+      <dgm:prSet presAssocID="{AB1D5F6F-D154-4709-9953-4684310F3ABE}" presName="composite" presStyleCnt="0"/>
+      <dgm:spPr/>
+    </dgm:pt>
+    <dgm:pt modelId="{AA672841-325B-45A1-9290-5733D44579B4}" type="pres">
+      <dgm:prSet presAssocID="{AB1D5F6F-D154-4709-9953-4684310F3ABE}" presName="imgShp" presStyleLbl="fgImgPlace1" presStyleIdx="1" presStyleCnt="10"/>
+      <dgm:spPr>
+        <a:blipFill>
+          <a:blip xmlns:r="http://schemas.openxmlformats.org/officeDocument/2006/relationships" r:embed="rId2">
+            <a:duotone>
+              <a:schemeClr val="accent1">
+                <a:hueOff val="0"/>
+                <a:satOff val="0"/>
+                <a:lumOff val="0"/>
+                <a:alphaOff val="0"/>
+                <a:shade val="20000"/>
+                <a:satMod val="200000"/>
+              </a:schemeClr>
+              <a:schemeClr val="accent1">
+                <a:hueOff val="0"/>
+                <a:satOff val="0"/>
+                <a:lumOff val="0"/>
+                <a:alphaOff val="0"/>
+                <a:tint val="12000"/>
+                <a:satMod val="190000"/>
+              </a:schemeClr>
+            </a:duotone>
+            <a:extLst>
+              <a:ext uri="{28A0092B-C50C-407E-A947-70E740481C1C}">
+                <a14:useLocalDpi xmlns:a14="http://schemas.microsoft.com/office/drawing/2010/main" val="0"/>
+              </a:ext>
+            </a:extLst>
+          </a:blip>
+          <a:srcRect/>
+          <a:stretch>
+            <a:fillRect l="-12000" r="-12000"/>
+          </a:stretch>
+        </a:blipFill>
+      </dgm:spPr>
+    </dgm:pt>
+    <dgm:pt modelId="{096CE3AE-D674-40D2-AAB1-3E113910E04D}" type="pres">
+      <dgm:prSet presAssocID="{AB1D5F6F-D154-4709-9953-4684310F3ABE}" presName="txShp" presStyleLbl="node1" presStyleIdx="1" presStyleCnt="10">
+        <dgm:presLayoutVars>
+          <dgm:bulletEnabled val="1"/>
+        </dgm:presLayoutVars>
+      </dgm:prSet>
+      <dgm:spPr/>
+      <dgm:t>
+        <a:bodyPr/>
+        <a:lstStyle/>
+        <a:p>
+          <a:endParaRPr lang="fr-FR"/>
+        </a:p>
+      </dgm:t>
+    </dgm:pt>
+    <dgm:pt modelId="{C225C3E4-5199-4D73-B766-F3D76EDA7746}" type="pres">
+      <dgm:prSet presAssocID="{1E1BEAD4-7F3B-43AE-AF54-138F9C7C8C27}" presName="spacing" presStyleCnt="0"/>
+      <dgm:spPr/>
+    </dgm:pt>
+    <dgm:pt modelId="{D8324D5D-EB71-435D-B3BC-58B15C161CD7}" type="pres">
+      <dgm:prSet presAssocID="{3EB24457-F417-4B5D-96F8-3C41FD87B85D}" presName="composite" presStyleCnt="0"/>
+      <dgm:spPr/>
+    </dgm:pt>
+    <dgm:pt modelId="{D73C7C92-0A60-46E5-AB23-D9782FE38F6A}" type="pres">
+      <dgm:prSet presAssocID="{3EB24457-F417-4B5D-96F8-3C41FD87B85D}" presName="imgShp" presStyleLbl="fgImgPlace1" presStyleIdx="2" presStyleCnt="10"/>
+      <dgm:spPr>
+        <a:blipFill>
+          <a:blip xmlns:r="http://schemas.openxmlformats.org/officeDocument/2006/relationships" r:embed="rId3">
+            <a:duotone>
+              <a:schemeClr val="accent1">
+                <a:hueOff val="0"/>
+                <a:satOff val="0"/>
+                <a:lumOff val="0"/>
+                <a:alphaOff val="0"/>
+                <a:shade val="20000"/>
+                <a:satMod val="200000"/>
+              </a:schemeClr>
+              <a:schemeClr val="accent1">
+                <a:hueOff val="0"/>
+                <a:satOff val="0"/>
+                <a:lumOff val="0"/>
+                <a:alphaOff val="0"/>
+                <a:tint val="12000"/>
+                <a:satMod val="190000"/>
+              </a:schemeClr>
+            </a:duotone>
+            <a:extLst>
+              <a:ext uri="{28A0092B-C50C-407E-A947-70E740481C1C}">
+                <a14:useLocalDpi xmlns:a14="http://schemas.microsoft.com/office/drawing/2010/main" val="0"/>
+              </a:ext>
+            </a:extLst>
+          </a:blip>
+          <a:srcRect/>
+          <a:stretch>
+            <a:fillRect l="-29000" r="-29000"/>
+          </a:stretch>
+        </a:blipFill>
+      </dgm:spPr>
+    </dgm:pt>
+    <dgm:pt modelId="{1A280CCC-8F43-4561-8A87-BBB9B41712B1}" type="pres">
+      <dgm:prSet presAssocID="{3EB24457-F417-4B5D-96F8-3C41FD87B85D}" presName="txShp" presStyleLbl="node1" presStyleIdx="2" presStyleCnt="10">
+        <dgm:presLayoutVars>
+          <dgm:bulletEnabled val="1"/>
+        </dgm:presLayoutVars>
+      </dgm:prSet>
+      <dgm:spPr/>
+    </dgm:pt>
+    <dgm:pt modelId="{427AFD9E-6976-4CCF-9104-DCAE5588D1BB}" type="pres">
+      <dgm:prSet presAssocID="{0AD1B4F3-5628-4799-88D3-1706CFC81424}" presName="spacing" presStyleCnt="0"/>
+      <dgm:spPr/>
+    </dgm:pt>
+    <dgm:pt modelId="{F79C844D-117B-444A-84FF-148B671C0391}" type="pres">
+      <dgm:prSet presAssocID="{E443E0CC-399E-43CE-BB7B-FC4F15E3AB5E}" presName="composite" presStyleCnt="0"/>
+      <dgm:spPr/>
+    </dgm:pt>
+    <dgm:pt modelId="{1C65644D-D8EF-4A2E-8167-89AC3EAD7C2D}" type="pres">
+      <dgm:prSet presAssocID="{E443E0CC-399E-43CE-BB7B-FC4F15E3AB5E}" presName="imgShp" presStyleLbl="fgImgPlace1" presStyleIdx="3" presStyleCnt="10"/>
+      <dgm:spPr>
+        <a:blipFill>
+          <a:blip xmlns:r="http://schemas.openxmlformats.org/officeDocument/2006/relationships" r:embed="rId4">
+            <a:duotone>
+              <a:schemeClr val="accent1">
+                <a:hueOff val="0"/>
+                <a:satOff val="0"/>
+                <a:lumOff val="0"/>
+                <a:alphaOff val="0"/>
+                <a:shade val="20000"/>
+                <a:satMod val="200000"/>
+              </a:schemeClr>
+              <a:schemeClr val="accent1">
+                <a:hueOff val="0"/>
+                <a:satOff val="0"/>
+                <a:lumOff val="0"/>
+                <a:alphaOff val="0"/>
+                <a:tint val="12000"/>
+                <a:satMod val="190000"/>
+              </a:schemeClr>
+            </a:duotone>
+            <a:extLst>
+              <a:ext uri="{28A0092B-C50C-407E-A947-70E740481C1C}">
+                <a14:useLocalDpi xmlns:a14="http://schemas.microsoft.com/office/drawing/2010/main" val="0"/>
+              </a:ext>
+            </a:extLst>
+          </a:blip>
+          <a:srcRect/>
+          <a:stretch>
+            <a:fillRect l="-17000" r="-17000"/>
+          </a:stretch>
+        </a:blipFill>
+      </dgm:spPr>
+    </dgm:pt>
+    <dgm:pt modelId="{E5C7AF33-AD7F-4103-AEE4-B1A9C1C069E5}" type="pres">
+      <dgm:prSet presAssocID="{E443E0CC-399E-43CE-BB7B-FC4F15E3AB5E}" presName="txShp" presStyleLbl="node1" presStyleIdx="3" presStyleCnt="10">
+        <dgm:presLayoutVars>
+          <dgm:bulletEnabled val="1"/>
+        </dgm:presLayoutVars>
+      </dgm:prSet>
+      <dgm:spPr/>
+    </dgm:pt>
+    <dgm:pt modelId="{5481F7AD-CEFE-4637-8559-17D78954D948}" type="pres">
+      <dgm:prSet presAssocID="{523C3B4C-D1BD-40F4-950F-AC52188A947A}" presName="spacing" presStyleCnt="0"/>
+      <dgm:spPr/>
+    </dgm:pt>
+    <dgm:pt modelId="{1D546E47-F67C-4F41-8394-82F22CBBF2D4}" type="pres">
+      <dgm:prSet presAssocID="{F2D47B7D-8BDF-4F2F-A766-9F7F65FCE961}" presName="composite" presStyleCnt="0"/>
+      <dgm:spPr/>
+    </dgm:pt>
+    <dgm:pt modelId="{136C0185-60D1-4126-BDF6-2F4EB4C0A4CF}" type="pres">
+      <dgm:prSet presAssocID="{F2D47B7D-8BDF-4F2F-A766-9F7F65FCE961}" presName="imgShp" presStyleLbl="fgImgPlace1" presStyleIdx="4" presStyleCnt="10"/>
+      <dgm:spPr>
+        <a:blipFill>
+          <a:blip xmlns:r="http://schemas.openxmlformats.org/officeDocument/2006/relationships" r:embed="rId5">
+            <a:duotone>
+              <a:schemeClr val="accent1">
+                <a:hueOff val="0"/>
+                <a:satOff val="0"/>
+                <a:lumOff val="0"/>
+                <a:alphaOff val="0"/>
+                <a:shade val="20000"/>
+                <a:satMod val="200000"/>
+              </a:schemeClr>
+              <a:schemeClr val="accent1">
+                <a:hueOff val="0"/>
+                <a:satOff val="0"/>
+                <a:lumOff val="0"/>
+                <a:alphaOff val="0"/>
+                <a:tint val="12000"/>
+                <a:satMod val="190000"/>
+              </a:schemeClr>
+            </a:duotone>
+            <a:extLst>
+              <a:ext uri="{28A0092B-C50C-407E-A947-70E740481C1C}">
+                <a14:useLocalDpi xmlns:a14="http://schemas.microsoft.com/office/drawing/2010/main" val="0"/>
+              </a:ext>
+            </a:extLst>
+          </a:blip>
+          <a:srcRect/>
+          <a:stretch>
+            <a:fillRect l="-58000" r="-58000"/>
+          </a:stretch>
+        </a:blipFill>
+      </dgm:spPr>
+    </dgm:pt>
+    <dgm:pt modelId="{5F290A53-BE0F-4790-B247-92D4F882CF8C}" type="pres">
+      <dgm:prSet presAssocID="{F2D47B7D-8BDF-4F2F-A766-9F7F65FCE961}" presName="txShp" presStyleLbl="node1" presStyleIdx="4" presStyleCnt="10">
+        <dgm:presLayoutVars>
+          <dgm:bulletEnabled val="1"/>
+        </dgm:presLayoutVars>
+      </dgm:prSet>
+      <dgm:spPr/>
+    </dgm:pt>
+    <dgm:pt modelId="{8B7D0D28-9694-4B7B-80BC-56B3D60C3110}" type="pres">
+      <dgm:prSet presAssocID="{388FB196-B34D-4000-B344-9EA7701D63FA}" presName="spacing" presStyleCnt="0"/>
+      <dgm:spPr/>
+    </dgm:pt>
+    <dgm:pt modelId="{014EA513-412D-4D92-A167-C0F1F852C3BE}" type="pres">
+      <dgm:prSet presAssocID="{9E046681-DC89-4A3C-8A5B-C4A7B4820919}" presName="composite" presStyleCnt="0"/>
+      <dgm:spPr/>
+    </dgm:pt>
+    <dgm:pt modelId="{F2691F1D-8B28-4225-90B5-2A4A19859209}" type="pres">
+      <dgm:prSet presAssocID="{9E046681-DC89-4A3C-8A5B-C4A7B4820919}" presName="imgShp" presStyleLbl="fgImgPlace1" presStyleIdx="5" presStyleCnt="10"/>
+      <dgm:spPr>
+        <a:blipFill>
+          <a:blip xmlns:r="http://schemas.openxmlformats.org/officeDocument/2006/relationships" r:embed="rId6">
+            <a:duotone>
+              <a:schemeClr val="accent1">
+                <a:hueOff val="0"/>
+                <a:satOff val="0"/>
+                <a:lumOff val="0"/>
+                <a:alphaOff val="0"/>
+                <a:shade val="20000"/>
+                <a:satMod val="200000"/>
+              </a:schemeClr>
+              <a:schemeClr val="accent1">
+                <a:hueOff val="0"/>
+                <a:satOff val="0"/>
+                <a:lumOff val="0"/>
+                <a:alphaOff val="0"/>
+                <a:tint val="12000"/>
+                <a:satMod val="190000"/>
+              </a:schemeClr>
+            </a:duotone>
+            <a:extLst>
+              <a:ext uri="{28A0092B-C50C-407E-A947-70E740481C1C}">
+                <a14:useLocalDpi xmlns:a14="http://schemas.microsoft.com/office/drawing/2010/main" val="0"/>
+              </a:ext>
+            </a:extLst>
+          </a:blip>
+          <a:srcRect/>
+          <a:stretch>
+            <a:fillRect l="-13000" r="-13000"/>
+          </a:stretch>
+        </a:blipFill>
+      </dgm:spPr>
+    </dgm:pt>
+    <dgm:pt modelId="{A6330504-8865-4BFA-A2D5-701393C90B05}" type="pres">
+      <dgm:prSet presAssocID="{9E046681-DC89-4A3C-8A5B-C4A7B4820919}" presName="txShp" presStyleLbl="node1" presStyleIdx="5" presStyleCnt="10">
+        <dgm:presLayoutVars>
+          <dgm:bulletEnabled val="1"/>
+        </dgm:presLayoutVars>
+      </dgm:prSet>
+      <dgm:spPr/>
+      <dgm:t>
+        <a:bodyPr/>
+        <a:lstStyle/>
+        <a:p>
+          <a:endParaRPr lang="fr-FR"/>
+        </a:p>
+      </dgm:t>
+    </dgm:pt>
+    <dgm:pt modelId="{37B84A8C-7DAB-4442-8BCB-67D55CC4DD47}" type="pres">
+      <dgm:prSet presAssocID="{EB6470FE-344D-45BE-B55D-FC24F39D706C}" presName="spacing" presStyleCnt="0"/>
+      <dgm:spPr/>
+    </dgm:pt>
+    <dgm:pt modelId="{8AB75DF6-B983-4CC9-8984-A71BD1BE974D}" type="pres">
+      <dgm:prSet presAssocID="{6F9F8D15-2460-4905-AF08-D50C0B13DE05}" presName="composite" presStyleCnt="0"/>
+      <dgm:spPr/>
+    </dgm:pt>
+    <dgm:pt modelId="{16F46547-51BA-45F0-935B-177E58A4229A}" type="pres">
+      <dgm:prSet presAssocID="{6F9F8D15-2460-4905-AF08-D50C0B13DE05}" presName="imgShp" presStyleLbl="fgImgPlace1" presStyleIdx="6" presStyleCnt="10"/>
+      <dgm:spPr>
+        <a:blipFill>
+          <a:blip xmlns:r="http://schemas.openxmlformats.org/officeDocument/2006/relationships" r:embed="rId7">
+            <a:duotone>
+              <a:schemeClr val="accent1">
+                <a:hueOff val="0"/>
+                <a:satOff val="0"/>
+                <a:lumOff val="0"/>
+                <a:alphaOff val="0"/>
+                <a:shade val="20000"/>
+                <a:satMod val="200000"/>
+              </a:schemeClr>
+              <a:schemeClr val="accent1">
+                <a:hueOff val="0"/>
+                <a:satOff val="0"/>
+                <a:lumOff val="0"/>
+                <a:alphaOff val="0"/>
+                <a:tint val="12000"/>
+                <a:satMod val="190000"/>
+              </a:schemeClr>
+            </a:duotone>
+            <a:extLst>
+              <a:ext uri="{28A0092B-C50C-407E-A947-70E740481C1C}">
+                <a14:useLocalDpi xmlns:a14="http://schemas.microsoft.com/office/drawing/2010/main" val="0"/>
+              </a:ext>
+            </a:extLst>
+          </a:blip>
+          <a:srcRect/>
+          <a:stretch>
+            <a:fillRect l="-12000" r="-12000"/>
+          </a:stretch>
+        </a:blipFill>
+      </dgm:spPr>
+    </dgm:pt>
+    <dgm:pt modelId="{6E4AA452-A86B-491D-AEFF-FF9EB9A3776B}" type="pres">
+      <dgm:prSet presAssocID="{6F9F8D15-2460-4905-AF08-D50C0B13DE05}" presName="txShp" presStyleLbl="node1" presStyleIdx="6" presStyleCnt="10">
+        <dgm:presLayoutVars>
+          <dgm:bulletEnabled val="1"/>
+        </dgm:presLayoutVars>
+      </dgm:prSet>
+      <dgm:spPr/>
+      <dgm:t>
+        <a:bodyPr/>
+        <a:lstStyle/>
+        <a:p>
+          <a:endParaRPr lang="fr-FR"/>
+        </a:p>
+      </dgm:t>
+    </dgm:pt>
+    <dgm:pt modelId="{BC84A35D-E66A-4D15-BE65-270376DF9322}" type="pres">
+      <dgm:prSet presAssocID="{E71B7482-A280-4D9C-89CB-C0CE194C41DB}" presName="spacing" presStyleCnt="0"/>
+      <dgm:spPr/>
+    </dgm:pt>
+    <dgm:pt modelId="{9BD7BC74-DFBE-4CC6-B331-934FCC9E90B0}" type="pres">
+      <dgm:prSet presAssocID="{9AC0F8FC-69FF-4BFE-9D08-C20B2677DB86}" presName="composite" presStyleCnt="0"/>
+      <dgm:spPr/>
+    </dgm:pt>
+    <dgm:pt modelId="{E822F2A8-C59A-45BF-B0CB-3508F19EC5BF}" type="pres">
+      <dgm:prSet presAssocID="{9AC0F8FC-69FF-4BFE-9D08-C20B2677DB86}" presName="imgShp" presStyleLbl="fgImgPlace1" presStyleIdx="7" presStyleCnt="10"/>
+      <dgm:spPr>
+        <a:blipFill>
+          <a:blip xmlns:r="http://schemas.openxmlformats.org/officeDocument/2006/relationships" r:embed="rId8">
+            <a:duotone>
+              <a:schemeClr val="accent1">
+                <a:hueOff val="0"/>
+                <a:satOff val="0"/>
+                <a:lumOff val="0"/>
+                <a:alphaOff val="0"/>
+                <a:shade val="20000"/>
+                <a:satMod val="200000"/>
+              </a:schemeClr>
+              <a:schemeClr val="accent1">
+                <a:hueOff val="0"/>
+                <a:satOff val="0"/>
+                <a:lumOff val="0"/>
+                <a:alphaOff val="0"/>
+                <a:tint val="12000"/>
+                <a:satMod val="190000"/>
+              </a:schemeClr>
+            </a:duotone>
+            <a:extLst>
+              <a:ext uri="{28A0092B-C50C-407E-A947-70E740481C1C}">
+                <a14:useLocalDpi xmlns:a14="http://schemas.microsoft.com/office/drawing/2010/main" val="0"/>
+              </a:ext>
+            </a:extLst>
+          </a:blip>
+          <a:srcRect/>
+          <a:stretch>
+            <a:fillRect t="-6000" b="-6000"/>
+          </a:stretch>
+        </a:blipFill>
+      </dgm:spPr>
+    </dgm:pt>
+    <dgm:pt modelId="{4F806FCB-3537-461F-A800-594F3D842D2A}" type="pres">
+      <dgm:prSet presAssocID="{9AC0F8FC-69FF-4BFE-9D08-C20B2677DB86}" presName="txShp" presStyleLbl="node1" presStyleIdx="7" presStyleCnt="10">
+        <dgm:presLayoutVars>
+          <dgm:bulletEnabled val="1"/>
+        </dgm:presLayoutVars>
+      </dgm:prSet>
+      <dgm:spPr/>
+    </dgm:pt>
+    <dgm:pt modelId="{959D0BBD-C187-4B03-B01A-48914C42E9B2}" type="pres">
+      <dgm:prSet presAssocID="{745B4501-816D-4F4F-BA5C-725183FBA3A4}" presName="spacing" presStyleCnt="0"/>
+      <dgm:spPr/>
+    </dgm:pt>
+    <dgm:pt modelId="{5445C184-D165-495C-85F3-AA4E07EFE47A}" type="pres">
+      <dgm:prSet presAssocID="{D59EB72C-D12F-4B37-BE08-00781793C997}" presName="composite" presStyleCnt="0"/>
+      <dgm:spPr/>
+    </dgm:pt>
+    <dgm:pt modelId="{54038919-93E4-4BB9-87F1-1AE82C587726}" type="pres">
+      <dgm:prSet presAssocID="{D59EB72C-D12F-4B37-BE08-00781793C997}" presName="imgShp" presStyleLbl="fgImgPlace1" presStyleIdx="8" presStyleCnt="10"/>
+      <dgm:spPr>
+        <a:blipFill>
+          <a:blip xmlns:r="http://schemas.openxmlformats.org/officeDocument/2006/relationships" r:embed="rId9">
+            <a:duotone>
+              <a:schemeClr val="accent1">
+                <a:hueOff val="0"/>
+                <a:satOff val="0"/>
+                <a:lumOff val="0"/>
+                <a:alphaOff val="0"/>
+                <a:shade val="20000"/>
+                <a:satMod val="200000"/>
+              </a:schemeClr>
+              <a:schemeClr val="accent1">
+                <a:hueOff val="0"/>
+                <a:satOff val="0"/>
+                <a:lumOff val="0"/>
+                <a:alphaOff val="0"/>
+                <a:tint val="12000"/>
+                <a:satMod val="190000"/>
+              </a:schemeClr>
+            </a:duotone>
+            <a:extLst>
+              <a:ext uri="{28A0092B-C50C-407E-A947-70E740481C1C}">
+                <a14:useLocalDpi xmlns:a14="http://schemas.microsoft.com/office/drawing/2010/main" val="0"/>
+              </a:ext>
+            </a:extLst>
+          </a:blip>
+          <a:srcRect/>
+          <a:stretch>
+            <a:fillRect l="-20000" r="-20000"/>
+          </a:stretch>
+        </a:blipFill>
+      </dgm:spPr>
+    </dgm:pt>
+    <dgm:pt modelId="{DB93A03D-4F75-4207-8CBA-ABB7F54E572E}" type="pres">
+      <dgm:prSet presAssocID="{D59EB72C-D12F-4B37-BE08-00781793C997}" presName="txShp" presStyleLbl="node1" presStyleIdx="8" presStyleCnt="10">
+        <dgm:presLayoutVars>
+          <dgm:bulletEnabled val="1"/>
+        </dgm:presLayoutVars>
+      </dgm:prSet>
+      <dgm:spPr/>
+    </dgm:pt>
+    <dgm:pt modelId="{F17CB223-5587-46A5-A666-9C19DA2480DC}" type="pres">
+      <dgm:prSet presAssocID="{6590D27B-9A15-42D6-8140-38F5C931D87F}" presName="spacing" presStyleCnt="0"/>
+      <dgm:spPr/>
+    </dgm:pt>
+    <dgm:pt modelId="{302ADBD6-B8D8-40C8-A07C-F5ADB929A716}" type="pres">
+      <dgm:prSet presAssocID="{F0C99BDC-CCA8-4530-BC1F-1C8FD249BD21}" presName="composite" presStyleCnt="0"/>
+      <dgm:spPr/>
+    </dgm:pt>
+    <dgm:pt modelId="{205245F4-C73D-4CD2-9DC8-7DAAE0F213EF}" type="pres">
+      <dgm:prSet presAssocID="{F0C99BDC-CCA8-4530-BC1F-1C8FD249BD21}" presName="imgShp" presStyleLbl="fgImgPlace1" presStyleIdx="9" presStyleCnt="10"/>
+      <dgm:spPr>
+        <a:blipFill>
+          <a:blip xmlns:r="http://schemas.openxmlformats.org/officeDocument/2006/relationships" r:embed="rId10">
+            <a:duotone>
+              <a:schemeClr val="accent1">
+                <a:hueOff val="0"/>
+                <a:satOff val="0"/>
+                <a:lumOff val="0"/>
+                <a:alphaOff val="0"/>
+                <a:shade val="20000"/>
+                <a:satMod val="200000"/>
+              </a:schemeClr>
+              <a:schemeClr val="accent1">
+                <a:hueOff val="0"/>
+                <a:satOff val="0"/>
+                <a:lumOff val="0"/>
+                <a:alphaOff val="0"/>
+                <a:tint val="12000"/>
+                <a:satMod val="190000"/>
+              </a:schemeClr>
+            </a:duotone>
+            <a:extLst>
+              <a:ext uri="{28A0092B-C50C-407E-A947-70E740481C1C}">
+                <a14:useLocalDpi xmlns:a14="http://schemas.microsoft.com/office/drawing/2010/main" val="0"/>
+              </a:ext>
+            </a:extLst>
+          </a:blip>
+          <a:srcRect/>
+          <a:stretch>
+            <a:fillRect/>
+          </a:stretch>
+        </a:blipFill>
+      </dgm:spPr>
+    </dgm:pt>
+    <dgm:pt modelId="{23DAA865-48F3-4CBF-BF23-B6B2DE0F51D0}" type="pres">
+      <dgm:prSet presAssocID="{F0C99BDC-CCA8-4530-BC1F-1C8FD249BD21}" presName="txShp" presStyleLbl="node1" presStyleIdx="9" presStyleCnt="10">
+        <dgm:presLayoutVars>
+          <dgm:bulletEnabled val="1"/>
+        </dgm:presLayoutVars>
+      </dgm:prSet>
+      <dgm:spPr/>
+    </dgm:pt>
+  </dgm:ptLst>
+  <dgm:cxnLst>
+    <dgm:cxn modelId="{127FB36D-35D3-42CC-8FEA-16127F2365F5}" srcId="{517676F0-4D76-4882-8C05-7F918BBC6763}" destId="{AB1D5F6F-D154-4709-9953-4684310F3ABE}" srcOrd="1" destOrd="0" parTransId="{B0C2C3E4-C0B8-4AC2-8EF4-774109E8E2E4}" sibTransId="{1E1BEAD4-7F3B-43AE-AF54-138F9C7C8C27}"/>
+    <dgm:cxn modelId="{A421196C-EE95-45D4-A34E-AFFB371EFE07}" srcId="{517676F0-4D76-4882-8C05-7F918BBC6763}" destId="{9E046681-DC89-4A3C-8A5B-C4A7B4820919}" srcOrd="5" destOrd="0" parTransId="{0E8A2DCC-2F0C-4D16-AB3D-F04146DD40F9}" sibTransId="{EB6470FE-344D-45BE-B55D-FC24F39D706C}"/>
+    <dgm:cxn modelId="{86E27366-BC9C-4355-9082-72845B055D23}" type="presOf" srcId="{E443E0CC-399E-43CE-BB7B-FC4F15E3AB5E}" destId="{E5C7AF33-AD7F-4103-AEE4-B1A9C1C069E5}" srcOrd="0" destOrd="0" presId="urn:microsoft.com/office/officeart/2005/8/layout/vList3"/>
+    <dgm:cxn modelId="{F2FD4354-45BE-4E63-A0B2-DCE3E7815014}" srcId="{517676F0-4D76-4882-8C05-7F918BBC6763}" destId="{9AC0F8FC-69FF-4BFE-9D08-C20B2677DB86}" srcOrd="7" destOrd="0" parTransId="{A7DF10B9-0FCC-436F-ABD9-BEE8F2799028}" sibTransId="{745B4501-816D-4F4F-BA5C-725183FBA3A4}"/>
+    <dgm:cxn modelId="{4AB02308-EEC0-4BAA-B710-1A9C26A84CF1}" srcId="{517676F0-4D76-4882-8C05-7F918BBC6763}" destId="{F0C99BDC-CCA8-4530-BC1F-1C8FD249BD21}" srcOrd="9" destOrd="0" parTransId="{11A75260-7059-4E30-9E04-78743DFF2463}" sibTransId="{3F538602-75A8-4869-89DD-F01C7668D10C}"/>
+    <dgm:cxn modelId="{8CD53A39-3AD1-4C46-87CC-C741DA39FD5C}" type="presOf" srcId="{3704DF02-D571-4BF0-8FD4-87E73FAA467B}" destId="{2E129615-8406-4A10-BA45-3BBB08CF2395}" srcOrd="0" destOrd="0" presId="urn:microsoft.com/office/officeart/2005/8/layout/vList3"/>
+    <dgm:cxn modelId="{839BA848-22E9-45D9-A825-2D541AF2B01E}" type="presOf" srcId="{9E046681-DC89-4A3C-8A5B-C4A7B4820919}" destId="{A6330504-8865-4BFA-A2D5-701393C90B05}" srcOrd="0" destOrd="0" presId="urn:microsoft.com/office/officeart/2005/8/layout/vList3"/>
+    <dgm:cxn modelId="{8B34F81C-A7F1-477B-89C9-DDD37AAF8C32}" srcId="{517676F0-4D76-4882-8C05-7F918BBC6763}" destId="{6F9F8D15-2460-4905-AF08-D50C0B13DE05}" srcOrd="6" destOrd="0" parTransId="{2FCF4C6E-8C2E-410C-9C70-3657DABE7626}" sibTransId="{E71B7482-A280-4D9C-89CB-C0CE194C41DB}"/>
+    <dgm:cxn modelId="{06D35D56-F6FB-42AE-8568-E0BAEA1F951E}" type="presOf" srcId="{517676F0-4D76-4882-8C05-7F918BBC6763}" destId="{CE7AAC67-BC41-4C44-AC16-AE73B186EC47}" srcOrd="0" destOrd="0" presId="urn:microsoft.com/office/officeart/2005/8/layout/vList3"/>
+    <dgm:cxn modelId="{DECE5041-12E0-49C7-B8F0-2BE8BC0F90CA}" type="presOf" srcId="{D59EB72C-D12F-4B37-BE08-00781793C997}" destId="{DB93A03D-4F75-4207-8CBA-ABB7F54E572E}" srcOrd="0" destOrd="0" presId="urn:microsoft.com/office/officeart/2005/8/layout/vList3"/>
+    <dgm:cxn modelId="{34DE5B25-0FF1-43B9-B6F8-77F5E321A409}" type="presOf" srcId="{3EB24457-F417-4B5D-96F8-3C41FD87B85D}" destId="{1A280CCC-8F43-4561-8A87-BBB9B41712B1}" srcOrd="0" destOrd="0" presId="urn:microsoft.com/office/officeart/2005/8/layout/vList3"/>
+    <dgm:cxn modelId="{FA359BE2-1528-4862-8557-3BB73AFBD06B}" srcId="{517676F0-4D76-4882-8C05-7F918BBC6763}" destId="{E443E0CC-399E-43CE-BB7B-FC4F15E3AB5E}" srcOrd="3" destOrd="0" parTransId="{F0DBEB4E-D19D-4F8D-B7D8-8261677AFBB4}" sibTransId="{523C3B4C-D1BD-40F4-950F-AC52188A947A}"/>
+    <dgm:cxn modelId="{9993AAF5-2709-4E36-8F65-C83477181E75}" type="presOf" srcId="{6F9F8D15-2460-4905-AF08-D50C0B13DE05}" destId="{6E4AA452-A86B-491D-AEFF-FF9EB9A3776B}" srcOrd="0" destOrd="0" presId="urn:microsoft.com/office/officeart/2005/8/layout/vList3"/>
+    <dgm:cxn modelId="{5A812DAE-7956-4806-B78F-7D2907CCF2E7}" srcId="{517676F0-4D76-4882-8C05-7F918BBC6763}" destId="{3EB24457-F417-4B5D-96F8-3C41FD87B85D}" srcOrd="2" destOrd="0" parTransId="{B0AEEB51-DEC6-4F01-9573-0594B2E83BF6}" sibTransId="{0AD1B4F3-5628-4799-88D3-1706CFC81424}"/>
+    <dgm:cxn modelId="{CB91057E-E546-481B-A282-AC99469D17F7}" type="presOf" srcId="{AB1D5F6F-D154-4709-9953-4684310F3ABE}" destId="{096CE3AE-D674-40D2-AAB1-3E113910E04D}" srcOrd="0" destOrd="0" presId="urn:microsoft.com/office/officeart/2005/8/layout/vList3"/>
+    <dgm:cxn modelId="{B3CF4D0C-B986-4755-AE31-9590E90B8483}" srcId="{517676F0-4D76-4882-8C05-7F918BBC6763}" destId="{3704DF02-D571-4BF0-8FD4-87E73FAA467B}" srcOrd="0" destOrd="0" parTransId="{815180CB-F197-496A-931A-D21DF1E1AFA2}" sibTransId="{42E98C6D-B3D6-4D86-B1AA-BCAC14F64351}"/>
+    <dgm:cxn modelId="{0EDA99B3-22E2-4C3F-8814-B6C82E764479}" type="presOf" srcId="{9AC0F8FC-69FF-4BFE-9D08-C20B2677DB86}" destId="{4F806FCB-3537-461F-A800-594F3D842D2A}" srcOrd="0" destOrd="0" presId="urn:microsoft.com/office/officeart/2005/8/layout/vList3"/>
+    <dgm:cxn modelId="{5F6CA199-FDA1-44B4-A391-774F3C46C579}" type="presOf" srcId="{F0C99BDC-CCA8-4530-BC1F-1C8FD249BD21}" destId="{23DAA865-48F3-4CBF-BF23-B6B2DE0F51D0}" srcOrd="0" destOrd="0" presId="urn:microsoft.com/office/officeart/2005/8/layout/vList3"/>
+    <dgm:cxn modelId="{E0B72A79-D551-4F03-AD7E-E94E83C5A341}" srcId="{517676F0-4D76-4882-8C05-7F918BBC6763}" destId="{D59EB72C-D12F-4B37-BE08-00781793C997}" srcOrd="8" destOrd="0" parTransId="{D2D3BC28-50C2-4692-B183-1AEC5F76391D}" sibTransId="{6590D27B-9A15-42D6-8140-38F5C931D87F}"/>
+    <dgm:cxn modelId="{B3FA611C-A6A6-4C86-9D4F-A888264B1A7F}" type="presOf" srcId="{F2D47B7D-8BDF-4F2F-A766-9F7F65FCE961}" destId="{5F290A53-BE0F-4790-B247-92D4F882CF8C}" srcOrd="0" destOrd="0" presId="urn:microsoft.com/office/officeart/2005/8/layout/vList3"/>
+    <dgm:cxn modelId="{BBFC22D0-DD61-4DA4-8B4F-77C806A8FA55}" srcId="{517676F0-4D76-4882-8C05-7F918BBC6763}" destId="{F2D47B7D-8BDF-4F2F-A766-9F7F65FCE961}" srcOrd="4" destOrd="0" parTransId="{F6C7F6E3-CF00-4235-93AA-EB27D762D8FE}" sibTransId="{388FB196-B34D-4000-B344-9EA7701D63FA}"/>
+    <dgm:cxn modelId="{7FDBA245-8F5C-4409-95C1-DE16BC110BB1}" type="presParOf" srcId="{CE7AAC67-BC41-4C44-AC16-AE73B186EC47}" destId="{2242CD2B-6F49-4AA2-ABF5-2215F109EDE6}" srcOrd="0" destOrd="0" presId="urn:microsoft.com/office/officeart/2005/8/layout/vList3"/>
+    <dgm:cxn modelId="{96340088-ED6A-485D-9A36-031F65220221}" type="presParOf" srcId="{2242CD2B-6F49-4AA2-ABF5-2215F109EDE6}" destId="{B180D815-CB10-47C8-B32B-9CD0B9BE2570}" srcOrd="0" destOrd="0" presId="urn:microsoft.com/office/officeart/2005/8/layout/vList3"/>
+    <dgm:cxn modelId="{AAFC73AC-EE2D-4B63-B1C1-3CEB5C1A97D1}" type="presParOf" srcId="{2242CD2B-6F49-4AA2-ABF5-2215F109EDE6}" destId="{2E129615-8406-4A10-BA45-3BBB08CF2395}" srcOrd="1" destOrd="0" presId="urn:microsoft.com/office/officeart/2005/8/layout/vList3"/>
+    <dgm:cxn modelId="{C731A117-BCDB-4E9C-A8BD-323DF9458200}" type="presParOf" srcId="{CE7AAC67-BC41-4C44-AC16-AE73B186EC47}" destId="{F7836A65-BDC6-407E-8DEB-AAC422A543A8}" srcOrd="1" destOrd="0" presId="urn:microsoft.com/office/officeart/2005/8/layout/vList3"/>
+    <dgm:cxn modelId="{80B915B5-85C4-4977-B74B-C78C3CC75936}" type="presParOf" srcId="{CE7AAC67-BC41-4C44-AC16-AE73B186EC47}" destId="{21E0E5B2-E984-4F0F-987F-7AF425D5A11F}" srcOrd="2" destOrd="0" presId="urn:microsoft.com/office/officeart/2005/8/layout/vList3"/>
+    <dgm:cxn modelId="{EB6A798B-E68B-4021-BBC5-6A139CF8211E}" type="presParOf" srcId="{21E0E5B2-E984-4F0F-987F-7AF425D5A11F}" destId="{AA672841-325B-45A1-9290-5733D44579B4}" srcOrd="0" destOrd="0" presId="urn:microsoft.com/office/officeart/2005/8/layout/vList3"/>
+    <dgm:cxn modelId="{CD68D703-8611-45F2-9ADD-0776418E08AB}" type="presParOf" srcId="{21E0E5B2-E984-4F0F-987F-7AF425D5A11F}" destId="{096CE3AE-D674-40D2-AAB1-3E113910E04D}" srcOrd="1" destOrd="0" presId="urn:microsoft.com/office/officeart/2005/8/layout/vList3"/>
+    <dgm:cxn modelId="{EAB0A125-0585-4052-9843-B69B3DE0174B}" type="presParOf" srcId="{CE7AAC67-BC41-4C44-AC16-AE73B186EC47}" destId="{C225C3E4-5199-4D73-B766-F3D76EDA7746}" srcOrd="3" destOrd="0" presId="urn:microsoft.com/office/officeart/2005/8/layout/vList3"/>
+    <dgm:cxn modelId="{752CE0D9-A3AB-427C-A7CE-23B9B48490A5}" type="presParOf" srcId="{CE7AAC67-BC41-4C44-AC16-AE73B186EC47}" destId="{D8324D5D-EB71-435D-B3BC-58B15C161CD7}" srcOrd="4" destOrd="0" presId="urn:microsoft.com/office/officeart/2005/8/layout/vList3"/>
+    <dgm:cxn modelId="{73414AA6-F9FD-407E-8307-AA6360A33189}" type="presParOf" srcId="{D8324D5D-EB71-435D-B3BC-58B15C161CD7}" destId="{D73C7C92-0A60-46E5-AB23-D9782FE38F6A}" srcOrd="0" destOrd="0" presId="urn:microsoft.com/office/officeart/2005/8/layout/vList3"/>
+    <dgm:cxn modelId="{035F7F50-FB1E-480C-AB46-70A3076C256B}" type="presParOf" srcId="{D8324D5D-EB71-435D-B3BC-58B15C161CD7}" destId="{1A280CCC-8F43-4561-8A87-BBB9B41712B1}" srcOrd="1" destOrd="0" presId="urn:microsoft.com/office/officeart/2005/8/layout/vList3"/>
+    <dgm:cxn modelId="{8C65853B-0D51-46AD-85D0-5972FCDC5063}" type="presParOf" srcId="{CE7AAC67-BC41-4C44-AC16-AE73B186EC47}" destId="{427AFD9E-6976-4CCF-9104-DCAE5588D1BB}" srcOrd="5" destOrd="0" presId="urn:microsoft.com/office/officeart/2005/8/layout/vList3"/>
+    <dgm:cxn modelId="{D801E613-E6F1-449E-BC32-340B3D6F27EE}" type="presParOf" srcId="{CE7AAC67-BC41-4C44-AC16-AE73B186EC47}" destId="{F79C844D-117B-444A-84FF-148B671C0391}" srcOrd="6" destOrd="0" presId="urn:microsoft.com/office/officeart/2005/8/layout/vList3"/>
+    <dgm:cxn modelId="{F6624F5C-E536-455B-9209-6CE12BD53FF3}" type="presParOf" srcId="{F79C844D-117B-444A-84FF-148B671C0391}" destId="{1C65644D-D8EF-4A2E-8167-89AC3EAD7C2D}" srcOrd="0" destOrd="0" presId="urn:microsoft.com/office/officeart/2005/8/layout/vList3"/>
+    <dgm:cxn modelId="{90012D6A-A8B0-459A-B22D-34B1AEB21E67}" type="presParOf" srcId="{F79C844D-117B-444A-84FF-148B671C0391}" destId="{E5C7AF33-AD7F-4103-AEE4-B1A9C1C069E5}" srcOrd="1" destOrd="0" presId="urn:microsoft.com/office/officeart/2005/8/layout/vList3"/>
+    <dgm:cxn modelId="{E18EBAE5-76E4-4AF3-BA46-6BEDB6DAAF9A}" type="presParOf" srcId="{CE7AAC67-BC41-4C44-AC16-AE73B186EC47}" destId="{5481F7AD-CEFE-4637-8559-17D78954D948}" srcOrd="7" destOrd="0" presId="urn:microsoft.com/office/officeart/2005/8/layout/vList3"/>
+    <dgm:cxn modelId="{3ECA2D5F-8493-4D96-9CC3-CC2811D37709}" type="presParOf" srcId="{CE7AAC67-BC41-4C44-AC16-AE73B186EC47}" destId="{1D546E47-F67C-4F41-8394-82F22CBBF2D4}" srcOrd="8" destOrd="0" presId="urn:microsoft.com/office/officeart/2005/8/layout/vList3"/>
+    <dgm:cxn modelId="{BCD6F325-C3AE-43AA-9229-CDAC435F1AE3}" type="presParOf" srcId="{1D546E47-F67C-4F41-8394-82F22CBBF2D4}" destId="{136C0185-60D1-4126-BDF6-2F4EB4C0A4CF}" srcOrd="0" destOrd="0" presId="urn:microsoft.com/office/officeart/2005/8/layout/vList3"/>
+    <dgm:cxn modelId="{4E150673-DAD3-4449-A5CC-0D82CCF35F72}" type="presParOf" srcId="{1D546E47-F67C-4F41-8394-82F22CBBF2D4}" destId="{5F290A53-BE0F-4790-B247-92D4F882CF8C}" srcOrd="1" destOrd="0" presId="urn:microsoft.com/office/officeart/2005/8/layout/vList3"/>
+    <dgm:cxn modelId="{92D311B9-4A92-4791-898A-E7838857FFD5}" type="presParOf" srcId="{CE7AAC67-BC41-4C44-AC16-AE73B186EC47}" destId="{8B7D0D28-9694-4B7B-80BC-56B3D60C3110}" srcOrd="9" destOrd="0" presId="urn:microsoft.com/office/officeart/2005/8/layout/vList3"/>
+    <dgm:cxn modelId="{42EFB56D-9B34-4C74-8A2B-8DD0289FD9AF}" type="presParOf" srcId="{CE7AAC67-BC41-4C44-AC16-AE73B186EC47}" destId="{014EA513-412D-4D92-A167-C0F1F852C3BE}" srcOrd="10" destOrd="0" presId="urn:microsoft.com/office/officeart/2005/8/layout/vList3"/>
+    <dgm:cxn modelId="{1DAE24B6-7A76-4F80-9A23-5D1A1E6BEDA2}" type="presParOf" srcId="{014EA513-412D-4D92-A167-C0F1F852C3BE}" destId="{F2691F1D-8B28-4225-90B5-2A4A19859209}" srcOrd="0" destOrd="0" presId="urn:microsoft.com/office/officeart/2005/8/layout/vList3"/>
+    <dgm:cxn modelId="{E7811F89-BFD7-4A9E-9B05-C32AD3ACE019}" type="presParOf" srcId="{014EA513-412D-4D92-A167-C0F1F852C3BE}" destId="{A6330504-8865-4BFA-A2D5-701393C90B05}" srcOrd="1" destOrd="0" presId="urn:microsoft.com/office/officeart/2005/8/layout/vList3"/>
+    <dgm:cxn modelId="{8574EC86-AC34-4324-B5CC-89B0055FF118}" type="presParOf" srcId="{CE7AAC67-BC41-4C44-AC16-AE73B186EC47}" destId="{37B84A8C-7DAB-4442-8BCB-67D55CC4DD47}" srcOrd="11" destOrd="0" presId="urn:microsoft.com/office/officeart/2005/8/layout/vList3"/>
+    <dgm:cxn modelId="{323E012D-25DE-46E1-8EEF-6D6691C1406F}" type="presParOf" srcId="{CE7AAC67-BC41-4C44-AC16-AE73B186EC47}" destId="{8AB75DF6-B983-4CC9-8984-A71BD1BE974D}" srcOrd="12" destOrd="0" presId="urn:microsoft.com/office/officeart/2005/8/layout/vList3"/>
+    <dgm:cxn modelId="{B4F36FA7-3061-48DC-8C5A-DBB8858E04AE}" type="presParOf" srcId="{8AB75DF6-B983-4CC9-8984-A71BD1BE974D}" destId="{16F46547-51BA-45F0-935B-177E58A4229A}" srcOrd="0" destOrd="0" presId="urn:microsoft.com/office/officeart/2005/8/layout/vList3"/>
+    <dgm:cxn modelId="{47958122-D56D-44BF-BB15-7FB6F8621D40}" type="presParOf" srcId="{8AB75DF6-B983-4CC9-8984-A71BD1BE974D}" destId="{6E4AA452-A86B-491D-AEFF-FF9EB9A3776B}" srcOrd="1" destOrd="0" presId="urn:microsoft.com/office/officeart/2005/8/layout/vList3"/>
+    <dgm:cxn modelId="{1FC8366A-8074-4C6C-AF79-2F988B9AF1AF}" type="presParOf" srcId="{CE7AAC67-BC41-4C44-AC16-AE73B186EC47}" destId="{BC84A35D-E66A-4D15-BE65-270376DF9322}" srcOrd="13" destOrd="0" presId="urn:microsoft.com/office/officeart/2005/8/layout/vList3"/>
+    <dgm:cxn modelId="{1BB563E5-E530-47B5-A54F-3651599900BA}" type="presParOf" srcId="{CE7AAC67-BC41-4C44-AC16-AE73B186EC47}" destId="{9BD7BC74-DFBE-4CC6-B331-934FCC9E90B0}" srcOrd="14" destOrd="0" presId="urn:microsoft.com/office/officeart/2005/8/layout/vList3"/>
+    <dgm:cxn modelId="{B233E5EA-242C-4BDB-A8B2-D85AD4AF05F9}" type="presParOf" srcId="{9BD7BC74-DFBE-4CC6-B331-934FCC9E90B0}" destId="{E822F2A8-C59A-45BF-B0CB-3508F19EC5BF}" srcOrd="0" destOrd="0" presId="urn:microsoft.com/office/officeart/2005/8/layout/vList3"/>
+    <dgm:cxn modelId="{DAE3980E-5AFA-4A1A-8681-E18E17FF5079}" type="presParOf" srcId="{9BD7BC74-DFBE-4CC6-B331-934FCC9E90B0}" destId="{4F806FCB-3537-461F-A800-594F3D842D2A}" srcOrd="1" destOrd="0" presId="urn:microsoft.com/office/officeart/2005/8/layout/vList3"/>
+    <dgm:cxn modelId="{F0DF5D80-94CE-4DCE-9B88-4F34E8CD3361}" type="presParOf" srcId="{CE7AAC67-BC41-4C44-AC16-AE73B186EC47}" destId="{959D0BBD-C187-4B03-B01A-48914C42E9B2}" srcOrd="15" destOrd="0" presId="urn:microsoft.com/office/officeart/2005/8/layout/vList3"/>
+    <dgm:cxn modelId="{04F9D24B-57CF-43C6-9A2B-DDEB0DDE61E2}" type="presParOf" srcId="{CE7AAC67-BC41-4C44-AC16-AE73B186EC47}" destId="{5445C184-D165-495C-85F3-AA4E07EFE47A}" srcOrd="16" destOrd="0" presId="urn:microsoft.com/office/officeart/2005/8/layout/vList3"/>
+    <dgm:cxn modelId="{2F30FC6A-C057-4F86-AC23-32E0E06BA374}" type="presParOf" srcId="{5445C184-D165-495C-85F3-AA4E07EFE47A}" destId="{54038919-93E4-4BB9-87F1-1AE82C587726}" srcOrd="0" destOrd="0" presId="urn:microsoft.com/office/officeart/2005/8/layout/vList3"/>
+    <dgm:cxn modelId="{B06AD222-4F3E-4788-B66C-730116705D87}" type="presParOf" srcId="{5445C184-D165-495C-85F3-AA4E07EFE47A}" destId="{DB93A03D-4F75-4207-8CBA-ABB7F54E572E}" srcOrd="1" destOrd="0" presId="urn:microsoft.com/office/officeart/2005/8/layout/vList3"/>
+    <dgm:cxn modelId="{E1282C57-4155-461A-9FC1-57012F7890F0}" type="presParOf" srcId="{CE7AAC67-BC41-4C44-AC16-AE73B186EC47}" destId="{F17CB223-5587-46A5-A666-9C19DA2480DC}" srcOrd="17" destOrd="0" presId="urn:microsoft.com/office/officeart/2005/8/layout/vList3"/>
+    <dgm:cxn modelId="{A1859F78-BC0D-457F-BAC6-456FADC7B142}" type="presParOf" srcId="{CE7AAC67-BC41-4C44-AC16-AE73B186EC47}" destId="{302ADBD6-B8D8-40C8-A07C-F5ADB929A716}" srcOrd="18" destOrd="0" presId="urn:microsoft.com/office/officeart/2005/8/layout/vList3"/>
+    <dgm:cxn modelId="{9EA6B2BE-84B7-45EF-BBCD-C5647AD7F303}" type="presParOf" srcId="{302ADBD6-B8D8-40C8-A07C-F5ADB929A716}" destId="{205245F4-C73D-4CD2-9DC8-7DAAE0F213EF}" srcOrd="0" destOrd="0" presId="urn:microsoft.com/office/officeart/2005/8/layout/vList3"/>
+    <dgm:cxn modelId="{2102AEA1-C830-4E9E-BEDF-D960C953C4F2}" type="presParOf" srcId="{302ADBD6-B8D8-40C8-A07C-F5ADB929A716}" destId="{23DAA865-48F3-4CBF-BF23-B6B2DE0F51D0}" srcOrd="1" destOrd="0" presId="urn:microsoft.com/office/officeart/2005/8/layout/vList3"/>
+  </dgm:cxnLst>
+  <dgm:bg/>
+  <dgm:whole/>
+  <dgm:extLst>
+    <a:ext uri="http://schemas.microsoft.com/office/drawing/2008/diagram">
+      <dsp:dataModelExt xmlns:dsp="http://schemas.microsoft.com/office/drawing/2008/diagram" relId="rId6" minVer="http://schemas.openxmlformats.org/drawingml/2006/diagram"/>
+    </a:ext>
+    <a:ext uri="{C62137D5-CB1D-491B-B009-E17868A290BF}">
+      <dgm14:recolorImg xmlns:dgm14="http://schemas.microsoft.com/office/drawing/2010/diagram" val="1"/>
+    </a:ext>
+  </dgm:extLst>
+</dgm:dataModel>
+</file>
+
+<file path=ppt/diagrams/drawing1.xml><?xml version="1.0" encoding="utf-8"?>
+<dsp:drawing xmlns:dgm="http://schemas.openxmlformats.org/drawingml/2006/diagram" xmlns:dsp="http://schemas.microsoft.com/office/drawing/2008/diagram" xmlns:a="http://schemas.openxmlformats.org/drawingml/2006/main">
+  <dsp:spTree>
+    <dsp:nvGrpSpPr>
+      <dsp:cNvPr id="0" name=""/>
+      <dsp:cNvGrpSpPr/>
+    </dsp:nvGrpSpPr>
+    <dsp:grpSpPr/>
+    <dsp:sp modelId="{2E129615-8406-4A10-BA45-3BBB08CF2395}">
+      <dsp:nvSpPr>
+        <dsp:cNvPr id="0" name=""/>
+        <dsp:cNvSpPr/>
+      </dsp:nvSpPr>
+      <dsp:spPr>
+        <a:xfrm rot="10800000">
+          <a:off x="1943184" y="1076"/>
+          <a:ext cx="7314285" cy="403457"/>
+        </a:xfrm>
+        <a:prstGeom prst="homePlate">
+          <a:avLst/>
+        </a:prstGeom>
+        <a:gradFill rotWithShape="0">
+          <a:gsLst>
+            <a:gs pos="0">
+              <a:schemeClr val="accent1">
+                <a:hueOff val="0"/>
+                <a:satOff val="0"/>
+                <a:lumOff val="0"/>
+                <a:alphaOff val="0"/>
+                <a:tint val="98000"/>
+                <a:satMod val="110000"/>
+                <a:lumMod val="104000"/>
+              </a:schemeClr>
+            </a:gs>
+            <a:gs pos="69000">
+              <a:schemeClr val="accent1">
+                <a:hueOff val="0"/>
+                <a:satOff val="0"/>
+                <a:lumOff val="0"/>
+                <a:alphaOff val="0"/>
+                <a:shade val="88000"/>
+                <a:satMod val="130000"/>
+                <a:lumMod val="92000"/>
+              </a:schemeClr>
+            </a:gs>
+            <a:gs pos="100000">
+              <a:schemeClr val="accent1">
+                <a:hueOff val="0"/>
+                <a:satOff val="0"/>
+                <a:lumOff val="0"/>
+                <a:alphaOff val="0"/>
+                <a:shade val="78000"/>
+                <a:satMod val="130000"/>
+                <a:lumMod val="92000"/>
+              </a:schemeClr>
+            </a:gs>
+          </a:gsLst>
+          <a:lin ang="5400000" scaled="0"/>
+        </a:gradFill>
+        <a:ln>
+          <a:noFill/>
+        </a:ln>
+        <a:effectLst>
+          <a:outerShdw blurRad="50800" dist="50800" dir="5400000" sx="96000" sy="96000" rotWithShape="0">
+            <a:srgbClr val="000000">
+              <a:alpha val="48000"/>
+            </a:srgbClr>
+          </a:outerShdw>
+        </a:effectLst>
+        <a:scene3d>
+          <a:camera prst="orthographicFront">
+            <a:rot lat="0" lon="0" rev="0"/>
+          </a:camera>
+          <a:lightRig rig="balanced" dir="t">
+            <a:rot lat="0" lon="0" rev="1080000"/>
+          </a:lightRig>
+        </a:scene3d>
+        <a:sp3d>
+          <a:bevelT w="38100" h="12700" prst="softRound"/>
+        </a:sp3d>
+      </dsp:spPr>
+      <dsp:style>
+        <a:lnRef idx="0">
+          <a:scrgbClr r="0" g="0" b="0"/>
+        </a:lnRef>
+        <a:fillRef idx="3">
+          <a:scrgbClr r="0" g="0" b="0"/>
+        </a:fillRef>
+        <a:effectRef idx="3">
+          <a:scrgbClr r="0" g="0" b="0"/>
+        </a:effectRef>
+        <a:fontRef idx="minor">
+          <a:schemeClr val="lt1"/>
+        </a:fontRef>
+      </dsp:style>
+      <dsp:txBody>
+        <a:bodyPr spcFirstLastPara="0" vert="horz" wrap="square" lIns="177913" tIns="72390" rIns="135128" bIns="72390" numCol="1" spcCol="1270" anchor="ctr" anchorCtr="0">
+          <a:noAutofit/>
+        </a:bodyPr>
+        <a:lstStyle/>
+        <a:p>
+          <a:pPr lvl="0" algn="ctr" defTabSz="844550">
+            <a:lnSpc>
+              <a:spcPct val="90000"/>
+            </a:lnSpc>
+            <a:spcBef>
+              <a:spcPct val="0"/>
+            </a:spcBef>
+            <a:spcAft>
+              <a:spcPct val="35000"/>
+            </a:spcAft>
+          </a:pPr>
+          <a:r>
+            <a:rPr lang="fr-FR" sz="1900" kern="1200" dirty="0" smtClean="0"/>
+            <a:t>Présentation du concept</a:t>
+          </a:r>
+          <a:endParaRPr lang="fr-FR" sz="1900" kern="1200" dirty="0"/>
+        </a:p>
+      </dsp:txBody>
+      <dsp:txXfrm rot="10800000">
+        <a:off x="2044048" y="1076"/>
+        <a:ext cx="7213421" cy="403457"/>
+      </dsp:txXfrm>
+    </dsp:sp>
+    <dsp:sp modelId="{B180D815-CB10-47C8-B32B-9CD0B9BE2570}">
+      <dsp:nvSpPr>
+        <dsp:cNvPr id="0" name=""/>
+        <dsp:cNvSpPr/>
+      </dsp:nvSpPr>
+      <dsp:spPr>
+        <a:xfrm>
+          <a:off x="1741455" y="1076"/>
+          <a:ext cx="403457" cy="403457"/>
+        </a:xfrm>
+        <a:prstGeom prst="ellipse">
+          <a:avLst/>
+        </a:prstGeom>
+        <a:blipFill>
+          <a:blip xmlns:r="http://schemas.openxmlformats.org/officeDocument/2006/relationships" r:embed="rId1">
+            <a:duotone>
+              <a:schemeClr val="accent1">
+                <a:hueOff val="0"/>
+                <a:satOff val="0"/>
+                <a:lumOff val="0"/>
+                <a:alphaOff val="0"/>
+                <a:shade val="20000"/>
+                <a:satMod val="200000"/>
+              </a:schemeClr>
+              <a:schemeClr val="accent1">
+                <a:hueOff val="0"/>
+                <a:satOff val="0"/>
+                <a:lumOff val="0"/>
+                <a:alphaOff val="0"/>
+                <a:tint val="12000"/>
+                <a:satMod val="190000"/>
+              </a:schemeClr>
+            </a:duotone>
+            <a:extLst>
+              <a:ext uri="{28A0092B-C50C-407E-A947-70E740481C1C}">
+                <a14:useLocalDpi xmlns:a14="http://schemas.microsoft.com/office/drawing/2010/main" val="0"/>
+              </a:ext>
+            </a:extLst>
+          </a:blip>
+          <a:srcRect/>
+          <a:stretch>
+            <a:fillRect/>
+          </a:stretch>
+        </a:blipFill>
+        <a:ln>
+          <a:noFill/>
+        </a:ln>
+        <a:effectLst>
+          <a:outerShdw blurRad="50800" dist="50800" dir="5400000" sx="96000" sy="96000" rotWithShape="0">
+            <a:srgbClr val="000000">
+              <a:alpha val="48000"/>
+            </a:srgbClr>
+          </a:outerShdw>
+        </a:effectLst>
+        <a:scene3d>
+          <a:camera prst="orthographicFront">
+            <a:rot lat="0" lon="0" rev="0"/>
+          </a:camera>
+          <a:lightRig rig="balanced" dir="t">
+            <a:rot lat="0" lon="0" rev="1080000"/>
+          </a:lightRig>
+        </a:scene3d>
+        <a:sp3d>
+          <a:bevelT w="38100" h="12700" prst="softRound"/>
+        </a:sp3d>
+      </dsp:spPr>
+      <dsp:style>
+        <a:lnRef idx="0">
+          <a:scrgbClr r="0" g="0" b="0"/>
+        </a:lnRef>
+        <a:fillRef idx="1">
+          <a:scrgbClr r="0" g="0" b="0"/>
+        </a:fillRef>
+        <a:effectRef idx="3">
+          <a:scrgbClr r="0" g="0" b="0"/>
+        </a:effectRef>
+        <a:fontRef idx="minor"/>
+      </dsp:style>
+    </dsp:sp>
+    <dsp:sp modelId="{096CE3AE-D674-40D2-AAB1-3E113910E04D}">
+      <dsp:nvSpPr>
+        <dsp:cNvPr id="0" name=""/>
+        <dsp:cNvSpPr/>
+      </dsp:nvSpPr>
+      <dsp:spPr>
+        <a:xfrm rot="10800000">
+          <a:off x="1943184" y="524969"/>
+          <a:ext cx="7314285" cy="403457"/>
+        </a:xfrm>
+        <a:prstGeom prst="homePlate">
+          <a:avLst/>
+        </a:prstGeom>
+        <a:gradFill rotWithShape="0">
+          <a:gsLst>
+            <a:gs pos="0">
+              <a:schemeClr val="accent1">
+                <a:hueOff val="0"/>
+                <a:satOff val="0"/>
+                <a:lumOff val="0"/>
+                <a:alphaOff val="0"/>
+                <a:tint val="98000"/>
+                <a:satMod val="110000"/>
+                <a:lumMod val="104000"/>
+              </a:schemeClr>
+            </a:gs>
+            <a:gs pos="69000">
+              <a:schemeClr val="accent1">
+                <a:hueOff val="0"/>
+                <a:satOff val="0"/>
+                <a:lumOff val="0"/>
+                <a:alphaOff val="0"/>
+                <a:shade val="88000"/>
+                <a:satMod val="130000"/>
+                <a:lumMod val="92000"/>
+              </a:schemeClr>
+            </a:gs>
+            <a:gs pos="100000">
+              <a:schemeClr val="accent1">
+                <a:hueOff val="0"/>
+                <a:satOff val="0"/>
+                <a:lumOff val="0"/>
+                <a:alphaOff val="0"/>
+                <a:shade val="78000"/>
+                <a:satMod val="130000"/>
+                <a:lumMod val="92000"/>
+              </a:schemeClr>
+            </a:gs>
+          </a:gsLst>
+          <a:lin ang="5400000" scaled="0"/>
+        </a:gradFill>
+        <a:ln>
+          <a:noFill/>
+        </a:ln>
+        <a:effectLst>
+          <a:outerShdw blurRad="50800" dist="50800" dir="5400000" sx="96000" sy="96000" rotWithShape="0">
+            <a:srgbClr val="000000">
+              <a:alpha val="48000"/>
+            </a:srgbClr>
+          </a:outerShdw>
+        </a:effectLst>
+        <a:scene3d>
+          <a:camera prst="orthographicFront">
+            <a:rot lat="0" lon="0" rev="0"/>
+          </a:camera>
+          <a:lightRig rig="balanced" dir="t">
+            <a:rot lat="0" lon="0" rev="1080000"/>
+          </a:lightRig>
+        </a:scene3d>
+        <a:sp3d>
+          <a:bevelT w="38100" h="12700" prst="softRound"/>
+        </a:sp3d>
+      </dsp:spPr>
+      <dsp:style>
+        <a:lnRef idx="0">
+          <a:scrgbClr r="0" g="0" b="0"/>
+        </a:lnRef>
+        <a:fillRef idx="3">
+          <a:scrgbClr r="0" g="0" b="0"/>
+        </a:fillRef>
+        <a:effectRef idx="3">
+          <a:scrgbClr r="0" g="0" b="0"/>
+        </a:effectRef>
+        <a:fontRef idx="minor">
+          <a:schemeClr val="lt1"/>
+        </a:fontRef>
+      </dsp:style>
+      <dsp:txBody>
+        <a:bodyPr spcFirstLastPara="0" vert="horz" wrap="square" lIns="177913" tIns="72390" rIns="135128" bIns="72390" numCol="1" spcCol="1270" anchor="ctr" anchorCtr="0">
+          <a:noAutofit/>
+        </a:bodyPr>
+        <a:lstStyle/>
+        <a:p>
+          <a:pPr lvl="0" algn="ctr" defTabSz="844550">
+            <a:lnSpc>
+              <a:spcPct val="90000"/>
+            </a:lnSpc>
+            <a:spcBef>
+              <a:spcPct val="0"/>
+            </a:spcBef>
+            <a:spcAft>
+              <a:spcPct val="35000"/>
+            </a:spcAft>
+          </a:pPr>
+          <a:r>
+            <a:rPr lang="fr-FR" sz="1900" kern="1200" dirty="0" smtClean="0"/>
+            <a:t>Cahier des Charges</a:t>
+          </a:r>
+          <a:endParaRPr lang="fr-FR" sz="1900" kern="1200" dirty="0"/>
+        </a:p>
+      </dsp:txBody>
+      <dsp:txXfrm rot="10800000">
+        <a:off x="2044048" y="524969"/>
+        <a:ext cx="7213421" cy="403457"/>
+      </dsp:txXfrm>
+    </dsp:sp>
+    <dsp:sp modelId="{AA672841-325B-45A1-9290-5733D44579B4}">
+      <dsp:nvSpPr>
+        <dsp:cNvPr id="0" name=""/>
+        <dsp:cNvSpPr/>
+      </dsp:nvSpPr>
+      <dsp:spPr>
+        <a:xfrm>
+          <a:off x="1741455" y="524969"/>
+          <a:ext cx="403457" cy="403457"/>
+        </a:xfrm>
+        <a:prstGeom prst="ellipse">
+          <a:avLst/>
+        </a:prstGeom>
+        <a:blipFill>
+          <a:blip xmlns:r="http://schemas.openxmlformats.org/officeDocument/2006/relationships" r:embed="rId2">
+            <a:duotone>
+              <a:schemeClr val="accent1">
+                <a:hueOff val="0"/>
+                <a:satOff val="0"/>
+                <a:lumOff val="0"/>
+                <a:alphaOff val="0"/>
+                <a:shade val="20000"/>
+                <a:satMod val="200000"/>
+              </a:schemeClr>
+              <a:schemeClr val="accent1">
+                <a:hueOff val="0"/>
+                <a:satOff val="0"/>
+                <a:lumOff val="0"/>
+                <a:alphaOff val="0"/>
+                <a:tint val="12000"/>
+                <a:satMod val="190000"/>
+              </a:schemeClr>
+            </a:duotone>
+            <a:extLst>
+              <a:ext uri="{28A0092B-C50C-407E-A947-70E740481C1C}">
+                <a14:useLocalDpi xmlns:a14="http://schemas.microsoft.com/office/drawing/2010/main" val="0"/>
+              </a:ext>
+            </a:extLst>
+          </a:blip>
+          <a:srcRect/>
+          <a:stretch>
+            <a:fillRect l="-12000" r="-12000"/>
+          </a:stretch>
+        </a:blipFill>
+        <a:ln>
+          <a:noFill/>
+        </a:ln>
+        <a:effectLst>
+          <a:outerShdw blurRad="50800" dist="50800" dir="5400000" sx="96000" sy="96000" rotWithShape="0">
+            <a:srgbClr val="000000">
+              <a:alpha val="48000"/>
+            </a:srgbClr>
+          </a:outerShdw>
+        </a:effectLst>
+        <a:scene3d>
+          <a:camera prst="orthographicFront">
+            <a:rot lat="0" lon="0" rev="0"/>
+          </a:camera>
+          <a:lightRig rig="balanced" dir="t">
+            <a:rot lat="0" lon="0" rev="1080000"/>
+          </a:lightRig>
+        </a:scene3d>
+        <a:sp3d>
+          <a:bevelT w="38100" h="12700" prst="softRound"/>
+        </a:sp3d>
+      </dsp:spPr>
+      <dsp:style>
+        <a:lnRef idx="0">
+          <a:scrgbClr r="0" g="0" b="0"/>
+        </a:lnRef>
+        <a:fillRef idx="1">
+          <a:scrgbClr r="0" g="0" b="0"/>
+        </a:fillRef>
+        <a:effectRef idx="3">
+          <a:scrgbClr r="0" g="0" b="0"/>
+        </a:effectRef>
+        <a:fontRef idx="minor"/>
+      </dsp:style>
+    </dsp:sp>
+    <dsp:sp modelId="{1A280CCC-8F43-4561-8A87-BBB9B41712B1}">
+      <dsp:nvSpPr>
+        <dsp:cNvPr id="0" name=""/>
+        <dsp:cNvSpPr/>
+      </dsp:nvSpPr>
+      <dsp:spPr>
+        <a:xfrm rot="10800000">
+          <a:off x="1943184" y="1048861"/>
+          <a:ext cx="7314285" cy="403457"/>
+        </a:xfrm>
+        <a:prstGeom prst="homePlate">
+          <a:avLst/>
+        </a:prstGeom>
+        <a:gradFill rotWithShape="0">
+          <a:gsLst>
+            <a:gs pos="0">
+              <a:schemeClr val="accent1">
+                <a:hueOff val="0"/>
+                <a:satOff val="0"/>
+                <a:lumOff val="0"/>
+                <a:alphaOff val="0"/>
+                <a:tint val="98000"/>
+                <a:satMod val="110000"/>
+                <a:lumMod val="104000"/>
+              </a:schemeClr>
+            </a:gs>
+            <a:gs pos="69000">
+              <a:schemeClr val="accent1">
+                <a:hueOff val="0"/>
+                <a:satOff val="0"/>
+                <a:lumOff val="0"/>
+                <a:alphaOff val="0"/>
+                <a:shade val="88000"/>
+                <a:satMod val="130000"/>
+                <a:lumMod val="92000"/>
+              </a:schemeClr>
+            </a:gs>
+            <a:gs pos="100000">
+              <a:schemeClr val="accent1">
+                <a:hueOff val="0"/>
+                <a:satOff val="0"/>
+                <a:lumOff val="0"/>
+                <a:alphaOff val="0"/>
+                <a:shade val="78000"/>
+                <a:satMod val="130000"/>
+                <a:lumMod val="92000"/>
+              </a:schemeClr>
+            </a:gs>
+          </a:gsLst>
+          <a:lin ang="5400000" scaled="0"/>
+        </a:gradFill>
+        <a:ln>
+          <a:noFill/>
+        </a:ln>
+        <a:effectLst>
+          <a:outerShdw blurRad="50800" dist="50800" dir="5400000" sx="96000" sy="96000" rotWithShape="0">
+            <a:srgbClr val="000000">
+              <a:alpha val="48000"/>
+            </a:srgbClr>
+          </a:outerShdw>
+        </a:effectLst>
+        <a:scene3d>
+          <a:camera prst="orthographicFront">
+            <a:rot lat="0" lon="0" rev="0"/>
+          </a:camera>
+          <a:lightRig rig="balanced" dir="t">
+            <a:rot lat="0" lon="0" rev="1080000"/>
+          </a:lightRig>
+        </a:scene3d>
+        <a:sp3d>
+          <a:bevelT w="38100" h="12700" prst="softRound"/>
+        </a:sp3d>
+      </dsp:spPr>
+      <dsp:style>
+        <a:lnRef idx="0">
+          <a:scrgbClr r="0" g="0" b="0"/>
+        </a:lnRef>
+        <a:fillRef idx="3">
+          <a:scrgbClr r="0" g="0" b="0"/>
+        </a:fillRef>
+        <a:effectRef idx="3">
+          <a:scrgbClr r="0" g="0" b="0"/>
+        </a:effectRef>
+        <a:fontRef idx="minor">
+          <a:schemeClr val="lt1"/>
+        </a:fontRef>
+      </dsp:style>
+      <dsp:txBody>
+        <a:bodyPr spcFirstLastPara="0" vert="horz" wrap="square" lIns="177913" tIns="72390" rIns="135128" bIns="72390" numCol="1" spcCol="1270" anchor="ctr" anchorCtr="0">
+          <a:noAutofit/>
+        </a:bodyPr>
+        <a:lstStyle/>
+        <a:p>
+          <a:pPr lvl="0" algn="ctr" defTabSz="844550">
+            <a:lnSpc>
+              <a:spcPct val="90000"/>
+            </a:lnSpc>
+            <a:spcBef>
+              <a:spcPct val="0"/>
+            </a:spcBef>
+            <a:spcAft>
+              <a:spcPct val="35000"/>
+            </a:spcAft>
+          </a:pPr>
+          <a:r>
+            <a:rPr lang="fr-FR" sz="1900" kern="1200" dirty="0" smtClean="0"/>
+            <a:t>Diagramme des cas d’utilisation</a:t>
+          </a:r>
+          <a:endParaRPr lang="fr-FR" sz="1900" kern="1200" dirty="0"/>
+        </a:p>
+      </dsp:txBody>
+      <dsp:txXfrm rot="10800000">
+        <a:off x="2044048" y="1048861"/>
+        <a:ext cx="7213421" cy="403457"/>
+      </dsp:txXfrm>
+    </dsp:sp>
+    <dsp:sp modelId="{D73C7C92-0A60-46E5-AB23-D9782FE38F6A}">
+      <dsp:nvSpPr>
+        <dsp:cNvPr id="0" name=""/>
+        <dsp:cNvSpPr/>
+      </dsp:nvSpPr>
+      <dsp:spPr>
+        <a:xfrm>
+          <a:off x="1741455" y="1048861"/>
+          <a:ext cx="403457" cy="403457"/>
+        </a:xfrm>
+        <a:prstGeom prst="ellipse">
+          <a:avLst/>
+        </a:prstGeom>
+        <a:blipFill>
+          <a:blip xmlns:r="http://schemas.openxmlformats.org/officeDocument/2006/relationships" r:embed="rId3">
+            <a:duotone>
+              <a:schemeClr val="accent1">
+                <a:hueOff val="0"/>
+                <a:satOff val="0"/>
+                <a:lumOff val="0"/>
+                <a:alphaOff val="0"/>
+                <a:shade val="20000"/>
+                <a:satMod val="200000"/>
+              </a:schemeClr>
+              <a:schemeClr val="accent1">
+                <a:hueOff val="0"/>
+                <a:satOff val="0"/>
+                <a:lumOff val="0"/>
+                <a:alphaOff val="0"/>
+                <a:tint val="12000"/>
+                <a:satMod val="190000"/>
+              </a:schemeClr>
+            </a:duotone>
+            <a:extLst>
+              <a:ext uri="{28A0092B-C50C-407E-A947-70E740481C1C}">
+                <a14:useLocalDpi xmlns:a14="http://schemas.microsoft.com/office/drawing/2010/main" val="0"/>
+              </a:ext>
+            </a:extLst>
+          </a:blip>
+          <a:srcRect/>
+          <a:stretch>
+            <a:fillRect l="-29000" r="-29000"/>
+          </a:stretch>
+        </a:blipFill>
+        <a:ln>
+          <a:noFill/>
+        </a:ln>
+        <a:effectLst>
+          <a:outerShdw blurRad="50800" dist="50800" dir="5400000" sx="96000" sy="96000" rotWithShape="0">
+            <a:srgbClr val="000000">
+              <a:alpha val="48000"/>
+            </a:srgbClr>
+          </a:outerShdw>
+        </a:effectLst>
+        <a:scene3d>
+          <a:camera prst="orthographicFront">
+            <a:rot lat="0" lon="0" rev="0"/>
+          </a:camera>
+          <a:lightRig rig="balanced" dir="t">
+            <a:rot lat="0" lon="0" rev="1080000"/>
+          </a:lightRig>
+        </a:scene3d>
+        <a:sp3d>
+          <a:bevelT w="38100" h="12700" prst="softRound"/>
+        </a:sp3d>
+      </dsp:spPr>
+      <dsp:style>
+        <a:lnRef idx="0">
+          <a:scrgbClr r="0" g="0" b="0"/>
+        </a:lnRef>
+        <a:fillRef idx="1">
+          <a:scrgbClr r="0" g="0" b="0"/>
+        </a:fillRef>
+        <a:effectRef idx="3">
+          <a:scrgbClr r="0" g="0" b="0"/>
+        </a:effectRef>
+        <a:fontRef idx="minor"/>
+      </dsp:style>
+    </dsp:sp>
+    <dsp:sp modelId="{E5C7AF33-AD7F-4103-AEE4-B1A9C1C069E5}">
+      <dsp:nvSpPr>
+        <dsp:cNvPr id="0" name=""/>
+        <dsp:cNvSpPr/>
+      </dsp:nvSpPr>
+      <dsp:spPr>
+        <a:xfrm rot="10800000">
+          <a:off x="1943184" y="1572753"/>
+          <a:ext cx="7314285" cy="403457"/>
+        </a:xfrm>
+        <a:prstGeom prst="homePlate">
+          <a:avLst/>
+        </a:prstGeom>
+        <a:gradFill rotWithShape="0">
+          <a:gsLst>
+            <a:gs pos="0">
+              <a:schemeClr val="accent1">
+                <a:hueOff val="0"/>
+                <a:satOff val="0"/>
+                <a:lumOff val="0"/>
+                <a:alphaOff val="0"/>
+                <a:tint val="98000"/>
+                <a:satMod val="110000"/>
+                <a:lumMod val="104000"/>
+              </a:schemeClr>
+            </a:gs>
+            <a:gs pos="69000">
+              <a:schemeClr val="accent1">
+                <a:hueOff val="0"/>
+                <a:satOff val="0"/>
+                <a:lumOff val="0"/>
+                <a:alphaOff val="0"/>
+                <a:shade val="88000"/>
+                <a:satMod val="130000"/>
+                <a:lumMod val="92000"/>
+              </a:schemeClr>
+            </a:gs>
+            <a:gs pos="100000">
+              <a:schemeClr val="accent1">
+                <a:hueOff val="0"/>
+                <a:satOff val="0"/>
+                <a:lumOff val="0"/>
+                <a:alphaOff val="0"/>
+                <a:shade val="78000"/>
+                <a:satMod val="130000"/>
+                <a:lumMod val="92000"/>
+              </a:schemeClr>
+            </a:gs>
+          </a:gsLst>
+          <a:lin ang="5400000" scaled="0"/>
+        </a:gradFill>
+        <a:ln>
+          <a:noFill/>
+        </a:ln>
+        <a:effectLst>
+          <a:outerShdw blurRad="50800" dist="50800" dir="5400000" sx="96000" sy="96000" rotWithShape="0">
+            <a:srgbClr val="000000">
+              <a:alpha val="48000"/>
+            </a:srgbClr>
+          </a:outerShdw>
+        </a:effectLst>
+        <a:scene3d>
+          <a:camera prst="orthographicFront">
+            <a:rot lat="0" lon="0" rev="0"/>
+          </a:camera>
+          <a:lightRig rig="balanced" dir="t">
+            <a:rot lat="0" lon="0" rev="1080000"/>
+          </a:lightRig>
+        </a:scene3d>
+        <a:sp3d>
+          <a:bevelT w="38100" h="12700" prst="softRound"/>
+        </a:sp3d>
+      </dsp:spPr>
+      <dsp:style>
+        <a:lnRef idx="0">
+          <a:scrgbClr r="0" g="0" b="0"/>
+        </a:lnRef>
+        <a:fillRef idx="3">
+          <a:scrgbClr r="0" g="0" b="0"/>
+        </a:fillRef>
+        <a:effectRef idx="3">
+          <a:scrgbClr r="0" g="0" b="0"/>
+        </a:effectRef>
+        <a:fontRef idx="minor">
+          <a:schemeClr val="lt1"/>
+        </a:fontRef>
+      </dsp:style>
+      <dsp:txBody>
+        <a:bodyPr spcFirstLastPara="0" vert="horz" wrap="square" lIns="177913" tIns="72390" rIns="135128" bIns="72390" numCol="1" spcCol="1270" anchor="ctr" anchorCtr="0">
+          <a:noAutofit/>
+        </a:bodyPr>
+        <a:lstStyle/>
+        <a:p>
+          <a:pPr lvl="0" algn="ctr" defTabSz="844550">
+            <a:lnSpc>
+              <a:spcPct val="90000"/>
+            </a:lnSpc>
+            <a:spcBef>
+              <a:spcPct val="0"/>
+            </a:spcBef>
+            <a:spcAft>
+              <a:spcPct val="35000"/>
+            </a:spcAft>
+          </a:pPr>
+          <a:r>
+            <a:rPr lang="fr-FR" sz="1900" kern="1200" dirty="0" smtClean="0"/>
+            <a:t>Etude de marché</a:t>
+          </a:r>
+          <a:endParaRPr lang="fr-FR" sz="1900" kern="1200" dirty="0"/>
+        </a:p>
+      </dsp:txBody>
+      <dsp:txXfrm rot="10800000">
+        <a:off x="2044048" y="1572753"/>
+        <a:ext cx="7213421" cy="403457"/>
+      </dsp:txXfrm>
+    </dsp:sp>
+    <dsp:sp modelId="{1C65644D-D8EF-4A2E-8167-89AC3EAD7C2D}">
+      <dsp:nvSpPr>
+        <dsp:cNvPr id="0" name=""/>
+        <dsp:cNvSpPr/>
+      </dsp:nvSpPr>
+      <dsp:spPr>
+        <a:xfrm>
+          <a:off x="1741455" y="1572753"/>
+          <a:ext cx="403457" cy="403457"/>
+        </a:xfrm>
+        <a:prstGeom prst="ellipse">
+          <a:avLst/>
+        </a:prstGeom>
+        <a:blipFill>
+          <a:blip xmlns:r="http://schemas.openxmlformats.org/officeDocument/2006/relationships" r:embed="rId4">
+            <a:duotone>
+              <a:schemeClr val="accent1">
+                <a:hueOff val="0"/>
+                <a:satOff val="0"/>
+                <a:lumOff val="0"/>
+                <a:alphaOff val="0"/>
+                <a:shade val="20000"/>
+                <a:satMod val="200000"/>
+              </a:schemeClr>
+              <a:schemeClr val="accent1">
+                <a:hueOff val="0"/>
+                <a:satOff val="0"/>
+                <a:lumOff val="0"/>
+                <a:alphaOff val="0"/>
+                <a:tint val="12000"/>
+                <a:satMod val="190000"/>
+              </a:schemeClr>
+            </a:duotone>
+            <a:extLst>
+              <a:ext uri="{28A0092B-C50C-407E-A947-70E740481C1C}">
+                <a14:useLocalDpi xmlns:a14="http://schemas.microsoft.com/office/drawing/2010/main" val="0"/>
+              </a:ext>
+            </a:extLst>
+          </a:blip>
+          <a:srcRect/>
+          <a:stretch>
+            <a:fillRect l="-17000" r="-17000"/>
+          </a:stretch>
+        </a:blipFill>
+        <a:ln>
+          <a:noFill/>
+        </a:ln>
+        <a:effectLst>
+          <a:outerShdw blurRad="50800" dist="50800" dir="5400000" sx="96000" sy="96000" rotWithShape="0">
+            <a:srgbClr val="000000">
+              <a:alpha val="48000"/>
+            </a:srgbClr>
+          </a:outerShdw>
+        </a:effectLst>
+        <a:scene3d>
+          <a:camera prst="orthographicFront">
+            <a:rot lat="0" lon="0" rev="0"/>
+          </a:camera>
+          <a:lightRig rig="balanced" dir="t">
+            <a:rot lat="0" lon="0" rev="1080000"/>
+          </a:lightRig>
+        </a:scene3d>
+        <a:sp3d>
+          <a:bevelT w="38100" h="12700" prst="softRound"/>
+        </a:sp3d>
+      </dsp:spPr>
+      <dsp:style>
+        <a:lnRef idx="0">
+          <a:scrgbClr r="0" g="0" b="0"/>
+        </a:lnRef>
+        <a:fillRef idx="1">
+          <a:scrgbClr r="0" g="0" b="0"/>
+        </a:fillRef>
+        <a:effectRef idx="3">
+          <a:scrgbClr r="0" g="0" b="0"/>
+        </a:effectRef>
+        <a:fontRef idx="minor"/>
+      </dsp:style>
+    </dsp:sp>
+    <dsp:sp modelId="{5F290A53-BE0F-4790-B247-92D4F882CF8C}">
+      <dsp:nvSpPr>
+        <dsp:cNvPr id="0" name=""/>
+        <dsp:cNvSpPr/>
+      </dsp:nvSpPr>
+      <dsp:spPr>
+        <a:xfrm rot="10800000">
+          <a:off x="1943184" y="2096646"/>
+          <a:ext cx="7314285" cy="403457"/>
+        </a:xfrm>
+        <a:prstGeom prst="homePlate">
+          <a:avLst/>
+        </a:prstGeom>
+        <a:gradFill rotWithShape="0">
+          <a:gsLst>
+            <a:gs pos="0">
+              <a:schemeClr val="accent1">
+                <a:hueOff val="0"/>
+                <a:satOff val="0"/>
+                <a:lumOff val="0"/>
+                <a:alphaOff val="0"/>
+                <a:tint val="98000"/>
+                <a:satMod val="110000"/>
+                <a:lumMod val="104000"/>
+              </a:schemeClr>
+            </a:gs>
+            <a:gs pos="69000">
+              <a:schemeClr val="accent1">
+                <a:hueOff val="0"/>
+                <a:satOff val="0"/>
+                <a:lumOff val="0"/>
+                <a:alphaOff val="0"/>
+                <a:shade val="88000"/>
+                <a:satMod val="130000"/>
+                <a:lumMod val="92000"/>
+              </a:schemeClr>
+            </a:gs>
+            <a:gs pos="100000">
+              <a:schemeClr val="accent1">
+                <a:hueOff val="0"/>
+                <a:satOff val="0"/>
+                <a:lumOff val="0"/>
+                <a:alphaOff val="0"/>
+                <a:shade val="78000"/>
+                <a:satMod val="130000"/>
+                <a:lumMod val="92000"/>
+              </a:schemeClr>
+            </a:gs>
+          </a:gsLst>
+          <a:lin ang="5400000" scaled="0"/>
+        </a:gradFill>
+        <a:ln>
+          <a:noFill/>
+        </a:ln>
+        <a:effectLst>
+          <a:outerShdw blurRad="50800" dist="50800" dir="5400000" sx="96000" sy="96000" rotWithShape="0">
+            <a:srgbClr val="000000">
+              <a:alpha val="48000"/>
+            </a:srgbClr>
+          </a:outerShdw>
+        </a:effectLst>
+        <a:scene3d>
+          <a:camera prst="orthographicFront">
+            <a:rot lat="0" lon="0" rev="0"/>
+          </a:camera>
+          <a:lightRig rig="balanced" dir="t">
+            <a:rot lat="0" lon="0" rev="1080000"/>
+          </a:lightRig>
+        </a:scene3d>
+        <a:sp3d>
+          <a:bevelT w="38100" h="12700" prst="softRound"/>
+        </a:sp3d>
+      </dsp:spPr>
+      <dsp:style>
+        <a:lnRef idx="0">
+          <a:scrgbClr r="0" g="0" b="0"/>
+        </a:lnRef>
+        <a:fillRef idx="3">
+          <a:scrgbClr r="0" g="0" b="0"/>
+        </a:fillRef>
+        <a:effectRef idx="3">
+          <a:scrgbClr r="0" g="0" b="0"/>
+        </a:effectRef>
+        <a:fontRef idx="minor">
+          <a:schemeClr val="lt1"/>
+        </a:fontRef>
+      </dsp:style>
+      <dsp:txBody>
+        <a:bodyPr spcFirstLastPara="0" vert="horz" wrap="square" lIns="177913" tIns="72390" rIns="135128" bIns="72390" numCol="1" spcCol="1270" anchor="ctr" anchorCtr="0">
+          <a:noAutofit/>
+        </a:bodyPr>
+        <a:lstStyle/>
+        <a:p>
+          <a:pPr lvl="0" algn="ctr" defTabSz="844550">
+            <a:lnSpc>
+              <a:spcPct val="90000"/>
+            </a:lnSpc>
+            <a:spcBef>
+              <a:spcPct val="0"/>
+            </a:spcBef>
+            <a:spcAft>
+              <a:spcPct val="35000"/>
+            </a:spcAft>
+          </a:pPr>
+          <a:r>
+            <a:rPr lang="fr-FR" sz="1900" kern="1200" dirty="0" smtClean="0"/>
+            <a:t>Diagramme d’état</a:t>
+          </a:r>
+          <a:endParaRPr lang="fr-FR" sz="1900" kern="1200" dirty="0"/>
+        </a:p>
+      </dsp:txBody>
+      <dsp:txXfrm rot="10800000">
+        <a:off x="2044048" y="2096646"/>
+        <a:ext cx="7213421" cy="403457"/>
+      </dsp:txXfrm>
+    </dsp:sp>
+    <dsp:sp modelId="{136C0185-60D1-4126-BDF6-2F4EB4C0A4CF}">
+      <dsp:nvSpPr>
+        <dsp:cNvPr id="0" name=""/>
+        <dsp:cNvSpPr/>
+      </dsp:nvSpPr>
+      <dsp:spPr>
+        <a:xfrm>
+          <a:off x="1741455" y="2096646"/>
+          <a:ext cx="403457" cy="403457"/>
+        </a:xfrm>
+        <a:prstGeom prst="ellipse">
+          <a:avLst/>
+        </a:prstGeom>
+        <a:blipFill>
+          <a:blip xmlns:r="http://schemas.openxmlformats.org/officeDocument/2006/relationships" r:embed="rId5">
+            <a:duotone>
+              <a:schemeClr val="accent1">
+                <a:hueOff val="0"/>
+                <a:satOff val="0"/>
+                <a:lumOff val="0"/>
+                <a:alphaOff val="0"/>
+                <a:shade val="20000"/>
+                <a:satMod val="200000"/>
+              </a:schemeClr>
+              <a:schemeClr val="accent1">
+                <a:hueOff val="0"/>
+                <a:satOff val="0"/>
+                <a:lumOff val="0"/>
+                <a:alphaOff val="0"/>
+                <a:tint val="12000"/>
+                <a:satMod val="190000"/>
+              </a:schemeClr>
+            </a:duotone>
+            <a:extLst>
+              <a:ext uri="{28A0092B-C50C-407E-A947-70E740481C1C}">
+                <a14:useLocalDpi xmlns:a14="http://schemas.microsoft.com/office/drawing/2010/main" val="0"/>
+              </a:ext>
+            </a:extLst>
+          </a:blip>
+          <a:srcRect/>
+          <a:stretch>
+            <a:fillRect l="-58000" r="-58000"/>
+          </a:stretch>
+        </a:blipFill>
+        <a:ln>
+          <a:noFill/>
+        </a:ln>
+        <a:effectLst>
+          <a:outerShdw blurRad="50800" dist="50800" dir="5400000" sx="96000" sy="96000" rotWithShape="0">
+            <a:srgbClr val="000000">
+              <a:alpha val="48000"/>
+            </a:srgbClr>
+          </a:outerShdw>
+        </a:effectLst>
+        <a:scene3d>
+          <a:camera prst="orthographicFront">
+            <a:rot lat="0" lon="0" rev="0"/>
+          </a:camera>
+          <a:lightRig rig="balanced" dir="t">
+            <a:rot lat="0" lon="0" rev="1080000"/>
+          </a:lightRig>
+        </a:scene3d>
+        <a:sp3d>
+          <a:bevelT w="38100" h="12700" prst="softRound"/>
+        </a:sp3d>
+      </dsp:spPr>
+      <dsp:style>
+        <a:lnRef idx="0">
+          <a:scrgbClr r="0" g="0" b="0"/>
+        </a:lnRef>
+        <a:fillRef idx="1">
+          <a:scrgbClr r="0" g="0" b="0"/>
+        </a:fillRef>
+        <a:effectRef idx="3">
+          <a:scrgbClr r="0" g="0" b="0"/>
+        </a:effectRef>
+        <a:fontRef idx="minor"/>
+      </dsp:style>
+    </dsp:sp>
+    <dsp:sp modelId="{A6330504-8865-4BFA-A2D5-701393C90B05}">
+      <dsp:nvSpPr>
+        <dsp:cNvPr id="0" name=""/>
+        <dsp:cNvSpPr/>
+      </dsp:nvSpPr>
+      <dsp:spPr>
+        <a:xfrm rot="10800000">
+          <a:off x="1943184" y="2620538"/>
+          <a:ext cx="7314285" cy="403457"/>
+        </a:xfrm>
+        <a:prstGeom prst="homePlate">
+          <a:avLst/>
+        </a:prstGeom>
+        <a:gradFill rotWithShape="0">
+          <a:gsLst>
+            <a:gs pos="0">
+              <a:schemeClr val="accent1">
+                <a:hueOff val="0"/>
+                <a:satOff val="0"/>
+                <a:lumOff val="0"/>
+                <a:alphaOff val="0"/>
+                <a:tint val="98000"/>
+                <a:satMod val="110000"/>
+                <a:lumMod val="104000"/>
+              </a:schemeClr>
+            </a:gs>
+            <a:gs pos="69000">
+              <a:schemeClr val="accent1">
+                <a:hueOff val="0"/>
+                <a:satOff val="0"/>
+                <a:lumOff val="0"/>
+                <a:alphaOff val="0"/>
+                <a:shade val="88000"/>
+                <a:satMod val="130000"/>
+                <a:lumMod val="92000"/>
+              </a:schemeClr>
+            </a:gs>
+            <a:gs pos="100000">
+              <a:schemeClr val="accent1">
+                <a:hueOff val="0"/>
+                <a:satOff val="0"/>
+                <a:lumOff val="0"/>
+                <a:alphaOff val="0"/>
+                <a:shade val="78000"/>
+                <a:satMod val="130000"/>
+                <a:lumMod val="92000"/>
+              </a:schemeClr>
+            </a:gs>
+          </a:gsLst>
+          <a:lin ang="5400000" scaled="0"/>
+        </a:gradFill>
+        <a:ln>
+          <a:noFill/>
+        </a:ln>
+        <a:effectLst>
+          <a:outerShdw blurRad="50800" dist="50800" dir="5400000" sx="96000" sy="96000" rotWithShape="0">
+            <a:srgbClr val="000000">
+              <a:alpha val="48000"/>
+            </a:srgbClr>
+          </a:outerShdw>
+        </a:effectLst>
+        <a:scene3d>
+          <a:camera prst="orthographicFront">
+            <a:rot lat="0" lon="0" rev="0"/>
+          </a:camera>
+          <a:lightRig rig="balanced" dir="t">
+            <a:rot lat="0" lon="0" rev="1080000"/>
+          </a:lightRig>
+        </a:scene3d>
+        <a:sp3d>
+          <a:bevelT w="38100" h="12700" prst="softRound"/>
+        </a:sp3d>
+      </dsp:spPr>
+      <dsp:style>
+        <a:lnRef idx="0">
+          <a:scrgbClr r="0" g="0" b="0"/>
+        </a:lnRef>
+        <a:fillRef idx="3">
+          <a:scrgbClr r="0" g="0" b="0"/>
+        </a:fillRef>
+        <a:effectRef idx="3">
+          <a:scrgbClr r="0" g="0" b="0"/>
+        </a:effectRef>
+        <a:fontRef idx="minor">
+          <a:schemeClr val="lt1"/>
+        </a:fontRef>
+      </dsp:style>
+      <dsp:txBody>
+        <a:bodyPr spcFirstLastPara="0" vert="horz" wrap="square" lIns="177913" tIns="72390" rIns="135128" bIns="72390" numCol="1" spcCol="1270" anchor="ctr" anchorCtr="0">
+          <a:noAutofit/>
+        </a:bodyPr>
+        <a:lstStyle/>
+        <a:p>
+          <a:pPr lvl="0" algn="ctr" defTabSz="844550">
+            <a:lnSpc>
+              <a:spcPct val="90000"/>
+            </a:lnSpc>
+            <a:spcBef>
+              <a:spcPct val="0"/>
+            </a:spcBef>
+            <a:spcAft>
+              <a:spcPct val="35000"/>
+            </a:spcAft>
+          </a:pPr>
+          <a:r>
+            <a:rPr lang="fr-FR" sz="1900" kern="1200" dirty="0" smtClean="0"/>
+            <a:t>Le scénario du jeu</a:t>
+          </a:r>
+          <a:endParaRPr lang="fr-FR" sz="1900" kern="1200" dirty="0"/>
+        </a:p>
+      </dsp:txBody>
+      <dsp:txXfrm rot="10800000">
+        <a:off x="2044048" y="2620538"/>
+        <a:ext cx="7213421" cy="403457"/>
+      </dsp:txXfrm>
+    </dsp:sp>
+    <dsp:sp modelId="{F2691F1D-8B28-4225-90B5-2A4A19859209}">
+      <dsp:nvSpPr>
+        <dsp:cNvPr id="0" name=""/>
+        <dsp:cNvSpPr/>
+      </dsp:nvSpPr>
+      <dsp:spPr>
+        <a:xfrm>
+          <a:off x="1741455" y="2620538"/>
+          <a:ext cx="403457" cy="403457"/>
+        </a:xfrm>
+        <a:prstGeom prst="ellipse">
+          <a:avLst/>
+        </a:prstGeom>
+        <a:blipFill>
+          <a:blip xmlns:r="http://schemas.openxmlformats.org/officeDocument/2006/relationships" r:embed="rId6">
+            <a:duotone>
+              <a:schemeClr val="accent1">
+                <a:hueOff val="0"/>
+                <a:satOff val="0"/>
+                <a:lumOff val="0"/>
+                <a:alphaOff val="0"/>
+                <a:shade val="20000"/>
+                <a:satMod val="200000"/>
+              </a:schemeClr>
+              <a:schemeClr val="accent1">
+                <a:hueOff val="0"/>
+                <a:satOff val="0"/>
+                <a:lumOff val="0"/>
+                <a:alphaOff val="0"/>
+                <a:tint val="12000"/>
+                <a:satMod val="190000"/>
+              </a:schemeClr>
+            </a:duotone>
+            <a:extLst>
+              <a:ext uri="{28A0092B-C50C-407E-A947-70E740481C1C}">
+                <a14:useLocalDpi xmlns:a14="http://schemas.microsoft.com/office/drawing/2010/main" val="0"/>
+              </a:ext>
+            </a:extLst>
+          </a:blip>
+          <a:srcRect/>
+          <a:stretch>
+            <a:fillRect l="-13000" r="-13000"/>
+          </a:stretch>
+        </a:blipFill>
+        <a:ln>
+          <a:noFill/>
+        </a:ln>
+        <a:effectLst>
+          <a:outerShdw blurRad="50800" dist="50800" dir="5400000" sx="96000" sy="96000" rotWithShape="0">
+            <a:srgbClr val="000000">
+              <a:alpha val="48000"/>
+            </a:srgbClr>
+          </a:outerShdw>
+        </a:effectLst>
+        <a:scene3d>
+          <a:camera prst="orthographicFront">
+            <a:rot lat="0" lon="0" rev="0"/>
+          </a:camera>
+          <a:lightRig rig="balanced" dir="t">
+            <a:rot lat="0" lon="0" rev="1080000"/>
+          </a:lightRig>
+        </a:scene3d>
+        <a:sp3d>
+          <a:bevelT w="38100" h="12700" prst="softRound"/>
+        </a:sp3d>
+      </dsp:spPr>
+      <dsp:style>
+        <a:lnRef idx="0">
+          <a:scrgbClr r="0" g="0" b="0"/>
+        </a:lnRef>
+        <a:fillRef idx="1">
+          <a:scrgbClr r="0" g="0" b="0"/>
+        </a:fillRef>
+        <a:effectRef idx="3">
+          <a:scrgbClr r="0" g="0" b="0"/>
+        </a:effectRef>
+        <a:fontRef idx="minor"/>
+      </dsp:style>
+    </dsp:sp>
+    <dsp:sp modelId="{6E4AA452-A86B-491D-AEFF-FF9EB9A3776B}">
+      <dsp:nvSpPr>
+        <dsp:cNvPr id="0" name=""/>
+        <dsp:cNvSpPr/>
+      </dsp:nvSpPr>
+      <dsp:spPr>
+        <a:xfrm rot="10800000">
+          <a:off x="1943184" y="3144430"/>
+          <a:ext cx="7314285" cy="403457"/>
+        </a:xfrm>
+        <a:prstGeom prst="homePlate">
+          <a:avLst/>
+        </a:prstGeom>
+        <a:gradFill rotWithShape="0">
+          <a:gsLst>
+            <a:gs pos="0">
+              <a:schemeClr val="accent1">
+                <a:hueOff val="0"/>
+                <a:satOff val="0"/>
+                <a:lumOff val="0"/>
+                <a:alphaOff val="0"/>
+                <a:tint val="98000"/>
+                <a:satMod val="110000"/>
+                <a:lumMod val="104000"/>
+              </a:schemeClr>
+            </a:gs>
+            <a:gs pos="69000">
+              <a:schemeClr val="accent1">
+                <a:hueOff val="0"/>
+                <a:satOff val="0"/>
+                <a:lumOff val="0"/>
+                <a:alphaOff val="0"/>
+                <a:shade val="88000"/>
+                <a:satMod val="130000"/>
+                <a:lumMod val="92000"/>
+              </a:schemeClr>
+            </a:gs>
+            <a:gs pos="100000">
+              <a:schemeClr val="accent1">
+                <a:hueOff val="0"/>
+                <a:satOff val="0"/>
+                <a:lumOff val="0"/>
+                <a:alphaOff val="0"/>
+                <a:shade val="78000"/>
+                <a:satMod val="130000"/>
+                <a:lumMod val="92000"/>
+              </a:schemeClr>
+            </a:gs>
+          </a:gsLst>
+          <a:lin ang="5400000" scaled="0"/>
+        </a:gradFill>
+        <a:ln>
+          <a:noFill/>
+        </a:ln>
+        <a:effectLst>
+          <a:outerShdw blurRad="50800" dist="50800" dir="5400000" sx="96000" sy="96000" rotWithShape="0">
+            <a:srgbClr val="000000">
+              <a:alpha val="48000"/>
+            </a:srgbClr>
+          </a:outerShdw>
+        </a:effectLst>
+        <a:scene3d>
+          <a:camera prst="orthographicFront">
+            <a:rot lat="0" lon="0" rev="0"/>
+          </a:camera>
+          <a:lightRig rig="balanced" dir="t">
+            <a:rot lat="0" lon="0" rev="1080000"/>
+          </a:lightRig>
+        </a:scene3d>
+        <a:sp3d>
+          <a:bevelT w="38100" h="12700" prst="softRound"/>
+        </a:sp3d>
+      </dsp:spPr>
+      <dsp:style>
+        <a:lnRef idx="0">
+          <a:scrgbClr r="0" g="0" b="0"/>
+        </a:lnRef>
+        <a:fillRef idx="3">
+          <a:scrgbClr r="0" g="0" b="0"/>
+        </a:fillRef>
+        <a:effectRef idx="3">
+          <a:scrgbClr r="0" g="0" b="0"/>
+        </a:effectRef>
+        <a:fontRef idx="minor">
+          <a:schemeClr val="lt1"/>
+        </a:fontRef>
+      </dsp:style>
+      <dsp:txBody>
+        <a:bodyPr spcFirstLastPara="0" vert="horz" wrap="square" lIns="177913" tIns="72390" rIns="135128" bIns="72390" numCol="1" spcCol="1270" anchor="ctr" anchorCtr="0">
+          <a:noAutofit/>
+        </a:bodyPr>
+        <a:lstStyle/>
+        <a:p>
+          <a:pPr lvl="0" algn="ctr" defTabSz="844550">
+            <a:lnSpc>
+              <a:spcPct val="90000"/>
+            </a:lnSpc>
+            <a:spcBef>
+              <a:spcPct val="0"/>
+            </a:spcBef>
+            <a:spcAft>
+              <a:spcPct val="35000"/>
+            </a:spcAft>
+          </a:pPr>
+          <a:r>
+            <a:rPr lang="fr-FR" sz="1900" kern="1200" dirty="0" smtClean="0"/>
+            <a:t>Les maquettes</a:t>
+          </a:r>
+          <a:endParaRPr lang="fr-FR" sz="1900" kern="1200" dirty="0"/>
+        </a:p>
+      </dsp:txBody>
+      <dsp:txXfrm rot="10800000">
+        <a:off x="2044048" y="3144430"/>
+        <a:ext cx="7213421" cy="403457"/>
+      </dsp:txXfrm>
+    </dsp:sp>
+    <dsp:sp modelId="{16F46547-51BA-45F0-935B-177E58A4229A}">
+      <dsp:nvSpPr>
+        <dsp:cNvPr id="0" name=""/>
+        <dsp:cNvSpPr/>
+      </dsp:nvSpPr>
+      <dsp:spPr>
+        <a:xfrm>
+          <a:off x="1741455" y="3144430"/>
+          <a:ext cx="403457" cy="403457"/>
+        </a:xfrm>
+        <a:prstGeom prst="ellipse">
+          <a:avLst/>
+        </a:prstGeom>
+        <a:blipFill>
+          <a:blip xmlns:r="http://schemas.openxmlformats.org/officeDocument/2006/relationships" r:embed="rId7">
+            <a:duotone>
+              <a:schemeClr val="accent1">
+                <a:hueOff val="0"/>
+                <a:satOff val="0"/>
+                <a:lumOff val="0"/>
+                <a:alphaOff val="0"/>
+                <a:shade val="20000"/>
+                <a:satMod val="200000"/>
+              </a:schemeClr>
+              <a:schemeClr val="accent1">
+                <a:hueOff val="0"/>
+                <a:satOff val="0"/>
+                <a:lumOff val="0"/>
+                <a:alphaOff val="0"/>
+                <a:tint val="12000"/>
+                <a:satMod val="190000"/>
+              </a:schemeClr>
+            </a:duotone>
+            <a:extLst>
+              <a:ext uri="{28A0092B-C50C-407E-A947-70E740481C1C}">
+                <a14:useLocalDpi xmlns:a14="http://schemas.microsoft.com/office/drawing/2010/main" val="0"/>
+              </a:ext>
+            </a:extLst>
+          </a:blip>
+          <a:srcRect/>
+          <a:stretch>
+            <a:fillRect l="-12000" r="-12000"/>
+          </a:stretch>
+        </a:blipFill>
+        <a:ln>
+          <a:noFill/>
+        </a:ln>
+        <a:effectLst>
+          <a:outerShdw blurRad="50800" dist="50800" dir="5400000" sx="96000" sy="96000" rotWithShape="0">
+            <a:srgbClr val="000000">
+              <a:alpha val="48000"/>
+            </a:srgbClr>
+          </a:outerShdw>
+        </a:effectLst>
+        <a:scene3d>
+          <a:camera prst="orthographicFront">
+            <a:rot lat="0" lon="0" rev="0"/>
+          </a:camera>
+          <a:lightRig rig="balanced" dir="t">
+            <a:rot lat="0" lon="0" rev="1080000"/>
+          </a:lightRig>
+        </a:scene3d>
+        <a:sp3d>
+          <a:bevelT w="38100" h="12700" prst="softRound"/>
+        </a:sp3d>
+      </dsp:spPr>
+      <dsp:style>
+        <a:lnRef idx="0">
+          <a:scrgbClr r="0" g="0" b="0"/>
+        </a:lnRef>
+        <a:fillRef idx="1">
+          <a:scrgbClr r="0" g="0" b="0"/>
+        </a:fillRef>
+        <a:effectRef idx="3">
+          <a:scrgbClr r="0" g="0" b="0"/>
+        </a:effectRef>
+        <a:fontRef idx="minor"/>
+      </dsp:style>
+    </dsp:sp>
+    <dsp:sp modelId="{4F806FCB-3537-461F-A800-594F3D842D2A}">
+      <dsp:nvSpPr>
+        <dsp:cNvPr id="0" name=""/>
+        <dsp:cNvSpPr/>
+      </dsp:nvSpPr>
+      <dsp:spPr>
+        <a:xfrm rot="10800000">
+          <a:off x="1943184" y="3668323"/>
+          <a:ext cx="7314285" cy="403457"/>
+        </a:xfrm>
+        <a:prstGeom prst="homePlate">
+          <a:avLst/>
+        </a:prstGeom>
+        <a:gradFill rotWithShape="0">
+          <a:gsLst>
+            <a:gs pos="0">
+              <a:schemeClr val="accent1">
+                <a:hueOff val="0"/>
+                <a:satOff val="0"/>
+                <a:lumOff val="0"/>
+                <a:alphaOff val="0"/>
+                <a:tint val="98000"/>
+                <a:satMod val="110000"/>
+                <a:lumMod val="104000"/>
+              </a:schemeClr>
+            </a:gs>
+            <a:gs pos="69000">
+              <a:schemeClr val="accent1">
+                <a:hueOff val="0"/>
+                <a:satOff val="0"/>
+                <a:lumOff val="0"/>
+                <a:alphaOff val="0"/>
+                <a:shade val="88000"/>
+                <a:satMod val="130000"/>
+                <a:lumMod val="92000"/>
+              </a:schemeClr>
+            </a:gs>
+            <a:gs pos="100000">
+              <a:schemeClr val="accent1">
+                <a:hueOff val="0"/>
+                <a:satOff val="0"/>
+                <a:lumOff val="0"/>
+                <a:alphaOff val="0"/>
+                <a:shade val="78000"/>
+                <a:satMod val="130000"/>
+                <a:lumMod val="92000"/>
+              </a:schemeClr>
+            </a:gs>
+          </a:gsLst>
+          <a:lin ang="5400000" scaled="0"/>
+        </a:gradFill>
+        <a:ln>
+          <a:noFill/>
+        </a:ln>
+        <a:effectLst>
+          <a:outerShdw blurRad="50800" dist="50800" dir="5400000" sx="96000" sy="96000" rotWithShape="0">
+            <a:srgbClr val="000000">
+              <a:alpha val="48000"/>
+            </a:srgbClr>
+          </a:outerShdw>
+        </a:effectLst>
+        <a:scene3d>
+          <a:camera prst="orthographicFront">
+            <a:rot lat="0" lon="0" rev="0"/>
+          </a:camera>
+          <a:lightRig rig="balanced" dir="t">
+            <a:rot lat="0" lon="0" rev="1080000"/>
+          </a:lightRig>
+        </a:scene3d>
+        <a:sp3d>
+          <a:bevelT w="38100" h="12700" prst="softRound"/>
+        </a:sp3d>
+      </dsp:spPr>
+      <dsp:style>
+        <a:lnRef idx="0">
+          <a:scrgbClr r="0" g="0" b="0"/>
+        </a:lnRef>
+        <a:fillRef idx="3">
+          <a:scrgbClr r="0" g="0" b="0"/>
+        </a:fillRef>
+        <a:effectRef idx="3">
+          <a:scrgbClr r="0" g="0" b="0"/>
+        </a:effectRef>
+        <a:fontRef idx="minor">
+          <a:schemeClr val="lt1"/>
+        </a:fontRef>
+      </dsp:style>
+      <dsp:txBody>
+        <a:bodyPr spcFirstLastPara="0" vert="horz" wrap="square" lIns="177913" tIns="72390" rIns="135128" bIns="72390" numCol="1" spcCol="1270" anchor="ctr" anchorCtr="0">
+          <a:noAutofit/>
+        </a:bodyPr>
+        <a:lstStyle/>
+        <a:p>
+          <a:pPr lvl="0" algn="ctr" defTabSz="844550">
+            <a:lnSpc>
+              <a:spcPct val="90000"/>
+            </a:lnSpc>
+            <a:spcBef>
+              <a:spcPct val="0"/>
+            </a:spcBef>
+            <a:spcAft>
+              <a:spcPct val="35000"/>
+            </a:spcAft>
+          </a:pPr>
+          <a:r>
+            <a:rPr lang="fr-FR" sz="1900" kern="1200" dirty="0" smtClean="0"/>
+            <a:t>Répartition des tâches</a:t>
+          </a:r>
+          <a:endParaRPr lang="fr-FR" sz="1900" kern="1200" dirty="0"/>
+        </a:p>
+      </dsp:txBody>
+      <dsp:txXfrm rot="10800000">
+        <a:off x="2044048" y="3668323"/>
+        <a:ext cx="7213421" cy="403457"/>
+      </dsp:txXfrm>
+    </dsp:sp>
+    <dsp:sp modelId="{E822F2A8-C59A-45BF-B0CB-3508F19EC5BF}">
+      <dsp:nvSpPr>
+        <dsp:cNvPr id="0" name=""/>
+        <dsp:cNvSpPr/>
+      </dsp:nvSpPr>
+      <dsp:spPr>
+        <a:xfrm>
+          <a:off x="1741455" y="3668323"/>
+          <a:ext cx="403457" cy="403457"/>
+        </a:xfrm>
+        <a:prstGeom prst="ellipse">
+          <a:avLst/>
+        </a:prstGeom>
+        <a:blipFill>
+          <a:blip xmlns:r="http://schemas.openxmlformats.org/officeDocument/2006/relationships" r:embed="rId8">
+            <a:duotone>
+              <a:schemeClr val="accent1">
+                <a:hueOff val="0"/>
+                <a:satOff val="0"/>
+                <a:lumOff val="0"/>
+                <a:alphaOff val="0"/>
+                <a:shade val="20000"/>
+                <a:satMod val="200000"/>
+              </a:schemeClr>
+              <a:schemeClr val="accent1">
+                <a:hueOff val="0"/>
+                <a:satOff val="0"/>
+                <a:lumOff val="0"/>
+                <a:alphaOff val="0"/>
+                <a:tint val="12000"/>
+                <a:satMod val="190000"/>
+              </a:schemeClr>
+            </a:duotone>
+            <a:extLst>
+              <a:ext uri="{28A0092B-C50C-407E-A947-70E740481C1C}">
+                <a14:useLocalDpi xmlns:a14="http://schemas.microsoft.com/office/drawing/2010/main" val="0"/>
+              </a:ext>
+            </a:extLst>
+          </a:blip>
+          <a:srcRect/>
+          <a:stretch>
+            <a:fillRect t="-6000" b="-6000"/>
+          </a:stretch>
+        </a:blipFill>
+        <a:ln>
+          <a:noFill/>
+        </a:ln>
+        <a:effectLst>
+          <a:outerShdw blurRad="50800" dist="50800" dir="5400000" sx="96000" sy="96000" rotWithShape="0">
+            <a:srgbClr val="000000">
+              <a:alpha val="48000"/>
+            </a:srgbClr>
+          </a:outerShdw>
+        </a:effectLst>
+        <a:scene3d>
+          <a:camera prst="orthographicFront">
+            <a:rot lat="0" lon="0" rev="0"/>
+          </a:camera>
+          <a:lightRig rig="balanced" dir="t">
+            <a:rot lat="0" lon="0" rev="1080000"/>
+          </a:lightRig>
+        </a:scene3d>
+        <a:sp3d>
+          <a:bevelT w="38100" h="12700" prst="softRound"/>
+        </a:sp3d>
+      </dsp:spPr>
+      <dsp:style>
+        <a:lnRef idx="0">
+          <a:scrgbClr r="0" g="0" b="0"/>
+        </a:lnRef>
+        <a:fillRef idx="1">
+          <a:scrgbClr r="0" g="0" b="0"/>
+        </a:fillRef>
+        <a:effectRef idx="3">
+          <a:scrgbClr r="0" g="0" b="0"/>
+        </a:effectRef>
+        <a:fontRef idx="minor"/>
+      </dsp:style>
+    </dsp:sp>
+    <dsp:sp modelId="{DB93A03D-4F75-4207-8CBA-ABB7F54E572E}">
+      <dsp:nvSpPr>
+        <dsp:cNvPr id="0" name=""/>
+        <dsp:cNvSpPr/>
+      </dsp:nvSpPr>
+      <dsp:spPr>
+        <a:xfrm rot="10800000">
+          <a:off x="1943184" y="4192215"/>
+          <a:ext cx="7314285" cy="403457"/>
+        </a:xfrm>
+        <a:prstGeom prst="homePlate">
+          <a:avLst/>
+        </a:prstGeom>
+        <a:gradFill rotWithShape="0">
+          <a:gsLst>
+            <a:gs pos="0">
+              <a:schemeClr val="accent1">
+                <a:hueOff val="0"/>
+                <a:satOff val="0"/>
+                <a:lumOff val="0"/>
+                <a:alphaOff val="0"/>
+                <a:tint val="98000"/>
+                <a:satMod val="110000"/>
+                <a:lumMod val="104000"/>
+              </a:schemeClr>
+            </a:gs>
+            <a:gs pos="69000">
+              <a:schemeClr val="accent1">
+                <a:hueOff val="0"/>
+                <a:satOff val="0"/>
+                <a:lumOff val="0"/>
+                <a:alphaOff val="0"/>
+                <a:shade val="88000"/>
+                <a:satMod val="130000"/>
+                <a:lumMod val="92000"/>
+              </a:schemeClr>
+            </a:gs>
+            <a:gs pos="100000">
+              <a:schemeClr val="accent1">
+                <a:hueOff val="0"/>
+                <a:satOff val="0"/>
+                <a:lumOff val="0"/>
+                <a:alphaOff val="0"/>
+                <a:shade val="78000"/>
+                <a:satMod val="130000"/>
+                <a:lumMod val="92000"/>
+              </a:schemeClr>
+            </a:gs>
+          </a:gsLst>
+          <a:lin ang="5400000" scaled="0"/>
+        </a:gradFill>
+        <a:ln>
+          <a:noFill/>
+        </a:ln>
+        <a:effectLst>
+          <a:outerShdw blurRad="50800" dist="50800" dir="5400000" sx="96000" sy="96000" rotWithShape="0">
+            <a:srgbClr val="000000">
+              <a:alpha val="48000"/>
+            </a:srgbClr>
+          </a:outerShdw>
+        </a:effectLst>
+        <a:scene3d>
+          <a:camera prst="orthographicFront">
+            <a:rot lat="0" lon="0" rev="0"/>
+          </a:camera>
+          <a:lightRig rig="balanced" dir="t">
+            <a:rot lat="0" lon="0" rev="1080000"/>
+          </a:lightRig>
+        </a:scene3d>
+        <a:sp3d>
+          <a:bevelT w="38100" h="12700" prst="softRound"/>
+        </a:sp3d>
+      </dsp:spPr>
+      <dsp:style>
+        <a:lnRef idx="0">
+          <a:scrgbClr r="0" g="0" b="0"/>
+        </a:lnRef>
+        <a:fillRef idx="3">
+          <a:scrgbClr r="0" g="0" b="0"/>
+        </a:fillRef>
+        <a:effectRef idx="3">
+          <a:scrgbClr r="0" g="0" b="0"/>
+        </a:effectRef>
+        <a:fontRef idx="minor">
+          <a:schemeClr val="lt1"/>
+        </a:fontRef>
+      </dsp:style>
+      <dsp:txBody>
+        <a:bodyPr spcFirstLastPara="0" vert="horz" wrap="square" lIns="177913" tIns="72390" rIns="135128" bIns="72390" numCol="1" spcCol="1270" anchor="ctr" anchorCtr="0">
+          <a:noAutofit/>
+        </a:bodyPr>
+        <a:lstStyle/>
+        <a:p>
+          <a:pPr lvl="0" algn="ctr" defTabSz="844550">
+            <a:lnSpc>
+              <a:spcPct val="90000"/>
+            </a:lnSpc>
+            <a:spcBef>
+              <a:spcPct val="0"/>
+            </a:spcBef>
+            <a:spcAft>
+              <a:spcPct val="35000"/>
+            </a:spcAft>
+          </a:pPr>
+          <a:r>
+            <a:rPr lang="fr-FR" sz="1900" kern="1200" dirty="0" smtClean="0"/>
+            <a:t>Matériels nécessaires</a:t>
+          </a:r>
+          <a:endParaRPr lang="fr-FR" sz="1900" kern="1200" dirty="0"/>
+        </a:p>
+      </dsp:txBody>
+      <dsp:txXfrm rot="10800000">
+        <a:off x="2044048" y="4192215"/>
+        <a:ext cx="7213421" cy="403457"/>
+      </dsp:txXfrm>
+    </dsp:sp>
+    <dsp:sp modelId="{54038919-93E4-4BB9-87F1-1AE82C587726}">
+      <dsp:nvSpPr>
+        <dsp:cNvPr id="0" name=""/>
+        <dsp:cNvSpPr/>
+      </dsp:nvSpPr>
+      <dsp:spPr>
+        <a:xfrm>
+          <a:off x="1741455" y="4192215"/>
+          <a:ext cx="403457" cy="403457"/>
+        </a:xfrm>
+        <a:prstGeom prst="ellipse">
+          <a:avLst/>
+        </a:prstGeom>
+        <a:blipFill>
+          <a:blip xmlns:r="http://schemas.openxmlformats.org/officeDocument/2006/relationships" r:embed="rId9">
+            <a:duotone>
+              <a:schemeClr val="accent1">
+                <a:hueOff val="0"/>
+                <a:satOff val="0"/>
+                <a:lumOff val="0"/>
+                <a:alphaOff val="0"/>
+                <a:shade val="20000"/>
+                <a:satMod val="200000"/>
+              </a:schemeClr>
+              <a:schemeClr val="accent1">
+                <a:hueOff val="0"/>
+                <a:satOff val="0"/>
+                <a:lumOff val="0"/>
+                <a:alphaOff val="0"/>
+                <a:tint val="12000"/>
+                <a:satMod val="190000"/>
+              </a:schemeClr>
+            </a:duotone>
+            <a:extLst>
+              <a:ext uri="{28A0092B-C50C-407E-A947-70E740481C1C}">
+                <a14:useLocalDpi xmlns:a14="http://schemas.microsoft.com/office/drawing/2010/main" val="0"/>
+              </a:ext>
+            </a:extLst>
+          </a:blip>
+          <a:srcRect/>
+          <a:stretch>
+            <a:fillRect l="-20000" r="-20000"/>
+          </a:stretch>
+        </a:blipFill>
+        <a:ln>
+          <a:noFill/>
+        </a:ln>
+        <a:effectLst>
+          <a:outerShdw blurRad="50800" dist="50800" dir="5400000" sx="96000" sy="96000" rotWithShape="0">
+            <a:srgbClr val="000000">
+              <a:alpha val="48000"/>
+            </a:srgbClr>
+          </a:outerShdw>
+        </a:effectLst>
+        <a:scene3d>
+          <a:camera prst="orthographicFront">
+            <a:rot lat="0" lon="0" rev="0"/>
+          </a:camera>
+          <a:lightRig rig="balanced" dir="t">
+            <a:rot lat="0" lon="0" rev="1080000"/>
+          </a:lightRig>
+        </a:scene3d>
+        <a:sp3d>
+          <a:bevelT w="38100" h="12700" prst="softRound"/>
+        </a:sp3d>
+      </dsp:spPr>
+      <dsp:style>
+        <a:lnRef idx="0">
+          <a:scrgbClr r="0" g="0" b="0"/>
+        </a:lnRef>
+        <a:fillRef idx="1">
+          <a:scrgbClr r="0" g="0" b="0"/>
+        </a:fillRef>
+        <a:effectRef idx="3">
+          <a:scrgbClr r="0" g="0" b="0"/>
+        </a:effectRef>
+        <a:fontRef idx="minor"/>
+      </dsp:style>
+    </dsp:sp>
+    <dsp:sp modelId="{23DAA865-48F3-4CBF-BF23-B6B2DE0F51D0}">
+      <dsp:nvSpPr>
+        <dsp:cNvPr id="0" name=""/>
+        <dsp:cNvSpPr/>
+      </dsp:nvSpPr>
+      <dsp:spPr>
+        <a:xfrm rot="10800000">
+          <a:off x="1943184" y="4716107"/>
+          <a:ext cx="7314285" cy="403457"/>
+        </a:xfrm>
+        <a:prstGeom prst="homePlate">
+          <a:avLst/>
+        </a:prstGeom>
+        <a:gradFill rotWithShape="0">
+          <a:gsLst>
+            <a:gs pos="0">
+              <a:schemeClr val="accent1">
+                <a:hueOff val="0"/>
+                <a:satOff val="0"/>
+                <a:lumOff val="0"/>
+                <a:alphaOff val="0"/>
+                <a:tint val="98000"/>
+                <a:satMod val="110000"/>
+                <a:lumMod val="104000"/>
+              </a:schemeClr>
+            </a:gs>
+            <a:gs pos="69000">
+              <a:schemeClr val="accent1">
+                <a:hueOff val="0"/>
+                <a:satOff val="0"/>
+                <a:lumOff val="0"/>
+                <a:alphaOff val="0"/>
+                <a:shade val="88000"/>
+                <a:satMod val="130000"/>
+                <a:lumMod val="92000"/>
+              </a:schemeClr>
+            </a:gs>
+            <a:gs pos="100000">
+              <a:schemeClr val="accent1">
+                <a:hueOff val="0"/>
+                <a:satOff val="0"/>
+                <a:lumOff val="0"/>
+                <a:alphaOff val="0"/>
+                <a:shade val="78000"/>
+                <a:satMod val="130000"/>
+                <a:lumMod val="92000"/>
+              </a:schemeClr>
+            </a:gs>
+          </a:gsLst>
+          <a:lin ang="5400000" scaled="0"/>
+        </a:gradFill>
+        <a:ln>
+          <a:noFill/>
+        </a:ln>
+        <a:effectLst>
+          <a:outerShdw blurRad="50800" dist="50800" dir="5400000" sx="96000" sy="96000" rotWithShape="0">
+            <a:srgbClr val="000000">
+              <a:alpha val="48000"/>
+            </a:srgbClr>
+          </a:outerShdw>
+        </a:effectLst>
+        <a:scene3d>
+          <a:camera prst="orthographicFront">
+            <a:rot lat="0" lon="0" rev="0"/>
+          </a:camera>
+          <a:lightRig rig="balanced" dir="t">
+            <a:rot lat="0" lon="0" rev="1080000"/>
+          </a:lightRig>
+        </a:scene3d>
+        <a:sp3d>
+          <a:bevelT w="38100" h="12700" prst="softRound"/>
+        </a:sp3d>
+      </dsp:spPr>
+      <dsp:style>
+        <a:lnRef idx="0">
+          <a:scrgbClr r="0" g="0" b="0"/>
+        </a:lnRef>
+        <a:fillRef idx="3">
+          <a:scrgbClr r="0" g="0" b="0"/>
+        </a:fillRef>
+        <a:effectRef idx="3">
+          <a:scrgbClr r="0" g="0" b="0"/>
+        </a:effectRef>
+        <a:fontRef idx="minor">
+          <a:schemeClr val="lt1"/>
+        </a:fontRef>
+      </dsp:style>
+      <dsp:txBody>
+        <a:bodyPr spcFirstLastPara="0" vert="horz" wrap="square" lIns="177913" tIns="72390" rIns="135128" bIns="72390" numCol="1" spcCol="1270" anchor="ctr" anchorCtr="0">
+          <a:noAutofit/>
+        </a:bodyPr>
+        <a:lstStyle/>
+        <a:p>
+          <a:pPr lvl="0" algn="ctr" defTabSz="844550">
+            <a:lnSpc>
+              <a:spcPct val="90000"/>
+            </a:lnSpc>
+            <a:spcBef>
+              <a:spcPct val="0"/>
+            </a:spcBef>
+            <a:spcAft>
+              <a:spcPct val="35000"/>
+            </a:spcAft>
+          </a:pPr>
+          <a:r>
+            <a:rPr lang="fr-FR" sz="1900" kern="1200" dirty="0" smtClean="0"/>
+            <a:t>Notre mode de fonctionnement</a:t>
+          </a:r>
+          <a:endParaRPr lang="fr-FR" sz="1900" kern="1200" dirty="0"/>
+        </a:p>
+      </dsp:txBody>
+      <dsp:txXfrm rot="10800000">
+        <a:off x="2044048" y="4716107"/>
+        <a:ext cx="7213421" cy="403457"/>
+      </dsp:txXfrm>
+    </dsp:sp>
+    <dsp:sp modelId="{205245F4-C73D-4CD2-9DC8-7DAAE0F213EF}">
+      <dsp:nvSpPr>
+        <dsp:cNvPr id="0" name=""/>
+        <dsp:cNvSpPr/>
+      </dsp:nvSpPr>
+      <dsp:spPr>
+        <a:xfrm>
+          <a:off x="1741455" y="4716107"/>
+          <a:ext cx="403457" cy="403457"/>
+        </a:xfrm>
+        <a:prstGeom prst="ellipse">
+          <a:avLst/>
+        </a:prstGeom>
+        <a:blipFill>
+          <a:blip xmlns:r="http://schemas.openxmlformats.org/officeDocument/2006/relationships" r:embed="rId10">
+            <a:duotone>
+              <a:schemeClr val="accent1">
+                <a:hueOff val="0"/>
+                <a:satOff val="0"/>
+                <a:lumOff val="0"/>
+                <a:alphaOff val="0"/>
+                <a:shade val="20000"/>
+                <a:satMod val="200000"/>
+              </a:schemeClr>
+              <a:schemeClr val="accent1">
+                <a:hueOff val="0"/>
+                <a:satOff val="0"/>
+                <a:lumOff val="0"/>
+                <a:alphaOff val="0"/>
+                <a:tint val="12000"/>
+                <a:satMod val="190000"/>
+              </a:schemeClr>
+            </a:duotone>
+            <a:extLst>
+              <a:ext uri="{28A0092B-C50C-407E-A947-70E740481C1C}">
+                <a14:useLocalDpi xmlns:a14="http://schemas.microsoft.com/office/drawing/2010/main" val="0"/>
+              </a:ext>
+            </a:extLst>
+          </a:blip>
+          <a:srcRect/>
+          <a:stretch>
+            <a:fillRect/>
+          </a:stretch>
+        </a:blipFill>
+        <a:ln>
+          <a:noFill/>
+        </a:ln>
+        <a:effectLst>
+          <a:outerShdw blurRad="50800" dist="50800" dir="5400000" sx="96000" sy="96000" rotWithShape="0">
+            <a:srgbClr val="000000">
+              <a:alpha val="48000"/>
+            </a:srgbClr>
+          </a:outerShdw>
+        </a:effectLst>
+        <a:scene3d>
+          <a:camera prst="orthographicFront">
+            <a:rot lat="0" lon="0" rev="0"/>
+          </a:camera>
+          <a:lightRig rig="balanced" dir="t">
+            <a:rot lat="0" lon="0" rev="1080000"/>
+          </a:lightRig>
+        </a:scene3d>
+        <a:sp3d>
+          <a:bevelT w="38100" h="12700" prst="softRound"/>
+        </a:sp3d>
+      </dsp:spPr>
+      <dsp:style>
+        <a:lnRef idx="0">
+          <a:scrgbClr r="0" g="0" b="0"/>
+        </a:lnRef>
+        <a:fillRef idx="1">
+          <a:scrgbClr r="0" g="0" b="0"/>
+        </a:fillRef>
+        <a:effectRef idx="3">
+          <a:scrgbClr r="0" g="0" b="0"/>
+        </a:effectRef>
+        <a:fontRef idx="minor"/>
+      </dsp:style>
+    </dsp:sp>
+  </dsp:spTree>
+</dsp:drawing>
+</file>
+
+<file path=ppt/diagrams/layout1.xml><?xml version="1.0" encoding="utf-8"?>
+<dgm:layoutDef xmlns:dgm="http://schemas.openxmlformats.org/drawingml/2006/diagram" xmlns:a="http://schemas.openxmlformats.org/drawingml/2006/main" uniqueId="urn:microsoft.com/office/officeart/2005/8/layout/vList3">
+  <dgm:title val=""/>
+  <dgm:desc val=""/>
+  <dgm:catLst>
+    <dgm:cat type="list" pri="14000"/>
+    <dgm:cat type="convert" pri="3000"/>
+    <dgm:cat type="picture" pri="27000"/>
+    <dgm:cat type="pictureconvert" pri="27000"/>
+  </dgm:catLst>
+  <dgm:sampData useDef="1">
+    <dgm:dataModel>
+      <dgm:ptLst/>
+      <dgm:bg/>
+      <dgm:whole/>
+    </dgm:dataModel>
+  </dgm:sampData>
+  <dgm:styleData>
+    <dgm:dataModel>
+      <dgm:ptLst>
+        <dgm:pt modelId="0" type="doc"/>
+        <dgm:pt modelId="1"/>
+        <dgm:pt modelId="2"/>
+      </dgm:ptLst>
+      <dgm:cxnLst>
+        <dgm:cxn modelId="3" srcId="0" destId="1" srcOrd="0" destOrd="0"/>
+        <dgm:cxn modelId="4" srcId="0" destId="2" srcOrd="1" destOrd="0"/>
+      </dgm:cxnLst>
+      <dgm:bg/>
+      <dgm:whole/>
+    </dgm:dataModel>
+  </dgm:styleData>
+  <dgm:clrData>
+    <dgm:dataModel>
+      <dgm:ptLst>
+        <dgm:pt modelId="0" type="doc"/>
+        <dgm:pt modelId="1"/>
+        <dgm:pt modelId="2"/>
+        <dgm:pt modelId="3"/>
+        <dgm:pt modelId="4"/>
+      </dgm:ptLst>
+      <dgm:cxnLst>
+        <dgm:cxn modelId="5" srcId="0" destId="1" srcOrd="0" destOrd="0"/>
+        <dgm:cxn modelId="6" srcId="0" destId="2" srcOrd="1" destOrd="0"/>
+        <dgm:cxn modelId="7" srcId="0" destId="3" srcOrd="2" destOrd="0"/>
+        <dgm:cxn modelId="8" srcId="0" destId="4" srcOrd="3" destOrd="0"/>
+      </dgm:cxnLst>
+      <dgm:bg/>
+      <dgm:whole/>
+    </dgm:dataModel>
+  </dgm:clrData>
+  <dgm:layoutNode name="linearFlow">
+    <dgm:varLst>
+      <dgm:dir/>
+      <dgm:resizeHandles val="exact"/>
+    </dgm:varLst>
+    <dgm:alg type="lin">
+      <dgm:param type="linDir" val="fromT"/>
+      <dgm:param type="vertAlign" val="mid"/>
+      <dgm:param type="horzAlign" val="ctr"/>
+    </dgm:alg>
+    <dgm:shape xmlns:r="http://schemas.openxmlformats.org/officeDocument/2006/relationships" r:blip="">
+      <dgm:adjLst/>
+    </dgm:shape>
+    <dgm:presOf/>
+    <dgm:constrLst>
+      <dgm:constr type="w" for="ch" forName="composite" refType="w"/>
+      <dgm:constr type="h" for="ch" forName="composite" refType="h"/>
+      <dgm:constr type="h" for="ch" forName="spacing" refType="h" refFor="ch" refForName="composite" fact="0.25"/>
+      <dgm:constr type="h" for="ch" forName="spacing" refType="w" op="lte" fact="0.1"/>
+      <dgm:constr type="primFontSz" for="des" ptType="node" op="equ" val="65"/>
+    </dgm:constrLst>
+    <dgm:ruleLst/>
+    <dgm:forEach name="Name0" axis="ch" ptType="node">
+      <dgm:layoutNode name="composite">
+        <dgm:alg type="composite"/>
+        <dgm:shape xmlns:r="http://schemas.openxmlformats.org/officeDocument/2006/relationships" r:blip="">
+          <dgm:adjLst/>
+        </dgm:shape>
+        <dgm:presOf/>
+        <dgm:choose name="Name1">
+          <dgm:if name="Name2" func="var" arg="dir" op="equ" val="norm">
+            <dgm:constrLst>
+              <dgm:constr type="w" for="ch" forName="imgShp" refType="w" fact="0.335"/>
+              <dgm:constr type="h" for="ch" forName="imgShp" refType="w" refFor="ch" refForName="imgShp" op="equ"/>
+              <dgm:constr type="h" for="ch" forName="imgShp" refType="h" op="lte"/>
+              <dgm:constr type="ctrY" for="ch" forName="imgShp" refType="h" fact="0.5"/>
+              <dgm:constr type="l" for="ch" forName="imgShp"/>
+              <dgm:constr type="w" for="ch" forName="txShp" refType="w" op="equ" fact="0.665"/>
+              <dgm:constr type="h" for="ch" forName="txShp" refType="h" refFor="ch" refForName="imgShp" op="equ"/>
+              <dgm:constr type="ctrY" for="ch" forName="txShp" refType="h" fact="0.5"/>
+              <dgm:constr type="l" for="ch" forName="txShp" refType="w" refFor="ch" refForName="imgShp" fact="0.5"/>
+              <dgm:constr type="lMarg" for="ch" forName="txShp" refType="w" refFor="ch" refForName="imgShp" fact="1.25"/>
+            </dgm:constrLst>
+          </dgm:if>
+          <dgm:else name="Name3">
+            <dgm:constrLst>
+              <dgm:constr type="w" for="ch" forName="imgShp" refType="w" fact="0.335"/>
+              <dgm:constr type="h" for="ch" forName="imgShp" refType="w" refFor="ch" refForName="imgShp" op="equ"/>
+              <dgm:constr type="h" for="ch" forName="imgShp" refType="h" op="lte"/>
+              <dgm:constr type="ctrY" for="ch" forName="imgShp" refType="h" fact="0.5"/>
+              <dgm:constr type="r" for="ch" forName="imgShp" refType="w"/>
+              <dgm:constr type="w" for="ch" forName="txShp" refType="w" op="equ" fact="0.665"/>
+              <dgm:constr type="h" for="ch" forName="txShp" refType="h" refFor="ch" refForName="imgShp" op="equ"/>
+              <dgm:constr type="ctrY" for="ch" forName="txShp" refType="h" fact="0.5"/>
+              <dgm:constr type="r" for="ch" forName="txShp" refType="ctrX" refFor="ch" refForName="imgShp"/>
+              <dgm:constr type="rMarg" for="ch" forName="txShp" refType="w" refFor="ch" refForName="imgShp" fact="1.25"/>
+            </dgm:constrLst>
+          </dgm:else>
+        </dgm:choose>
+        <dgm:ruleLst/>
+        <dgm:layoutNode name="imgShp" styleLbl="fgImgPlace1">
+          <dgm:alg type="sp"/>
+          <dgm:shape xmlns:r="http://schemas.openxmlformats.org/officeDocument/2006/relationships" type="ellipse" r:blip="" blipPhldr="1">
+            <dgm:adjLst/>
+          </dgm:shape>
+          <dgm:presOf/>
+          <dgm:constrLst/>
+          <dgm:ruleLst/>
+        </dgm:layoutNode>
+        <dgm:layoutNode name="txShp">
+          <dgm:varLst>
+            <dgm:bulletEnabled val="1"/>
+          </dgm:varLst>
+          <dgm:alg type="tx"/>
+          <dgm:choose name="Name4">
+            <dgm:if name="Name5" func="var" arg="dir" op="equ" val="norm">
+              <dgm:shape xmlns:r="http://schemas.openxmlformats.org/officeDocument/2006/relationships" rot="180" type="homePlate" r:blip="" zOrderOff="-1">
+                <dgm:adjLst/>
+              </dgm:shape>
+            </dgm:if>
+            <dgm:else name="Name6">
+              <dgm:shape xmlns:r="http://schemas.openxmlformats.org/officeDocument/2006/relationships" type="homePlate" r:blip="" zOrderOff="-1">
+                <dgm:adjLst/>
+              </dgm:shape>
+            </dgm:else>
+          </dgm:choose>
+          <dgm:presOf axis="desOrSelf" ptType="node"/>
+          <dgm:constrLst>
+            <dgm:constr type="tMarg" refType="primFontSz" fact="0.3"/>
+            <dgm:constr type="bMarg" refType="primFontSz" fact="0.3"/>
+          </dgm:constrLst>
+          <dgm:ruleLst>
+            <dgm:rule type="primFontSz" val="5" fact="NaN" max="NaN"/>
+          </dgm:ruleLst>
+        </dgm:layoutNode>
+      </dgm:layoutNode>
+      <dgm:forEach name="Name7" axis="followSib" ptType="sibTrans" cnt="1">
+        <dgm:layoutNode name="spacing">
+          <dgm:alg type="sp"/>
+          <dgm:shape xmlns:r="http://schemas.openxmlformats.org/officeDocument/2006/relationships" r:blip="">
+            <dgm:adjLst/>
+          </dgm:shape>
+          <dgm:presOf axis="self"/>
+          <dgm:constrLst/>
+          <dgm:ruleLst/>
+        </dgm:layoutNode>
+      </dgm:forEach>
+    </dgm:forEach>
+  </dgm:layoutNode>
+</dgm:layoutDef>
+</file>
+
+<file path=ppt/diagrams/quickStyle1.xml><?xml version="1.0" encoding="utf-8"?>
+<dgm:styleDef xmlns:dgm="http://schemas.openxmlformats.org/drawingml/2006/diagram" xmlns:a="http://schemas.openxmlformats.org/drawingml/2006/main" uniqueId="urn:microsoft.com/office/officeart/2005/8/quickstyle/simple5">
+  <dgm:title val=""/>
+  <dgm:desc val=""/>
+  <dgm:catLst>
+    <dgm:cat type="simple" pri="10500"/>
+  </dgm:catLst>
+  <dgm:scene3d>
+    <a:camera prst="orthographicFront"/>
+    <a:lightRig rig="threePt" dir="t"/>
+  </dgm:scene3d>
+  <dgm:styleLbl name="node0">
+    <dgm:scene3d>
+      <a:camera prst="orthographicFront"/>
+      <a:lightRig rig="threePt" dir="t"/>
+    </dgm:scene3d>
+    <dgm:sp3d/>
+    <dgm:txPr/>
+    <dgm:style>
+      <a:lnRef idx="0">
+        <a:scrgbClr r="0" g="0" b="0"/>
+      </a:lnRef>
+      <a:fillRef idx="3">
+        <a:scrgbClr r="0" g="0" b="0"/>
+      </a:fillRef>
+      <a:effectRef idx="3">
+        <a:scrgbClr r="0" g="0" b="0"/>
+      </a:effectRef>
+      <a:fontRef idx="minor">
+        <a:schemeClr val="lt1"/>
+      </a:fontRef>
+    </dgm:style>
+  </dgm:styleLbl>
+  <dgm:styleLbl name="lnNode1">
+    <dgm:scene3d>
+      <a:camera prst="orthographicFront"/>
+      <a:lightRig rig="threePt" dir="t"/>
+    </dgm:scene3d>
+    <dgm:sp3d/>
+    <dgm:txPr/>
+    <dgm:style>
+      <a:lnRef idx="0">
+        <a:scrgbClr r="0" g="0" b="0"/>
+      </a:lnRef>
+      <a:fillRef idx="3">
+        <a:scrgbClr r="0" g="0" b="0"/>
+      </a:fillRef>
+      <a:effectRef idx="3">
+        <a:scrgbClr r="0" g="0" b="0"/>
+      </a:effectRef>
+      <a:fontRef idx="minor">
+        <a:schemeClr val="lt1"/>
+      </a:fontRef>
+    </dgm:style>
+  </dgm:styleLbl>
+  <dgm:styleLbl name="vennNode1">
+    <dgm:scene3d>
+      <a:camera prst="orthographicFront"/>
+      <a:lightRig rig="threePt" dir="t"/>
+    </dgm:scene3d>
+    <dgm:sp3d/>
+    <dgm:txPr/>
+    <dgm:style>
+      <a:lnRef idx="0">
+        <a:scrgbClr r="0" g="0" b="0"/>
+      </a:lnRef>
+      <a:fillRef idx="3">
+        <a:scrgbClr r="0" g="0" b="0"/>
+      </a:fillRef>
+      <a:effectRef idx="3">
+        <a:scrgbClr r="0" g="0" b="0"/>
+      </a:effectRef>
+      <a:fontRef idx="minor">
+        <a:schemeClr val="tx1"/>
+      </a:fontRef>
+    </dgm:style>
+  </dgm:styleLbl>
+  <dgm:styleLbl name="alignNode1">
+    <dgm:scene3d>
+      <a:camera prst="orthographicFront"/>
+      <a:lightRig rig="threePt" dir="t"/>
+    </dgm:scene3d>
+    <dgm:sp3d/>
+    <dgm:txPr/>
+    <dgm:style>
+      <a:lnRef idx="1">
+        <a:scrgbClr r="0" g="0" b="0"/>
+      </a:lnRef>
+      <a:fillRef idx="3">
+        <a:scrgbClr r="0" g="0" b="0"/>
+      </a:fillRef>
+      <a:effectRef idx="3">
+        <a:scrgbClr r="0" g="0" b="0"/>
+      </a:effectRef>
+      <a:fontRef idx="minor">
+        <a:schemeClr val="lt1"/>
+      </a:fontRef>
+    </dgm:style>
+  </dgm:styleLbl>
+  <dgm:styleLbl name="node1">
+    <dgm:scene3d>
+      <a:camera prst="orthographicFront"/>
+      <a:lightRig rig="threePt" dir="t"/>
+    </dgm:scene3d>
+    <dgm:sp3d/>
+    <dgm:txPr/>
+    <dgm:style>
+      <a:lnRef idx="0">
+        <a:scrgbClr r="0" g="0" b="0"/>
+      </a:lnRef>
+      <a:fillRef idx="3">
+        <a:scrgbClr r="0" g="0" b="0"/>
+      </a:fillRef>
+      <a:effectRef idx="3">
+        <a:scrgbClr r="0" g="0" b="0"/>
+      </a:effectRef>
+      <a:fontRef idx="minor">
+        <a:schemeClr val="lt1"/>
+      </a:fontRef>
+    </dgm:style>
+  </dgm:styleLbl>
+  <dgm:styleLbl name="node2">
+    <dgm:scene3d>
+      <a:camera prst="orthographicFront"/>
+      <a:lightRig rig="threePt" dir="t"/>
+    </dgm:scene3d>
+    <dgm:sp3d/>
+    <dgm:txPr/>
+    <dgm:style>
+      <a:lnRef idx="0">
+        <a:scrgbClr r="0" g="0" b="0"/>
+      </a:lnRef>
+      <a:fillRef idx="3">
+        <a:scrgbClr r="0" g="0" b="0"/>
+      </a:fillRef>
+      <a:effectRef idx="3">
+        <a:scrgbClr r="0" g="0" b="0"/>
+      </a:effectRef>
+      <a:fontRef idx="minor">
+        <a:schemeClr val="lt1"/>
+      </a:fontRef>
+    </dgm:style>
+  </dgm:styleLbl>
+  <dgm:styleLbl name="node3">
+    <dgm:scene3d>
+      <a:camera prst="orthographicFront"/>
+      <a:lightRig rig="threePt" dir="t"/>
+    </dgm:scene3d>
+    <dgm:sp3d/>
+    <dgm:txPr/>
+    <dgm:style>
+      <a:lnRef idx="0">
+        <a:scrgbClr r="0" g="0" b="0"/>
+      </a:lnRef>
+      <a:fillRef idx="3">
+        <a:scrgbClr r="0" g="0" b="0"/>
+      </a:fillRef>
+      <a:effectRef idx="3">
+        <a:scrgbClr r="0" g="0" b="0"/>
+      </a:effectRef>
+      <a:fontRef idx="minor">
+        <a:schemeClr val="lt1"/>
+      </a:fontRef>
+    </dgm:style>
+  </dgm:styleLbl>
+  <dgm:styleLbl name="node4">
+    <dgm:scene3d>
+      <a:camera prst="orthographicFront"/>
+      <a:lightRig rig="threePt" dir="t"/>
+    </dgm:scene3d>
+    <dgm:sp3d/>
+    <dgm:txPr/>
+    <dgm:style>
+      <a:lnRef idx="0">
+        <a:scrgbClr r="0" g="0" b="0"/>
+      </a:lnRef>
+      <a:fillRef idx="3">
+        <a:scrgbClr r="0" g="0" b="0"/>
+      </a:fillRef>
+      <a:effectRef idx="3">
+        <a:scrgbClr r="0" g="0" b="0"/>
+      </a:effectRef>
+      <a:fontRef idx="minor">
+        <a:schemeClr val="lt1"/>
+      </a:fontRef>
+    </dgm:style>
+  </dgm:styleLbl>
+  <dgm:styleLbl name="fgImgPlace1">
+    <dgm:scene3d>
+      <a:camera prst="orthographicFront"/>
+      <a:lightRig rig="threePt" dir="t"/>
+    </dgm:scene3d>
+    <dgm:sp3d/>
+    <dgm:txPr/>
+    <dgm:style>
+      <a:lnRef idx="0">
+        <a:scrgbClr r="0" g="0" b="0"/>
+      </a:lnRef>
+      <a:fillRef idx="1">
+        <a:scrgbClr r="0" g="0" b="0"/>
+      </a:fillRef>
+      <a:effectRef idx="3">
+        <a:scrgbClr r="0" g="0" b="0"/>
+      </a:effectRef>
+      <a:fontRef idx="minor"/>
+    </dgm:style>
+  </dgm:styleLbl>
+  <dgm:styleLbl name="alignImgPlace1">
+    <dgm:scene3d>
+      <a:camera prst="orthographicFront"/>
+      <a:lightRig rig="threePt" dir="t"/>
+    </dgm:scene3d>
+    <dgm:sp3d/>
+    <dgm:txPr/>
+    <dgm:style>
+      <a:lnRef idx="0">
+        <a:scrgbClr r="0" g="0" b="0"/>
+      </a:lnRef>
+      <a:fillRef idx="1">
+        <a:scrgbClr r="0" g="0" b="0"/>
+      </a:fillRef>
+      <a:effectRef idx="3">
+        <a:scrgbClr r="0" g="0" b="0"/>
+      </a:effectRef>
+      <a:fontRef idx="minor"/>
+    </dgm:style>
+  </dgm:styleLbl>
+  <dgm:styleLbl name="bgImgPlace1">
+    <dgm:scene3d>
+      <a:camera prst="orthographicFront"/>
+      <a:lightRig rig="threePt" dir="t"/>
+    </dgm:scene3d>
+    <dgm:sp3d/>
+    <dgm:txPr/>
+    <dgm:style>
+      <a:lnRef idx="0">
+        <a:scrgbClr r="0" g="0" b="0"/>
+      </a:lnRef>
+      <a:fillRef idx="1">
+        <a:scrgbClr r="0" g="0" b="0"/>
+      </a:fillRef>
+      <a:effectRef idx="3">
+        <a:scrgbClr r="0" g="0" b="0"/>
+      </a:effectRef>
+      <a:fontRef idx="minor"/>
+    </dgm:style>
+  </dgm:styleLbl>
+  <dgm:styleLbl name="sibTrans2D1">
+    <dgm:scene3d>
+      <a:camera prst="orthographicFront"/>
+      <a:lightRig rig="threePt" dir="t"/>
+    </dgm:scene3d>
+    <dgm:sp3d/>
+    <dgm:txPr/>
+    <dgm:style>
+      <a:lnRef idx="0">
+        <a:scrgbClr r="0" g="0" b="0"/>
+      </a:lnRef>
+      <a:fillRef idx="3">
+        <a:scrgbClr r="0" g="0" b="0"/>
+      </a:fillRef>
+      <a:effectRef idx="3">
+        <a:scrgbClr r="0" g="0" b="0"/>
+      </a:effectRef>
+      <a:fontRef idx="minor">
+        <a:schemeClr val="lt1"/>
+      </a:fontRef>
+    </dgm:style>
+  </dgm:styleLbl>
+  <dgm:styleLbl name="fgSibTrans2D1">
+    <dgm:scene3d>
+      <a:camera prst="orthographicFront"/>
+      <a:lightRig rig="threePt" dir="t"/>
+    </dgm:scene3d>
+    <dgm:sp3d/>
+    <dgm:txPr/>
+    <dgm:style>
+      <a:lnRef idx="0">
+        <a:scrgbClr r="0" g="0" b="0"/>
+      </a:lnRef>
+      <a:fillRef idx="3">
+        <a:scrgbClr r="0" g="0" b="0"/>
+      </a:fillRef>
+      <a:effectRef idx="3">
+        <a:scrgbClr r="0" g="0" b="0"/>
+      </a:effectRef>
+      <a:fontRef idx="minor">
+        <a:schemeClr val="lt1"/>
+      </a:fontRef>
+    </dgm:style>
+  </dgm:styleLbl>
+  <dgm:styleLbl name="bgSibTrans2D1">
+    <dgm:scene3d>
+      <a:camera prst="orthographicFront"/>
+      <a:lightRig rig="threePt" dir="t"/>
+    </dgm:scene3d>
+    <dgm:sp3d/>
+    <dgm:txPr/>
+    <dgm:style>
+      <a:lnRef idx="0">
+        <a:scrgbClr r="0" g="0" b="0"/>
+      </a:lnRef>
+      <a:fillRef idx="3">
+        <a:scrgbClr r="0" g="0" b="0"/>
+      </a:fillRef>
+      <a:effectRef idx="3">
+        <a:scrgbClr r="0" g="0" b="0"/>
+      </a:effectRef>
+      <a:fontRef idx="minor">
+        <a:schemeClr val="lt1"/>
+      </a:fontRef>
+    </dgm:style>
+  </dgm:styleLbl>
+  <dgm:styleLbl name="sibTrans1D1">
+    <dgm:scene3d>
+      <a:camera prst="orthographicFront"/>
+      <a:lightRig rig="threePt" dir="t"/>
+    </dgm:scene3d>
+    <dgm:sp3d/>
+    <dgm:txPr/>
+    <dgm:style>
+      <a:lnRef idx="1">
+        <a:scrgbClr r="0" g="0" b="0"/>
+      </a:lnRef>
+      <a:fillRef idx="0">
+        <a:scrgbClr r="0" g="0" b="0"/>
+      </a:fillRef>
+      <a:effectRef idx="0">
+        <a:scrgbClr r="0" g="0" b="0"/>
+      </a:effectRef>
+      <a:fontRef idx="minor"/>
+    </dgm:style>
+  </dgm:styleLbl>
+  <dgm:styleLbl name="callout">
+    <dgm:scene3d>
+      <a:camera prst="orthographicFront"/>
+      <a:lightRig rig="threePt" dir="t"/>
+    </dgm:scene3d>
+    <dgm:sp3d/>
+    <dgm:txPr/>
+    <dgm:style>
+      <a:lnRef idx="1">
+        <a:scrgbClr r="0" g="0" b="0"/>
+      </a:lnRef>
+      <a:fillRef idx="0">
+        <a:scrgbClr r="0" g="0" b="0"/>
+      </a:fillRef>
+      <a:effectRef idx="1">
+        <a:scrgbClr r="0" g="0" b="0"/>
+      </a:effectRef>
+      <a:fontRef idx="minor"/>
+    </dgm:style>
+  </dgm:styleLbl>
+  <dgm:styleLbl name="asst0">
+    <dgm:scene3d>
+      <a:camera prst="orthographicFront"/>
+      <a:lightRig rig="threePt" dir="t"/>
+    </dgm:scene3d>
+    <dgm:sp3d/>
+    <dgm:txPr/>
+    <dgm:style>
+      <a:lnRef idx="0">
+        <a:scrgbClr r="0" g="0" b="0"/>
+      </a:lnRef>
+      <a:fillRef idx="3">
+        <a:scrgbClr r="0" g="0" b="0"/>
+      </a:fillRef>
+      <a:effectRef idx="3">
+        <a:scrgbClr r="0" g="0" b="0"/>
+      </a:effectRef>
+      <a:fontRef idx="minor">
+        <a:schemeClr val="lt1"/>
+      </a:fontRef>
+    </dgm:style>
+  </dgm:styleLbl>
+  <dgm:styleLbl name="asst1">
+    <dgm:scene3d>
+      <a:camera prst="orthographicFront"/>
+      <a:lightRig rig="threePt" dir="t"/>
+    </dgm:scene3d>
+    <dgm:sp3d/>
+    <dgm:txPr/>
+    <dgm:style>
+      <a:lnRef idx="0">
+        <a:scrgbClr r="0" g="0" b="0"/>
+      </a:lnRef>
+      <a:fillRef idx="3">
+        <a:scrgbClr r="0" g="0" b="0"/>
+      </a:fillRef>
+      <a:effectRef idx="3">
+        <a:scrgbClr r="0" g="0" b="0"/>
+      </a:effectRef>
+      <a:fontRef idx="minor">
+        <a:schemeClr val="lt1"/>
+      </a:fontRef>
+    </dgm:style>
+  </dgm:styleLbl>
+  <dgm:styleLbl name="asst2">
+    <dgm:scene3d>
+      <a:camera prst="orthographicFront"/>
+      <a:lightRig rig="threePt" dir="t"/>
+    </dgm:scene3d>
+    <dgm:sp3d/>
+    <dgm:txPr/>
+    <dgm:style>
+      <a:lnRef idx="0">
+        <a:scrgbClr r="0" g="0" b="0"/>
+      </a:lnRef>
+      <a:fillRef idx="3">
+        <a:scrgbClr r="0" g="0" b="0"/>
+      </a:fillRef>
+      <a:effectRef idx="3">
+        <a:scrgbClr r="0" g="0" b="0"/>
+      </a:effectRef>
+      <a:fontRef idx="minor">
+        <a:schemeClr val="lt1"/>
+      </a:fontRef>
+    </dgm:style>
+  </dgm:styleLbl>
+  <dgm:styleLbl name="asst3">
+    <dgm:scene3d>
+      <a:camera prst="orthographicFront"/>
+      <a:lightRig rig="threePt" dir="t"/>
+    </dgm:scene3d>
+    <dgm:sp3d/>
+    <dgm:txPr/>
+    <dgm:style>
+      <a:lnRef idx="0">
+        <a:scrgbClr r="0" g="0" b="0"/>
+      </a:lnRef>
+      <a:fillRef idx="3">
+        <a:scrgbClr r="0" g="0" b="0"/>
+      </a:fillRef>
+      <a:effectRef idx="3">
+        <a:scrgbClr r="0" g="0" b="0"/>
+      </a:effectRef>
+      <a:fontRef idx="minor">
+        <a:schemeClr val="lt1"/>
+      </a:fontRef>
+    </dgm:style>
+  </dgm:styleLbl>
+  <dgm:styleLbl name="asst4">
+    <dgm:scene3d>
+      <a:camera prst="orthographicFront"/>
+      <a:lightRig rig="threePt" dir="t"/>
+    </dgm:scene3d>
+    <dgm:sp3d/>
+    <dgm:txPr/>
+    <dgm:style>
+      <a:lnRef idx="0">
+        <a:scrgbClr r="0" g="0" b="0"/>
+      </a:lnRef>
+      <a:fillRef idx="3">
+        <a:scrgbClr r="0" g="0" b="0"/>
+      </a:fillRef>
+      <a:effectRef idx="3">
+        <a:scrgbClr r="0" g="0" b="0"/>
+      </a:effectRef>
+      <a:fontRef idx="minor">
+        <a:schemeClr val="lt1"/>
+      </a:fontRef>
+    </dgm:style>
+  </dgm:styleLbl>
+  <dgm:styleLbl name="parChTrans2D1">
+    <dgm:scene3d>
+      <a:camera prst="orthographicFront"/>
+      <a:lightRig rig="threePt" dir="t"/>
+    </dgm:scene3d>
+    <dgm:sp3d/>
+    <dgm:txPr/>
+    <dgm:style>
+      <a:lnRef idx="0">
+        <a:scrgbClr r="0" g="0" b="0"/>
+      </a:lnRef>
+      <a:fillRef idx="3">
+        <a:scrgbClr r="0" g="0" b="0"/>
+      </a:fillRef>
+      <a:effectRef idx="3">
+        <a:scrgbClr r="0" g="0" b="0"/>
+      </a:effectRef>
+      <a:fontRef idx="minor">
+        <a:schemeClr val="lt1"/>
+      </a:fontRef>
+    </dgm:style>
+  </dgm:styleLbl>
+  <dgm:styleLbl name="parChTrans2D2">
+    <dgm:scene3d>
+      <a:camera prst="orthographicFront"/>
+      <a:lightRig rig="threePt" dir="t"/>
+    </dgm:scene3d>
+    <dgm:sp3d/>
+    <dgm:txPr/>
+    <dgm:style>
+      <a:lnRef idx="0">
+        <a:scrgbClr r="0" g="0" b="0"/>
+      </a:lnRef>
+      <a:fillRef idx="3">
+        <a:scrgbClr r="0" g="0" b="0"/>
+      </a:fillRef>
+      <a:effectRef idx="3">
+        <a:scrgbClr r="0" g="0" b="0"/>
+      </a:effectRef>
+      <a:fontRef idx="minor">
+        <a:schemeClr val="lt1"/>
+      </a:fontRef>
+    </dgm:style>
+  </dgm:styleLbl>
+  <dgm:styleLbl name="parChTrans2D3">
+    <dgm:scene3d>
+      <a:camera prst="orthographicFront"/>
+      <a:lightRig rig="threePt" dir="t"/>
+    </dgm:scene3d>
+    <dgm:sp3d/>
+    <dgm:txPr/>
+    <dgm:style>
+      <a:lnRef idx="0">
+        <a:scrgbClr r="0" g="0" b="0"/>
+      </a:lnRef>
+      <a:fillRef idx="3">
+        <a:scrgbClr r="0" g="0" b="0"/>
+      </a:fillRef>
+      <a:effectRef idx="3">
+        <a:scrgbClr r="0" g="0" b="0"/>
+      </a:effectRef>
+      <a:fontRef idx="minor">
+        <a:schemeClr val="lt1"/>
+      </a:fontRef>
+    </dgm:style>
+  </dgm:styleLbl>
+  <dgm:styleLbl name="parChTrans2D4">
+    <dgm:scene3d>
+      <a:camera prst="orthographicFront"/>
+      <a:lightRig rig="threePt" dir="t"/>
+    </dgm:scene3d>
+    <dgm:sp3d/>
+    <dgm:txPr/>
+    <dgm:style>
+      <a:lnRef idx="0">
+        <a:scrgbClr r="0" g="0" b="0"/>
+      </a:lnRef>
+      <a:fillRef idx="3">
+        <a:scrgbClr r="0" g="0" b="0"/>
+      </a:fillRef>
+      <a:effectRef idx="3">
+        <a:scrgbClr r="0" g="0" b="0"/>
+      </a:effectRef>
+      <a:fontRef idx="minor">
+        <a:schemeClr val="lt1"/>
+      </a:fontRef>
+    </dgm:style>
+  </dgm:styleLbl>
+  <dgm:styleLbl name="parChTrans1D1">
+    <dgm:scene3d>
+      <a:camera prst="orthographicFront"/>
+      <a:lightRig rig="threePt" dir="t"/>
+    </dgm:scene3d>
+    <dgm:sp3d/>
+    <dgm:txPr/>
+    <dgm:style>
+      <a:lnRef idx="2">
+        <a:scrgbClr r="0" g="0" b="0"/>
+      </a:lnRef>
+      <a:fillRef idx="0">
+        <a:scrgbClr r="0" g="0" b="0"/>
+      </a:fillRef>
+      <a:effectRef idx="0">
+        <a:scrgbClr r="0" g="0" b="0"/>
+      </a:effectRef>
+      <a:fontRef idx="minor"/>
+    </dgm:style>
+  </dgm:styleLbl>
+  <dgm:styleLbl name="parChTrans1D2">
+    <dgm:scene3d>
+      <a:camera prst="orthographicFront"/>
+      <a:lightRig rig="threePt" dir="t"/>
+    </dgm:scene3d>
+    <dgm:sp3d/>
+    <dgm:txPr/>
+    <dgm:style>
+      <a:lnRef idx="2">
+        <a:scrgbClr r="0" g="0" b="0"/>
+      </a:lnRef>
+      <a:fillRef idx="0">
+        <a:scrgbClr r="0" g="0" b="0"/>
+      </a:fillRef>
+      <a:effectRef idx="0">
+        <a:scrgbClr r="0" g="0" b="0"/>
+      </a:effectRef>
+      <a:fontRef idx="minor"/>
+    </dgm:style>
+  </dgm:styleLbl>
+  <dgm:styleLbl name="parChTrans1D3">
+    <dgm:scene3d>
+      <a:camera prst="orthographicFront"/>
+      <a:lightRig rig="threePt" dir="t"/>
+    </dgm:scene3d>
+    <dgm:sp3d/>
+    <dgm:txPr/>
+    <dgm:style>
+      <a:lnRef idx="2">
+        <a:scrgbClr r="0" g="0" b="0"/>
+      </a:lnRef>
+      <a:fillRef idx="0">
+        <a:scrgbClr r="0" g="0" b="0"/>
+      </a:fillRef>
+      <a:effectRef idx="0">
+        <a:scrgbClr r="0" g="0" b="0"/>
+      </a:effectRef>
+      <a:fontRef idx="minor"/>
+    </dgm:style>
+  </dgm:styleLbl>
+  <dgm:styleLbl name="parChTrans1D4">
+    <dgm:scene3d>
+      <a:camera prst="orthographicFront"/>
+      <a:lightRig rig="threePt" dir="t"/>
+    </dgm:scene3d>
+    <dgm:sp3d/>
+    <dgm:txPr/>
+    <dgm:style>
+      <a:lnRef idx="2">
+        <a:scrgbClr r="0" g="0" b="0"/>
+      </a:lnRef>
+      <a:fillRef idx="0">
+        <a:scrgbClr r="0" g="0" b="0"/>
+      </a:fillRef>
+      <a:effectRef idx="0">
+        <a:scrgbClr r="0" g="0" b="0"/>
+      </a:effectRef>
+      <a:fontRef idx="minor"/>
+    </dgm:style>
+  </dgm:styleLbl>
+  <dgm:styleLbl name="fgAcc1">
+    <dgm:scene3d>
+      <a:camera prst="orthographicFront"/>
+      <a:lightRig rig="threePt" dir="t"/>
+    </dgm:scene3d>
+    <dgm:sp3d/>
+    <dgm:txPr/>
+    <dgm:style>
+      <a:lnRef idx="1">
+        <a:scrgbClr r="0" g="0" b="0"/>
+      </a:lnRef>
+      <a:fillRef idx="1">
+        <a:scrgbClr r="0" g="0" b="0"/>
+      </a:fillRef>
+      <a:effectRef idx="2">
+        <a:scrgbClr r="0" g="0" b="0"/>
+      </a:effectRef>
+      <a:fontRef idx="minor"/>
+    </dgm:style>
+  </dgm:styleLbl>
+  <dgm:styleLbl name="conFgAcc1">
+    <dgm:scene3d>
+      <a:camera prst="orthographicFront"/>
+      <a:lightRig rig="threePt" dir="t"/>
+    </dgm:scene3d>
+    <dgm:sp3d/>
+    <dgm:txPr/>
+    <dgm:style>
+      <a:lnRef idx="1">
+        <a:scrgbClr r="0" g="0" b="0"/>
+      </a:lnRef>
+      <a:fillRef idx="1">
+        <a:scrgbClr r="0" g="0" b="0"/>
+      </a:fillRef>
+      <a:effectRef idx="2">
+        <a:scrgbClr r="0" g="0" b="0"/>
+      </a:effectRef>
+      <a:fontRef idx="minor"/>
+    </dgm:style>
+  </dgm:styleLbl>
+  <dgm:styleLbl name="alignAcc1">
+    <dgm:scene3d>
+      <a:camera prst="orthographicFront"/>
+      <a:lightRig rig="threePt" dir="t"/>
+    </dgm:scene3d>
+    <dgm:sp3d/>
+    <dgm:txPr/>
+    <dgm:style>
+      <a:lnRef idx="1">
+        <a:scrgbClr r="0" g="0" b="0"/>
+      </a:lnRef>
+      <a:fillRef idx="1">
+        <a:scrgbClr r="0" g="0" b="0"/>
+      </a:fillRef>
+      <a:effectRef idx="2">
+        <a:scrgbClr r="0" g="0" b="0"/>
+      </a:effectRef>
+      <a:fontRef idx="minor"/>
+    </dgm:style>
+  </dgm:styleLbl>
+  <dgm:styleLbl name="trAlignAcc1">
+    <dgm:scene3d>
+      <a:camera prst="orthographicFront"/>
+      <a:lightRig rig="threePt" dir="t"/>
+    </dgm:scene3d>
+    <dgm:sp3d/>
+    <dgm:txPr/>
+    <dgm:style>
+      <a:lnRef idx="1">
+        <a:scrgbClr r="0" g="0" b="0"/>
+      </a:lnRef>
+      <a:fillRef idx="1">
+        <a:scrgbClr r="0" g="0" b="0"/>
+      </a:fillRef>
+      <a:effectRef idx="0">
+        <a:scrgbClr r="0" g="0" b="0"/>
+      </a:effectRef>
+      <a:fontRef idx="minor"/>
+    </dgm:style>
+  </dgm:styleLbl>
+  <dgm:styleLbl name="bgAcc1">
+    <dgm:scene3d>
+      <a:camera prst="orthographicFront"/>
+      <a:lightRig rig="threePt" dir="t"/>
+    </dgm:scene3d>
+    <dgm:sp3d/>
+    <dgm:txPr/>
+    <dgm:style>
+      <a:lnRef idx="1">
+        <a:scrgbClr r="0" g="0" b="0"/>
+      </a:lnRef>
+      <a:fillRef idx="1">
+        <a:scrgbClr r="0" g="0" b="0"/>
+      </a:fillRef>
+      <a:effectRef idx="2">
+        <a:scrgbClr r="0" g="0" b="0"/>
+      </a:effectRef>
+      <a:fontRef idx="minor"/>
+    </dgm:style>
+  </dgm:styleLbl>
+  <dgm:styleLbl name="solidFgAcc1">
+    <dgm:scene3d>
+      <a:camera prst="orthographicFront"/>
+      <a:lightRig rig="threePt" dir="t"/>
+    </dgm:scene3d>
+    <dgm:sp3d/>
+    <dgm:txPr/>
+    <dgm:style>
+      <a:lnRef idx="1">
+        <a:scrgbClr r="0" g="0" b="0"/>
+      </a:lnRef>
+      <a:fillRef idx="1">
+        <a:scrgbClr r="0" g="0" b="0"/>
+      </a:fillRef>
+      <a:effectRef idx="2">
+        <a:scrgbClr r="0" g="0" b="0"/>
+      </a:effectRef>
+      <a:fontRef idx="minor"/>
+    </dgm:style>
+  </dgm:styleLbl>
+  <dgm:styleLbl name="solidAlignAcc1">
+    <dgm:scene3d>
+      <a:camera prst="orthographicFront"/>
+      <a:lightRig rig="threePt" dir="t"/>
+    </dgm:scene3d>
+    <dgm:sp3d/>
+    <dgm:txPr/>
+    <dgm:style>
+      <a:lnRef idx="1">
+        <a:scrgbClr r="0" g="0" b="0"/>
+      </a:lnRef>
+      <a:fillRef idx="1">
+        <a:scrgbClr r="0" g="0" b="0"/>
+      </a:fillRef>
+      <a:effectRef idx="3">
+        <a:scrgbClr r="0" g="0" b="0"/>
+      </a:effectRef>
+      <a:fontRef idx="minor"/>
+    </dgm:style>
+  </dgm:styleLbl>
+  <dgm:styleLbl name="solidBgAcc1">
+    <dgm:scene3d>
+      <a:camera prst="orthographicFront"/>
+      <a:lightRig rig="threePt" dir="t"/>
+    </dgm:scene3d>
+    <dgm:sp3d/>
+    <dgm:txPr/>
+    <dgm:style>
+      <a:lnRef idx="1">
+        <a:scrgbClr r="0" g="0" b="0"/>
+      </a:lnRef>
+      <a:fillRef idx="1">
+        <a:scrgbClr r="0" g="0" b="0"/>
+      </a:fillRef>
+      <a:effectRef idx="3">
+        <a:scrgbClr r="0" g="0" b="0"/>
+      </a:effectRef>
+      <a:fontRef idx="minor"/>
+    </dgm:style>
+  </dgm:styleLbl>
+  <dgm:styleLbl name="fgAccFollowNode1">
+    <dgm:scene3d>
+      <a:camera prst="orthographicFront"/>
+      <a:lightRig rig="threePt" dir="t"/>
+    </dgm:scene3d>
+    <dgm:sp3d/>
+    <dgm:txPr/>
+    <dgm:style>
+      <a:lnRef idx="1">
+        <a:scrgbClr r="0" g="0" b="0"/>
+      </a:lnRef>
+      <a:fillRef idx="1">
+        <a:scrgbClr r="0" g="0" b="0"/>
+      </a:fillRef>
+      <a:effectRef idx="2">
+        <a:scrgbClr r="0" g="0" b="0"/>
+      </a:effectRef>
+      <a:fontRef idx="minor"/>
+    </dgm:style>
+  </dgm:styleLbl>
+  <dgm:styleLbl name="alignAccFollowNode1">
+    <dgm:scene3d>
+      <a:camera prst="orthographicFront"/>
+      <a:lightRig rig="threePt" dir="t"/>
+    </dgm:scene3d>
+    <dgm:sp3d/>
+    <dgm:txPr/>
+    <dgm:style>
+      <a:lnRef idx="1">
+        <a:scrgbClr r="0" g="0" b="0"/>
+      </a:lnRef>
+      <a:fillRef idx="1">
+        <a:scrgbClr r="0" g="0" b="0"/>
+      </a:fillRef>
+      <a:effectRef idx="2">
+        <a:scrgbClr r="0" g="0" b="0"/>
+      </a:effectRef>
+      <a:fontRef idx="minor"/>
+    </dgm:style>
+  </dgm:styleLbl>
+  <dgm:styleLbl name="bgAccFollowNode1">
+    <dgm:scene3d>
+      <a:camera prst="orthographicFront"/>
+      <a:lightRig rig="threePt" dir="t"/>
+    </dgm:scene3d>
+    <dgm:sp3d/>
+    <dgm:txPr/>
+    <dgm:style>
+      <a:lnRef idx="1">
+        <a:scrgbClr r="0" g="0" b="0"/>
+      </a:lnRef>
+      <a:fillRef idx="1">
+        <a:scrgbClr r="0" g="0" b="0"/>
+      </a:fillRef>
+      <a:effectRef idx="2">
+        <a:scrgbClr r="0" g="0" b="0"/>
+      </a:effectRef>
+      <a:fontRef idx="minor"/>
+    </dgm:style>
+  </dgm:styleLbl>
+  <dgm:styleLbl name="fgAcc0">
+    <dgm:scene3d>
+      <a:camera prst="orthographicFront"/>
+      <a:lightRig rig="threePt" dir="t"/>
+    </dgm:scene3d>
+    <dgm:sp3d/>
+    <dgm:txPr/>
+    <dgm:style>
+      <a:lnRef idx="1">
+        <a:scrgbClr r="0" g="0" b="0"/>
+      </a:lnRef>
+      <a:fillRef idx="1">
+        <a:scrgbClr r="0" g="0" b="0"/>
+      </a:fillRef>
+      <a:effectRef idx="2">
+        <a:scrgbClr r="0" g="0" b="0"/>
+      </a:effectRef>
+      <a:fontRef idx="minor"/>
+    </dgm:style>
+  </dgm:styleLbl>
+  <dgm:styleLbl name="fgAcc2">
+    <dgm:scene3d>
+      <a:camera prst="orthographicFront"/>
+      <a:lightRig rig="threePt" dir="t"/>
+    </dgm:scene3d>
+    <dgm:sp3d/>
+    <dgm:txPr/>
+    <dgm:style>
+      <a:lnRef idx="1">
+        <a:scrgbClr r="0" g="0" b="0"/>
+      </a:lnRef>
+      <a:fillRef idx="1">
+        <a:scrgbClr r="0" g="0" b="0"/>
+      </a:fillRef>
+      <a:effectRef idx="2">
+        <a:scrgbClr r="0" g="0" b="0"/>
+      </a:effectRef>
+      <a:fontRef idx="minor"/>
+    </dgm:style>
+  </dgm:styleLbl>
+  <dgm:styleLbl name="fgAcc3">
+    <dgm:scene3d>
+      <a:camera prst="orthographicFront"/>
+      <a:lightRig rig="threePt" dir="t"/>
+    </dgm:scene3d>
+    <dgm:sp3d/>
+    <dgm:txPr/>
+    <dgm:style>
+      <a:lnRef idx="1">
+        <a:scrgbClr r="0" g="0" b="0"/>
+      </a:lnRef>
+      <a:fillRef idx="1">
+        <a:scrgbClr r="0" g="0" b="0"/>
+      </a:fillRef>
+      <a:effectRef idx="2">
+        <a:scrgbClr r="0" g="0" b="0"/>
+      </a:effectRef>
+      <a:fontRef idx="minor"/>
+    </dgm:style>
+  </dgm:styleLbl>
+  <dgm:styleLbl name="fgAcc4">
+    <dgm:scene3d>
+      <a:camera prst="orthographicFront"/>
+      <a:lightRig rig="threePt" dir="t"/>
+    </dgm:scene3d>
+    <dgm:sp3d/>
+    <dgm:txPr/>
+    <dgm:style>
+      <a:lnRef idx="1">
+        <a:scrgbClr r="0" g="0" b="0"/>
+      </a:lnRef>
+      <a:fillRef idx="1">
+        <a:scrgbClr r="0" g="0" b="0"/>
+      </a:fillRef>
+      <a:effectRef idx="2">
+        <a:scrgbClr r="0" g="0" b="0"/>
+      </a:effectRef>
+      <a:fontRef idx="minor"/>
+    </dgm:style>
+  </dgm:styleLbl>
+  <dgm:styleLbl name="bgShp">
+    <dgm:scene3d>
+      <a:camera prst="orthographicFront"/>
+      <a:lightRig rig="threePt" dir="t"/>
+    </dgm:scene3d>
+    <dgm:sp3d/>
+    <dgm:txPr/>
+    <dgm:style>
+      <a:lnRef idx="0">
+        <a:scrgbClr r="0" g="0" b="0"/>
+      </a:lnRef>
+      <a:fillRef idx="1">
+        <a:scrgbClr r="0" g="0" b="0"/>
+      </a:fillRef>
+      <a:effectRef idx="2">
+        <a:scrgbClr r="0" g="0" b="0"/>
+      </a:effectRef>
+      <a:fontRef idx="minor"/>
+    </dgm:style>
+  </dgm:styleLbl>
+  <dgm:styleLbl name="dkBgShp">
+    <dgm:scene3d>
+      <a:camera prst="orthographicFront"/>
+      <a:lightRig rig="threePt" dir="t"/>
+    </dgm:scene3d>
+    <dgm:sp3d/>
+    <dgm:txPr/>
+    <dgm:style>
+      <a:lnRef idx="0">
+        <a:scrgbClr r="0" g="0" b="0"/>
+      </a:lnRef>
+      <a:fillRef idx="1">
+        <a:scrgbClr r="0" g="0" b="0"/>
+      </a:fillRef>
+      <a:effectRef idx="3">
+        <a:scrgbClr r="0" g="0" b="0"/>
+      </a:effectRef>
+      <a:fontRef idx="minor"/>
+    </dgm:style>
+  </dgm:styleLbl>
+  <dgm:styleLbl name="trBgShp">
+    <dgm:scene3d>
+      <a:camera prst="orthographicFront"/>
+      <a:lightRig rig="threePt" dir="t"/>
+    </dgm:scene3d>
+    <dgm:sp3d/>
+    <dgm:txPr/>
+    <dgm:style>
+      <a:lnRef idx="0">
+        <a:scrgbClr r="0" g="0" b="0"/>
+      </a:lnRef>
+      <a:fillRef idx="1">
+        <a:scrgbClr r="0" g="0" b="0"/>
+      </a:fillRef>
+      <a:effectRef idx="0">
+        <a:scrgbClr r="0" g="0" b="0"/>
+      </a:effectRef>
+      <a:fontRef idx="minor"/>
+    </dgm:style>
+  </dgm:styleLbl>
+  <dgm:styleLbl name="fgShp">
+    <dgm:scene3d>
+      <a:camera prst="orthographicFront"/>
+      <a:lightRig rig="threePt" dir="t"/>
+    </dgm:scene3d>
+    <dgm:sp3d/>
+    <dgm:txPr/>
+    <dgm:style>
+      <a:lnRef idx="0">
+        <a:scrgbClr r="0" g="0" b="0"/>
+      </a:lnRef>
+      <a:fillRef idx="3">
+        <a:scrgbClr r="0" g="0" b="0"/>
+      </a:fillRef>
+      <a:effectRef idx="3">
+        <a:scrgbClr r="0" g="0" b="0"/>
+      </a:effectRef>
+      <a:fontRef idx="minor"/>
+    </dgm:style>
+  </dgm:styleLbl>
+  <dgm:styleLbl name="revTx">
+    <dgm:scene3d>
+      <a:camera prst="orthographicFront"/>
+      <a:lightRig rig="threePt" dir="t"/>
+    </dgm:scene3d>
+    <dgm:sp3d/>
+    <dgm:txPr/>
+    <dgm:style>
+      <a:lnRef idx="0">
+        <a:scrgbClr r="0" g="0" b="0"/>
+      </a:lnRef>
+      <a:fillRef idx="0">
+        <a:scrgbClr r="0" g="0" b="0"/>
+      </a:fillRef>
+      <a:effectRef idx="0">
+        <a:scrgbClr r="0" g="0" b="0"/>
+      </a:effectRef>
+      <a:fontRef idx="minor"/>
+    </dgm:style>
+  </dgm:styleLbl>
+</dgm:styleDef>
 </file>
 
 <file path=ppt/slideLayouts/slideLayout1.xml><?xml version="1.0" encoding="utf-8"?>
@@ -246,7 +5157,7 @@
           <a:p>
             <a:fld id="{48A87A34-81AB-432B-8DAE-1953F412C126}" type="datetimeFigureOut">
               <a:rPr lang="en-US" dirty="0"/>
-              <a:t>6/4/2016</a:t>
+              <a:t>6/5/2016</a:t>
             </a:fld>
             <a:endParaRPr lang="en-US" dirty="0"/>
           </a:p>
@@ -452,7 +5363,7 @@
           <a:p>
             <a:fld id="{48A87A34-81AB-432B-8DAE-1953F412C126}" type="datetimeFigureOut">
               <a:rPr lang="en-US" dirty="0"/>
-              <a:t>6/4/2016</a:t>
+              <a:t>6/5/2016</a:t>
             </a:fld>
             <a:endParaRPr lang="en-US" dirty="0"/>
           </a:p>
@@ -662,7 +5573,7 @@
           <a:p>
             <a:fld id="{48A87A34-81AB-432B-8DAE-1953F412C126}" type="datetimeFigureOut">
               <a:rPr lang="en-US" dirty="0"/>
-              <a:t>6/4/2016</a:t>
+              <a:t>6/5/2016</a:t>
             </a:fld>
             <a:endParaRPr lang="en-US" dirty="0"/>
           </a:p>
@@ -858,7 +5769,7 @@
           <a:p>
             <a:fld id="{48A87A34-81AB-432B-8DAE-1953F412C126}" type="datetimeFigureOut">
               <a:rPr lang="en-US" dirty="0"/>
-              <a:t>6/4/2016</a:t>
+              <a:t>6/5/2016</a:t>
             </a:fld>
             <a:endParaRPr lang="en-US" dirty="0"/>
           </a:p>
@@ -1132,7 +6043,7 @@
           <a:p>
             <a:fld id="{48A87A34-81AB-432B-8DAE-1953F412C126}" type="datetimeFigureOut">
               <a:rPr lang="en-US" dirty="0"/>
-              <a:t>6/4/2016</a:t>
+              <a:t>6/5/2016</a:t>
             </a:fld>
             <a:endParaRPr lang="en-US" dirty="0"/>
           </a:p>
@@ -1395,7 +6306,7 @@
           <a:p>
             <a:fld id="{48A87A34-81AB-432B-8DAE-1953F412C126}" type="datetimeFigureOut">
               <a:rPr lang="en-US" dirty="0"/>
-              <a:t>6/4/2016</a:t>
+              <a:t>6/5/2016</a:t>
             </a:fld>
             <a:endParaRPr lang="en-US" dirty="0"/>
           </a:p>
@@ -1806,7 +6717,7 @@
           <a:p>
             <a:fld id="{48A87A34-81AB-432B-8DAE-1953F412C126}" type="datetimeFigureOut">
               <a:rPr lang="en-US" dirty="0"/>
-              <a:t>6/4/2016</a:t>
+              <a:t>6/5/2016</a:t>
             </a:fld>
             <a:endParaRPr lang="en-US" dirty="0"/>
           </a:p>
@@ -1950,7 +6861,7 @@
           <a:p>
             <a:fld id="{48A87A34-81AB-432B-8DAE-1953F412C126}" type="datetimeFigureOut">
               <a:rPr lang="en-US" dirty="0"/>
-              <a:t>6/4/2016</a:t>
+              <a:t>6/5/2016</a:t>
             </a:fld>
             <a:endParaRPr lang="en-US" dirty="0"/>
           </a:p>
@@ -2071,7 +6982,7 @@
           <a:p>
             <a:fld id="{48A87A34-81AB-432B-8DAE-1953F412C126}" type="datetimeFigureOut">
               <a:rPr lang="en-US" dirty="0"/>
-              <a:t>6/4/2016</a:t>
+              <a:t>6/5/2016</a:t>
             </a:fld>
             <a:endParaRPr lang="en-US" dirty="0"/>
           </a:p>
@@ -2317,7 +7228,7 @@
           <a:p>
             <a:fld id="{48A87A34-81AB-432B-8DAE-1953F412C126}" type="datetimeFigureOut">
               <a:rPr lang="en-US" dirty="0"/>
-              <a:t>6/4/2016</a:t>
+              <a:t>6/5/2016</a:t>
             </a:fld>
             <a:endParaRPr lang="en-US" dirty="0"/>
           </a:p>
@@ -2758,7 +7669,7 @@
             <a:fld id="{48A87A34-81AB-432B-8DAE-1953F412C126}" type="datetimeFigureOut">
               <a:rPr lang="en-US" dirty="0"/>
               <a:pPr/>
-              <a:t>6/4/2016</a:t>
+              <a:t>6/5/2016</a:t>
             </a:fld>
             <a:endParaRPr lang="en-US" dirty="0"/>
           </a:p>
@@ -3080,7 +7991,7 @@
             <a:fld id="{48A87A34-81AB-432B-8DAE-1953F412C126}" type="datetimeFigureOut">
               <a:rPr lang="en-US" dirty="0"/>
               <a:pPr/>
-              <a:t>6/4/2016</a:t>
+              <a:t>6/5/2016</a:t>
             </a:fld>
             <a:endParaRPr lang="en-US" dirty="0"/>
           </a:p>
@@ -3574,14 +8485,20 @@
         </p:nvSpPr>
         <p:spPr/>
         <p:txBody>
-          <a:bodyPr/>
+          <a:bodyPr>
+            <a:normAutofit/>
+          </a:bodyPr>
           <a:lstStyle/>
           <a:p>
             <a:r>
-              <a:rPr lang="fr-FR" dirty="0" smtClean="0"/>
-              <a:t>Nom du jeu</a:t>
+              <a:rPr lang="en-US" sz="3600" dirty="0" err="1"/>
+              <a:t>Genuini's</a:t>
             </a:r>
-            <a:endParaRPr lang="fr-FR" dirty="0"/>
+            <a:r>
+              <a:rPr lang="en-US" sz="3600" dirty="0"/>
+              <a:t> Journey: Ruins of Ivrea</a:t>
+            </a:r>
+            <a:endParaRPr lang="fr-FR" sz="3600" dirty="0"/>
           </a:p>
         </p:txBody>
       </p:sp>
@@ -3703,6 +8620,229 @@
           </a:prstGeom>
         </p:spPr>
       </p:pic>
+      <p:sp>
+        <p:nvSpPr>
+          <p:cNvPr id="5" name="Rectangle 4"/>
+          <p:cNvSpPr/>
+          <p:nvPr/>
+        </p:nvSpPr>
+        <p:spPr>
+          <a:xfrm>
+            <a:off x="10518559" y="5540433"/>
+            <a:ext cx="1465145" cy="400110"/>
+          </a:xfrm>
+          <a:prstGeom prst="rect">
+            <a:avLst/>
+          </a:prstGeom>
+          <a:noFill/>
+        </p:spPr>
+        <p:txBody>
+          <a:bodyPr wrap="none" lIns="91440" tIns="45720" rIns="91440" bIns="45720">
+            <a:spAutoFit/>
+          </a:bodyPr>
+          <a:lstStyle/>
+          <a:p>
+            <a:pPr algn="ctr"/>
+            <a:r>
+              <a:rPr lang="fr-FR" sz="2000" b="0" cap="none" spc="0" dirty="0" err="1" smtClean="0">
+                <a:ln w="0"/>
+                <a:solidFill>
+                  <a:schemeClr val="tx1"/>
+                </a:solidFill>
+                <a:effectLst>
+                  <a:outerShdw blurRad="38100" dist="19050" dir="2700000" algn="tl" rotWithShape="0">
+                    <a:schemeClr val="dk1">
+                      <a:alpha val="40000"/>
+                    </a:schemeClr>
+                  </a:outerShdw>
+                </a:effectLst>
+              </a:rPr>
+              <a:t>Velien</a:t>
+            </a:r>
+            <a:r>
+              <a:rPr lang="fr-FR" sz="2000" b="0" cap="none" spc="0" dirty="0" smtClean="0">
+                <a:ln w="0"/>
+                <a:solidFill>
+                  <a:schemeClr val="tx1"/>
+                </a:solidFill>
+                <a:effectLst>
+                  <a:outerShdw blurRad="38100" dist="19050" dir="2700000" algn="tl" rotWithShape="0">
+                    <a:schemeClr val="dk1">
+                      <a:alpha val="40000"/>
+                    </a:schemeClr>
+                  </a:outerShdw>
+                </a:effectLst>
+              </a:rPr>
+              <a:t> Fanny</a:t>
+            </a:r>
+            <a:endParaRPr lang="fr-FR" sz="2000" b="0" cap="none" spc="0" dirty="0">
+              <a:ln w="0"/>
+              <a:solidFill>
+                <a:schemeClr val="tx1"/>
+              </a:solidFill>
+              <a:effectLst>
+                <a:outerShdw blurRad="38100" dist="19050" dir="2700000" algn="tl" rotWithShape="0">
+                  <a:schemeClr val="dk1">
+                    <a:alpha val="40000"/>
+                  </a:schemeClr>
+                </a:outerShdw>
+              </a:effectLst>
+            </a:endParaRPr>
+          </a:p>
+        </p:txBody>
+      </p:sp>
+      <p:sp>
+        <p:nvSpPr>
+          <p:cNvPr id="8" name="Rectangle 7"/>
+          <p:cNvSpPr/>
+          <p:nvPr/>
+        </p:nvSpPr>
+        <p:spPr>
+          <a:xfrm>
+            <a:off x="279671" y="5529152"/>
+            <a:ext cx="1646605" cy="400110"/>
+          </a:xfrm>
+          <a:prstGeom prst="rect">
+            <a:avLst/>
+          </a:prstGeom>
+          <a:noFill/>
+        </p:spPr>
+        <p:txBody>
+          <a:bodyPr wrap="none" lIns="91440" tIns="45720" rIns="91440" bIns="45720">
+            <a:spAutoFit/>
+          </a:bodyPr>
+          <a:lstStyle/>
+          <a:p>
+            <a:pPr algn="ctr"/>
+            <a:r>
+              <a:rPr lang="fr-FR" sz="2000" b="0" cap="none" spc="0" dirty="0" err="1" smtClean="0">
+                <a:ln w="0"/>
+                <a:solidFill>
+                  <a:schemeClr val="tx1"/>
+                </a:solidFill>
+                <a:effectLst>
+                  <a:outerShdw blurRad="38100" dist="19050" dir="2700000" algn="tl" rotWithShape="0">
+                    <a:schemeClr val="dk1">
+                      <a:alpha val="40000"/>
+                    </a:schemeClr>
+                  </a:outerShdw>
+                </a:effectLst>
+              </a:rPr>
+              <a:t>Techer</a:t>
+            </a:r>
+            <a:r>
+              <a:rPr lang="fr-FR" sz="2000" b="0" cap="none" spc="0" dirty="0" smtClean="0">
+                <a:ln w="0"/>
+                <a:solidFill>
+                  <a:schemeClr val="tx1"/>
+                </a:solidFill>
+                <a:effectLst>
+                  <a:outerShdw blurRad="38100" dist="19050" dir="2700000" algn="tl" rotWithShape="0">
+                    <a:schemeClr val="dk1">
+                      <a:alpha val="40000"/>
+                    </a:schemeClr>
+                  </a:outerShdw>
+                </a:effectLst>
+              </a:rPr>
+              <a:t> Adrien</a:t>
+            </a:r>
+          </a:p>
+        </p:txBody>
+      </p:sp>
+      <p:sp>
+        <p:nvSpPr>
+          <p:cNvPr id="9" name="Rectangle 8"/>
+          <p:cNvSpPr/>
+          <p:nvPr/>
+        </p:nvSpPr>
+        <p:spPr>
+          <a:xfrm>
+            <a:off x="3783599" y="5540433"/>
+            <a:ext cx="1555169" cy="400110"/>
+          </a:xfrm>
+          <a:prstGeom prst="rect">
+            <a:avLst/>
+          </a:prstGeom>
+          <a:noFill/>
+        </p:spPr>
+        <p:txBody>
+          <a:bodyPr wrap="none" lIns="91440" tIns="45720" rIns="91440" bIns="45720">
+            <a:spAutoFit/>
+          </a:bodyPr>
+          <a:lstStyle/>
+          <a:p>
+            <a:pPr algn="ctr"/>
+            <a:r>
+              <a:rPr lang="fr-FR" sz="2000" dirty="0" smtClean="0">
+                <a:ln w="0"/>
+                <a:effectLst>
+                  <a:outerShdw blurRad="38100" dist="19050" dir="2700000" algn="tl" rotWithShape="0">
+                    <a:schemeClr val="dk1">
+                      <a:alpha val="40000"/>
+                    </a:schemeClr>
+                  </a:outerShdw>
+                </a:effectLst>
+              </a:rPr>
+              <a:t>Duval Jeremy</a:t>
+            </a:r>
+          </a:p>
+        </p:txBody>
+      </p:sp>
+      <p:sp>
+        <p:nvSpPr>
+          <p:cNvPr id="10" name="Rectangle 9"/>
+          <p:cNvSpPr/>
+          <p:nvPr/>
+        </p:nvSpPr>
+        <p:spPr>
+          <a:xfrm>
+            <a:off x="6973147" y="5540433"/>
+            <a:ext cx="1911036" cy="400110"/>
+          </a:xfrm>
+          <a:prstGeom prst="rect">
+            <a:avLst/>
+          </a:prstGeom>
+          <a:noFill/>
+        </p:spPr>
+        <p:txBody>
+          <a:bodyPr wrap="none" lIns="91440" tIns="45720" rIns="91440" bIns="45720">
+            <a:spAutoFit/>
+          </a:bodyPr>
+          <a:lstStyle/>
+          <a:p>
+            <a:pPr algn="ctr"/>
+            <a:r>
+              <a:rPr lang="fr-FR" sz="2000" b="0" cap="none" spc="0" dirty="0" smtClean="0">
+                <a:ln w="0"/>
+                <a:solidFill>
+                  <a:schemeClr val="tx1"/>
+                </a:solidFill>
+                <a:effectLst>
+                  <a:outerShdw blurRad="38100" dist="19050" dir="2700000" algn="tl" rotWithShape="0">
+                    <a:schemeClr val="dk1">
+                      <a:alpha val="40000"/>
+                    </a:schemeClr>
+                  </a:outerShdw>
+                </a:effectLst>
+              </a:rPr>
+              <a:t>Guevara Valentin</a:t>
+            </a:r>
+            <a:endParaRPr lang="fr-FR" sz="2000" b="0" cap="none" spc="0" dirty="0">
+              <a:ln w="0"/>
+              <a:solidFill>
+                <a:schemeClr val="tx1"/>
+              </a:solidFill>
+              <a:effectLst>
+                <a:outerShdw blurRad="38100" dist="19050" dir="2700000" algn="tl" rotWithShape="0">
+                  <a:schemeClr val="dk1">
+                    <a:alpha val="40000"/>
+                  </a:schemeClr>
+                </a:outerShdw>
+              </a:effectLst>
+            </a:endParaRPr>
+          </a:p>
+        </p:txBody>
+      </p:sp>
     </p:spTree>
     <p:extLst>
       <p:ext uri="{BB962C8B-B14F-4D97-AF65-F5344CB8AC3E}">
@@ -3713,6 +8853,200 @@
   <p:clrMapOvr>
     <a:masterClrMapping/>
   </p:clrMapOvr>
+  <p:timing>
+    <p:tnLst>
+      <p:par>
+        <p:cTn id="1" dur="indefinite" restart="never" nodeType="tmRoot"/>
+      </p:par>
+    </p:tnLst>
+  </p:timing>
+</p:sld>
+</file>
+
+<file path=ppt/slides/slide2.xml><?xml version="1.0" encoding="utf-8"?>
+<p:sld xmlns:a="http://schemas.openxmlformats.org/drawingml/2006/main" xmlns:r="http://schemas.openxmlformats.org/officeDocument/2006/relationships" xmlns:p="http://schemas.openxmlformats.org/presentationml/2006/main">
+  <p:cSld>
+    <p:spTree>
+      <p:nvGrpSpPr>
+        <p:cNvPr id="1" name=""/>
+        <p:cNvGrpSpPr/>
+        <p:nvPr/>
+      </p:nvGrpSpPr>
+      <p:grpSpPr>
+        <a:xfrm>
+          <a:off x="0" y="0"/>
+          <a:ext cx="0" cy="0"/>
+          <a:chOff x="0" y="0"/>
+          <a:chExt cx="0" cy="0"/>
+        </a:xfrm>
+      </p:grpSpPr>
+      <p:sp>
+        <p:nvSpPr>
+          <p:cNvPr id="2" name="Titre 1"/>
+          <p:cNvSpPr>
+            <a:spLocks noGrp="1"/>
+          </p:cNvSpPr>
+          <p:nvPr>
+            <p:ph type="title" idx="4294967295"/>
+          </p:nvPr>
+        </p:nvSpPr>
+        <p:spPr>
+          <a:xfrm>
+            <a:off x="1451579" y="125595"/>
+            <a:ext cx="9604375" cy="1049337"/>
+          </a:xfrm>
+        </p:spPr>
+        <p:txBody>
+          <a:bodyPr/>
+          <a:lstStyle/>
+          <a:p>
+            <a:r>
+              <a:rPr lang="fr-FR" dirty="0" smtClean="0"/>
+              <a:t>Sommaire :</a:t>
+            </a:r>
+            <a:endParaRPr lang="fr-FR" dirty="0"/>
+          </a:p>
+        </p:txBody>
+      </p:sp>
+      <p:graphicFrame>
+        <p:nvGraphicFramePr>
+          <p:cNvPr id="4" name="Diagramme 3"/>
+          <p:cNvGraphicFramePr/>
+          <p:nvPr>
+            <p:extLst>
+              <p:ext uri="{D42A27DB-BD31-4B8C-83A1-F6EECF244321}">
+                <p14:modId xmlns:p14="http://schemas.microsoft.com/office/powerpoint/2010/main" val="2921347462"/>
+              </p:ext>
+            </p:extLst>
+          </p:nvPr>
+        </p:nvGraphicFramePr>
+        <p:xfrm>
+          <a:off x="459739" y="846545"/>
+          <a:ext cx="10998926" cy="5120642"/>
+        </p:xfrm>
+        <a:graphic>
+          <a:graphicData uri="http://schemas.openxmlformats.org/drawingml/2006/diagram">
+            <dgm:relIds xmlns:dgm="http://schemas.openxmlformats.org/drawingml/2006/diagram" xmlns:r="http://schemas.openxmlformats.org/officeDocument/2006/relationships" r:dm="rId2" r:lo="rId3" r:qs="rId4" r:cs="rId5"/>
+          </a:graphicData>
+        </a:graphic>
+      </p:graphicFrame>
+      <p:pic>
+        <p:nvPicPr>
+          <p:cNvPr id="5" name="Image 4"/>
+          <p:cNvPicPr>
+            <a:picLocks noChangeAspect="1"/>
+          </p:cNvPicPr>
+          <p:nvPr/>
+        </p:nvPicPr>
+        <p:blipFill>
+          <a:blip r:embed="rId7">
+            <a:extLst>
+              <a:ext uri="{28A0092B-C50C-407E-A947-70E740481C1C}">
+                <a14:useLocalDpi xmlns:a14="http://schemas.microsoft.com/office/drawing/2010/main" val="0"/>
+              </a:ext>
+            </a:extLst>
+          </a:blip>
+          <a:stretch>
+            <a:fillRect/>
+          </a:stretch>
+        </p:blipFill>
+        <p:spPr>
+          <a:xfrm>
+            <a:off x="10012014" y="2394610"/>
+            <a:ext cx="2087879" cy="1565909"/>
+          </a:xfrm>
+          <a:prstGeom prst="ellipse">
+            <a:avLst/>
+          </a:prstGeom>
+          <a:ln w="63500" cap="rnd">
+            <a:solidFill>
+              <a:srgbClr val="333333"/>
+            </a:solidFill>
+          </a:ln>
+          <a:effectLst>
+            <a:outerShdw blurRad="381000" dist="292100" dir="5400000" sx="-80000" sy="-18000" rotWithShape="0">
+              <a:srgbClr val="000000">
+                <a:alpha val="22000"/>
+              </a:srgbClr>
+            </a:outerShdw>
+          </a:effectLst>
+          <a:scene3d>
+            <a:camera prst="orthographicFront"/>
+            <a:lightRig rig="contrasting" dir="t">
+              <a:rot lat="0" lon="0" rev="3000000"/>
+            </a:lightRig>
+          </a:scene3d>
+          <a:sp3d contourW="7620">
+            <a:bevelT w="95250" h="31750"/>
+            <a:contourClr>
+              <a:srgbClr val="333333"/>
+            </a:contourClr>
+          </a:sp3d>
+        </p:spPr>
+      </p:pic>
+      <p:pic>
+        <p:nvPicPr>
+          <p:cNvPr id="7" name="Image 6"/>
+          <p:cNvPicPr>
+            <a:picLocks noChangeAspect="1"/>
+          </p:cNvPicPr>
+          <p:nvPr/>
+        </p:nvPicPr>
+        <p:blipFill rotWithShape="1">
+          <a:blip r:embed="rId8">
+            <a:extLst>
+              <a:ext uri="{BEBA8EAE-BF5A-486C-A8C5-ECC9F3942E4B}">
+                <a14:imgProps xmlns:a14="http://schemas.microsoft.com/office/drawing/2010/main">
+                  <a14:imgLayer r:embed="rId9">
+                    <a14:imgEffect>
+                      <a14:backgroundRemoval t="8469" b="84691" l="28542" r="73021">
+                        <a14:foregroundMark x1="50938" y1="16287" x2="50938" y2="16287"/>
+                        <a14:foregroundMark x1="51771" y1="14984" x2="51771" y2="14984"/>
+                        <a14:foregroundMark x1="52812" y1="13681" x2="52812" y2="13681"/>
+                        <a14:foregroundMark x1="51563" y1="13029" x2="51563" y2="13029"/>
+                      </a14:backgroundRemoval>
+                    </a14:imgEffect>
+                  </a14:imgLayer>
+                </a14:imgProps>
+              </a:ext>
+              <a:ext uri="{28A0092B-C50C-407E-A947-70E740481C1C}">
+                <a14:useLocalDpi xmlns:a14="http://schemas.microsoft.com/office/drawing/2010/main" val="0"/>
+              </a:ext>
+            </a:extLst>
+          </a:blip>
+          <a:srcRect l="25844" t="3142" r="24805" b="14012"/>
+          <a:stretch/>
+        </p:blipFill>
+        <p:spPr>
+          <a:xfrm>
+            <a:off x="0" y="2594662"/>
+            <a:ext cx="2171600" cy="1165807"/>
+          </a:xfrm>
+          <a:prstGeom prst="rect">
+            <a:avLst/>
+          </a:prstGeom>
+          <a:effectLst>
+            <a:reflection blurRad="6350" stA="50000" endA="300" endPos="55000" dir="5400000" sy="-100000" algn="bl" rotWithShape="0"/>
+          </a:effectLst>
+        </p:spPr>
+      </p:pic>
+    </p:spTree>
+    <p:extLst>
+      <p:ext uri="{BB962C8B-B14F-4D97-AF65-F5344CB8AC3E}">
+        <p14:creationId xmlns:p14="http://schemas.microsoft.com/office/powerpoint/2010/main" val="4221211916"/>
+      </p:ext>
+    </p:extLst>
+  </p:cSld>
+  <p:clrMapOvr>
+    <a:masterClrMapping/>
+  </p:clrMapOvr>
+  <p:timing>
+    <p:tnLst>
+      <p:par>
+        <p:cTn id="1" dur="indefinite" restart="never" nodeType="tmRoot"/>
+      </p:par>
+    </p:tnLst>
+  </p:timing>
 </p:sld>
 </file>
 

--- a/Documents/diaporama/présentation.pptx
+++ b/Documents/diaporama/présentation.pptx
@@ -7,6 +7,9 @@
   <p:sldIdLst>
     <p:sldId id="256" r:id="rId2"/>
     <p:sldId id="257" r:id="rId3"/>
+    <p:sldId id="258" r:id="rId4"/>
+    <p:sldId id="259" r:id="rId5"/>
+    <p:sldId id="260" r:id="rId6"/>
   </p:sldIdLst>
   <p:sldSz cx="12192000" cy="6858000"/>
   <p:notesSz cx="6858000" cy="9144000"/>
@@ -1293,6 +1296,13 @@
         </dgm:presLayoutVars>
       </dgm:prSet>
       <dgm:spPr/>
+      <dgm:t>
+        <a:bodyPr/>
+        <a:lstStyle/>
+        <a:p>
+          <a:endParaRPr lang="fr-FR"/>
+        </a:p>
+      </dgm:t>
     </dgm:pt>
     <dgm:pt modelId="{F7836A65-BDC6-407E-8DEB-AAC422A543A8}" type="pres">
       <dgm:prSet presAssocID="{42E98C6D-B3D6-4D86-B1AA-BCAC14F64351}" presName="spacing" presStyleCnt="0"/>
@@ -1404,6 +1414,13 @@
         </dgm:presLayoutVars>
       </dgm:prSet>
       <dgm:spPr/>
+      <dgm:t>
+        <a:bodyPr/>
+        <a:lstStyle/>
+        <a:p>
+          <a:endParaRPr lang="fr-FR"/>
+        </a:p>
+      </dgm:t>
     </dgm:pt>
     <dgm:pt modelId="{427AFD9E-6976-4CCF-9104-DCAE5588D1BB}" type="pres">
       <dgm:prSet presAssocID="{0AD1B4F3-5628-4799-88D3-1706CFC81424}" presName="spacing" presStyleCnt="0"/>
@@ -1456,6 +1473,13 @@
         </dgm:presLayoutVars>
       </dgm:prSet>
       <dgm:spPr/>
+      <dgm:t>
+        <a:bodyPr/>
+        <a:lstStyle/>
+        <a:p>
+          <a:endParaRPr lang="fr-FR"/>
+        </a:p>
+      </dgm:t>
     </dgm:pt>
     <dgm:pt modelId="{5481F7AD-CEFE-4637-8559-17D78954D948}" type="pres">
       <dgm:prSet presAssocID="{523C3B4C-D1BD-40F4-950F-AC52188A947A}" presName="spacing" presStyleCnt="0"/>
@@ -1508,6 +1532,13 @@
         </dgm:presLayoutVars>
       </dgm:prSet>
       <dgm:spPr/>
+      <dgm:t>
+        <a:bodyPr/>
+        <a:lstStyle/>
+        <a:p>
+          <a:endParaRPr lang="fr-FR"/>
+        </a:p>
+      </dgm:t>
     </dgm:pt>
     <dgm:pt modelId="{8B7D0D28-9694-4B7B-80BC-56B3D60C3110}" type="pres">
       <dgm:prSet presAssocID="{388FB196-B34D-4000-B344-9EA7701D63FA}" presName="spacing" presStyleCnt="0"/>
@@ -1678,6 +1709,13 @@
         </dgm:presLayoutVars>
       </dgm:prSet>
       <dgm:spPr/>
+      <dgm:t>
+        <a:bodyPr/>
+        <a:lstStyle/>
+        <a:p>
+          <a:endParaRPr lang="fr-FR"/>
+        </a:p>
+      </dgm:t>
     </dgm:pt>
     <dgm:pt modelId="{959D0BBD-C187-4B03-B01A-48914C42E9B2}" type="pres">
       <dgm:prSet presAssocID="{745B4501-816D-4F4F-BA5C-725183FBA3A4}" presName="spacing" presStyleCnt="0"/>
@@ -1730,6 +1768,13 @@
         </dgm:presLayoutVars>
       </dgm:prSet>
       <dgm:spPr/>
+      <dgm:t>
+        <a:bodyPr/>
+        <a:lstStyle/>
+        <a:p>
+          <a:endParaRPr lang="fr-FR"/>
+        </a:p>
+      </dgm:t>
     </dgm:pt>
     <dgm:pt modelId="{F17CB223-5587-46A5-A666-9C19DA2480DC}" type="pres">
       <dgm:prSet presAssocID="{6590D27B-9A15-42D6-8140-38F5C931D87F}" presName="spacing" presStyleCnt="0"/>
@@ -1782,6 +1827,13 @@
         </dgm:presLayoutVars>
       </dgm:prSet>
       <dgm:spPr/>
+      <dgm:t>
+        <a:bodyPr/>
+        <a:lstStyle/>
+        <a:p>
+          <a:endParaRPr lang="fr-FR"/>
+        </a:p>
+      </dgm:t>
     </dgm:pt>
   </dgm:ptLst>
   <dgm:cxnLst>
@@ -1801,8 +1853,8 @@
     <dgm:cxn modelId="{5A812DAE-7956-4806-B78F-7D2907CCF2E7}" srcId="{517676F0-4D76-4882-8C05-7F918BBC6763}" destId="{3EB24457-F417-4B5D-96F8-3C41FD87B85D}" srcOrd="2" destOrd="0" parTransId="{B0AEEB51-DEC6-4F01-9573-0594B2E83BF6}" sibTransId="{0AD1B4F3-5628-4799-88D3-1706CFC81424}"/>
     <dgm:cxn modelId="{CB91057E-E546-481B-A282-AC99469D17F7}" type="presOf" srcId="{AB1D5F6F-D154-4709-9953-4684310F3ABE}" destId="{096CE3AE-D674-40D2-AAB1-3E113910E04D}" srcOrd="0" destOrd="0" presId="urn:microsoft.com/office/officeart/2005/8/layout/vList3"/>
     <dgm:cxn modelId="{B3CF4D0C-B986-4755-AE31-9590E90B8483}" srcId="{517676F0-4D76-4882-8C05-7F918BBC6763}" destId="{3704DF02-D571-4BF0-8FD4-87E73FAA467B}" srcOrd="0" destOrd="0" parTransId="{815180CB-F197-496A-931A-D21DF1E1AFA2}" sibTransId="{42E98C6D-B3D6-4D86-B1AA-BCAC14F64351}"/>
+    <dgm:cxn modelId="{5F6CA199-FDA1-44B4-A391-774F3C46C579}" type="presOf" srcId="{F0C99BDC-CCA8-4530-BC1F-1C8FD249BD21}" destId="{23DAA865-48F3-4CBF-BF23-B6B2DE0F51D0}" srcOrd="0" destOrd="0" presId="urn:microsoft.com/office/officeart/2005/8/layout/vList3"/>
     <dgm:cxn modelId="{0EDA99B3-22E2-4C3F-8814-B6C82E764479}" type="presOf" srcId="{9AC0F8FC-69FF-4BFE-9D08-C20B2677DB86}" destId="{4F806FCB-3537-461F-A800-594F3D842D2A}" srcOrd="0" destOrd="0" presId="urn:microsoft.com/office/officeart/2005/8/layout/vList3"/>
-    <dgm:cxn modelId="{5F6CA199-FDA1-44B4-A391-774F3C46C579}" type="presOf" srcId="{F0C99BDC-CCA8-4530-BC1F-1C8FD249BD21}" destId="{23DAA865-48F3-4CBF-BF23-B6B2DE0F51D0}" srcOrd="0" destOrd="0" presId="urn:microsoft.com/office/officeart/2005/8/layout/vList3"/>
     <dgm:cxn modelId="{E0B72A79-D551-4F03-AD7E-E94E83C5A341}" srcId="{517676F0-4D76-4882-8C05-7F918BBC6763}" destId="{D59EB72C-D12F-4B37-BE08-00781793C997}" srcOrd="8" destOrd="0" parTransId="{D2D3BC28-50C2-4692-B183-1AEC5F76391D}" sibTransId="{6590D27B-9A15-42D6-8140-38F5C931D87F}"/>
     <dgm:cxn modelId="{B3FA611C-A6A6-4C86-9D4F-A888264B1A7F}" type="presOf" srcId="{F2D47B7D-8BDF-4F2F-A766-9F7F65FCE961}" destId="{5F290A53-BE0F-4790-B247-92D4F882CF8C}" srcOrd="0" destOrd="0" presId="urn:microsoft.com/office/officeart/2005/8/layout/vList3"/>
     <dgm:cxn modelId="{BBFC22D0-DD61-4DA4-8B4F-77C806A8FA55}" srcId="{517676F0-4D76-4882-8C05-7F918BBC6763}" destId="{F2D47B7D-8BDF-4F2F-A766-9F7F65FCE961}" srcOrd="4" destOrd="0" parTransId="{F6C7F6E3-CF00-4235-93AA-EB27D762D8FE}" sibTransId="{388FB196-B34D-4000-B344-9EA7701D63FA}"/>
@@ -8902,7 +8954,7 @@
           <a:p>
             <a:r>
               <a:rPr lang="fr-FR" dirty="0" smtClean="0"/>
-              <a:t>Sommaire :</a:t>
+              <a:t>Sommaire </a:t>
             </a:r>
             <a:endParaRPr lang="fr-FR" dirty="0"/>
           </a:p>
@@ -9034,6 +9086,1171 @@
     <p:extLst>
       <p:ext uri="{BB962C8B-B14F-4D97-AF65-F5344CB8AC3E}">
         <p14:creationId xmlns:p14="http://schemas.microsoft.com/office/powerpoint/2010/main" val="4221211916"/>
+      </p:ext>
+    </p:extLst>
+  </p:cSld>
+  <p:clrMapOvr>
+    <a:masterClrMapping/>
+  </p:clrMapOvr>
+  <mc:AlternateContent xmlns:mc="http://schemas.openxmlformats.org/markup-compatibility/2006">
+    <mc:Choice xmlns:p14="http://schemas.microsoft.com/office/powerpoint/2010/main" Requires="p14">
+      <p:transition spd="med" p14:dur="700">
+        <p:fade/>
+      </p:transition>
+    </mc:Choice>
+    <mc:Fallback>
+      <p:transition spd="med">
+        <p:fade/>
+      </p:transition>
+    </mc:Fallback>
+  </mc:AlternateContent>
+  <p:timing>
+    <p:tnLst>
+      <p:par>
+        <p:cTn id="1" dur="indefinite" restart="never" nodeType="tmRoot"/>
+      </p:par>
+    </p:tnLst>
+  </p:timing>
+</p:sld>
+</file>
+
+<file path=ppt/slides/slide3.xml><?xml version="1.0" encoding="utf-8"?>
+<p:sld xmlns:a="http://schemas.openxmlformats.org/drawingml/2006/main" xmlns:r="http://schemas.openxmlformats.org/officeDocument/2006/relationships" xmlns:p="http://schemas.openxmlformats.org/presentationml/2006/main">
+  <p:cSld>
+    <p:spTree>
+      <p:nvGrpSpPr>
+        <p:cNvPr id="1" name=""/>
+        <p:cNvGrpSpPr/>
+        <p:nvPr/>
+      </p:nvGrpSpPr>
+      <p:grpSpPr>
+        <a:xfrm>
+          <a:off x="0" y="0"/>
+          <a:ext cx="0" cy="0"/>
+          <a:chOff x="0" y="0"/>
+          <a:chExt cx="0" cy="0"/>
+        </a:xfrm>
+      </p:grpSpPr>
+      <p:sp>
+        <p:nvSpPr>
+          <p:cNvPr id="2" name="Titre 1"/>
+          <p:cNvSpPr>
+            <a:spLocks noGrp="1"/>
+          </p:cNvSpPr>
+          <p:nvPr>
+            <p:ph type="title"/>
+          </p:nvPr>
+        </p:nvSpPr>
+        <p:spPr/>
+        <p:txBody>
+          <a:bodyPr/>
+          <a:lstStyle/>
+          <a:p>
+            <a:r>
+              <a:rPr lang="fr-FR" dirty="0" smtClean="0"/>
+              <a:t>Présentation du concept </a:t>
+            </a:r>
+            <a:endParaRPr lang="fr-FR" dirty="0"/>
+          </a:p>
+        </p:txBody>
+      </p:sp>
+      <p:sp>
+        <p:nvSpPr>
+          <p:cNvPr id="4" name="Rectangle 3"/>
+          <p:cNvSpPr/>
+          <p:nvPr/>
+        </p:nvSpPr>
+        <p:spPr>
+          <a:xfrm>
+            <a:off x="1451579" y="2010195"/>
+            <a:ext cx="5311839" cy="769441"/>
+          </a:xfrm>
+          <a:prstGeom prst="rect">
+            <a:avLst/>
+          </a:prstGeom>
+          <a:noFill/>
+        </p:spPr>
+        <p:txBody>
+          <a:bodyPr wrap="none" lIns="91440" tIns="45720" rIns="91440" bIns="45720">
+            <a:spAutoFit/>
+          </a:bodyPr>
+          <a:lstStyle/>
+          <a:p>
+            <a:pPr algn="ctr"/>
+            <a:r>
+              <a:rPr lang="fr-FR" sz="4400" b="1" cap="none" spc="0" dirty="0" smtClean="0">
+                <a:ln w="13462">
+                  <a:solidFill>
+                    <a:schemeClr val="tx2"/>
+                  </a:solidFill>
+                  <a:prstDash val="solid"/>
+                </a:ln>
+                <a:solidFill>
+                  <a:schemeClr val="tx1">
+                    <a:lumMod val="85000"/>
+                    <a:lumOff val="15000"/>
+                  </a:schemeClr>
+                </a:solidFill>
+              </a:rPr>
+              <a:t>Nous devons allier :</a:t>
+            </a:r>
+            <a:endParaRPr lang="fr-FR" sz="4400" b="1" cap="none" spc="0" dirty="0">
+              <a:ln w="13462">
+                <a:solidFill>
+                  <a:schemeClr val="tx2"/>
+                </a:solidFill>
+                <a:prstDash val="solid"/>
+              </a:ln>
+              <a:solidFill>
+                <a:schemeClr val="tx1">
+                  <a:lumMod val="85000"/>
+                  <a:lumOff val="15000"/>
+                </a:schemeClr>
+              </a:solidFill>
+            </a:endParaRPr>
+          </a:p>
+        </p:txBody>
+      </p:sp>
+      <p:sp>
+        <p:nvSpPr>
+          <p:cNvPr id="5" name="Rectangle 4"/>
+          <p:cNvSpPr/>
+          <p:nvPr/>
+        </p:nvSpPr>
+        <p:spPr>
+          <a:xfrm>
+            <a:off x="798436" y="3256689"/>
+            <a:ext cx="3964740" cy="1200329"/>
+          </a:xfrm>
+          <a:prstGeom prst="rect">
+            <a:avLst/>
+          </a:prstGeom>
+          <a:noFill/>
+        </p:spPr>
+        <p:txBody>
+          <a:bodyPr wrap="none" lIns="91440" tIns="45720" rIns="91440" bIns="45720">
+            <a:spAutoFit/>
+          </a:bodyPr>
+          <a:lstStyle/>
+          <a:p>
+            <a:pPr algn="ctr"/>
+            <a:r>
+              <a:rPr lang="fr-FR" sz="3600" b="1" cap="none" spc="0" dirty="0" smtClean="0">
+                <a:ln w="13462">
+                  <a:solidFill>
+                    <a:srgbClr val="FF0000"/>
+                  </a:solidFill>
+                  <a:prstDash val="solid"/>
+                </a:ln>
+                <a:solidFill>
+                  <a:srgbClr val="FF0000"/>
+                </a:solidFill>
+              </a:rPr>
+              <a:t>L’amusement des</a:t>
+            </a:r>
+          </a:p>
+          <a:p>
+            <a:pPr algn="ctr"/>
+            <a:r>
+              <a:rPr lang="fr-FR" sz="3600" b="1" dirty="0" smtClean="0">
+                <a:ln w="13462">
+                  <a:solidFill>
+                    <a:srgbClr val="FF0000"/>
+                  </a:solidFill>
+                  <a:prstDash val="solid"/>
+                </a:ln>
+                <a:solidFill>
+                  <a:srgbClr val="FF0000"/>
+                </a:solidFill>
+              </a:rPr>
+              <a:t>Jeux-vidéos</a:t>
+            </a:r>
+            <a:endParaRPr lang="fr-FR" sz="3600" b="1" cap="none" spc="0" dirty="0">
+              <a:ln w="13462">
+                <a:solidFill>
+                  <a:srgbClr val="FF0000"/>
+                </a:solidFill>
+                <a:prstDash val="solid"/>
+              </a:ln>
+              <a:solidFill>
+                <a:srgbClr val="FF0000"/>
+              </a:solidFill>
+            </a:endParaRPr>
+          </a:p>
+        </p:txBody>
+      </p:sp>
+      <p:sp>
+        <p:nvSpPr>
+          <p:cNvPr id="6" name="Rectangle 5"/>
+          <p:cNvSpPr/>
+          <p:nvPr/>
+        </p:nvSpPr>
+        <p:spPr>
+          <a:xfrm>
+            <a:off x="5766569" y="3195133"/>
+            <a:ext cx="784190" cy="1323439"/>
+          </a:xfrm>
+          <a:prstGeom prst="rect">
+            <a:avLst/>
+          </a:prstGeom>
+          <a:noFill/>
+        </p:spPr>
+        <p:txBody>
+          <a:bodyPr wrap="none" lIns="91440" tIns="45720" rIns="91440" bIns="45720">
+            <a:spAutoFit/>
+          </a:bodyPr>
+          <a:lstStyle/>
+          <a:p>
+            <a:pPr algn="ctr"/>
+            <a:r>
+              <a:rPr lang="fr-FR" sz="8000" b="1" cap="none" spc="0" dirty="0" smtClean="0">
+                <a:ln w="13462">
+                  <a:solidFill>
+                    <a:schemeClr val="bg1"/>
+                  </a:solidFill>
+                  <a:prstDash val="solid"/>
+                </a:ln>
+                <a:solidFill>
+                  <a:srgbClr val="FF0000"/>
+                </a:solidFill>
+                <a:effectLst>
+                  <a:outerShdw dist="38100" dir="2700000" algn="bl" rotWithShape="0">
+                    <a:schemeClr val="accent5"/>
+                  </a:outerShdw>
+                </a:effectLst>
+              </a:rPr>
+              <a:t>+</a:t>
+            </a:r>
+            <a:endParaRPr lang="fr-FR" sz="8000" b="1" cap="none" spc="0" dirty="0">
+              <a:ln w="13462">
+                <a:solidFill>
+                  <a:schemeClr val="bg1"/>
+                </a:solidFill>
+                <a:prstDash val="solid"/>
+              </a:ln>
+              <a:solidFill>
+                <a:srgbClr val="FF0000"/>
+              </a:solidFill>
+              <a:effectLst>
+                <a:outerShdw dist="38100" dir="2700000" algn="bl" rotWithShape="0">
+                  <a:schemeClr val="accent5"/>
+                </a:outerShdw>
+              </a:effectLst>
+            </a:endParaRPr>
+          </a:p>
+        </p:txBody>
+      </p:sp>
+      <p:sp>
+        <p:nvSpPr>
+          <p:cNvPr id="7" name="Rectangle 6"/>
+          <p:cNvSpPr/>
+          <p:nvPr/>
+        </p:nvSpPr>
+        <p:spPr>
+          <a:xfrm>
+            <a:off x="7554152" y="3108921"/>
+            <a:ext cx="3500702" cy="1754326"/>
+          </a:xfrm>
+          <a:prstGeom prst="rect">
+            <a:avLst/>
+          </a:prstGeom>
+          <a:noFill/>
+        </p:spPr>
+        <p:txBody>
+          <a:bodyPr wrap="none" lIns="91440" tIns="45720" rIns="91440" bIns="45720">
+            <a:spAutoFit/>
+          </a:bodyPr>
+          <a:lstStyle/>
+          <a:p>
+            <a:pPr algn="ctr"/>
+            <a:r>
+              <a:rPr lang="fr-FR" sz="3600" b="1" cap="none" spc="0" dirty="0" smtClean="0">
+                <a:ln w="13462">
+                  <a:solidFill>
+                    <a:srgbClr val="FF0000"/>
+                  </a:solidFill>
+                  <a:prstDash val="solid"/>
+                </a:ln>
+                <a:solidFill>
+                  <a:srgbClr val="FF0000"/>
+                </a:solidFill>
+              </a:rPr>
+              <a:t>L’apprentissage</a:t>
+            </a:r>
+          </a:p>
+          <a:p>
+            <a:pPr algn="ctr"/>
+            <a:r>
+              <a:rPr lang="fr-FR" sz="3600" b="1" dirty="0" smtClean="0">
+                <a:ln w="13462">
+                  <a:solidFill>
+                    <a:srgbClr val="FF0000"/>
+                  </a:solidFill>
+                  <a:prstDash val="solid"/>
+                </a:ln>
+                <a:solidFill>
+                  <a:srgbClr val="FF0000"/>
+                </a:solidFill>
+              </a:rPr>
+              <a:t>et la</a:t>
+            </a:r>
+          </a:p>
+          <a:p>
+            <a:pPr algn="ctr"/>
+            <a:r>
+              <a:rPr lang="fr-FR" sz="3600" b="1" dirty="0">
+                <a:ln w="13462">
+                  <a:solidFill>
+                    <a:srgbClr val="FF0000"/>
+                  </a:solidFill>
+                  <a:prstDash val="solid"/>
+                </a:ln>
+                <a:solidFill>
+                  <a:srgbClr val="FF0000"/>
+                </a:solidFill>
+              </a:rPr>
+              <a:t>c</a:t>
+            </a:r>
+            <a:r>
+              <a:rPr lang="fr-FR" sz="3600" b="1" dirty="0" smtClean="0">
+                <a:ln w="13462">
+                  <a:solidFill>
+                    <a:srgbClr val="FF0000"/>
+                  </a:solidFill>
+                  <a:prstDash val="solid"/>
+                </a:ln>
+                <a:solidFill>
+                  <a:srgbClr val="FF0000"/>
+                </a:solidFill>
+              </a:rPr>
+              <a:t>onnaissance  </a:t>
+            </a:r>
+            <a:endParaRPr lang="fr-FR" sz="3600" b="1" cap="none" spc="0" dirty="0">
+              <a:ln w="13462">
+                <a:solidFill>
+                  <a:srgbClr val="FF0000"/>
+                </a:solidFill>
+                <a:prstDash val="solid"/>
+              </a:ln>
+              <a:solidFill>
+                <a:srgbClr val="FF0000"/>
+              </a:solidFill>
+            </a:endParaRPr>
+          </a:p>
+        </p:txBody>
+      </p:sp>
+      <p:pic>
+        <p:nvPicPr>
+          <p:cNvPr id="8" name="Image 7"/>
+          <p:cNvPicPr>
+            <a:picLocks noChangeAspect="1"/>
+          </p:cNvPicPr>
+          <p:nvPr/>
+        </p:nvPicPr>
+        <p:blipFill>
+          <a:blip r:embed="rId2">
+            <a:extLst>
+              <a:ext uri="{BEBA8EAE-BF5A-486C-A8C5-ECC9F3942E4B}">
+                <a14:imgProps xmlns:a14="http://schemas.microsoft.com/office/drawing/2010/main">
+                  <a14:imgLayer r:embed="rId3">
+                    <a14:imgEffect>
+                      <a14:backgroundRemoval t="0" b="91228" l="0" r="95322"/>
+                    </a14:imgEffect>
+                  </a14:imgLayer>
+                </a14:imgProps>
+              </a:ext>
+              <a:ext uri="{28A0092B-C50C-407E-A947-70E740481C1C}">
+                <a14:useLocalDpi xmlns:a14="http://schemas.microsoft.com/office/drawing/2010/main" val="0"/>
+              </a:ext>
+            </a:extLst>
+          </a:blip>
+          <a:stretch>
+            <a:fillRect/>
+          </a:stretch>
+        </p:blipFill>
+        <p:spPr>
+          <a:xfrm>
+            <a:off x="2028665" y="4518572"/>
+            <a:ext cx="1504282" cy="1504282"/>
+          </a:xfrm>
+          <a:prstGeom prst="rect">
+            <a:avLst/>
+          </a:prstGeom>
+          <a:ln>
+            <a:noFill/>
+          </a:ln>
+          <a:effectLst>
+            <a:outerShdw blurRad="292100" dist="139700" dir="2700000" algn="tl" rotWithShape="0">
+              <a:srgbClr val="333333">
+                <a:alpha val="65000"/>
+              </a:srgbClr>
+            </a:outerShdw>
+          </a:effectLst>
+        </p:spPr>
+      </p:pic>
+      <p:pic>
+        <p:nvPicPr>
+          <p:cNvPr id="9" name="Image 8"/>
+          <p:cNvPicPr>
+            <a:picLocks noChangeAspect="1"/>
+          </p:cNvPicPr>
+          <p:nvPr/>
+        </p:nvPicPr>
+        <p:blipFill>
+          <a:blip r:embed="rId4">
+            <a:extLst>
+              <a:ext uri="{BEBA8EAE-BF5A-486C-A8C5-ECC9F3942E4B}">
+                <a14:imgProps xmlns:a14="http://schemas.microsoft.com/office/drawing/2010/main">
+                  <a14:imgLayer r:embed="rId5">
+                    <a14:imgEffect>
+                      <a14:backgroundRemoval t="0" b="100000" l="1905" r="100000"/>
+                    </a14:imgEffect>
+                  </a14:imgLayer>
+                </a14:imgProps>
+              </a:ext>
+              <a:ext uri="{28A0092B-C50C-407E-A947-70E740481C1C}">
+                <a14:useLocalDpi xmlns:a14="http://schemas.microsoft.com/office/drawing/2010/main" val="0"/>
+              </a:ext>
+            </a:extLst>
+          </a:blip>
+          <a:stretch>
+            <a:fillRect/>
+          </a:stretch>
+        </p:blipFill>
+        <p:spPr>
+          <a:xfrm>
+            <a:off x="8558257" y="4863247"/>
+            <a:ext cx="1492491" cy="1066065"/>
+          </a:xfrm>
+          <a:prstGeom prst="rect">
+            <a:avLst/>
+          </a:prstGeom>
+        </p:spPr>
+      </p:pic>
+      <p:sp>
+        <p:nvSpPr>
+          <p:cNvPr id="10" name="Flèche droite 9"/>
+          <p:cNvSpPr/>
+          <p:nvPr/>
+        </p:nvSpPr>
+        <p:spPr>
+          <a:xfrm>
+            <a:off x="4617975" y="3029862"/>
+            <a:ext cx="3270481" cy="1912444"/>
+          </a:xfrm>
+          <a:prstGeom prst="rightArrow">
+            <a:avLst/>
+          </a:prstGeom>
+        </p:spPr>
+        <p:style>
+          <a:lnRef idx="2">
+            <a:schemeClr val="accent1">
+              <a:shade val="50000"/>
+            </a:schemeClr>
+          </a:lnRef>
+          <a:fillRef idx="1">
+            <a:schemeClr val="accent1"/>
+          </a:fillRef>
+          <a:effectRef idx="0">
+            <a:schemeClr val="accent1"/>
+          </a:effectRef>
+          <a:fontRef idx="minor">
+            <a:schemeClr val="lt1"/>
+          </a:fontRef>
+        </p:style>
+        <p:txBody>
+          <a:bodyPr rtlCol="0" anchor="ctr"/>
+          <a:lstStyle/>
+          <a:p>
+            <a:pPr algn="ctr"/>
+            <a:r>
+              <a:rPr lang="fr-FR" sz="1600" dirty="0" smtClean="0"/>
+              <a:t>Quels sont les possibilités offertes par </a:t>
+            </a:r>
+            <a:r>
+              <a:rPr lang="fr-FR" sz="1600" dirty="0" err="1" smtClean="0"/>
+              <a:t>Arduino</a:t>
+            </a:r>
+            <a:r>
+              <a:rPr lang="fr-FR" sz="1600" dirty="0" smtClean="0"/>
+              <a:t> ? Comment le programme-t-on? </a:t>
+            </a:r>
+            <a:endParaRPr lang="fr-FR" sz="1600" dirty="0"/>
+          </a:p>
+        </p:txBody>
+      </p:sp>
+      <p:sp>
+        <p:nvSpPr>
+          <p:cNvPr id="11" name="Rectangle 10"/>
+          <p:cNvSpPr/>
+          <p:nvPr/>
+        </p:nvSpPr>
+        <p:spPr>
+          <a:xfrm>
+            <a:off x="1451579" y="2027200"/>
+            <a:ext cx="6533327" cy="769441"/>
+          </a:xfrm>
+          <a:prstGeom prst="rect">
+            <a:avLst/>
+          </a:prstGeom>
+          <a:noFill/>
+        </p:spPr>
+        <p:txBody>
+          <a:bodyPr wrap="none" lIns="91440" tIns="45720" rIns="91440" bIns="45720">
+            <a:spAutoFit/>
+          </a:bodyPr>
+          <a:lstStyle/>
+          <a:p>
+            <a:pPr algn="ctr"/>
+            <a:r>
+              <a:rPr lang="fr-FR" sz="4400" b="1" cap="none" spc="0" dirty="0" smtClean="0">
+                <a:ln w="13462">
+                  <a:solidFill>
+                    <a:schemeClr val="tx2"/>
+                  </a:solidFill>
+                  <a:prstDash val="solid"/>
+                </a:ln>
+                <a:solidFill>
+                  <a:schemeClr val="tx1">
+                    <a:lumMod val="85000"/>
+                    <a:lumOff val="15000"/>
+                  </a:schemeClr>
+                </a:solidFill>
+              </a:rPr>
+              <a:t>Nous devons enseigner :</a:t>
+            </a:r>
+            <a:endParaRPr lang="fr-FR" sz="4400" b="1" cap="none" spc="0" dirty="0">
+              <a:ln w="13462">
+                <a:solidFill>
+                  <a:schemeClr val="tx2"/>
+                </a:solidFill>
+                <a:prstDash val="solid"/>
+              </a:ln>
+              <a:solidFill>
+                <a:schemeClr val="tx1">
+                  <a:lumMod val="85000"/>
+                  <a:lumOff val="15000"/>
+                </a:schemeClr>
+              </a:solidFill>
+            </a:endParaRPr>
+          </a:p>
+        </p:txBody>
+      </p:sp>
+    </p:spTree>
+    <p:extLst>
+      <p:ext uri="{BB962C8B-B14F-4D97-AF65-F5344CB8AC3E}">
+        <p14:creationId xmlns:p14="http://schemas.microsoft.com/office/powerpoint/2010/main" val="3074897568"/>
+      </p:ext>
+    </p:extLst>
+  </p:cSld>
+  <p:clrMapOvr>
+    <a:masterClrMapping/>
+  </p:clrMapOvr>
+  <p:transition spd="slow">
+    <p:wipe/>
+  </p:transition>
+  <p:timing>
+    <p:tnLst>
+      <p:par>
+        <p:cTn id="1" dur="indefinite" restart="never" nodeType="tmRoot">
+          <p:childTnLst>
+            <p:seq concurrent="1" nextAc="seek">
+              <p:cTn id="2" dur="indefinite" nodeType="mainSeq">
+                <p:childTnLst>
+                  <p:par>
+                    <p:cTn id="3" fill="hold">
+                      <p:stCondLst>
+                        <p:cond delay="indefinite"/>
+                      </p:stCondLst>
+                      <p:childTnLst>
+                        <p:par>
+                          <p:cTn id="4" fill="hold">
+                            <p:stCondLst>
+                              <p:cond delay="0"/>
+                            </p:stCondLst>
+                            <p:childTnLst>
+                              <p:par>
+                                <p:cTn id="5" presetID="47" presetClass="exit" presetSubtype="0" fill="hold" grpId="0" nodeType="clickEffect">
+                                  <p:stCondLst>
+                                    <p:cond delay="0"/>
+                                  </p:stCondLst>
+                                  <p:childTnLst>
+                                    <p:animEffect transition="out" filter="fade">
+                                      <p:cBhvr>
+                                        <p:cTn id="6" dur="1000"/>
+                                        <p:tgtEl>
+                                          <p:spTgt spid="5"/>
+                                        </p:tgtEl>
+                                      </p:cBhvr>
+                                    </p:animEffect>
+                                    <p:anim calcmode="lin" valueType="num">
+                                      <p:cBhvr>
+                                        <p:cTn id="7" dur="1000"/>
+                                        <p:tgtEl>
+                                          <p:spTgt spid="5"/>
+                                        </p:tgtEl>
+                                        <p:attrNameLst>
+                                          <p:attrName>ppt_x</p:attrName>
+                                        </p:attrNameLst>
+                                      </p:cBhvr>
+                                      <p:tavLst>
+                                        <p:tav tm="0">
+                                          <p:val>
+                                            <p:strVal val="ppt_x"/>
+                                          </p:val>
+                                        </p:tav>
+                                        <p:tav tm="100000">
+                                          <p:val>
+                                            <p:strVal val="ppt_x"/>
+                                          </p:val>
+                                        </p:tav>
+                                      </p:tavLst>
+                                    </p:anim>
+                                    <p:anim calcmode="lin" valueType="num">
+                                      <p:cBhvr>
+                                        <p:cTn id="8" dur="1000"/>
+                                        <p:tgtEl>
+                                          <p:spTgt spid="5"/>
+                                        </p:tgtEl>
+                                        <p:attrNameLst>
+                                          <p:attrName>ppt_y</p:attrName>
+                                        </p:attrNameLst>
+                                      </p:cBhvr>
+                                      <p:tavLst>
+                                        <p:tav tm="0">
+                                          <p:val>
+                                            <p:strVal val="ppt_y"/>
+                                          </p:val>
+                                        </p:tav>
+                                        <p:tav tm="100000">
+                                          <p:val>
+                                            <p:strVal val="ppt_y-.1"/>
+                                          </p:val>
+                                        </p:tav>
+                                      </p:tavLst>
+                                    </p:anim>
+                                    <p:set>
+                                      <p:cBhvr>
+                                        <p:cTn id="9" dur="1" fill="hold">
+                                          <p:stCondLst>
+                                            <p:cond delay="999"/>
+                                          </p:stCondLst>
+                                        </p:cTn>
+                                        <p:tgtEl>
+                                          <p:spTgt spid="5"/>
+                                        </p:tgtEl>
+                                        <p:attrNameLst>
+                                          <p:attrName>style.visibility</p:attrName>
+                                        </p:attrNameLst>
+                                      </p:cBhvr>
+                                      <p:to>
+                                        <p:strVal val="hidden"/>
+                                      </p:to>
+                                    </p:set>
+                                  </p:childTnLst>
+                                </p:cTn>
+                              </p:par>
+                              <p:par>
+                                <p:cTn id="10" presetID="47" presetClass="exit" presetSubtype="0" fill="hold" grpId="0" nodeType="withEffect">
+                                  <p:stCondLst>
+                                    <p:cond delay="0"/>
+                                  </p:stCondLst>
+                                  <p:childTnLst>
+                                    <p:animEffect transition="out" filter="fade">
+                                      <p:cBhvr>
+                                        <p:cTn id="11" dur="1000"/>
+                                        <p:tgtEl>
+                                          <p:spTgt spid="7"/>
+                                        </p:tgtEl>
+                                      </p:cBhvr>
+                                    </p:animEffect>
+                                    <p:anim calcmode="lin" valueType="num">
+                                      <p:cBhvr>
+                                        <p:cTn id="12" dur="1000"/>
+                                        <p:tgtEl>
+                                          <p:spTgt spid="7"/>
+                                        </p:tgtEl>
+                                        <p:attrNameLst>
+                                          <p:attrName>ppt_x</p:attrName>
+                                        </p:attrNameLst>
+                                      </p:cBhvr>
+                                      <p:tavLst>
+                                        <p:tav tm="0">
+                                          <p:val>
+                                            <p:strVal val="ppt_x"/>
+                                          </p:val>
+                                        </p:tav>
+                                        <p:tav tm="100000">
+                                          <p:val>
+                                            <p:strVal val="ppt_x"/>
+                                          </p:val>
+                                        </p:tav>
+                                      </p:tavLst>
+                                    </p:anim>
+                                    <p:anim calcmode="lin" valueType="num">
+                                      <p:cBhvr>
+                                        <p:cTn id="13" dur="1000"/>
+                                        <p:tgtEl>
+                                          <p:spTgt spid="7"/>
+                                        </p:tgtEl>
+                                        <p:attrNameLst>
+                                          <p:attrName>ppt_y</p:attrName>
+                                        </p:attrNameLst>
+                                      </p:cBhvr>
+                                      <p:tavLst>
+                                        <p:tav tm="0">
+                                          <p:val>
+                                            <p:strVal val="ppt_y"/>
+                                          </p:val>
+                                        </p:tav>
+                                        <p:tav tm="100000">
+                                          <p:val>
+                                            <p:strVal val="ppt_y-.1"/>
+                                          </p:val>
+                                        </p:tav>
+                                      </p:tavLst>
+                                    </p:anim>
+                                    <p:set>
+                                      <p:cBhvr>
+                                        <p:cTn id="14" dur="1" fill="hold">
+                                          <p:stCondLst>
+                                            <p:cond delay="999"/>
+                                          </p:stCondLst>
+                                        </p:cTn>
+                                        <p:tgtEl>
+                                          <p:spTgt spid="7"/>
+                                        </p:tgtEl>
+                                        <p:attrNameLst>
+                                          <p:attrName>style.visibility</p:attrName>
+                                        </p:attrNameLst>
+                                      </p:cBhvr>
+                                      <p:to>
+                                        <p:strVal val="hidden"/>
+                                      </p:to>
+                                    </p:set>
+                                  </p:childTnLst>
+                                </p:cTn>
+                              </p:par>
+                              <p:par>
+                                <p:cTn id="15" presetID="42" presetClass="path" presetSubtype="0" accel="50000" decel="50000" fill="hold" nodeType="withEffect">
+                                  <p:stCondLst>
+                                    <p:cond delay="0"/>
+                                  </p:stCondLst>
+                                  <p:childTnLst>
+                                    <p:animMotion origin="layout" path="M -4.79167E-6 1.48148E-6 L 0.00235 -0.1838 " pathEditMode="relative" rAng="0" ptsTypes="AA">
+                                      <p:cBhvr>
+                                        <p:cTn id="16" dur="1600" fill="hold"/>
+                                        <p:tgtEl>
+                                          <p:spTgt spid="8"/>
+                                        </p:tgtEl>
+                                        <p:attrNameLst>
+                                          <p:attrName>ppt_x</p:attrName>
+                                          <p:attrName>ppt_y</p:attrName>
+                                        </p:attrNameLst>
+                                      </p:cBhvr>
+                                      <p:rCtr x="117" y="-9190"/>
+                                    </p:animMotion>
+                                  </p:childTnLst>
+                                </p:cTn>
+                              </p:par>
+                              <p:par>
+                                <p:cTn id="17" presetID="42" presetClass="path" presetSubtype="0" accel="50000" decel="50000" fill="hold" nodeType="withEffect">
+                                  <p:stCondLst>
+                                    <p:cond delay="0"/>
+                                  </p:stCondLst>
+                                  <p:childTnLst>
+                                    <p:animMotion origin="layout" path="M -1.04167E-6 4.44444E-6 L -0.00247 -0.19445 " pathEditMode="relative" rAng="0" ptsTypes="AA">
+                                      <p:cBhvr>
+                                        <p:cTn id="18" dur="1600" fill="hold"/>
+                                        <p:tgtEl>
+                                          <p:spTgt spid="9"/>
+                                        </p:tgtEl>
+                                        <p:attrNameLst>
+                                          <p:attrName>ppt_x</p:attrName>
+                                          <p:attrName>ppt_y</p:attrName>
+                                        </p:attrNameLst>
+                                      </p:cBhvr>
+                                      <p:rCtr x="-130" y="-9722"/>
+                                    </p:animMotion>
+                                  </p:childTnLst>
+                                </p:cTn>
+                              </p:par>
+                              <p:par>
+                                <p:cTn id="19" presetID="22" presetClass="exit" presetSubtype="4" fill="hold" grpId="0" nodeType="withEffect">
+                                  <p:stCondLst>
+                                    <p:cond delay="0"/>
+                                  </p:stCondLst>
+                                  <p:childTnLst>
+                                    <p:animEffect transition="out" filter="wipe(down)">
+                                      <p:cBhvr>
+                                        <p:cTn id="20" dur="800"/>
+                                        <p:tgtEl>
+                                          <p:spTgt spid="6"/>
+                                        </p:tgtEl>
+                                      </p:cBhvr>
+                                    </p:animEffect>
+                                    <p:set>
+                                      <p:cBhvr>
+                                        <p:cTn id="21" dur="1" fill="hold">
+                                          <p:stCondLst>
+                                            <p:cond delay="799"/>
+                                          </p:stCondLst>
+                                        </p:cTn>
+                                        <p:tgtEl>
+                                          <p:spTgt spid="6"/>
+                                        </p:tgtEl>
+                                        <p:attrNameLst>
+                                          <p:attrName>style.visibility</p:attrName>
+                                        </p:attrNameLst>
+                                      </p:cBhvr>
+                                      <p:to>
+                                        <p:strVal val="hidden"/>
+                                      </p:to>
+                                    </p:set>
+                                  </p:childTnLst>
+                                </p:cTn>
+                              </p:par>
+                              <p:par>
+                                <p:cTn id="22" presetID="42" presetClass="entr" presetSubtype="0" fill="hold" grpId="0" nodeType="withEffect">
+                                  <p:stCondLst>
+                                    <p:cond delay="0"/>
+                                  </p:stCondLst>
+                                  <p:childTnLst>
+                                    <p:set>
+                                      <p:cBhvr>
+                                        <p:cTn id="23" dur="1" fill="hold">
+                                          <p:stCondLst>
+                                            <p:cond delay="0"/>
+                                          </p:stCondLst>
+                                        </p:cTn>
+                                        <p:tgtEl>
+                                          <p:spTgt spid="10"/>
+                                        </p:tgtEl>
+                                        <p:attrNameLst>
+                                          <p:attrName>style.visibility</p:attrName>
+                                        </p:attrNameLst>
+                                      </p:cBhvr>
+                                      <p:to>
+                                        <p:strVal val="visible"/>
+                                      </p:to>
+                                    </p:set>
+                                    <p:animEffect transition="in" filter="fade">
+                                      <p:cBhvr>
+                                        <p:cTn id="24" dur="1000"/>
+                                        <p:tgtEl>
+                                          <p:spTgt spid="10"/>
+                                        </p:tgtEl>
+                                      </p:cBhvr>
+                                    </p:animEffect>
+                                    <p:anim calcmode="lin" valueType="num">
+                                      <p:cBhvr>
+                                        <p:cTn id="25" dur="1000" fill="hold"/>
+                                        <p:tgtEl>
+                                          <p:spTgt spid="10"/>
+                                        </p:tgtEl>
+                                        <p:attrNameLst>
+                                          <p:attrName>ppt_x</p:attrName>
+                                        </p:attrNameLst>
+                                      </p:cBhvr>
+                                      <p:tavLst>
+                                        <p:tav tm="0">
+                                          <p:val>
+                                            <p:strVal val="#ppt_x"/>
+                                          </p:val>
+                                        </p:tav>
+                                        <p:tav tm="100000">
+                                          <p:val>
+                                            <p:strVal val="#ppt_x"/>
+                                          </p:val>
+                                        </p:tav>
+                                      </p:tavLst>
+                                    </p:anim>
+                                    <p:anim calcmode="lin" valueType="num">
+                                      <p:cBhvr>
+                                        <p:cTn id="26" dur="1000" fill="hold"/>
+                                        <p:tgtEl>
+                                          <p:spTgt spid="10"/>
+                                        </p:tgtEl>
+                                        <p:attrNameLst>
+                                          <p:attrName>ppt_y</p:attrName>
+                                        </p:attrNameLst>
+                                      </p:cBhvr>
+                                      <p:tavLst>
+                                        <p:tav tm="0">
+                                          <p:val>
+                                            <p:strVal val="#ppt_y+.1"/>
+                                          </p:val>
+                                        </p:tav>
+                                        <p:tav tm="100000">
+                                          <p:val>
+                                            <p:strVal val="#ppt_y"/>
+                                          </p:val>
+                                        </p:tav>
+                                      </p:tavLst>
+                                    </p:anim>
+                                  </p:childTnLst>
+                                </p:cTn>
+                              </p:par>
+                              <p:par>
+                                <p:cTn id="27" presetID="22" presetClass="exit" presetSubtype="2" fill="hold" grpId="0" nodeType="withEffect">
+                                  <p:stCondLst>
+                                    <p:cond delay="0"/>
+                                  </p:stCondLst>
+                                  <p:childTnLst>
+                                    <p:animEffect transition="out" filter="wipe(right)">
+                                      <p:cBhvr>
+                                        <p:cTn id="28" dur="1200"/>
+                                        <p:tgtEl>
+                                          <p:spTgt spid="4"/>
+                                        </p:tgtEl>
+                                      </p:cBhvr>
+                                    </p:animEffect>
+                                    <p:set>
+                                      <p:cBhvr>
+                                        <p:cTn id="29" dur="1" fill="hold">
+                                          <p:stCondLst>
+                                            <p:cond delay="1199"/>
+                                          </p:stCondLst>
+                                        </p:cTn>
+                                        <p:tgtEl>
+                                          <p:spTgt spid="4"/>
+                                        </p:tgtEl>
+                                        <p:attrNameLst>
+                                          <p:attrName>style.visibility</p:attrName>
+                                        </p:attrNameLst>
+                                      </p:cBhvr>
+                                      <p:to>
+                                        <p:strVal val="hidden"/>
+                                      </p:to>
+                                    </p:set>
+                                  </p:childTnLst>
+                                </p:cTn>
+                              </p:par>
+                              <p:par>
+                                <p:cTn id="30" presetID="22" presetClass="entr" presetSubtype="8" fill="hold" grpId="0" nodeType="withEffect">
+                                  <p:stCondLst>
+                                    <p:cond delay="0"/>
+                                  </p:stCondLst>
+                                  <p:childTnLst>
+                                    <p:set>
+                                      <p:cBhvr>
+                                        <p:cTn id="31" dur="1" fill="hold">
+                                          <p:stCondLst>
+                                            <p:cond delay="0"/>
+                                          </p:stCondLst>
+                                        </p:cTn>
+                                        <p:tgtEl>
+                                          <p:spTgt spid="11"/>
+                                        </p:tgtEl>
+                                        <p:attrNameLst>
+                                          <p:attrName>style.visibility</p:attrName>
+                                        </p:attrNameLst>
+                                      </p:cBhvr>
+                                      <p:to>
+                                        <p:strVal val="visible"/>
+                                      </p:to>
+                                    </p:set>
+                                    <p:animEffect transition="in" filter="wipe(left)">
+                                      <p:cBhvr>
+                                        <p:cTn id="32" dur="1200"/>
+                                        <p:tgtEl>
+                                          <p:spTgt spid="11"/>
+                                        </p:tgtEl>
+                                      </p:cBhvr>
+                                    </p:animEffect>
+                                  </p:childTnLst>
+                                </p:cTn>
+                              </p:par>
+                            </p:childTnLst>
+                          </p:cTn>
+                        </p:par>
+                      </p:childTnLst>
+                    </p:cTn>
+                  </p:par>
+                </p:childTnLst>
+              </p:cTn>
+              <p:prevCondLst>
+                <p:cond evt="onPrev" delay="0">
+                  <p:tgtEl>
+                    <p:sldTgt/>
+                  </p:tgtEl>
+                </p:cond>
+              </p:prevCondLst>
+              <p:nextCondLst>
+                <p:cond evt="onNext" delay="0">
+                  <p:tgtEl>
+                    <p:sldTgt/>
+                  </p:tgtEl>
+                </p:cond>
+              </p:nextCondLst>
+            </p:seq>
+          </p:childTnLst>
+        </p:cTn>
+      </p:par>
+    </p:tnLst>
+    <p:bldLst>
+      <p:bldP spid="4" grpId="0"/>
+      <p:bldP spid="5" grpId="0"/>
+      <p:bldP spid="6" grpId="0"/>
+      <p:bldP spid="7" grpId="0"/>
+      <p:bldP spid="10" grpId="0" animBg="1"/>
+      <p:bldP spid="11" grpId="0"/>
+    </p:bldLst>
+  </p:timing>
+</p:sld>
+</file>
+
+<file path=ppt/slides/slide4.xml><?xml version="1.0" encoding="utf-8"?>
+<p:sld xmlns:a="http://schemas.openxmlformats.org/drawingml/2006/main" xmlns:r="http://schemas.openxmlformats.org/officeDocument/2006/relationships" xmlns:p="http://schemas.openxmlformats.org/presentationml/2006/main">
+  <p:cSld>
+    <p:spTree>
+      <p:nvGrpSpPr>
+        <p:cNvPr id="1" name=""/>
+        <p:cNvGrpSpPr/>
+        <p:nvPr/>
+      </p:nvGrpSpPr>
+      <p:grpSpPr>
+        <a:xfrm>
+          <a:off x="0" y="0"/>
+          <a:ext cx="0" cy="0"/>
+          <a:chOff x="0" y="0"/>
+          <a:chExt cx="0" cy="0"/>
+        </a:xfrm>
+      </p:grpSpPr>
+      <p:sp>
+        <p:nvSpPr>
+          <p:cNvPr id="2" name="Titre 1"/>
+          <p:cNvSpPr>
+            <a:spLocks noGrp="1"/>
+          </p:cNvSpPr>
+          <p:nvPr>
+            <p:ph type="title"/>
+          </p:nvPr>
+        </p:nvSpPr>
+        <p:spPr/>
+        <p:txBody>
+          <a:bodyPr/>
+          <a:lstStyle/>
+          <a:p>
+            <a:r>
+              <a:rPr lang="fr-FR" dirty="0" smtClean="0"/>
+              <a:t>Cahier des charges</a:t>
+            </a:r>
+            <a:endParaRPr lang="fr-FR" dirty="0"/>
+          </a:p>
+        </p:txBody>
+      </p:sp>
+      <p:pic>
+        <p:nvPicPr>
+          <p:cNvPr id="6" name="Espace réservé du contenu 5"/>
+          <p:cNvPicPr>
+            <a:picLocks noGrp="1" noChangeAspect="1"/>
+          </p:cNvPicPr>
+          <p:nvPr>
+            <p:ph idx="1"/>
+          </p:nvPr>
+        </p:nvPicPr>
+        <p:blipFill>
+          <a:blip r:embed="rId2">
+            <a:extLst>
+              <a:ext uri="{28A0092B-C50C-407E-A947-70E740481C1C}">
+                <a14:useLocalDpi xmlns:a14="http://schemas.microsoft.com/office/drawing/2010/main" val="0"/>
+              </a:ext>
+            </a:extLst>
+          </a:blip>
+          <a:stretch>
+            <a:fillRect/>
+          </a:stretch>
+        </p:blipFill>
+        <p:spPr>
+          <a:xfrm>
+            <a:off x="8088817" y="228198"/>
+            <a:ext cx="2142195" cy="1714034"/>
+          </a:xfrm>
+        </p:spPr>
+      </p:pic>
+    </p:spTree>
+    <p:extLst>
+      <p:ext uri="{BB962C8B-B14F-4D97-AF65-F5344CB8AC3E}">
+        <p14:creationId xmlns:p14="http://schemas.microsoft.com/office/powerpoint/2010/main" val="2051463716"/>
+      </p:ext>
+    </p:extLst>
+  </p:cSld>
+  <p:clrMapOvr>
+    <a:masterClrMapping/>
+  </p:clrMapOvr>
+  <p:transition spd="slow">
+    <p:push dir="u"/>
+  </p:transition>
+  <p:timing>
+    <p:tnLst>
+      <p:par>
+        <p:cTn id="1" dur="indefinite" restart="never" nodeType="tmRoot"/>
+      </p:par>
+    </p:tnLst>
+  </p:timing>
+</p:sld>
+</file>
+
+<file path=ppt/slides/slide5.xml><?xml version="1.0" encoding="utf-8"?>
+<p:sld xmlns:a="http://schemas.openxmlformats.org/drawingml/2006/main" xmlns:r="http://schemas.openxmlformats.org/officeDocument/2006/relationships" xmlns:p="http://schemas.openxmlformats.org/presentationml/2006/main">
+  <p:cSld>
+    <p:spTree>
+      <p:nvGrpSpPr>
+        <p:cNvPr id="1" name=""/>
+        <p:cNvGrpSpPr/>
+        <p:nvPr/>
+      </p:nvGrpSpPr>
+      <p:grpSpPr>
+        <a:xfrm>
+          <a:off x="0" y="0"/>
+          <a:ext cx="0" cy="0"/>
+          <a:chOff x="0" y="0"/>
+          <a:chExt cx="0" cy="0"/>
+        </a:xfrm>
+      </p:grpSpPr>
+      <p:sp>
+        <p:nvSpPr>
+          <p:cNvPr id="2" name="Titre 1"/>
+          <p:cNvSpPr>
+            <a:spLocks noGrp="1"/>
+          </p:cNvSpPr>
+          <p:nvPr>
+            <p:ph type="title"/>
+          </p:nvPr>
+        </p:nvSpPr>
+        <p:spPr/>
+        <p:txBody>
+          <a:bodyPr/>
+          <a:lstStyle/>
+          <a:p>
+            <a:endParaRPr lang="fr-FR"/>
+          </a:p>
+        </p:txBody>
+      </p:sp>
+      <p:sp>
+        <p:nvSpPr>
+          <p:cNvPr id="3" name="Espace réservé du contenu 2"/>
+          <p:cNvSpPr>
+            <a:spLocks noGrp="1"/>
+          </p:cNvSpPr>
+          <p:nvPr>
+            <p:ph idx="1"/>
+          </p:nvPr>
+        </p:nvSpPr>
+        <p:spPr/>
+        <p:txBody>
+          <a:bodyPr/>
+          <a:lstStyle/>
+          <a:p>
+            <a:endParaRPr lang="fr-FR"/>
+          </a:p>
+        </p:txBody>
+      </p:sp>
+    </p:spTree>
+    <p:extLst>
+      <p:ext uri="{BB962C8B-B14F-4D97-AF65-F5344CB8AC3E}">
+        <p14:creationId xmlns:p14="http://schemas.microsoft.com/office/powerpoint/2010/main" val="2326458268"/>
       </p:ext>
     </p:extLst>
   </p:cSld>

--- a/Documents/diaporama/présentation.pptx
+++ b/Documents/diaporama/présentation.pptx
@@ -10,6 +10,13 @@
     <p:sldId id="258" r:id="rId4"/>
     <p:sldId id="259" r:id="rId5"/>
     <p:sldId id="260" r:id="rId6"/>
+    <p:sldId id="261" r:id="rId7"/>
+    <p:sldId id="262" r:id="rId8"/>
+    <p:sldId id="263" r:id="rId9"/>
+    <p:sldId id="264" r:id="rId10"/>
+    <p:sldId id="265" r:id="rId11"/>
+    <p:sldId id="266" r:id="rId12"/>
+    <p:sldId id="267" r:id="rId13"/>
   </p:sldIdLst>
   <p:sldSz cx="12192000" cy="6858000"/>
   <p:notesSz cx="6858000" cy="9144000"/>
@@ -863,6 +870,753 @@
 </dgm:colorsDef>
 </file>
 
+<file path=ppt/diagrams/colors2.xml><?xml version="1.0" encoding="utf-8"?>
+<dgm:colorsDef xmlns:dgm="http://schemas.openxmlformats.org/drawingml/2006/diagram" xmlns:a="http://schemas.openxmlformats.org/drawingml/2006/main" uniqueId="urn:microsoft.com/office/officeart/2005/8/colors/accent1_2">
+  <dgm:title val=""/>
+  <dgm:desc val=""/>
+  <dgm:catLst>
+    <dgm:cat type="accent1" pri="11200"/>
+  </dgm:catLst>
+  <dgm:styleLbl name="node0">
+    <dgm:fillClrLst meth="repeat">
+      <a:schemeClr val="accent1"/>
+    </dgm:fillClrLst>
+    <dgm:linClrLst meth="repeat">
+      <a:schemeClr val="lt1"/>
+    </dgm:linClrLst>
+    <dgm:effectClrLst/>
+    <dgm:txLinClrLst/>
+    <dgm:txFillClrLst/>
+    <dgm:txEffectClrLst/>
+  </dgm:styleLbl>
+  <dgm:styleLbl name="alignNode1">
+    <dgm:fillClrLst meth="repeat">
+      <a:schemeClr val="accent1"/>
+    </dgm:fillClrLst>
+    <dgm:linClrLst meth="repeat">
+      <a:schemeClr val="accent1"/>
+    </dgm:linClrLst>
+    <dgm:effectClrLst/>
+    <dgm:txLinClrLst/>
+    <dgm:txFillClrLst/>
+    <dgm:txEffectClrLst/>
+  </dgm:styleLbl>
+  <dgm:styleLbl name="node1">
+    <dgm:fillClrLst meth="repeat">
+      <a:schemeClr val="accent1"/>
+    </dgm:fillClrLst>
+    <dgm:linClrLst meth="repeat">
+      <a:schemeClr val="lt1"/>
+    </dgm:linClrLst>
+    <dgm:effectClrLst/>
+    <dgm:txLinClrLst/>
+    <dgm:txFillClrLst/>
+    <dgm:txEffectClrLst/>
+  </dgm:styleLbl>
+  <dgm:styleLbl name="lnNode1">
+    <dgm:fillClrLst meth="repeat">
+      <a:schemeClr val="accent1"/>
+    </dgm:fillClrLst>
+    <dgm:linClrLst meth="repeat">
+      <a:schemeClr val="lt1"/>
+    </dgm:linClrLst>
+    <dgm:effectClrLst/>
+    <dgm:txLinClrLst/>
+    <dgm:txFillClrLst/>
+    <dgm:txEffectClrLst/>
+  </dgm:styleLbl>
+  <dgm:styleLbl name="vennNode1">
+    <dgm:fillClrLst meth="repeat">
+      <a:schemeClr val="accent1">
+        <a:alpha val="50000"/>
+      </a:schemeClr>
+    </dgm:fillClrLst>
+    <dgm:linClrLst meth="repeat">
+      <a:schemeClr val="lt1"/>
+    </dgm:linClrLst>
+    <dgm:effectClrLst/>
+    <dgm:txLinClrLst/>
+    <dgm:txFillClrLst/>
+    <dgm:txEffectClrLst/>
+  </dgm:styleLbl>
+  <dgm:styleLbl name="node2">
+    <dgm:fillClrLst meth="repeat">
+      <a:schemeClr val="accent1"/>
+    </dgm:fillClrLst>
+    <dgm:linClrLst meth="repeat">
+      <a:schemeClr val="lt1"/>
+    </dgm:linClrLst>
+    <dgm:effectClrLst/>
+    <dgm:txLinClrLst/>
+    <dgm:txFillClrLst/>
+    <dgm:txEffectClrLst/>
+  </dgm:styleLbl>
+  <dgm:styleLbl name="node3">
+    <dgm:fillClrLst meth="repeat">
+      <a:schemeClr val="accent1"/>
+    </dgm:fillClrLst>
+    <dgm:linClrLst meth="repeat">
+      <a:schemeClr val="lt1"/>
+    </dgm:linClrLst>
+    <dgm:effectClrLst/>
+    <dgm:txLinClrLst/>
+    <dgm:txFillClrLst/>
+    <dgm:txEffectClrLst/>
+  </dgm:styleLbl>
+  <dgm:styleLbl name="node4">
+    <dgm:fillClrLst meth="repeat">
+      <a:schemeClr val="accent1"/>
+    </dgm:fillClrLst>
+    <dgm:linClrLst meth="repeat">
+      <a:schemeClr val="lt1"/>
+    </dgm:linClrLst>
+    <dgm:effectClrLst/>
+    <dgm:txLinClrLst/>
+    <dgm:txFillClrLst/>
+    <dgm:txEffectClrLst/>
+  </dgm:styleLbl>
+  <dgm:styleLbl name="fgImgPlace1">
+    <dgm:fillClrLst meth="repeat">
+      <a:schemeClr val="accent1">
+        <a:tint val="50000"/>
+      </a:schemeClr>
+    </dgm:fillClrLst>
+    <dgm:linClrLst meth="repeat">
+      <a:schemeClr val="lt1"/>
+    </dgm:linClrLst>
+    <dgm:effectClrLst/>
+    <dgm:txLinClrLst/>
+    <dgm:txFillClrLst meth="repeat">
+      <a:schemeClr val="lt1"/>
+    </dgm:txFillClrLst>
+    <dgm:txEffectClrLst/>
+  </dgm:styleLbl>
+  <dgm:styleLbl name="alignImgPlace1">
+    <dgm:fillClrLst meth="repeat">
+      <a:schemeClr val="accent1">
+        <a:tint val="50000"/>
+      </a:schemeClr>
+    </dgm:fillClrLst>
+    <dgm:linClrLst meth="repeat">
+      <a:schemeClr val="lt1"/>
+    </dgm:linClrLst>
+    <dgm:effectClrLst/>
+    <dgm:txLinClrLst/>
+    <dgm:txFillClrLst meth="repeat">
+      <a:schemeClr val="lt1"/>
+    </dgm:txFillClrLst>
+    <dgm:txEffectClrLst/>
+  </dgm:styleLbl>
+  <dgm:styleLbl name="bgImgPlace1">
+    <dgm:fillClrLst meth="repeat">
+      <a:schemeClr val="accent1">
+        <a:tint val="50000"/>
+      </a:schemeClr>
+    </dgm:fillClrLst>
+    <dgm:linClrLst meth="repeat">
+      <a:schemeClr val="lt1"/>
+    </dgm:linClrLst>
+    <dgm:effectClrLst/>
+    <dgm:txLinClrLst/>
+    <dgm:txFillClrLst meth="repeat">
+      <a:schemeClr val="lt1"/>
+    </dgm:txFillClrLst>
+    <dgm:txEffectClrLst/>
+  </dgm:styleLbl>
+  <dgm:styleLbl name="sibTrans2D1">
+    <dgm:fillClrLst meth="repeat">
+      <a:schemeClr val="accent1">
+        <a:tint val="60000"/>
+      </a:schemeClr>
+    </dgm:fillClrLst>
+    <dgm:linClrLst meth="repeat">
+      <a:schemeClr val="accent1">
+        <a:tint val="60000"/>
+      </a:schemeClr>
+    </dgm:linClrLst>
+    <dgm:effectClrLst/>
+    <dgm:txLinClrLst/>
+    <dgm:txFillClrLst/>
+    <dgm:txEffectClrLst/>
+  </dgm:styleLbl>
+  <dgm:styleLbl name="fgSibTrans2D1">
+    <dgm:fillClrLst meth="repeat">
+      <a:schemeClr val="accent1">
+        <a:tint val="60000"/>
+      </a:schemeClr>
+    </dgm:fillClrLst>
+    <dgm:linClrLst meth="repeat">
+      <a:schemeClr val="accent1">
+        <a:tint val="60000"/>
+      </a:schemeClr>
+    </dgm:linClrLst>
+    <dgm:effectClrLst/>
+    <dgm:txLinClrLst/>
+    <dgm:txFillClrLst/>
+    <dgm:txEffectClrLst/>
+  </dgm:styleLbl>
+  <dgm:styleLbl name="bgSibTrans2D1">
+    <dgm:fillClrLst meth="repeat">
+      <a:schemeClr val="accent1">
+        <a:tint val="60000"/>
+      </a:schemeClr>
+    </dgm:fillClrLst>
+    <dgm:linClrLst meth="repeat">
+      <a:schemeClr val="accent1">
+        <a:tint val="60000"/>
+      </a:schemeClr>
+    </dgm:linClrLst>
+    <dgm:effectClrLst/>
+    <dgm:txLinClrLst/>
+    <dgm:txFillClrLst/>
+    <dgm:txEffectClrLst/>
+  </dgm:styleLbl>
+  <dgm:styleLbl name="sibTrans1D1">
+    <dgm:fillClrLst meth="repeat">
+      <a:schemeClr val="accent1"/>
+    </dgm:fillClrLst>
+    <dgm:linClrLst meth="repeat">
+      <a:schemeClr val="accent1"/>
+    </dgm:linClrLst>
+    <dgm:effectClrLst/>
+    <dgm:txLinClrLst/>
+    <dgm:txFillClrLst meth="repeat">
+      <a:schemeClr val="tx1"/>
+    </dgm:txFillClrLst>
+    <dgm:txEffectClrLst/>
+  </dgm:styleLbl>
+  <dgm:styleLbl name="callout">
+    <dgm:fillClrLst meth="repeat">
+      <a:schemeClr val="accent1"/>
+    </dgm:fillClrLst>
+    <dgm:linClrLst meth="repeat">
+      <a:schemeClr val="accent1">
+        <a:tint val="50000"/>
+      </a:schemeClr>
+    </dgm:linClrLst>
+    <dgm:effectClrLst/>
+    <dgm:txLinClrLst/>
+    <dgm:txFillClrLst meth="repeat">
+      <a:schemeClr val="tx1"/>
+    </dgm:txFillClrLst>
+    <dgm:txEffectClrLst/>
+  </dgm:styleLbl>
+  <dgm:styleLbl name="asst0">
+    <dgm:fillClrLst meth="repeat">
+      <a:schemeClr val="accent1"/>
+    </dgm:fillClrLst>
+    <dgm:linClrLst meth="repeat">
+      <a:schemeClr val="lt1"/>
+    </dgm:linClrLst>
+    <dgm:effectClrLst/>
+    <dgm:txLinClrLst/>
+    <dgm:txFillClrLst/>
+    <dgm:txEffectClrLst/>
+  </dgm:styleLbl>
+  <dgm:styleLbl name="asst1">
+    <dgm:fillClrLst meth="repeat">
+      <a:schemeClr val="accent1"/>
+    </dgm:fillClrLst>
+    <dgm:linClrLst meth="repeat">
+      <a:schemeClr val="lt1"/>
+    </dgm:linClrLst>
+    <dgm:effectClrLst/>
+    <dgm:txLinClrLst/>
+    <dgm:txFillClrLst/>
+    <dgm:txEffectClrLst/>
+  </dgm:styleLbl>
+  <dgm:styleLbl name="asst2">
+    <dgm:fillClrLst meth="repeat">
+      <a:schemeClr val="accent1"/>
+    </dgm:fillClrLst>
+    <dgm:linClrLst meth="repeat">
+      <a:schemeClr val="lt1"/>
+    </dgm:linClrLst>
+    <dgm:effectClrLst/>
+    <dgm:txLinClrLst/>
+    <dgm:txFillClrLst/>
+    <dgm:txEffectClrLst/>
+  </dgm:styleLbl>
+  <dgm:styleLbl name="asst3">
+    <dgm:fillClrLst meth="repeat">
+      <a:schemeClr val="accent1"/>
+    </dgm:fillClrLst>
+    <dgm:linClrLst meth="repeat">
+      <a:schemeClr val="lt1"/>
+    </dgm:linClrLst>
+    <dgm:effectClrLst/>
+    <dgm:txLinClrLst/>
+    <dgm:txFillClrLst/>
+    <dgm:txEffectClrLst/>
+  </dgm:styleLbl>
+  <dgm:styleLbl name="asst4">
+    <dgm:fillClrLst meth="repeat">
+      <a:schemeClr val="accent1"/>
+    </dgm:fillClrLst>
+    <dgm:linClrLst meth="repeat">
+      <a:schemeClr val="lt1"/>
+    </dgm:linClrLst>
+    <dgm:effectClrLst/>
+    <dgm:txLinClrLst/>
+    <dgm:txFillClrLst/>
+    <dgm:txEffectClrLst/>
+  </dgm:styleLbl>
+  <dgm:styleLbl name="parChTrans2D1">
+    <dgm:fillClrLst meth="repeat">
+      <a:schemeClr val="accent1">
+        <a:tint val="60000"/>
+      </a:schemeClr>
+    </dgm:fillClrLst>
+    <dgm:linClrLst meth="repeat">
+      <a:schemeClr val="accent1">
+        <a:tint val="60000"/>
+      </a:schemeClr>
+    </dgm:linClrLst>
+    <dgm:effectClrLst/>
+    <dgm:txLinClrLst/>
+    <dgm:txFillClrLst meth="repeat">
+      <a:schemeClr val="lt1"/>
+    </dgm:txFillClrLst>
+    <dgm:txEffectClrLst/>
+  </dgm:styleLbl>
+  <dgm:styleLbl name="parChTrans2D2">
+    <dgm:fillClrLst meth="repeat">
+      <a:schemeClr val="accent1"/>
+    </dgm:fillClrLst>
+    <dgm:linClrLst meth="repeat">
+      <a:schemeClr val="accent1"/>
+    </dgm:linClrLst>
+    <dgm:effectClrLst/>
+    <dgm:txLinClrLst/>
+    <dgm:txFillClrLst meth="repeat">
+      <a:schemeClr val="lt1"/>
+    </dgm:txFillClrLst>
+    <dgm:txEffectClrLst/>
+  </dgm:styleLbl>
+  <dgm:styleLbl name="parChTrans2D3">
+    <dgm:fillClrLst meth="repeat">
+      <a:schemeClr val="accent1"/>
+    </dgm:fillClrLst>
+    <dgm:linClrLst meth="repeat">
+      <a:schemeClr val="accent1"/>
+    </dgm:linClrLst>
+    <dgm:effectClrLst/>
+    <dgm:txLinClrLst/>
+    <dgm:txFillClrLst meth="repeat">
+      <a:schemeClr val="lt1"/>
+    </dgm:txFillClrLst>
+    <dgm:txEffectClrLst/>
+  </dgm:styleLbl>
+  <dgm:styleLbl name="parChTrans2D4">
+    <dgm:fillClrLst meth="repeat">
+      <a:schemeClr val="accent1"/>
+    </dgm:fillClrLst>
+    <dgm:linClrLst meth="repeat">
+      <a:schemeClr val="accent1"/>
+    </dgm:linClrLst>
+    <dgm:effectClrLst/>
+    <dgm:txLinClrLst/>
+    <dgm:txFillClrLst meth="repeat">
+      <a:schemeClr val="lt1"/>
+    </dgm:txFillClrLst>
+    <dgm:txEffectClrLst/>
+  </dgm:styleLbl>
+  <dgm:styleLbl name="parChTrans1D1">
+    <dgm:fillClrLst meth="repeat">
+      <a:schemeClr val="accent1"/>
+    </dgm:fillClrLst>
+    <dgm:linClrLst meth="repeat">
+      <a:schemeClr val="accent1">
+        <a:shade val="60000"/>
+      </a:schemeClr>
+    </dgm:linClrLst>
+    <dgm:effectClrLst/>
+    <dgm:txLinClrLst/>
+    <dgm:txFillClrLst meth="repeat">
+      <a:schemeClr val="tx1"/>
+    </dgm:txFillClrLst>
+    <dgm:txEffectClrLst/>
+  </dgm:styleLbl>
+  <dgm:styleLbl name="parChTrans1D2">
+    <dgm:fillClrLst meth="repeat">
+      <a:schemeClr val="accent1"/>
+    </dgm:fillClrLst>
+    <dgm:linClrLst meth="repeat">
+      <a:schemeClr val="accent1">
+        <a:shade val="60000"/>
+      </a:schemeClr>
+    </dgm:linClrLst>
+    <dgm:effectClrLst/>
+    <dgm:txLinClrLst/>
+    <dgm:txFillClrLst meth="repeat">
+      <a:schemeClr val="tx1"/>
+    </dgm:txFillClrLst>
+    <dgm:txEffectClrLst/>
+  </dgm:styleLbl>
+  <dgm:styleLbl name="parChTrans1D3">
+    <dgm:fillClrLst meth="repeat">
+      <a:schemeClr val="accent1"/>
+    </dgm:fillClrLst>
+    <dgm:linClrLst meth="repeat">
+      <a:schemeClr val="accent1">
+        <a:shade val="80000"/>
+      </a:schemeClr>
+    </dgm:linClrLst>
+    <dgm:effectClrLst/>
+    <dgm:txLinClrLst/>
+    <dgm:txFillClrLst meth="repeat">
+      <a:schemeClr val="tx1"/>
+    </dgm:txFillClrLst>
+    <dgm:txEffectClrLst/>
+  </dgm:styleLbl>
+  <dgm:styleLbl name="parChTrans1D4">
+    <dgm:fillClrLst meth="repeat">
+      <a:schemeClr val="accent1"/>
+    </dgm:fillClrLst>
+    <dgm:linClrLst meth="repeat">
+      <a:schemeClr val="accent1">
+        <a:shade val="80000"/>
+      </a:schemeClr>
+    </dgm:linClrLst>
+    <dgm:effectClrLst/>
+    <dgm:txLinClrLst/>
+    <dgm:txFillClrLst meth="repeat">
+      <a:schemeClr val="tx1"/>
+    </dgm:txFillClrLst>
+    <dgm:txEffectClrLst/>
+  </dgm:styleLbl>
+  <dgm:styleLbl name="fgAcc1">
+    <dgm:fillClrLst meth="repeat">
+      <a:schemeClr val="lt1">
+        <a:alpha val="90000"/>
+      </a:schemeClr>
+    </dgm:fillClrLst>
+    <dgm:linClrLst meth="repeat">
+      <a:schemeClr val="accent1"/>
+    </dgm:linClrLst>
+    <dgm:effectClrLst/>
+    <dgm:txLinClrLst/>
+    <dgm:txFillClrLst meth="repeat">
+      <a:schemeClr val="dk1"/>
+    </dgm:txFillClrLst>
+    <dgm:txEffectClrLst/>
+  </dgm:styleLbl>
+  <dgm:styleLbl name="conFgAcc1">
+    <dgm:fillClrLst meth="repeat">
+      <a:schemeClr val="lt1">
+        <a:alpha val="90000"/>
+      </a:schemeClr>
+    </dgm:fillClrLst>
+    <dgm:linClrLst meth="repeat">
+      <a:schemeClr val="accent1"/>
+    </dgm:linClrLst>
+    <dgm:effectClrLst/>
+    <dgm:txLinClrLst/>
+    <dgm:txFillClrLst meth="repeat">
+      <a:schemeClr val="dk1"/>
+    </dgm:txFillClrLst>
+    <dgm:txEffectClrLst/>
+  </dgm:styleLbl>
+  <dgm:styleLbl name="alignAcc1">
+    <dgm:fillClrLst meth="repeat">
+      <a:schemeClr val="lt1">
+        <a:alpha val="90000"/>
+      </a:schemeClr>
+    </dgm:fillClrLst>
+    <dgm:linClrLst meth="repeat">
+      <a:schemeClr val="accent1"/>
+    </dgm:linClrLst>
+    <dgm:effectClrLst/>
+    <dgm:txLinClrLst/>
+    <dgm:txFillClrLst meth="repeat">
+      <a:schemeClr val="dk1"/>
+    </dgm:txFillClrLst>
+    <dgm:txEffectClrLst/>
+  </dgm:styleLbl>
+  <dgm:styleLbl name="trAlignAcc1">
+    <dgm:fillClrLst meth="repeat">
+      <a:schemeClr val="lt1">
+        <a:alpha val="40000"/>
+      </a:schemeClr>
+    </dgm:fillClrLst>
+    <dgm:linClrLst meth="repeat">
+      <a:schemeClr val="accent1"/>
+    </dgm:linClrLst>
+    <dgm:effectClrLst/>
+    <dgm:txLinClrLst/>
+    <dgm:txFillClrLst meth="repeat">
+      <a:schemeClr val="dk1"/>
+    </dgm:txFillClrLst>
+    <dgm:txEffectClrLst/>
+  </dgm:styleLbl>
+  <dgm:styleLbl name="bgAcc1">
+    <dgm:fillClrLst meth="repeat">
+      <a:schemeClr val="lt1">
+        <a:alpha val="90000"/>
+      </a:schemeClr>
+    </dgm:fillClrLst>
+    <dgm:linClrLst meth="repeat">
+      <a:schemeClr val="accent1"/>
+    </dgm:linClrLst>
+    <dgm:effectClrLst/>
+    <dgm:txLinClrLst/>
+    <dgm:txFillClrLst meth="repeat">
+      <a:schemeClr val="dk1"/>
+    </dgm:txFillClrLst>
+    <dgm:txEffectClrLst/>
+  </dgm:styleLbl>
+  <dgm:styleLbl name="solidFgAcc1">
+    <dgm:fillClrLst meth="repeat">
+      <a:schemeClr val="lt1"/>
+    </dgm:fillClrLst>
+    <dgm:linClrLst meth="repeat">
+      <a:schemeClr val="accent1"/>
+    </dgm:linClrLst>
+    <dgm:effectClrLst/>
+    <dgm:txLinClrLst/>
+    <dgm:txFillClrLst meth="repeat">
+      <a:schemeClr val="dk1"/>
+    </dgm:txFillClrLst>
+    <dgm:txEffectClrLst/>
+  </dgm:styleLbl>
+  <dgm:styleLbl name="solidAlignAcc1">
+    <dgm:fillClrLst meth="repeat">
+      <a:schemeClr val="lt1"/>
+    </dgm:fillClrLst>
+    <dgm:linClrLst meth="repeat">
+      <a:schemeClr val="accent1"/>
+    </dgm:linClrLst>
+    <dgm:effectClrLst/>
+    <dgm:txLinClrLst/>
+    <dgm:txFillClrLst meth="repeat">
+      <a:schemeClr val="dk1"/>
+    </dgm:txFillClrLst>
+    <dgm:txEffectClrLst/>
+  </dgm:styleLbl>
+  <dgm:styleLbl name="solidBgAcc1">
+    <dgm:fillClrLst meth="repeat">
+      <a:schemeClr val="lt1"/>
+    </dgm:fillClrLst>
+    <dgm:linClrLst meth="repeat">
+      <a:schemeClr val="accent1"/>
+    </dgm:linClrLst>
+    <dgm:effectClrLst/>
+    <dgm:txLinClrLst/>
+    <dgm:txFillClrLst meth="repeat">
+      <a:schemeClr val="dk1"/>
+    </dgm:txFillClrLst>
+    <dgm:txEffectClrLst/>
+  </dgm:styleLbl>
+  <dgm:styleLbl name="fgAccFollowNode1">
+    <dgm:fillClrLst meth="repeat">
+      <a:schemeClr val="accent1">
+        <a:alpha val="90000"/>
+        <a:tint val="40000"/>
+      </a:schemeClr>
+    </dgm:fillClrLst>
+    <dgm:linClrLst meth="repeat">
+      <a:schemeClr val="accent1">
+        <a:alpha val="90000"/>
+        <a:tint val="40000"/>
+      </a:schemeClr>
+    </dgm:linClrLst>
+    <dgm:effectClrLst/>
+    <dgm:txLinClrLst/>
+    <dgm:txFillClrLst meth="repeat">
+      <a:schemeClr val="dk1"/>
+    </dgm:txFillClrLst>
+    <dgm:txEffectClrLst/>
+  </dgm:styleLbl>
+  <dgm:styleLbl name="alignAccFollowNode1">
+    <dgm:fillClrLst meth="repeat">
+      <a:schemeClr val="accent1">
+        <a:alpha val="90000"/>
+        <a:tint val="40000"/>
+      </a:schemeClr>
+    </dgm:fillClrLst>
+    <dgm:linClrLst meth="repeat">
+      <a:schemeClr val="accent1">
+        <a:alpha val="90000"/>
+        <a:tint val="40000"/>
+      </a:schemeClr>
+    </dgm:linClrLst>
+    <dgm:effectClrLst/>
+    <dgm:txLinClrLst/>
+    <dgm:txFillClrLst meth="repeat">
+      <a:schemeClr val="dk1"/>
+    </dgm:txFillClrLst>
+    <dgm:txEffectClrLst/>
+  </dgm:styleLbl>
+  <dgm:styleLbl name="bgAccFollowNode1">
+    <dgm:fillClrLst meth="repeat">
+      <a:schemeClr val="accent1">
+        <a:alpha val="90000"/>
+        <a:tint val="40000"/>
+      </a:schemeClr>
+    </dgm:fillClrLst>
+    <dgm:linClrLst meth="repeat">
+      <a:schemeClr val="accent1">
+        <a:alpha val="90000"/>
+        <a:tint val="40000"/>
+      </a:schemeClr>
+    </dgm:linClrLst>
+    <dgm:effectClrLst/>
+    <dgm:txLinClrLst/>
+    <dgm:txFillClrLst meth="repeat">
+      <a:schemeClr val="dk1"/>
+    </dgm:txFillClrLst>
+    <dgm:txEffectClrLst/>
+  </dgm:styleLbl>
+  <dgm:styleLbl name="fgAcc0">
+    <dgm:fillClrLst meth="repeat">
+      <a:schemeClr val="lt1">
+        <a:alpha val="90000"/>
+      </a:schemeClr>
+    </dgm:fillClrLst>
+    <dgm:linClrLst meth="repeat">
+      <a:schemeClr val="accent1"/>
+    </dgm:linClrLst>
+    <dgm:effectClrLst/>
+    <dgm:txLinClrLst/>
+    <dgm:txFillClrLst meth="repeat">
+      <a:schemeClr val="dk1"/>
+    </dgm:txFillClrLst>
+    <dgm:txEffectClrLst/>
+  </dgm:styleLbl>
+  <dgm:styleLbl name="fgAcc2">
+    <dgm:fillClrLst meth="repeat">
+      <a:schemeClr val="lt1">
+        <a:alpha val="90000"/>
+      </a:schemeClr>
+    </dgm:fillClrLst>
+    <dgm:linClrLst meth="repeat">
+      <a:schemeClr val="accent1"/>
+    </dgm:linClrLst>
+    <dgm:effectClrLst/>
+    <dgm:txLinClrLst/>
+    <dgm:txFillClrLst meth="repeat">
+      <a:schemeClr val="dk1"/>
+    </dgm:txFillClrLst>
+    <dgm:txEffectClrLst/>
+  </dgm:styleLbl>
+  <dgm:styleLbl name="fgAcc3">
+    <dgm:fillClrLst meth="repeat">
+      <a:schemeClr val="lt1">
+        <a:alpha val="90000"/>
+      </a:schemeClr>
+    </dgm:fillClrLst>
+    <dgm:linClrLst meth="repeat">
+      <a:schemeClr val="accent1"/>
+    </dgm:linClrLst>
+    <dgm:effectClrLst/>
+    <dgm:txLinClrLst/>
+    <dgm:txFillClrLst meth="repeat">
+      <a:schemeClr val="dk1"/>
+    </dgm:txFillClrLst>
+    <dgm:txEffectClrLst/>
+  </dgm:styleLbl>
+  <dgm:styleLbl name="fgAcc4">
+    <dgm:fillClrLst meth="repeat">
+      <a:schemeClr val="lt1">
+        <a:alpha val="90000"/>
+      </a:schemeClr>
+    </dgm:fillClrLst>
+    <dgm:linClrLst meth="repeat">
+      <a:schemeClr val="accent1"/>
+    </dgm:linClrLst>
+    <dgm:effectClrLst/>
+    <dgm:txLinClrLst/>
+    <dgm:txFillClrLst meth="repeat">
+      <a:schemeClr val="dk1"/>
+    </dgm:txFillClrLst>
+    <dgm:txEffectClrLst/>
+  </dgm:styleLbl>
+  <dgm:styleLbl name="bgShp">
+    <dgm:fillClrLst meth="repeat">
+      <a:schemeClr val="accent1">
+        <a:tint val="40000"/>
+      </a:schemeClr>
+    </dgm:fillClrLst>
+    <dgm:linClrLst meth="repeat">
+      <a:schemeClr val="accent1"/>
+    </dgm:linClrLst>
+    <dgm:effectClrLst/>
+    <dgm:txLinClrLst/>
+    <dgm:txFillClrLst meth="repeat">
+      <a:schemeClr val="dk1"/>
+    </dgm:txFillClrLst>
+    <dgm:txEffectClrLst/>
+  </dgm:styleLbl>
+  <dgm:styleLbl name="dkBgShp">
+    <dgm:fillClrLst meth="repeat">
+      <a:schemeClr val="accent1">
+        <a:shade val="80000"/>
+      </a:schemeClr>
+    </dgm:fillClrLst>
+    <dgm:linClrLst meth="repeat">
+      <a:schemeClr val="accent1"/>
+    </dgm:linClrLst>
+    <dgm:effectClrLst/>
+    <dgm:txLinClrLst/>
+    <dgm:txFillClrLst meth="repeat">
+      <a:schemeClr val="lt1"/>
+    </dgm:txFillClrLst>
+    <dgm:txEffectClrLst/>
+  </dgm:styleLbl>
+  <dgm:styleLbl name="trBgShp">
+    <dgm:fillClrLst meth="repeat">
+      <a:schemeClr val="accent1">
+        <a:tint val="50000"/>
+        <a:alpha val="40000"/>
+      </a:schemeClr>
+    </dgm:fillClrLst>
+    <dgm:linClrLst meth="repeat">
+      <a:schemeClr val="accent1"/>
+    </dgm:linClrLst>
+    <dgm:effectClrLst/>
+    <dgm:txLinClrLst/>
+    <dgm:txFillClrLst meth="repeat">
+      <a:schemeClr val="lt1"/>
+    </dgm:txFillClrLst>
+    <dgm:txEffectClrLst/>
+  </dgm:styleLbl>
+  <dgm:styleLbl name="fgShp">
+    <dgm:fillClrLst meth="repeat">
+      <a:schemeClr val="accent1">
+        <a:tint val="60000"/>
+      </a:schemeClr>
+    </dgm:fillClrLst>
+    <dgm:linClrLst meth="repeat">
+      <a:schemeClr val="lt1"/>
+    </dgm:linClrLst>
+    <dgm:effectClrLst/>
+    <dgm:txLinClrLst/>
+    <dgm:txFillClrLst meth="repeat">
+      <a:schemeClr val="dk1"/>
+    </dgm:txFillClrLst>
+    <dgm:txEffectClrLst/>
+  </dgm:styleLbl>
+  <dgm:styleLbl name="revTx">
+    <dgm:fillClrLst meth="repeat">
+      <a:schemeClr val="lt1">
+        <a:alpha val="0"/>
+      </a:schemeClr>
+    </dgm:fillClrLst>
+    <dgm:linClrLst meth="repeat">
+      <a:schemeClr val="dk1">
+        <a:alpha val="0"/>
+      </a:schemeClr>
+    </dgm:linClrLst>
+    <dgm:effectClrLst/>
+    <dgm:txLinClrLst/>
+    <dgm:txFillClrLst meth="repeat">
+      <a:schemeClr val="tx1"/>
+    </dgm:txFillClrLst>
+    <dgm:txEffectClrLst/>
+  </dgm:styleLbl>
+</dgm:colorsDef>
+</file>
+
 <file path=ppt/diagrams/data1.xml><?xml version="1.0" encoding="utf-8"?>
 <dgm:dataModel xmlns:dgm="http://schemas.openxmlformats.org/drawingml/2006/diagram" xmlns:a="http://schemas.openxmlformats.org/drawingml/2006/main">
   <dgm:ptLst>
@@ -1906,6 +2660,2121 @@
     </a:ext>
     <a:ext uri="{C62137D5-CB1D-491B-B009-E17868A290BF}">
       <dgm14:recolorImg xmlns:dgm14="http://schemas.microsoft.com/office/drawing/2010/diagram" val="1"/>
+    </a:ext>
+  </dgm:extLst>
+</dgm:dataModel>
+</file>
+
+<file path=ppt/diagrams/data2.xml><?xml version="1.0" encoding="utf-8"?>
+<dgm:dataModel xmlns:dgm="http://schemas.openxmlformats.org/drawingml/2006/diagram" xmlns:a="http://schemas.openxmlformats.org/drawingml/2006/main">
+  <dgm:ptLst>
+    <dgm:pt modelId="{0C8D7C8E-B817-45D6-97F8-E648C42F2BCB}" type="doc">
+      <dgm:prSet loTypeId="urn:microsoft.com/office/officeart/2005/8/layout/pList2" loCatId="picture" qsTypeId="urn:microsoft.com/office/officeart/2005/8/quickstyle/simple1" qsCatId="simple" csTypeId="urn:microsoft.com/office/officeart/2005/8/colors/accent1_2" csCatId="accent1" phldr="1"/>
+      <dgm:spPr/>
+    </dgm:pt>
+    <dgm:pt modelId="{FA2DBBA2-F706-4C56-8400-9DCD6BDEE061}">
+      <dgm:prSet phldrT="[Texte]" custT="1"/>
+      <dgm:spPr/>
+      <dgm:t>
+        <a:bodyPr/>
+        <a:lstStyle/>
+        <a:p>
+          <a:r>
+            <a:rPr lang="fr-FR" sz="1200" b="1" dirty="0" smtClean="0">
+              <a:effectLst>
+                <a:outerShdw blurRad="38100" dist="38100" dir="2700000" algn="tl">
+                  <a:srgbClr val="000000">
+                    <a:alpha val="43137"/>
+                  </a:srgbClr>
+                </a:outerShdw>
+              </a:effectLst>
+            </a:rPr>
+            <a:t>Mélanie Giraud</a:t>
+          </a:r>
+          <a:endParaRPr lang="fr-FR" sz="1200" b="1" dirty="0">
+            <a:effectLst>
+              <a:outerShdw blurRad="38100" dist="38100" dir="2700000" algn="tl">
+                <a:srgbClr val="000000">
+                  <a:alpha val="43137"/>
+                </a:srgbClr>
+              </a:outerShdw>
+            </a:effectLst>
+          </a:endParaRPr>
+        </a:p>
+      </dgm:t>
+    </dgm:pt>
+    <dgm:pt modelId="{3AFC04D9-8505-4DEA-A470-369AAFF1EA7E}" type="parTrans" cxnId="{F26552BD-5613-4736-BDC4-4C120DA281A0}">
+      <dgm:prSet/>
+      <dgm:spPr/>
+      <dgm:t>
+        <a:bodyPr/>
+        <a:lstStyle/>
+        <a:p>
+          <a:endParaRPr lang="fr-FR"/>
+        </a:p>
+      </dgm:t>
+    </dgm:pt>
+    <dgm:pt modelId="{4FC81FA5-26E8-4CFC-B3AC-F87703767036}" type="sibTrans" cxnId="{F26552BD-5613-4736-BDC4-4C120DA281A0}">
+      <dgm:prSet/>
+      <dgm:spPr/>
+      <dgm:t>
+        <a:bodyPr/>
+        <a:lstStyle/>
+        <a:p>
+          <a:endParaRPr lang="fr-FR"/>
+        </a:p>
+      </dgm:t>
+    </dgm:pt>
+    <dgm:pt modelId="{84A42DA3-709A-4202-ACA4-912FCC13A4D0}">
+      <dgm:prSet phldrT="[Texte]" custT="1"/>
+      <dgm:spPr>
+        <a:solidFill>
+          <a:srgbClr val="FF0000"/>
+        </a:solidFill>
+      </dgm:spPr>
+      <dgm:t>
+        <a:bodyPr/>
+        <a:lstStyle/>
+        <a:p>
+          <a:r>
+            <a:rPr lang="fr-FR" sz="1400" b="1" dirty="0" smtClean="0">
+              <a:effectLst>
+                <a:outerShdw blurRad="38100" dist="38100" dir="2700000" algn="tl">
+                  <a:srgbClr val="000000">
+                    <a:alpha val="43137"/>
+                  </a:srgbClr>
+                </a:outerShdw>
+              </a:effectLst>
+            </a:rPr>
+            <a:t>Dorian </a:t>
+          </a:r>
+          <a:r>
+            <a:rPr lang="fr-FR" sz="1400" b="1" dirty="0" err="1" smtClean="0">
+              <a:effectLst>
+                <a:outerShdw blurRad="38100" dist="38100" dir="2700000" algn="tl">
+                  <a:srgbClr val="000000">
+                    <a:alpha val="43137"/>
+                  </a:srgbClr>
+                </a:outerShdw>
+              </a:effectLst>
+            </a:rPr>
+            <a:t>Milters</a:t>
+          </a:r>
+          <a:endParaRPr lang="fr-FR" sz="1400" b="1" dirty="0">
+            <a:effectLst>
+              <a:outerShdw blurRad="38100" dist="38100" dir="2700000" algn="tl">
+                <a:srgbClr val="000000">
+                  <a:alpha val="43137"/>
+                </a:srgbClr>
+              </a:outerShdw>
+            </a:effectLst>
+          </a:endParaRPr>
+        </a:p>
+      </dgm:t>
+    </dgm:pt>
+    <dgm:pt modelId="{D45A267E-073D-45F5-950F-13BAB5BCE584}" type="parTrans" cxnId="{09D3B5EE-E59A-4861-AD04-54D193905DCC}">
+      <dgm:prSet/>
+      <dgm:spPr/>
+      <dgm:t>
+        <a:bodyPr/>
+        <a:lstStyle/>
+        <a:p>
+          <a:endParaRPr lang="fr-FR"/>
+        </a:p>
+      </dgm:t>
+    </dgm:pt>
+    <dgm:pt modelId="{3AFB489D-A758-4F49-8936-9D4912B3B551}" type="sibTrans" cxnId="{09D3B5EE-E59A-4861-AD04-54D193905DCC}">
+      <dgm:prSet/>
+      <dgm:spPr/>
+      <dgm:t>
+        <a:bodyPr/>
+        <a:lstStyle/>
+        <a:p>
+          <a:endParaRPr lang="fr-FR"/>
+        </a:p>
+      </dgm:t>
+    </dgm:pt>
+    <dgm:pt modelId="{F452D755-67E6-4419-84C9-4B581C3ED6CF}">
+      <dgm:prSet phldrT="[Texte]" custT="1"/>
+      <dgm:spPr>
+        <a:solidFill>
+          <a:srgbClr val="AC5C2A"/>
+        </a:solidFill>
+      </dgm:spPr>
+      <dgm:t>
+        <a:bodyPr/>
+        <a:lstStyle/>
+        <a:p>
+          <a:r>
+            <a:rPr lang="fr-FR" sz="1100" b="1" dirty="0" smtClean="0">
+              <a:effectLst>
+                <a:outerShdw blurRad="38100" dist="38100" dir="2700000" algn="tl">
+                  <a:srgbClr val="000000">
+                    <a:alpha val="43137"/>
+                  </a:srgbClr>
+                </a:outerShdw>
+              </a:effectLst>
+            </a:rPr>
+            <a:t>Romain Michelet</a:t>
+          </a:r>
+          <a:endParaRPr lang="fr-FR" sz="1100" b="1" dirty="0">
+            <a:effectLst>
+              <a:outerShdw blurRad="38100" dist="38100" dir="2700000" algn="tl">
+                <a:srgbClr val="000000">
+                  <a:alpha val="43137"/>
+                </a:srgbClr>
+              </a:outerShdw>
+            </a:effectLst>
+          </a:endParaRPr>
+        </a:p>
+      </dgm:t>
+    </dgm:pt>
+    <dgm:pt modelId="{E373F282-4E3D-4A8E-A5CA-2C7F14454182}" type="parTrans" cxnId="{8A211CF7-FFDC-450A-A5EB-156ADEB1EC09}">
+      <dgm:prSet/>
+      <dgm:spPr/>
+      <dgm:t>
+        <a:bodyPr/>
+        <a:lstStyle/>
+        <a:p>
+          <a:endParaRPr lang="fr-FR"/>
+        </a:p>
+      </dgm:t>
+    </dgm:pt>
+    <dgm:pt modelId="{8222FE09-1616-41C5-A033-258EB331E585}" type="sibTrans" cxnId="{8A211CF7-FFDC-450A-A5EB-156ADEB1EC09}">
+      <dgm:prSet/>
+      <dgm:spPr/>
+      <dgm:t>
+        <a:bodyPr/>
+        <a:lstStyle/>
+        <a:p>
+          <a:endParaRPr lang="fr-FR"/>
+        </a:p>
+      </dgm:t>
+    </dgm:pt>
+    <dgm:pt modelId="{4FC441B5-ABCA-4773-BA98-925E081597C2}">
+      <dgm:prSet phldrT="[Texte]" custT="1"/>
+      <dgm:spPr/>
+      <dgm:t>
+        <a:bodyPr/>
+        <a:lstStyle/>
+        <a:p>
+          <a:r>
+            <a:rPr lang="fr-FR" sz="1200" b="1" dirty="0" smtClean="0">
+              <a:effectLst>
+                <a:outerShdw blurRad="38100" dist="38100" dir="2700000" algn="tl">
+                  <a:srgbClr val="000000">
+                    <a:alpha val="43137"/>
+                  </a:srgbClr>
+                </a:outerShdw>
+              </a:effectLst>
+            </a:rPr>
+            <a:t>Ophélie </a:t>
+          </a:r>
+          <a:r>
+            <a:rPr lang="fr-FR" sz="1200" b="1" dirty="0" err="1" smtClean="0">
+              <a:effectLst>
+                <a:outerShdw blurRad="38100" dist="38100" dir="2700000" algn="tl">
+                  <a:srgbClr val="000000">
+                    <a:alpha val="43137"/>
+                  </a:srgbClr>
+                </a:outerShdw>
+              </a:effectLst>
+            </a:rPr>
+            <a:t>Frênet</a:t>
+          </a:r>
+          <a:endParaRPr lang="fr-FR" sz="1200" b="1" dirty="0">
+            <a:effectLst>
+              <a:outerShdw blurRad="38100" dist="38100" dir="2700000" algn="tl">
+                <a:srgbClr val="000000">
+                  <a:alpha val="43137"/>
+                </a:srgbClr>
+              </a:outerShdw>
+            </a:effectLst>
+          </a:endParaRPr>
+        </a:p>
+      </dgm:t>
+    </dgm:pt>
+    <dgm:pt modelId="{18B329F1-47C5-4136-92DD-896021CAFA3A}" type="parTrans" cxnId="{AE2F1F14-EC92-4B6C-9A2B-8E5A05DFD4C0}">
+      <dgm:prSet/>
+      <dgm:spPr/>
+      <dgm:t>
+        <a:bodyPr/>
+        <a:lstStyle/>
+        <a:p>
+          <a:endParaRPr lang="fr-FR"/>
+        </a:p>
+      </dgm:t>
+    </dgm:pt>
+    <dgm:pt modelId="{8F7F7AC2-8F1F-478F-930E-3A21C380EA67}" type="sibTrans" cxnId="{AE2F1F14-EC92-4B6C-9A2B-8E5A05DFD4C0}">
+      <dgm:prSet/>
+      <dgm:spPr/>
+      <dgm:t>
+        <a:bodyPr/>
+        <a:lstStyle/>
+        <a:p>
+          <a:endParaRPr lang="fr-FR"/>
+        </a:p>
+      </dgm:t>
+    </dgm:pt>
+    <dgm:pt modelId="{C218C1ED-D0A7-430A-8826-3E699D50AA3A}">
+      <dgm:prSet phldrT="[Texte]" custT="1"/>
+      <dgm:spPr/>
+      <dgm:t>
+        <a:bodyPr/>
+        <a:lstStyle/>
+        <a:p>
+          <a:r>
+            <a:rPr lang="fr-FR" sz="1000" b="1" dirty="0" smtClean="0"/>
+            <a:t>Intéressée par :</a:t>
+          </a:r>
+          <a:endParaRPr lang="fr-FR" sz="1000" b="1" dirty="0"/>
+        </a:p>
+      </dgm:t>
+    </dgm:pt>
+    <dgm:pt modelId="{24E74EF1-73B2-4E81-8B27-C139C9E1EDEC}" type="parTrans" cxnId="{CD5D2279-6264-4B75-8788-8525A144E618}">
+      <dgm:prSet/>
+      <dgm:spPr/>
+      <dgm:t>
+        <a:bodyPr/>
+        <a:lstStyle/>
+        <a:p>
+          <a:endParaRPr lang="fr-FR"/>
+        </a:p>
+      </dgm:t>
+    </dgm:pt>
+    <dgm:pt modelId="{F6C5CBBB-9EE0-479D-84CB-96168D398971}" type="sibTrans" cxnId="{CD5D2279-6264-4B75-8788-8525A144E618}">
+      <dgm:prSet/>
+      <dgm:spPr/>
+      <dgm:t>
+        <a:bodyPr/>
+        <a:lstStyle/>
+        <a:p>
+          <a:endParaRPr lang="fr-FR"/>
+        </a:p>
+      </dgm:t>
+    </dgm:pt>
+    <dgm:pt modelId="{FD1AD48F-19A4-4AC1-9179-684D7B495DC6}">
+      <dgm:prSet phldrT="[Texte]" custT="1"/>
+      <dgm:spPr/>
+      <dgm:t>
+        <a:bodyPr/>
+        <a:lstStyle/>
+        <a:p>
+          <a:r>
+            <a:rPr lang="fr-FR" sz="1000" dirty="0" smtClean="0"/>
+            <a:t>Électronique embarquée en général, plus domotique et robotique.</a:t>
+          </a:r>
+          <a:endParaRPr lang="fr-FR" sz="1000" dirty="0"/>
+        </a:p>
+      </dgm:t>
+    </dgm:pt>
+    <dgm:pt modelId="{625C3D78-2758-46A0-9BFB-C422A8D8FAD0}" type="parTrans" cxnId="{AABBA01F-18D6-4480-9769-C91D580E3A45}">
+      <dgm:prSet/>
+      <dgm:spPr/>
+      <dgm:t>
+        <a:bodyPr/>
+        <a:lstStyle/>
+        <a:p>
+          <a:endParaRPr lang="fr-FR"/>
+        </a:p>
+      </dgm:t>
+    </dgm:pt>
+    <dgm:pt modelId="{275AD810-A4C0-45D4-9D82-32689ED19250}" type="sibTrans" cxnId="{AABBA01F-18D6-4480-9769-C91D580E3A45}">
+      <dgm:prSet/>
+      <dgm:spPr/>
+      <dgm:t>
+        <a:bodyPr/>
+        <a:lstStyle/>
+        <a:p>
+          <a:endParaRPr lang="fr-FR"/>
+        </a:p>
+      </dgm:t>
+    </dgm:pt>
+    <dgm:pt modelId="{5AF860E6-8C19-43E0-97A3-B3CCFF2BB297}">
+      <dgm:prSet phldrT="[Texte]" custT="1"/>
+      <dgm:spPr/>
+      <dgm:t>
+        <a:bodyPr/>
+        <a:lstStyle/>
+        <a:p>
+          <a:r>
+            <a:rPr lang="fr-FR" sz="1000" b="1" dirty="0" smtClean="0"/>
+            <a:t>Caractère :</a:t>
+          </a:r>
+          <a:endParaRPr lang="fr-FR" sz="1000" b="1" dirty="0"/>
+        </a:p>
+      </dgm:t>
+    </dgm:pt>
+    <dgm:pt modelId="{10FD5583-4A1E-4752-B744-DCE8D5843615}" type="parTrans" cxnId="{5EB0D136-E01A-4D4B-AD16-640DCD8BD106}">
+      <dgm:prSet/>
+      <dgm:spPr/>
+      <dgm:t>
+        <a:bodyPr/>
+        <a:lstStyle/>
+        <a:p>
+          <a:endParaRPr lang="fr-FR"/>
+        </a:p>
+      </dgm:t>
+    </dgm:pt>
+    <dgm:pt modelId="{A1D39C1D-339D-4A48-A19D-EC3EFE000018}" type="sibTrans" cxnId="{5EB0D136-E01A-4D4B-AD16-640DCD8BD106}">
+      <dgm:prSet/>
+      <dgm:spPr/>
+      <dgm:t>
+        <a:bodyPr/>
+        <a:lstStyle/>
+        <a:p>
+          <a:endParaRPr lang="fr-FR"/>
+        </a:p>
+      </dgm:t>
+    </dgm:pt>
+    <dgm:pt modelId="{51E79EDC-9EFD-4FA9-A16E-A83FABD18A51}">
+      <dgm:prSet phldrT="[Texte]" custT="1"/>
+      <dgm:spPr/>
+      <dgm:t>
+        <a:bodyPr/>
+        <a:lstStyle/>
+        <a:p>
+          <a:r>
+            <a:rPr lang="fr-FR" sz="1000" b="0" dirty="0" smtClean="0"/>
+            <a:t>N’aime pas lire du cours, ou vraiment s’il y en a peu.</a:t>
+          </a:r>
+          <a:endParaRPr lang="fr-FR" sz="1000" b="0" dirty="0"/>
+        </a:p>
+      </dgm:t>
+    </dgm:pt>
+    <dgm:pt modelId="{5EBAF32F-77C5-4D1C-B4A9-5B7C6DD1D586}" type="parTrans" cxnId="{43F79C67-A737-4665-A9F1-BC5425985839}">
+      <dgm:prSet/>
+      <dgm:spPr/>
+      <dgm:t>
+        <a:bodyPr/>
+        <a:lstStyle/>
+        <a:p>
+          <a:endParaRPr lang="fr-FR"/>
+        </a:p>
+      </dgm:t>
+    </dgm:pt>
+    <dgm:pt modelId="{031477DA-FF98-473A-8A8D-C5FFCEB1A4E6}" type="sibTrans" cxnId="{43F79C67-A737-4665-A9F1-BC5425985839}">
+      <dgm:prSet/>
+      <dgm:spPr/>
+      <dgm:t>
+        <a:bodyPr/>
+        <a:lstStyle/>
+        <a:p>
+          <a:endParaRPr lang="fr-FR"/>
+        </a:p>
+      </dgm:t>
+    </dgm:pt>
+    <dgm:pt modelId="{66DE55FE-7808-4F70-93BB-FD24F86DF2F5}">
+      <dgm:prSet custT="1"/>
+      <dgm:spPr/>
+      <dgm:t>
+        <a:bodyPr/>
+        <a:lstStyle/>
+        <a:p>
+          <a:r>
+            <a:rPr lang="fr-FR" sz="1000" b="0" dirty="0" smtClean="0"/>
+            <a:t>Est autodidacte.</a:t>
+          </a:r>
+          <a:endParaRPr lang="fr-FR" sz="1000" b="0" dirty="0"/>
+        </a:p>
+      </dgm:t>
+    </dgm:pt>
+    <dgm:pt modelId="{C37B193A-C2C6-4066-9211-C8E064641D48}" type="parTrans" cxnId="{BF34DA37-EFBE-49FB-8519-00AD4F83A7B0}">
+      <dgm:prSet/>
+      <dgm:spPr/>
+      <dgm:t>
+        <a:bodyPr/>
+        <a:lstStyle/>
+        <a:p>
+          <a:endParaRPr lang="fr-FR"/>
+        </a:p>
+      </dgm:t>
+    </dgm:pt>
+    <dgm:pt modelId="{B7647557-0112-4D41-AC7E-FC745E22F77B}" type="sibTrans" cxnId="{BF34DA37-EFBE-49FB-8519-00AD4F83A7B0}">
+      <dgm:prSet/>
+      <dgm:spPr/>
+      <dgm:t>
+        <a:bodyPr/>
+        <a:lstStyle/>
+        <a:p>
+          <a:endParaRPr lang="fr-FR"/>
+        </a:p>
+      </dgm:t>
+    </dgm:pt>
+    <dgm:pt modelId="{1E97E820-D538-4A52-85A9-9AE8A5920A07}">
+      <dgm:prSet custT="1"/>
+      <dgm:spPr/>
+      <dgm:t>
+        <a:bodyPr/>
+        <a:lstStyle/>
+        <a:p>
+          <a:r>
+            <a:rPr lang="fr-FR" sz="1000" b="1" dirty="0" err="1" smtClean="0"/>
+            <a:t>Arduino</a:t>
+          </a:r>
+          <a:r>
+            <a:rPr lang="fr-FR" sz="1000" b="1" dirty="0" smtClean="0"/>
+            <a:t> :</a:t>
+          </a:r>
+          <a:endParaRPr lang="fr-FR" sz="1000" b="1" dirty="0"/>
+        </a:p>
+      </dgm:t>
+    </dgm:pt>
+    <dgm:pt modelId="{C7DC3703-6E58-49F6-923F-C5BC490079E8}" type="parTrans" cxnId="{561CF7C4-1AF6-44F1-8B45-0533C4C98C2E}">
+      <dgm:prSet/>
+      <dgm:spPr/>
+      <dgm:t>
+        <a:bodyPr/>
+        <a:lstStyle/>
+        <a:p>
+          <a:endParaRPr lang="fr-FR"/>
+        </a:p>
+      </dgm:t>
+    </dgm:pt>
+    <dgm:pt modelId="{43839595-ABD3-4781-A09B-B3798693311A}" type="sibTrans" cxnId="{561CF7C4-1AF6-44F1-8B45-0533C4C98C2E}">
+      <dgm:prSet/>
+      <dgm:spPr/>
+      <dgm:t>
+        <a:bodyPr/>
+        <a:lstStyle/>
+        <a:p>
+          <a:endParaRPr lang="fr-FR"/>
+        </a:p>
+      </dgm:t>
+    </dgm:pt>
+    <dgm:pt modelId="{5B834EC2-8DDA-4F81-9504-D088FB79145E}">
+      <dgm:prSet custT="1"/>
+      <dgm:spPr/>
+      <dgm:t>
+        <a:bodyPr/>
+        <a:lstStyle/>
+        <a:p>
+          <a:r>
+            <a:rPr lang="fr-FR" sz="1000" b="0" dirty="0" smtClean="0"/>
+            <a:t>Ne connait pas forcément</a:t>
+          </a:r>
+          <a:endParaRPr lang="fr-FR" sz="1000" b="0" dirty="0"/>
+        </a:p>
+      </dgm:t>
+    </dgm:pt>
+    <dgm:pt modelId="{6B82AC47-06F2-4CBE-A7CC-B5EBE57E4A77}" type="parTrans" cxnId="{27AA6487-1CD1-4193-A421-59124708B02B}">
+      <dgm:prSet/>
+      <dgm:spPr/>
+      <dgm:t>
+        <a:bodyPr/>
+        <a:lstStyle/>
+        <a:p>
+          <a:endParaRPr lang="fr-FR"/>
+        </a:p>
+      </dgm:t>
+    </dgm:pt>
+    <dgm:pt modelId="{6F504F6C-B9A0-423F-B6BD-A33DBC89C71F}" type="sibTrans" cxnId="{27AA6487-1CD1-4193-A421-59124708B02B}">
+      <dgm:prSet/>
+      <dgm:spPr/>
+      <dgm:t>
+        <a:bodyPr/>
+        <a:lstStyle/>
+        <a:p>
+          <a:endParaRPr lang="fr-FR"/>
+        </a:p>
+      </dgm:t>
+    </dgm:pt>
+    <dgm:pt modelId="{798DC97D-C686-4F6C-868E-EE1332CC717D}">
+      <dgm:prSet custT="1"/>
+      <dgm:spPr/>
+      <dgm:t>
+        <a:bodyPr/>
+        <a:lstStyle/>
+        <a:p>
+          <a:r>
+            <a:rPr lang="fr-FR" sz="1000" b="1" dirty="0" smtClean="0"/>
+            <a:t>Niveau :</a:t>
+          </a:r>
+          <a:endParaRPr lang="fr-FR" sz="1000" b="1" dirty="0"/>
+        </a:p>
+      </dgm:t>
+    </dgm:pt>
+    <dgm:pt modelId="{1A56C781-C7DF-49C0-A9A0-018153F5908B}" type="parTrans" cxnId="{4363189C-9956-4C86-849A-872622A33CB1}">
+      <dgm:prSet/>
+      <dgm:spPr/>
+      <dgm:t>
+        <a:bodyPr/>
+        <a:lstStyle/>
+        <a:p>
+          <a:endParaRPr lang="fr-FR"/>
+        </a:p>
+      </dgm:t>
+    </dgm:pt>
+    <dgm:pt modelId="{81381EC6-90A7-4050-9C95-F22FD3AE10D4}" type="sibTrans" cxnId="{4363189C-9956-4C86-849A-872622A33CB1}">
+      <dgm:prSet/>
+      <dgm:spPr/>
+      <dgm:t>
+        <a:bodyPr/>
+        <a:lstStyle/>
+        <a:p>
+          <a:endParaRPr lang="fr-FR"/>
+        </a:p>
+      </dgm:t>
+    </dgm:pt>
+    <dgm:pt modelId="{263BB2F0-317C-41A5-B806-AB72A4275333}">
+      <dgm:prSet custT="1"/>
+      <dgm:spPr/>
+      <dgm:t>
+        <a:bodyPr/>
+        <a:lstStyle/>
+        <a:p>
+          <a:r>
+            <a:rPr lang="fr-FR" sz="1000" b="0" dirty="0" smtClean="0"/>
+            <a:t>N’a jamais vraiment programmée, peu de connaissance mais voudrait acquérir les bases.</a:t>
+          </a:r>
+          <a:endParaRPr lang="fr-FR" sz="1000" b="0" dirty="0"/>
+        </a:p>
+      </dgm:t>
+    </dgm:pt>
+    <dgm:pt modelId="{243523CB-FF26-4B3D-AA61-47A0EB48DF26}" type="parTrans" cxnId="{C3E1249A-F1C2-4841-921C-9DD4D44D12D3}">
+      <dgm:prSet/>
+      <dgm:spPr/>
+      <dgm:t>
+        <a:bodyPr/>
+        <a:lstStyle/>
+        <a:p>
+          <a:endParaRPr lang="fr-FR"/>
+        </a:p>
+      </dgm:t>
+    </dgm:pt>
+    <dgm:pt modelId="{50138CF1-7CEF-445A-80A7-5EDADF53A519}" type="sibTrans" cxnId="{C3E1249A-F1C2-4841-921C-9DD4D44D12D3}">
+      <dgm:prSet/>
+      <dgm:spPr/>
+      <dgm:t>
+        <a:bodyPr/>
+        <a:lstStyle/>
+        <a:p>
+          <a:endParaRPr lang="fr-FR"/>
+        </a:p>
+      </dgm:t>
+    </dgm:pt>
+    <dgm:pt modelId="{FB0C4F5F-41E1-4455-8539-C64E6BFE63A6}">
+      <dgm:prSet phldrT="[Texte]" custT="1"/>
+      <dgm:spPr/>
+      <dgm:t>
+        <a:bodyPr/>
+        <a:lstStyle/>
+        <a:p>
+          <a:r>
+            <a:rPr lang="fr-FR" sz="950" b="1" dirty="0" smtClean="0"/>
+            <a:t>Intéressé par :</a:t>
+          </a:r>
+          <a:endParaRPr lang="fr-FR" sz="950" b="1" dirty="0"/>
+        </a:p>
+      </dgm:t>
+    </dgm:pt>
+    <dgm:pt modelId="{32C9C359-7B5C-44AF-A762-945CCEF13DEF}" type="parTrans" cxnId="{AC32853B-B0EA-497C-9E70-15C8AAA89336}">
+      <dgm:prSet/>
+      <dgm:spPr/>
+      <dgm:t>
+        <a:bodyPr/>
+        <a:lstStyle/>
+        <a:p>
+          <a:endParaRPr lang="fr-FR"/>
+        </a:p>
+      </dgm:t>
+    </dgm:pt>
+    <dgm:pt modelId="{7D95DB22-F3B4-4D95-AB4C-F672A5350EE2}" type="sibTrans" cxnId="{AC32853B-B0EA-497C-9E70-15C8AAA89336}">
+      <dgm:prSet/>
+      <dgm:spPr/>
+      <dgm:t>
+        <a:bodyPr/>
+        <a:lstStyle/>
+        <a:p>
+          <a:endParaRPr lang="fr-FR"/>
+        </a:p>
+      </dgm:t>
+    </dgm:pt>
+    <dgm:pt modelId="{2E5D6054-0487-4FA2-AA15-4EFECCA331D2}">
+      <dgm:prSet phldrT="[Texte]" custT="1"/>
+      <dgm:spPr/>
+      <dgm:t>
+        <a:bodyPr/>
+        <a:lstStyle/>
+        <a:p>
+          <a:r>
+            <a:rPr lang="fr-FR" sz="950" dirty="0" smtClean="0"/>
+            <a:t>Électronique embarquée en général, s’intéresse à tout.</a:t>
+          </a:r>
+          <a:endParaRPr lang="fr-FR" sz="950" dirty="0"/>
+        </a:p>
+      </dgm:t>
+    </dgm:pt>
+    <dgm:pt modelId="{1208BD5E-F90A-47C2-805B-CA113CF629EA}" type="parTrans" cxnId="{BA904108-2BA9-4795-B6EA-6F4117EE7D14}">
+      <dgm:prSet/>
+      <dgm:spPr/>
+      <dgm:t>
+        <a:bodyPr/>
+        <a:lstStyle/>
+        <a:p>
+          <a:endParaRPr lang="fr-FR"/>
+        </a:p>
+      </dgm:t>
+    </dgm:pt>
+    <dgm:pt modelId="{C06DC7A6-CCFC-4508-9C52-AC69A0C809A8}" type="sibTrans" cxnId="{BA904108-2BA9-4795-B6EA-6F4117EE7D14}">
+      <dgm:prSet/>
+      <dgm:spPr/>
+      <dgm:t>
+        <a:bodyPr/>
+        <a:lstStyle/>
+        <a:p>
+          <a:endParaRPr lang="fr-FR"/>
+        </a:p>
+      </dgm:t>
+    </dgm:pt>
+    <dgm:pt modelId="{C97C8E40-97BB-46D4-BE8D-D6E24A53AE1E}">
+      <dgm:prSet phldrT="[Texte]" custT="1"/>
+      <dgm:spPr/>
+      <dgm:t>
+        <a:bodyPr/>
+        <a:lstStyle/>
+        <a:p>
+          <a:r>
+            <a:rPr lang="fr-FR" sz="950" b="1" dirty="0" smtClean="0"/>
+            <a:t>Caractère :</a:t>
+          </a:r>
+          <a:endParaRPr lang="fr-FR" sz="950" b="1" dirty="0"/>
+        </a:p>
+      </dgm:t>
+    </dgm:pt>
+    <dgm:pt modelId="{18E398F3-7C51-4BBF-9522-780FF17A8C93}" type="parTrans" cxnId="{0AEF9ADF-0F62-44DA-8A5D-BDAF82FE46D3}">
+      <dgm:prSet/>
+      <dgm:spPr/>
+      <dgm:t>
+        <a:bodyPr/>
+        <a:lstStyle/>
+        <a:p>
+          <a:endParaRPr lang="fr-FR"/>
+        </a:p>
+      </dgm:t>
+    </dgm:pt>
+    <dgm:pt modelId="{4D42BBA8-D532-4D2E-A8C5-4A636EFB2803}" type="sibTrans" cxnId="{0AEF9ADF-0F62-44DA-8A5D-BDAF82FE46D3}">
+      <dgm:prSet/>
+      <dgm:spPr/>
+      <dgm:t>
+        <a:bodyPr/>
+        <a:lstStyle/>
+        <a:p>
+          <a:endParaRPr lang="fr-FR"/>
+        </a:p>
+      </dgm:t>
+    </dgm:pt>
+    <dgm:pt modelId="{7BC467E7-1E36-416C-B693-4C6BFB36EE06}">
+      <dgm:prSet phldrT="[Texte]" custT="1"/>
+      <dgm:spPr/>
+      <dgm:t>
+        <a:bodyPr/>
+        <a:lstStyle/>
+        <a:p>
+          <a:r>
+            <a:rPr lang="fr-FR" sz="950" dirty="0" smtClean="0"/>
+            <a:t>Peut lire du cours s’il n’y en a pas beaucoup.</a:t>
+          </a:r>
+          <a:endParaRPr lang="fr-FR" sz="950" dirty="0"/>
+        </a:p>
+      </dgm:t>
+    </dgm:pt>
+    <dgm:pt modelId="{EF181F7D-7B67-4DA9-B666-E866309EEB54}" type="parTrans" cxnId="{576DFA3B-AA77-4799-9A2B-239476851EB5}">
+      <dgm:prSet/>
+      <dgm:spPr/>
+      <dgm:t>
+        <a:bodyPr/>
+        <a:lstStyle/>
+        <a:p>
+          <a:endParaRPr lang="fr-FR"/>
+        </a:p>
+      </dgm:t>
+    </dgm:pt>
+    <dgm:pt modelId="{8D8A7EB8-65E1-4645-8F26-A2BE04F2E8B2}" type="sibTrans" cxnId="{576DFA3B-AA77-4799-9A2B-239476851EB5}">
+      <dgm:prSet/>
+      <dgm:spPr/>
+      <dgm:t>
+        <a:bodyPr/>
+        <a:lstStyle/>
+        <a:p>
+          <a:endParaRPr lang="fr-FR"/>
+        </a:p>
+      </dgm:t>
+    </dgm:pt>
+    <dgm:pt modelId="{C09A9828-70F3-464A-A23C-BDF183DAFA78}">
+      <dgm:prSet custT="1"/>
+      <dgm:spPr/>
+      <dgm:t>
+        <a:bodyPr/>
+        <a:lstStyle/>
+        <a:p>
+          <a:r>
+            <a:rPr lang="fr-FR" sz="950" dirty="0" smtClean="0"/>
+            <a:t>Pas vraiment autodidacte.</a:t>
+          </a:r>
+          <a:endParaRPr lang="fr-FR" sz="950" dirty="0"/>
+        </a:p>
+      </dgm:t>
+    </dgm:pt>
+    <dgm:pt modelId="{ECBDC056-0C35-4B1A-8964-EBD7A390A9D4}" type="parTrans" cxnId="{647E8316-F818-4E78-BF9B-2C9846DB90DB}">
+      <dgm:prSet/>
+      <dgm:spPr/>
+      <dgm:t>
+        <a:bodyPr/>
+        <a:lstStyle/>
+        <a:p>
+          <a:endParaRPr lang="fr-FR"/>
+        </a:p>
+      </dgm:t>
+    </dgm:pt>
+    <dgm:pt modelId="{C70B79B1-8F99-48E5-AB46-0C85C63CAE40}" type="sibTrans" cxnId="{647E8316-F818-4E78-BF9B-2C9846DB90DB}">
+      <dgm:prSet/>
+      <dgm:spPr/>
+      <dgm:t>
+        <a:bodyPr/>
+        <a:lstStyle/>
+        <a:p>
+          <a:endParaRPr lang="fr-FR"/>
+        </a:p>
+      </dgm:t>
+    </dgm:pt>
+    <dgm:pt modelId="{E09D2F7E-9ADA-4BBB-9646-D8662B72E7D8}">
+      <dgm:prSet custT="1"/>
+      <dgm:spPr/>
+      <dgm:t>
+        <a:bodyPr/>
+        <a:lstStyle/>
+        <a:p>
+          <a:r>
+            <a:rPr lang="fr-FR" sz="950" b="1" dirty="0" err="1" smtClean="0"/>
+            <a:t>Arduino</a:t>
+          </a:r>
+          <a:r>
+            <a:rPr lang="fr-FR" sz="950" b="1" dirty="0" smtClean="0"/>
+            <a:t> :</a:t>
+          </a:r>
+          <a:endParaRPr lang="fr-FR" sz="950" b="1" dirty="0"/>
+        </a:p>
+      </dgm:t>
+    </dgm:pt>
+    <dgm:pt modelId="{070B4E4D-BB2F-430E-A7EF-6C1FFB474032}" type="parTrans" cxnId="{E9F2B33F-93A1-4D43-854C-FB9813B4AC8F}">
+      <dgm:prSet/>
+      <dgm:spPr/>
+      <dgm:t>
+        <a:bodyPr/>
+        <a:lstStyle/>
+        <a:p>
+          <a:endParaRPr lang="fr-FR"/>
+        </a:p>
+      </dgm:t>
+    </dgm:pt>
+    <dgm:pt modelId="{37495905-2EBC-4114-B718-D11E159BF5F4}" type="sibTrans" cxnId="{E9F2B33F-93A1-4D43-854C-FB9813B4AC8F}">
+      <dgm:prSet/>
+      <dgm:spPr/>
+      <dgm:t>
+        <a:bodyPr/>
+        <a:lstStyle/>
+        <a:p>
+          <a:endParaRPr lang="fr-FR"/>
+        </a:p>
+      </dgm:t>
+    </dgm:pt>
+    <dgm:pt modelId="{36FFC36F-FAA6-4D4C-A02A-FF6366D9C7F8}">
+      <dgm:prSet custT="1"/>
+      <dgm:spPr/>
+      <dgm:t>
+        <a:bodyPr/>
+        <a:lstStyle/>
+        <a:p>
+          <a:r>
+            <a:rPr lang="fr-FR" sz="950" dirty="0" smtClean="0"/>
+            <a:t>Connait vaguement.</a:t>
+          </a:r>
+          <a:endParaRPr lang="fr-FR" sz="950" dirty="0"/>
+        </a:p>
+      </dgm:t>
+    </dgm:pt>
+    <dgm:pt modelId="{18FE9BD5-230F-41F1-A059-E2C07568A553}" type="parTrans" cxnId="{94F80D56-5510-45C2-BA36-C1938FB8F229}">
+      <dgm:prSet/>
+      <dgm:spPr/>
+      <dgm:t>
+        <a:bodyPr/>
+        <a:lstStyle/>
+        <a:p>
+          <a:endParaRPr lang="fr-FR"/>
+        </a:p>
+      </dgm:t>
+    </dgm:pt>
+    <dgm:pt modelId="{CB2DC214-CB5F-46BC-9BD1-BABE03E29F92}" type="sibTrans" cxnId="{94F80D56-5510-45C2-BA36-C1938FB8F229}">
+      <dgm:prSet/>
+      <dgm:spPr/>
+      <dgm:t>
+        <a:bodyPr/>
+        <a:lstStyle/>
+        <a:p>
+          <a:endParaRPr lang="fr-FR"/>
+        </a:p>
+      </dgm:t>
+    </dgm:pt>
+    <dgm:pt modelId="{43876A20-641C-4B8F-8583-5559871CF253}">
+      <dgm:prSet custT="1"/>
+      <dgm:spPr/>
+      <dgm:t>
+        <a:bodyPr/>
+        <a:lstStyle/>
+        <a:p>
+          <a:r>
+            <a:rPr lang="fr-FR" sz="950" b="1" dirty="0" smtClean="0"/>
+            <a:t>Niveau :</a:t>
+          </a:r>
+          <a:endParaRPr lang="fr-FR" sz="950" b="1" dirty="0"/>
+        </a:p>
+      </dgm:t>
+    </dgm:pt>
+    <dgm:pt modelId="{8E753960-754B-44C2-9819-2379D103EAF5}" type="parTrans" cxnId="{3DA745EF-A687-40DD-B589-643608E9EFE0}">
+      <dgm:prSet/>
+      <dgm:spPr/>
+      <dgm:t>
+        <a:bodyPr/>
+        <a:lstStyle/>
+        <a:p>
+          <a:endParaRPr lang="fr-FR"/>
+        </a:p>
+      </dgm:t>
+    </dgm:pt>
+    <dgm:pt modelId="{31BEDEB1-1EA3-4784-8D41-E94737E1758A}" type="sibTrans" cxnId="{3DA745EF-A687-40DD-B589-643608E9EFE0}">
+      <dgm:prSet/>
+      <dgm:spPr/>
+      <dgm:t>
+        <a:bodyPr/>
+        <a:lstStyle/>
+        <a:p>
+          <a:endParaRPr lang="fr-FR"/>
+        </a:p>
+      </dgm:t>
+    </dgm:pt>
+    <dgm:pt modelId="{14353971-7A2B-4778-82D1-6F4A5F1DD254}">
+      <dgm:prSet custT="1"/>
+      <dgm:spPr/>
+      <dgm:t>
+        <a:bodyPr/>
+        <a:lstStyle/>
+        <a:p>
+          <a:r>
+            <a:rPr lang="fr-FR" sz="950" dirty="0" smtClean="0"/>
+            <a:t>Connait plus ou moins les bases en programmation.</a:t>
+          </a:r>
+          <a:endParaRPr lang="fr-FR" sz="950" dirty="0"/>
+        </a:p>
+      </dgm:t>
+    </dgm:pt>
+    <dgm:pt modelId="{EA1AC3D8-AA1A-44A1-97E1-80A1E6470FDD}" type="parTrans" cxnId="{C6664F68-0815-4C49-A8D1-5BB1775EE101}">
+      <dgm:prSet/>
+      <dgm:spPr/>
+      <dgm:t>
+        <a:bodyPr/>
+        <a:lstStyle/>
+        <a:p>
+          <a:endParaRPr lang="fr-FR"/>
+        </a:p>
+      </dgm:t>
+    </dgm:pt>
+    <dgm:pt modelId="{46AD9994-F8F0-4568-8732-DC510D156BF4}" type="sibTrans" cxnId="{C6664F68-0815-4C49-A8D1-5BB1775EE101}">
+      <dgm:prSet/>
+      <dgm:spPr/>
+      <dgm:t>
+        <a:bodyPr/>
+        <a:lstStyle/>
+        <a:p>
+          <a:endParaRPr lang="fr-FR"/>
+        </a:p>
+      </dgm:t>
+    </dgm:pt>
+    <dgm:pt modelId="{E0C7B6EE-5768-4B8A-8B30-423FF2EDBB83}">
+      <dgm:prSet custT="1"/>
+      <dgm:spPr/>
+      <dgm:t>
+        <a:bodyPr/>
+        <a:lstStyle/>
+        <a:p>
+          <a:r>
+            <a:rPr lang="fr-FR" sz="950" dirty="0" smtClean="0"/>
+            <a:t>Voudrait acquérir un niveau avancé en Arduino.</a:t>
+          </a:r>
+          <a:endParaRPr lang="fr-FR" sz="950" dirty="0"/>
+        </a:p>
+      </dgm:t>
+    </dgm:pt>
+    <dgm:pt modelId="{5E75EB56-1D5E-4CB9-88B6-2A4F53C05961}" type="parTrans" cxnId="{9B64B1EB-44D2-4570-987C-3914ADD05729}">
+      <dgm:prSet/>
+      <dgm:spPr/>
+      <dgm:t>
+        <a:bodyPr/>
+        <a:lstStyle/>
+        <a:p>
+          <a:endParaRPr lang="fr-FR"/>
+        </a:p>
+      </dgm:t>
+    </dgm:pt>
+    <dgm:pt modelId="{40C7DC5C-41EC-442C-81B9-2D8E9776847A}" type="sibTrans" cxnId="{9B64B1EB-44D2-4570-987C-3914ADD05729}">
+      <dgm:prSet/>
+      <dgm:spPr/>
+      <dgm:t>
+        <a:bodyPr/>
+        <a:lstStyle/>
+        <a:p>
+          <a:endParaRPr lang="fr-FR"/>
+        </a:p>
+      </dgm:t>
+    </dgm:pt>
+    <dgm:pt modelId="{E6C02FDB-7669-4387-9DFE-29EBA3A4A55E}">
+      <dgm:prSet phldrT="[Texte]" custT="1"/>
+      <dgm:spPr>
+        <a:solidFill>
+          <a:srgbClr val="AC5C2A"/>
+        </a:solidFill>
+      </dgm:spPr>
+      <dgm:t>
+        <a:bodyPr/>
+        <a:lstStyle/>
+        <a:p>
+          <a:r>
+            <a:rPr lang="fr-FR" sz="950" b="1" dirty="0" smtClean="0"/>
+            <a:t>Intéressé par :</a:t>
+          </a:r>
+          <a:endParaRPr lang="fr-FR" sz="950" dirty="0"/>
+        </a:p>
+      </dgm:t>
+    </dgm:pt>
+    <dgm:pt modelId="{23B9AAA7-03DB-4568-9892-2F109EF6BFCC}" type="parTrans" cxnId="{2FDA17BD-ABA6-4361-B445-5EE284B4C13A}">
+      <dgm:prSet/>
+      <dgm:spPr/>
+      <dgm:t>
+        <a:bodyPr/>
+        <a:lstStyle/>
+        <a:p>
+          <a:endParaRPr lang="fr-FR"/>
+        </a:p>
+      </dgm:t>
+    </dgm:pt>
+    <dgm:pt modelId="{C64614E8-DB45-4A7C-800D-B0387F6174D3}" type="sibTrans" cxnId="{2FDA17BD-ABA6-4361-B445-5EE284B4C13A}">
+      <dgm:prSet/>
+      <dgm:spPr/>
+      <dgm:t>
+        <a:bodyPr/>
+        <a:lstStyle/>
+        <a:p>
+          <a:endParaRPr lang="fr-FR"/>
+        </a:p>
+      </dgm:t>
+    </dgm:pt>
+    <dgm:pt modelId="{5F5C7889-37A8-40EB-9E87-7875C20476C5}">
+      <dgm:prSet phldrT="[Texte]" custT="1"/>
+      <dgm:spPr>
+        <a:solidFill>
+          <a:srgbClr val="AC5C2A"/>
+        </a:solidFill>
+      </dgm:spPr>
+      <dgm:t>
+        <a:bodyPr/>
+        <a:lstStyle/>
+        <a:p>
+          <a:r>
+            <a:rPr lang="fr-FR" sz="950" dirty="0" smtClean="0"/>
+            <a:t>Électronique embarquée en général, plus particulièrement microprocesseurs et robotique.</a:t>
+          </a:r>
+          <a:endParaRPr lang="fr-FR" sz="950" dirty="0"/>
+        </a:p>
+      </dgm:t>
+    </dgm:pt>
+    <dgm:pt modelId="{B607DB9C-CC27-4BD4-B0B5-537330C32382}" type="parTrans" cxnId="{5E35A4A1-2F93-4452-8CF4-C2B70F027776}">
+      <dgm:prSet/>
+      <dgm:spPr/>
+      <dgm:t>
+        <a:bodyPr/>
+        <a:lstStyle/>
+        <a:p>
+          <a:endParaRPr lang="fr-FR"/>
+        </a:p>
+      </dgm:t>
+    </dgm:pt>
+    <dgm:pt modelId="{F411554B-5125-4540-8889-9D1696EC1AF6}" type="sibTrans" cxnId="{5E35A4A1-2F93-4452-8CF4-C2B70F027776}">
+      <dgm:prSet/>
+      <dgm:spPr/>
+      <dgm:t>
+        <a:bodyPr/>
+        <a:lstStyle/>
+        <a:p>
+          <a:endParaRPr lang="fr-FR"/>
+        </a:p>
+      </dgm:t>
+    </dgm:pt>
+    <dgm:pt modelId="{FBA416FB-D432-4F4F-ACD8-7201F59964E6}">
+      <dgm:prSet phldrT="[Texte]" custT="1"/>
+      <dgm:spPr>
+        <a:solidFill>
+          <a:srgbClr val="AC5C2A"/>
+        </a:solidFill>
+      </dgm:spPr>
+      <dgm:t>
+        <a:bodyPr/>
+        <a:lstStyle/>
+        <a:p>
+          <a:r>
+            <a:rPr lang="fr-FR" sz="950" b="1" dirty="0" smtClean="0"/>
+            <a:t>Caractère :</a:t>
+          </a:r>
+          <a:endParaRPr lang="fr-FR" sz="950" b="1" dirty="0"/>
+        </a:p>
+      </dgm:t>
+    </dgm:pt>
+    <dgm:pt modelId="{E4FC9E8F-8133-489F-8961-EF91F26A127B}" type="parTrans" cxnId="{81A1F9B4-023C-4EB6-B73C-7ABDDF286D13}">
+      <dgm:prSet/>
+      <dgm:spPr/>
+      <dgm:t>
+        <a:bodyPr/>
+        <a:lstStyle/>
+        <a:p>
+          <a:endParaRPr lang="fr-FR"/>
+        </a:p>
+      </dgm:t>
+    </dgm:pt>
+    <dgm:pt modelId="{03AE311F-18A1-4916-9B74-74CE836DC5CD}" type="sibTrans" cxnId="{81A1F9B4-023C-4EB6-B73C-7ABDDF286D13}">
+      <dgm:prSet/>
+      <dgm:spPr/>
+      <dgm:t>
+        <a:bodyPr/>
+        <a:lstStyle/>
+        <a:p>
+          <a:endParaRPr lang="fr-FR"/>
+        </a:p>
+      </dgm:t>
+    </dgm:pt>
+    <dgm:pt modelId="{C5483148-481F-4908-AAF7-7E38CF7DF6BC}">
+      <dgm:prSet phldrT="[Texte]" custT="1"/>
+      <dgm:spPr>
+        <a:solidFill>
+          <a:srgbClr val="AC5C2A"/>
+        </a:solidFill>
+      </dgm:spPr>
+      <dgm:t>
+        <a:bodyPr/>
+        <a:lstStyle/>
+        <a:p>
+          <a:r>
+            <a:rPr lang="fr-FR" sz="950" dirty="0" smtClean="0"/>
+            <a:t>N’est pas dérangé par la lecture de cours.</a:t>
+          </a:r>
+          <a:endParaRPr lang="fr-FR" sz="950" dirty="0"/>
+        </a:p>
+      </dgm:t>
+    </dgm:pt>
+    <dgm:pt modelId="{7C9D0D60-3AA6-45B3-8E0F-99FF9ED9C15D}" type="parTrans" cxnId="{7F809470-FE34-4B54-AB2D-E25B0451EC20}">
+      <dgm:prSet/>
+      <dgm:spPr/>
+      <dgm:t>
+        <a:bodyPr/>
+        <a:lstStyle/>
+        <a:p>
+          <a:endParaRPr lang="fr-FR"/>
+        </a:p>
+      </dgm:t>
+    </dgm:pt>
+    <dgm:pt modelId="{EA2A2803-D330-4B45-A350-1BE47A80B8FD}" type="sibTrans" cxnId="{7F809470-FE34-4B54-AB2D-E25B0451EC20}">
+      <dgm:prSet/>
+      <dgm:spPr/>
+      <dgm:t>
+        <a:bodyPr/>
+        <a:lstStyle/>
+        <a:p>
+          <a:endParaRPr lang="fr-FR"/>
+        </a:p>
+      </dgm:t>
+    </dgm:pt>
+    <dgm:pt modelId="{E2B57DB9-DF3A-4AC3-8891-4C5C0B6F5A23}">
+      <dgm:prSet custT="1"/>
+      <dgm:spPr>
+        <a:solidFill>
+          <a:srgbClr val="AC5C2A"/>
+        </a:solidFill>
+      </dgm:spPr>
+      <dgm:t>
+        <a:bodyPr/>
+        <a:lstStyle/>
+        <a:p>
+          <a:r>
+            <a:rPr lang="fr-FR" sz="950" dirty="0" smtClean="0"/>
+            <a:t>Est autodidacte.</a:t>
+          </a:r>
+          <a:endParaRPr lang="fr-FR" sz="950" dirty="0"/>
+        </a:p>
+      </dgm:t>
+    </dgm:pt>
+    <dgm:pt modelId="{D330FE22-54E6-4F92-A7FE-ED7DDB062C39}" type="parTrans" cxnId="{9EA03034-955C-408E-8FF0-E0F3B8B99477}">
+      <dgm:prSet/>
+      <dgm:spPr/>
+      <dgm:t>
+        <a:bodyPr/>
+        <a:lstStyle/>
+        <a:p>
+          <a:endParaRPr lang="fr-FR"/>
+        </a:p>
+      </dgm:t>
+    </dgm:pt>
+    <dgm:pt modelId="{3E32DFC0-EACE-45BD-82ED-88C2A40382B6}" type="sibTrans" cxnId="{9EA03034-955C-408E-8FF0-E0F3B8B99477}">
+      <dgm:prSet/>
+      <dgm:spPr/>
+      <dgm:t>
+        <a:bodyPr/>
+        <a:lstStyle/>
+        <a:p>
+          <a:endParaRPr lang="fr-FR"/>
+        </a:p>
+      </dgm:t>
+    </dgm:pt>
+    <dgm:pt modelId="{9DAC5840-0606-49FF-AD81-3E7BABCEC404}">
+      <dgm:prSet custT="1"/>
+      <dgm:spPr>
+        <a:solidFill>
+          <a:srgbClr val="AC5C2A"/>
+        </a:solidFill>
+      </dgm:spPr>
+      <dgm:t>
+        <a:bodyPr/>
+        <a:lstStyle/>
+        <a:p>
+          <a:r>
+            <a:rPr lang="fr-FR" sz="950" b="1" dirty="0" err="1" smtClean="0"/>
+            <a:t>Arduino</a:t>
+          </a:r>
+          <a:r>
+            <a:rPr lang="fr-FR" sz="950" b="1" dirty="0" smtClean="0"/>
+            <a:t> :</a:t>
+          </a:r>
+          <a:endParaRPr lang="fr-FR" sz="950" b="1" dirty="0"/>
+        </a:p>
+      </dgm:t>
+    </dgm:pt>
+    <dgm:pt modelId="{D9DC3FB8-5EFF-4FFD-A40D-291D8E0A5CC8}" type="parTrans" cxnId="{C63E6208-5221-4DCA-BF4F-1F31BDD64B2F}">
+      <dgm:prSet/>
+      <dgm:spPr/>
+      <dgm:t>
+        <a:bodyPr/>
+        <a:lstStyle/>
+        <a:p>
+          <a:endParaRPr lang="fr-FR"/>
+        </a:p>
+      </dgm:t>
+    </dgm:pt>
+    <dgm:pt modelId="{8DA8C832-3C53-499F-9B20-97D6799DE5E2}" type="sibTrans" cxnId="{C63E6208-5221-4DCA-BF4F-1F31BDD64B2F}">
+      <dgm:prSet/>
+      <dgm:spPr/>
+      <dgm:t>
+        <a:bodyPr/>
+        <a:lstStyle/>
+        <a:p>
+          <a:endParaRPr lang="fr-FR"/>
+        </a:p>
+      </dgm:t>
+    </dgm:pt>
+    <dgm:pt modelId="{E7E9DC4F-004A-48EC-A27F-3D76718DC6C7}">
+      <dgm:prSet custT="1"/>
+      <dgm:spPr>
+        <a:solidFill>
+          <a:srgbClr val="AC5C2A"/>
+        </a:solidFill>
+      </dgm:spPr>
+      <dgm:t>
+        <a:bodyPr/>
+        <a:lstStyle/>
+        <a:p>
+          <a:r>
+            <a:rPr lang="fr-FR" sz="950" dirty="0" smtClean="0"/>
+            <a:t>Connait plus ou moins.</a:t>
+          </a:r>
+          <a:endParaRPr lang="fr-FR" sz="950" dirty="0"/>
+        </a:p>
+      </dgm:t>
+    </dgm:pt>
+    <dgm:pt modelId="{BDFAD55D-8D06-4D05-B28F-85B622747634}" type="parTrans" cxnId="{6F23D877-EFF9-4EDB-820E-27BC0597BA75}">
+      <dgm:prSet/>
+      <dgm:spPr/>
+      <dgm:t>
+        <a:bodyPr/>
+        <a:lstStyle/>
+        <a:p>
+          <a:endParaRPr lang="fr-FR"/>
+        </a:p>
+      </dgm:t>
+    </dgm:pt>
+    <dgm:pt modelId="{6AADCBC5-F263-4A05-A9AD-95D74EB8B9AF}" type="sibTrans" cxnId="{6F23D877-EFF9-4EDB-820E-27BC0597BA75}">
+      <dgm:prSet/>
+      <dgm:spPr/>
+      <dgm:t>
+        <a:bodyPr/>
+        <a:lstStyle/>
+        <a:p>
+          <a:endParaRPr lang="fr-FR"/>
+        </a:p>
+      </dgm:t>
+    </dgm:pt>
+    <dgm:pt modelId="{486C4AEF-96D1-471D-BEF7-72339A2EA597}">
+      <dgm:prSet custT="1"/>
+      <dgm:spPr>
+        <a:solidFill>
+          <a:srgbClr val="AC5C2A"/>
+        </a:solidFill>
+      </dgm:spPr>
+      <dgm:t>
+        <a:bodyPr/>
+        <a:lstStyle/>
+        <a:p>
+          <a:r>
+            <a:rPr lang="fr-FR" sz="950" b="1" dirty="0" smtClean="0"/>
+            <a:t>Niveau :</a:t>
+          </a:r>
+          <a:endParaRPr lang="fr-FR" sz="950" b="1" dirty="0"/>
+        </a:p>
+      </dgm:t>
+    </dgm:pt>
+    <dgm:pt modelId="{6DD048CC-F9C6-49E5-819E-A6CD1E36350F}" type="parTrans" cxnId="{5CD7A200-1894-49BD-BE94-17232D862CAD}">
+      <dgm:prSet/>
+      <dgm:spPr/>
+      <dgm:t>
+        <a:bodyPr/>
+        <a:lstStyle/>
+        <a:p>
+          <a:endParaRPr lang="fr-FR"/>
+        </a:p>
+      </dgm:t>
+    </dgm:pt>
+    <dgm:pt modelId="{88516C03-3593-4F1A-B951-22B24CE2E01C}" type="sibTrans" cxnId="{5CD7A200-1894-49BD-BE94-17232D862CAD}">
+      <dgm:prSet/>
+      <dgm:spPr/>
+      <dgm:t>
+        <a:bodyPr/>
+        <a:lstStyle/>
+        <a:p>
+          <a:endParaRPr lang="fr-FR"/>
+        </a:p>
+      </dgm:t>
+    </dgm:pt>
+    <dgm:pt modelId="{FAC5E69C-A10A-4F3D-AA68-C59CEF3C4DB9}">
+      <dgm:prSet custT="1"/>
+      <dgm:spPr>
+        <a:solidFill>
+          <a:srgbClr val="AC5C2A"/>
+        </a:solidFill>
+      </dgm:spPr>
+      <dgm:t>
+        <a:bodyPr/>
+        <a:lstStyle/>
+        <a:p>
+          <a:r>
+            <a:rPr lang="fr-FR" sz="950" dirty="0" smtClean="0"/>
+            <a:t>Connait plus ou moins les bases en programmation.</a:t>
+          </a:r>
+          <a:endParaRPr lang="fr-FR" sz="950" dirty="0"/>
+        </a:p>
+      </dgm:t>
+    </dgm:pt>
+    <dgm:pt modelId="{6269D1F3-C421-4A47-A650-05B1A462A918}" type="parTrans" cxnId="{01DD1FB5-4A2A-4D9A-88E9-143E121305F0}">
+      <dgm:prSet/>
+      <dgm:spPr/>
+      <dgm:t>
+        <a:bodyPr/>
+        <a:lstStyle/>
+        <a:p>
+          <a:endParaRPr lang="fr-FR"/>
+        </a:p>
+      </dgm:t>
+    </dgm:pt>
+    <dgm:pt modelId="{E5BC52EA-2BB4-412A-ADE8-EB39F8066B1E}" type="sibTrans" cxnId="{01DD1FB5-4A2A-4D9A-88E9-143E121305F0}">
+      <dgm:prSet/>
+      <dgm:spPr/>
+      <dgm:t>
+        <a:bodyPr/>
+        <a:lstStyle/>
+        <a:p>
+          <a:endParaRPr lang="fr-FR"/>
+        </a:p>
+      </dgm:t>
+    </dgm:pt>
+    <dgm:pt modelId="{BF8FE06C-2B19-424C-9C04-13BD8B1C36B4}">
+      <dgm:prSet custT="1"/>
+      <dgm:spPr>
+        <a:solidFill>
+          <a:srgbClr val="AC5C2A"/>
+        </a:solidFill>
+      </dgm:spPr>
+      <dgm:t>
+        <a:bodyPr/>
+        <a:lstStyle/>
+        <a:p>
+          <a:r>
+            <a:rPr lang="fr-FR" sz="950" dirty="0" smtClean="0"/>
+            <a:t>Voudrait acquérir un niveau avancé en Arduino.</a:t>
+          </a:r>
+          <a:endParaRPr lang="fr-FR" sz="950" dirty="0"/>
+        </a:p>
+      </dgm:t>
+    </dgm:pt>
+    <dgm:pt modelId="{0DB967CF-2533-4486-80D0-1B355BF83FF2}" type="parTrans" cxnId="{A240E32C-B0B9-414E-9EF1-B4647BC90945}">
+      <dgm:prSet/>
+      <dgm:spPr/>
+      <dgm:t>
+        <a:bodyPr/>
+        <a:lstStyle/>
+        <a:p>
+          <a:endParaRPr lang="fr-FR"/>
+        </a:p>
+      </dgm:t>
+    </dgm:pt>
+    <dgm:pt modelId="{95CF25EC-6C8A-44CE-8FEA-FBE12E07022A}" type="sibTrans" cxnId="{A240E32C-B0B9-414E-9EF1-B4647BC90945}">
+      <dgm:prSet/>
+      <dgm:spPr/>
+      <dgm:t>
+        <a:bodyPr/>
+        <a:lstStyle/>
+        <a:p>
+          <a:endParaRPr lang="fr-FR"/>
+        </a:p>
+      </dgm:t>
+    </dgm:pt>
+    <dgm:pt modelId="{ED98A9DA-417B-41B4-A004-16DD80D2D96D}">
+      <dgm:prSet phldrT="[Texte]" custT="1"/>
+      <dgm:spPr>
+        <a:solidFill>
+          <a:srgbClr val="FF0000"/>
+        </a:solidFill>
+      </dgm:spPr>
+      <dgm:t>
+        <a:bodyPr/>
+        <a:lstStyle/>
+        <a:p>
+          <a:r>
+            <a:rPr lang="fr-FR" sz="1050" b="1" dirty="0" smtClean="0"/>
+            <a:t>Intéressé par :</a:t>
+          </a:r>
+          <a:endParaRPr lang="fr-FR" sz="1050" b="1" dirty="0"/>
+        </a:p>
+      </dgm:t>
+    </dgm:pt>
+    <dgm:pt modelId="{A9BE12F2-FC4E-4373-AB29-9A80739F1886}" type="parTrans" cxnId="{4ED20955-C983-4781-AF27-D9A5AD640C85}">
+      <dgm:prSet/>
+      <dgm:spPr/>
+      <dgm:t>
+        <a:bodyPr/>
+        <a:lstStyle/>
+        <a:p>
+          <a:endParaRPr lang="fr-FR"/>
+        </a:p>
+      </dgm:t>
+    </dgm:pt>
+    <dgm:pt modelId="{E621902E-2061-4EF0-B5A0-A47FB6C5BD2F}" type="sibTrans" cxnId="{4ED20955-C983-4781-AF27-D9A5AD640C85}">
+      <dgm:prSet/>
+      <dgm:spPr/>
+      <dgm:t>
+        <a:bodyPr/>
+        <a:lstStyle/>
+        <a:p>
+          <a:endParaRPr lang="fr-FR"/>
+        </a:p>
+      </dgm:t>
+    </dgm:pt>
+    <dgm:pt modelId="{90AE4260-9E7D-4495-BDE0-1FA9F5B61829}">
+      <dgm:prSet phldrT="[Texte]" custT="1"/>
+      <dgm:spPr>
+        <a:solidFill>
+          <a:srgbClr val="FF0000"/>
+        </a:solidFill>
+      </dgm:spPr>
+      <dgm:t>
+        <a:bodyPr/>
+        <a:lstStyle/>
+        <a:p>
+          <a:r>
+            <a:rPr lang="fr-FR" sz="1050" dirty="0" smtClean="0"/>
+            <a:t>Electronique en générale. S’intéresse à tout.</a:t>
+          </a:r>
+          <a:endParaRPr lang="fr-FR" sz="1050" dirty="0"/>
+        </a:p>
+      </dgm:t>
+    </dgm:pt>
+    <dgm:pt modelId="{D7B62DA5-34E3-4640-B99C-5FE8934021D7}" type="parTrans" cxnId="{957AAFD1-8FA1-42C2-A758-196BDCE571A0}">
+      <dgm:prSet/>
+      <dgm:spPr/>
+      <dgm:t>
+        <a:bodyPr/>
+        <a:lstStyle/>
+        <a:p>
+          <a:endParaRPr lang="fr-FR"/>
+        </a:p>
+      </dgm:t>
+    </dgm:pt>
+    <dgm:pt modelId="{7578125F-4634-4723-8F98-186DDDBCE861}" type="sibTrans" cxnId="{957AAFD1-8FA1-42C2-A758-196BDCE571A0}">
+      <dgm:prSet/>
+      <dgm:spPr/>
+      <dgm:t>
+        <a:bodyPr/>
+        <a:lstStyle/>
+        <a:p>
+          <a:endParaRPr lang="fr-FR"/>
+        </a:p>
+      </dgm:t>
+    </dgm:pt>
+    <dgm:pt modelId="{01F2561F-B950-4FD8-B316-B49181FD0D3C}">
+      <dgm:prSet phldrT="[Texte]" custT="1"/>
+      <dgm:spPr>
+        <a:solidFill>
+          <a:srgbClr val="FF0000"/>
+        </a:solidFill>
+      </dgm:spPr>
+      <dgm:t>
+        <a:bodyPr/>
+        <a:lstStyle/>
+        <a:p>
+          <a:r>
+            <a:rPr lang="fr-FR" sz="1050" b="1" dirty="0" smtClean="0"/>
+            <a:t>Caractère :</a:t>
+          </a:r>
+          <a:endParaRPr lang="fr-FR" sz="1050" b="1" dirty="0"/>
+        </a:p>
+      </dgm:t>
+    </dgm:pt>
+    <dgm:pt modelId="{4F15E2BD-2247-4260-9BE8-88962C38EBF6}" type="parTrans" cxnId="{3A307D03-3D96-4F56-B1F4-7D7F02412DD3}">
+      <dgm:prSet/>
+      <dgm:spPr/>
+      <dgm:t>
+        <a:bodyPr/>
+        <a:lstStyle/>
+        <a:p>
+          <a:endParaRPr lang="fr-FR"/>
+        </a:p>
+      </dgm:t>
+    </dgm:pt>
+    <dgm:pt modelId="{A7C1A049-074C-4C0D-B3A2-A89C6918D3FF}" type="sibTrans" cxnId="{3A307D03-3D96-4F56-B1F4-7D7F02412DD3}">
+      <dgm:prSet/>
+      <dgm:spPr/>
+      <dgm:t>
+        <a:bodyPr/>
+        <a:lstStyle/>
+        <a:p>
+          <a:endParaRPr lang="fr-FR"/>
+        </a:p>
+      </dgm:t>
+    </dgm:pt>
+    <dgm:pt modelId="{2D9E6D83-B60F-46D9-ABFA-5F31B49ABAF5}">
+      <dgm:prSet phldrT="[Texte]" custT="1"/>
+      <dgm:spPr>
+        <a:solidFill>
+          <a:srgbClr val="FF0000"/>
+        </a:solidFill>
+      </dgm:spPr>
+      <dgm:t>
+        <a:bodyPr/>
+        <a:lstStyle/>
+        <a:p>
+          <a:r>
+            <a:rPr lang="fr-FR" sz="1050" dirty="0" smtClean="0"/>
+            <a:t>Peut lire plus ou moins de cours.</a:t>
+          </a:r>
+          <a:endParaRPr lang="fr-FR" sz="1050" dirty="0"/>
+        </a:p>
+      </dgm:t>
+    </dgm:pt>
+    <dgm:pt modelId="{A87EF87A-C2A5-4FEC-9558-362614B6E7C2}" type="parTrans" cxnId="{2B58593D-C3F6-4949-91F9-1A595373793E}">
+      <dgm:prSet/>
+      <dgm:spPr/>
+      <dgm:t>
+        <a:bodyPr/>
+        <a:lstStyle/>
+        <a:p>
+          <a:endParaRPr lang="fr-FR"/>
+        </a:p>
+      </dgm:t>
+    </dgm:pt>
+    <dgm:pt modelId="{C4D81AFA-67A9-471E-8212-EC2FF1C07149}" type="sibTrans" cxnId="{2B58593D-C3F6-4949-91F9-1A595373793E}">
+      <dgm:prSet/>
+      <dgm:spPr/>
+      <dgm:t>
+        <a:bodyPr/>
+        <a:lstStyle/>
+        <a:p>
+          <a:endParaRPr lang="fr-FR"/>
+        </a:p>
+      </dgm:t>
+    </dgm:pt>
+    <dgm:pt modelId="{DB13631D-B5DA-482B-A07B-E1E58D10BDB8}">
+      <dgm:prSet custT="1"/>
+      <dgm:spPr>
+        <a:solidFill>
+          <a:srgbClr val="FF0000"/>
+        </a:solidFill>
+      </dgm:spPr>
+      <dgm:t>
+        <a:bodyPr/>
+        <a:lstStyle/>
+        <a:p>
+          <a:r>
+            <a:rPr lang="fr-FR" sz="1050" dirty="0" smtClean="0"/>
+            <a:t>Est autodidacte.</a:t>
+          </a:r>
+          <a:endParaRPr lang="fr-FR" sz="1050" dirty="0"/>
+        </a:p>
+      </dgm:t>
+    </dgm:pt>
+    <dgm:pt modelId="{1D7657C2-5240-4024-8E34-95D470CF6A8C}" type="parTrans" cxnId="{77053C8D-0F43-4149-B314-1DF1E3C988F3}">
+      <dgm:prSet/>
+      <dgm:spPr/>
+      <dgm:t>
+        <a:bodyPr/>
+        <a:lstStyle/>
+        <a:p>
+          <a:endParaRPr lang="fr-FR"/>
+        </a:p>
+      </dgm:t>
+    </dgm:pt>
+    <dgm:pt modelId="{50ED5596-AB19-43EA-B521-B99B10077964}" type="sibTrans" cxnId="{77053C8D-0F43-4149-B314-1DF1E3C988F3}">
+      <dgm:prSet/>
+      <dgm:spPr/>
+      <dgm:t>
+        <a:bodyPr/>
+        <a:lstStyle/>
+        <a:p>
+          <a:endParaRPr lang="fr-FR"/>
+        </a:p>
+      </dgm:t>
+    </dgm:pt>
+    <dgm:pt modelId="{615B194D-45D0-426C-B6BC-A899A6F5B261}">
+      <dgm:prSet custT="1"/>
+      <dgm:spPr>
+        <a:solidFill>
+          <a:srgbClr val="FF0000"/>
+        </a:solidFill>
+      </dgm:spPr>
+      <dgm:t>
+        <a:bodyPr/>
+        <a:lstStyle/>
+        <a:p>
+          <a:r>
+            <a:rPr lang="fr-FR" sz="1050" b="1" dirty="0" err="1" smtClean="0"/>
+            <a:t>Arduino</a:t>
+          </a:r>
+          <a:r>
+            <a:rPr lang="fr-FR" sz="1050" b="1" dirty="0" smtClean="0"/>
+            <a:t> :</a:t>
+          </a:r>
+          <a:endParaRPr lang="fr-FR" sz="1050" b="1" dirty="0"/>
+        </a:p>
+      </dgm:t>
+    </dgm:pt>
+    <dgm:pt modelId="{1EB922DE-B0AA-4369-BFB1-F56F248899D6}" type="parTrans" cxnId="{798F3564-3918-4024-8605-AF35B3FB1A7D}">
+      <dgm:prSet/>
+      <dgm:spPr/>
+      <dgm:t>
+        <a:bodyPr/>
+        <a:lstStyle/>
+        <a:p>
+          <a:endParaRPr lang="fr-FR"/>
+        </a:p>
+      </dgm:t>
+    </dgm:pt>
+    <dgm:pt modelId="{FC404D6F-9AD3-4C51-98F8-4A16C2D1397B}" type="sibTrans" cxnId="{798F3564-3918-4024-8605-AF35B3FB1A7D}">
+      <dgm:prSet/>
+      <dgm:spPr/>
+      <dgm:t>
+        <a:bodyPr/>
+        <a:lstStyle/>
+        <a:p>
+          <a:endParaRPr lang="fr-FR"/>
+        </a:p>
+      </dgm:t>
+    </dgm:pt>
+    <dgm:pt modelId="{A6865933-67A8-4822-BCE7-7FCE80022F97}">
+      <dgm:prSet custT="1"/>
+      <dgm:spPr>
+        <a:solidFill>
+          <a:srgbClr val="FF0000"/>
+        </a:solidFill>
+      </dgm:spPr>
+      <dgm:t>
+        <a:bodyPr/>
+        <a:lstStyle/>
+        <a:p>
+          <a:r>
+            <a:rPr lang="fr-FR" sz="1050" dirty="0" smtClean="0"/>
+            <a:t>Connaît </a:t>
+          </a:r>
+          <a:r>
+            <a:rPr lang="fr-FR" sz="1050" dirty="0" err="1" smtClean="0"/>
+            <a:t>Arduino</a:t>
+          </a:r>
+          <a:r>
+            <a:rPr lang="fr-FR" sz="1050" dirty="0" smtClean="0"/>
+            <a:t>.</a:t>
+          </a:r>
+          <a:endParaRPr lang="fr-FR" sz="1050" dirty="0"/>
+        </a:p>
+      </dgm:t>
+    </dgm:pt>
+    <dgm:pt modelId="{4577D274-DCE9-41C4-8DE8-07C3F1EE0F9E}" type="parTrans" cxnId="{4BB4DEED-BEAD-436E-88A6-9F02756425AF}">
+      <dgm:prSet/>
+      <dgm:spPr/>
+      <dgm:t>
+        <a:bodyPr/>
+        <a:lstStyle/>
+        <a:p>
+          <a:endParaRPr lang="fr-FR"/>
+        </a:p>
+      </dgm:t>
+    </dgm:pt>
+    <dgm:pt modelId="{891ACC85-3CDC-4BFF-8F58-D1AC86DB5037}" type="sibTrans" cxnId="{4BB4DEED-BEAD-436E-88A6-9F02756425AF}">
+      <dgm:prSet/>
+      <dgm:spPr/>
+      <dgm:t>
+        <a:bodyPr/>
+        <a:lstStyle/>
+        <a:p>
+          <a:endParaRPr lang="fr-FR"/>
+        </a:p>
+      </dgm:t>
+    </dgm:pt>
+    <dgm:pt modelId="{60E49577-854C-4C03-A680-9F13F68D215A}">
+      <dgm:prSet custT="1"/>
+      <dgm:spPr>
+        <a:solidFill>
+          <a:srgbClr val="FF0000"/>
+        </a:solidFill>
+      </dgm:spPr>
+      <dgm:t>
+        <a:bodyPr/>
+        <a:lstStyle/>
+        <a:p>
+          <a:r>
+            <a:rPr lang="fr-FR" sz="1050" b="1" dirty="0" smtClean="0"/>
+            <a:t>Niveau :</a:t>
+          </a:r>
+          <a:endParaRPr lang="fr-FR" sz="1050" b="1" dirty="0"/>
+        </a:p>
+      </dgm:t>
+    </dgm:pt>
+    <dgm:pt modelId="{ECCED074-8FD1-4F31-BDC6-41C12BA5FCFD}" type="parTrans" cxnId="{23A06A06-6A69-45DA-9FCC-99F2185EC229}">
+      <dgm:prSet/>
+      <dgm:spPr/>
+      <dgm:t>
+        <a:bodyPr/>
+        <a:lstStyle/>
+        <a:p>
+          <a:endParaRPr lang="fr-FR"/>
+        </a:p>
+      </dgm:t>
+    </dgm:pt>
+    <dgm:pt modelId="{FF36FDE9-3DF2-4C7E-B8BE-2301006C5055}" type="sibTrans" cxnId="{23A06A06-6A69-45DA-9FCC-99F2185EC229}">
+      <dgm:prSet/>
+      <dgm:spPr/>
+      <dgm:t>
+        <a:bodyPr/>
+        <a:lstStyle/>
+        <a:p>
+          <a:endParaRPr lang="fr-FR"/>
+        </a:p>
+      </dgm:t>
+    </dgm:pt>
+    <dgm:pt modelId="{B2077BFD-C354-481C-BA49-6EEAD9BBA22A}">
+      <dgm:prSet custT="1"/>
+      <dgm:spPr>
+        <a:solidFill>
+          <a:srgbClr val="FF0000"/>
+        </a:solidFill>
+      </dgm:spPr>
+      <dgm:t>
+        <a:bodyPr/>
+        <a:lstStyle/>
+        <a:p>
+          <a:r>
+            <a:rPr lang="fr-FR" sz="1050" dirty="0" smtClean="0"/>
+            <a:t>Connait la programmation.</a:t>
+          </a:r>
+          <a:endParaRPr lang="fr-FR" sz="1050" dirty="0"/>
+        </a:p>
+      </dgm:t>
+    </dgm:pt>
+    <dgm:pt modelId="{B851E437-B215-4814-A1B4-09338416C2BA}" type="parTrans" cxnId="{0B463794-7CAF-4ADA-AD39-57B627A39423}">
+      <dgm:prSet/>
+      <dgm:spPr/>
+      <dgm:t>
+        <a:bodyPr/>
+        <a:lstStyle/>
+        <a:p>
+          <a:endParaRPr lang="fr-FR"/>
+        </a:p>
+      </dgm:t>
+    </dgm:pt>
+    <dgm:pt modelId="{C21C12AC-EFBD-49A5-8FD7-6B88BE664F1D}" type="sibTrans" cxnId="{0B463794-7CAF-4ADA-AD39-57B627A39423}">
+      <dgm:prSet/>
+      <dgm:spPr/>
+      <dgm:t>
+        <a:bodyPr/>
+        <a:lstStyle/>
+        <a:p>
+          <a:endParaRPr lang="fr-FR"/>
+        </a:p>
+      </dgm:t>
+    </dgm:pt>
+    <dgm:pt modelId="{CCBD2499-1F76-4D73-ADAC-8B2F614CAF5B}">
+      <dgm:prSet custT="1"/>
+      <dgm:spPr>
+        <a:solidFill>
+          <a:srgbClr val="FF0000"/>
+        </a:solidFill>
+      </dgm:spPr>
+      <dgm:t>
+        <a:bodyPr/>
+        <a:lstStyle/>
+        <a:p>
+          <a:r>
+            <a:rPr lang="fr-FR" sz="1050" dirty="0" smtClean="0"/>
+            <a:t>N’a jamais programmé sous Arduino mais aimerai acquérir un niveau avancé.</a:t>
+          </a:r>
+          <a:endParaRPr lang="fr-FR" sz="1050" dirty="0"/>
+        </a:p>
+      </dgm:t>
+    </dgm:pt>
+    <dgm:pt modelId="{14B81312-A0AB-4B4F-8CF3-54DFF34D1D0B}" type="parTrans" cxnId="{62C427C3-4A84-4594-ADFA-E13694DCC597}">
+      <dgm:prSet/>
+      <dgm:spPr/>
+      <dgm:t>
+        <a:bodyPr/>
+        <a:lstStyle/>
+        <a:p>
+          <a:endParaRPr lang="fr-FR"/>
+        </a:p>
+      </dgm:t>
+    </dgm:pt>
+    <dgm:pt modelId="{566EAB48-40BA-4B29-BDFF-E4D97A155EBD}" type="sibTrans" cxnId="{62C427C3-4A84-4594-ADFA-E13694DCC597}">
+      <dgm:prSet/>
+      <dgm:spPr/>
+      <dgm:t>
+        <a:bodyPr/>
+        <a:lstStyle/>
+        <a:p>
+          <a:endParaRPr lang="fr-FR"/>
+        </a:p>
+      </dgm:t>
+    </dgm:pt>
+    <dgm:pt modelId="{0EB4B8BC-E546-4542-BDC9-5451F78BB39A}" type="pres">
+      <dgm:prSet presAssocID="{0C8D7C8E-B817-45D6-97F8-E648C42F2BCB}" presName="Name0" presStyleCnt="0">
+        <dgm:presLayoutVars>
+          <dgm:dir/>
+          <dgm:resizeHandles val="exact"/>
+        </dgm:presLayoutVars>
+      </dgm:prSet>
+      <dgm:spPr/>
+    </dgm:pt>
+    <dgm:pt modelId="{C60AE2FD-89FA-4949-86A1-FF8578D6CE22}" type="pres">
+      <dgm:prSet presAssocID="{0C8D7C8E-B817-45D6-97F8-E648C42F2BCB}" presName="bkgdShp" presStyleLbl="alignAccFollowNode1" presStyleIdx="0" presStyleCnt="1"/>
+      <dgm:spPr/>
+    </dgm:pt>
+    <dgm:pt modelId="{A0D9AB9C-EE96-414C-9012-F771CBC2699A}" type="pres">
+      <dgm:prSet presAssocID="{0C8D7C8E-B817-45D6-97F8-E648C42F2BCB}" presName="linComp" presStyleCnt="0"/>
+      <dgm:spPr/>
+    </dgm:pt>
+    <dgm:pt modelId="{225E0FEE-3B09-42BE-B615-D684F020085C}" type="pres">
+      <dgm:prSet presAssocID="{FA2DBBA2-F706-4C56-8400-9DCD6BDEE061}" presName="compNode" presStyleCnt="0"/>
+      <dgm:spPr/>
+    </dgm:pt>
+    <dgm:pt modelId="{705B6E16-F25C-404F-9FE1-D0B8AF972E51}" type="pres">
+      <dgm:prSet presAssocID="{FA2DBBA2-F706-4C56-8400-9DCD6BDEE061}" presName="node" presStyleLbl="node1" presStyleIdx="0" presStyleCnt="4">
+        <dgm:presLayoutVars>
+          <dgm:bulletEnabled val="1"/>
+        </dgm:presLayoutVars>
+      </dgm:prSet>
+      <dgm:spPr/>
+      <dgm:t>
+        <a:bodyPr/>
+        <a:lstStyle/>
+        <a:p>
+          <a:endParaRPr lang="fr-FR"/>
+        </a:p>
+      </dgm:t>
+    </dgm:pt>
+    <dgm:pt modelId="{F181E480-4499-48A2-87E3-27CB140099ED}" type="pres">
+      <dgm:prSet presAssocID="{FA2DBBA2-F706-4C56-8400-9DCD6BDEE061}" presName="invisiNode" presStyleLbl="node1" presStyleIdx="0" presStyleCnt="4"/>
+      <dgm:spPr/>
+    </dgm:pt>
+    <dgm:pt modelId="{FE1DEF34-FCF3-48C5-90F9-F1AB9D230E3A}" type="pres">
+      <dgm:prSet presAssocID="{FA2DBBA2-F706-4C56-8400-9DCD6BDEE061}" presName="imagNode" presStyleLbl="fgImgPlace1" presStyleIdx="0" presStyleCnt="4"/>
+      <dgm:spPr>
+        <a:blipFill>
+          <a:blip xmlns:r="http://schemas.openxmlformats.org/officeDocument/2006/relationships" r:embed="rId1">
+            <a:extLst>
+              <a:ext uri="{28A0092B-C50C-407E-A947-70E740481C1C}">
+                <a14:useLocalDpi xmlns:a14="http://schemas.microsoft.com/office/drawing/2010/main" val="0"/>
+              </a:ext>
+            </a:extLst>
+          </a:blip>
+          <a:srcRect/>
+          <a:stretch>
+            <a:fillRect t="-40000" b="-40000"/>
+          </a:stretch>
+        </a:blipFill>
+      </dgm:spPr>
+    </dgm:pt>
+    <dgm:pt modelId="{D1445B81-BDF5-498C-A96E-D95888C3ADF5}" type="pres">
+      <dgm:prSet presAssocID="{4FC81FA5-26E8-4CFC-B3AC-F87703767036}" presName="sibTrans" presStyleLbl="sibTrans2D1" presStyleIdx="0" presStyleCnt="0"/>
+      <dgm:spPr/>
+    </dgm:pt>
+    <dgm:pt modelId="{70CD73A5-DDA6-4354-BE28-0C9A54B3BE21}" type="pres">
+      <dgm:prSet presAssocID="{4FC441B5-ABCA-4773-BA98-925E081597C2}" presName="compNode" presStyleCnt="0"/>
+      <dgm:spPr/>
+    </dgm:pt>
+    <dgm:pt modelId="{D07565E3-C64D-447D-834B-34E47DA23AB5}" type="pres">
+      <dgm:prSet presAssocID="{4FC441B5-ABCA-4773-BA98-925E081597C2}" presName="node" presStyleLbl="node1" presStyleIdx="1" presStyleCnt="4">
+        <dgm:presLayoutVars>
+          <dgm:bulletEnabled val="1"/>
+        </dgm:presLayoutVars>
+      </dgm:prSet>
+      <dgm:spPr/>
+      <dgm:t>
+        <a:bodyPr/>
+        <a:lstStyle/>
+        <a:p>
+          <a:endParaRPr lang="fr-FR"/>
+        </a:p>
+      </dgm:t>
+    </dgm:pt>
+    <dgm:pt modelId="{641C55FA-5255-43F7-8A57-F02EA27E3FD5}" type="pres">
+      <dgm:prSet presAssocID="{4FC441B5-ABCA-4773-BA98-925E081597C2}" presName="invisiNode" presStyleLbl="node1" presStyleIdx="1" presStyleCnt="4"/>
+      <dgm:spPr/>
+    </dgm:pt>
+    <dgm:pt modelId="{6F0E6511-D43D-46EB-A4A9-FC380DA96B30}" type="pres">
+      <dgm:prSet presAssocID="{4FC441B5-ABCA-4773-BA98-925E081597C2}" presName="imagNode" presStyleLbl="fgImgPlace1" presStyleIdx="1" presStyleCnt="4"/>
+      <dgm:spPr>
+        <a:blipFill>
+          <a:blip xmlns:r="http://schemas.openxmlformats.org/officeDocument/2006/relationships" r:embed="rId2">
+            <a:extLst>
+              <a:ext uri="{28A0092B-C50C-407E-A947-70E740481C1C}">
+                <a14:useLocalDpi xmlns:a14="http://schemas.microsoft.com/office/drawing/2010/main" val="0"/>
+              </a:ext>
+            </a:extLst>
+          </a:blip>
+          <a:srcRect/>
+          <a:stretch>
+            <a:fillRect t="-42000" b="-42000"/>
+          </a:stretch>
+        </a:blipFill>
+      </dgm:spPr>
+    </dgm:pt>
+    <dgm:pt modelId="{52749BC3-F0B4-4D65-88A2-0DE17BA26B31}" type="pres">
+      <dgm:prSet presAssocID="{8F7F7AC2-8F1F-478F-930E-3A21C380EA67}" presName="sibTrans" presStyleLbl="sibTrans2D1" presStyleIdx="0" presStyleCnt="0"/>
+      <dgm:spPr/>
+    </dgm:pt>
+    <dgm:pt modelId="{93FB92BA-2AC4-49D1-A335-244DAACFD3A5}" type="pres">
+      <dgm:prSet presAssocID="{F452D755-67E6-4419-84C9-4B581C3ED6CF}" presName="compNode" presStyleCnt="0"/>
+      <dgm:spPr/>
+    </dgm:pt>
+    <dgm:pt modelId="{AB82B5D7-A627-43E0-87BB-B08266D0AC5A}" type="pres">
+      <dgm:prSet presAssocID="{F452D755-67E6-4419-84C9-4B581C3ED6CF}" presName="node" presStyleLbl="node1" presStyleIdx="2" presStyleCnt="4">
+        <dgm:presLayoutVars>
+          <dgm:bulletEnabled val="1"/>
+        </dgm:presLayoutVars>
+      </dgm:prSet>
+      <dgm:spPr/>
+      <dgm:t>
+        <a:bodyPr/>
+        <a:lstStyle/>
+        <a:p>
+          <a:endParaRPr lang="fr-FR"/>
+        </a:p>
+      </dgm:t>
+    </dgm:pt>
+    <dgm:pt modelId="{80A7B401-B489-4FFA-9301-E9726847AADD}" type="pres">
+      <dgm:prSet presAssocID="{F452D755-67E6-4419-84C9-4B581C3ED6CF}" presName="invisiNode" presStyleLbl="node1" presStyleIdx="2" presStyleCnt="4"/>
+      <dgm:spPr/>
+    </dgm:pt>
+    <dgm:pt modelId="{D293988E-CD1B-4955-98D8-C5EEEC3E85A5}" type="pres">
+      <dgm:prSet presAssocID="{F452D755-67E6-4419-84C9-4B581C3ED6CF}" presName="imagNode" presStyleLbl="fgImgPlace1" presStyleIdx="2" presStyleCnt="4"/>
+      <dgm:spPr>
+        <a:blipFill>
+          <a:blip xmlns:r="http://schemas.openxmlformats.org/officeDocument/2006/relationships" r:embed="rId3">
+            <a:extLst>
+              <a:ext uri="{28A0092B-C50C-407E-A947-70E740481C1C}">
+                <a14:useLocalDpi xmlns:a14="http://schemas.microsoft.com/office/drawing/2010/main" val="0"/>
+              </a:ext>
+            </a:extLst>
+          </a:blip>
+          <a:srcRect/>
+          <a:stretch>
+            <a:fillRect t="-28000" b="-28000"/>
+          </a:stretch>
+        </a:blipFill>
+      </dgm:spPr>
+    </dgm:pt>
+    <dgm:pt modelId="{D2AFDB38-35F8-4B8F-83FD-10008204833E}" type="pres">
+      <dgm:prSet presAssocID="{8222FE09-1616-41C5-A033-258EB331E585}" presName="sibTrans" presStyleLbl="sibTrans2D1" presStyleIdx="0" presStyleCnt="0"/>
+      <dgm:spPr/>
+    </dgm:pt>
+    <dgm:pt modelId="{D74B1B60-5AC5-4BDB-A7BA-C5C2B9F58701}" type="pres">
+      <dgm:prSet presAssocID="{84A42DA3-709A-4202-ACA4-912FCC13A4D0}" presName="compNode" presStyleCnt="0"/>
+      <dgm:spPr/>
+    </dgm:pt>
+    <dgm:pt modelId="{53A51957-38F8-415F-890E-1C6F0A45FCFA}" type="pres">
+      <dgm:prSet presAssocID="{84A42DA3-709A-4202-ACA4-912FCC13A4D0}" presName="node" presStyleLbl="node1" presStyleIdx="3" presStyleCnt="4">
+        <dgm:presLayoutVars>
+          <dgm:bulletEnabled val="1"/>
+        </dgm:presLayoutVars>
+      </dgm:prSet>
+      <dgm:spPr/>
+      <dgm:t>
+        <a:bodyPr/>
+        <a:lstStyle/>
+        <a:p>
+          <a:endParaRPr lang="fr-FR"/>
+        </a:p>
+      </dgm:t>
+    </dgm:pt>
+    <dgm:pt modelId="{521ABE7C-A50C-4ED3-A252-0D167304112C}" type="pres">
+      <dgm:prSet presAssocID="{84A42DA3-709A-4202-ACA4-912FCC13A4D0}" presName="invisiNode" presStyleLbl="node1" presStyleIdx="3" presStyleCnt="4"/>
+      <dgm:spPr/>
+    </dgm:pt>
+    <dgm:pt modelId="{C7B42966-148E-4260-9995-C190AEB8C839}" type="pres">
+      <dgm:prSet presAssocID="{84A42DA3-709A-4202-ACA4-912FCC13A4D0}" presName="imagNode" presStyleLbl="fgImgPlace1" presStyleIdx="3" presStyleCnt="4"/>
+      <dgm:spPr>
+        <a:blipFill>
+          <a:blip xmlns:r="http://schemas.openxmlformats.org/officeDocument/2006/relationships" r:embed="rId4">
+            <a:extLst>
+              <a:ext uri="{28A0092B-C50C-407E-A947-70E740481C1C}">
+                <a14:useLocalDpi xmlns:a14="http://schemas.microsoft.com/office/drawing/2010/main" val="0"/>
+              </a:ext>
+            </a:extLst>
+          </a:blip>
+          <a:srcRect/>
+          <a:stretch>
+            <a:fillRect t="-59000" b="-59000"/>
+          </a:stretch>
+        </a:blipFill>
+      </dgm:spPr>
+    </dgm:pt>
+  </dgm:ptLst>
+  <dgm:cxnLst>
+    <dgm:cxn modelId="{B7A4FE6B-FBEC-4B23-A2B2-55566CEB9232}" type="presOf" srcId="{C5483148-481F-4908-AAF7-7E38CF7DF6BC}" destId="{AB82B5D7-A627-43E0-87BB-B08266D0AC5A}" srcOrd="0" destOrd="4" presId="urn:microsoft.com/office/officeart/2005/8/layout/pList2"/>
+    <dgm:cxn modelId="{561CF7C4-1AF6-44F1-8B45-0533C4C98C2E}" srcId="{FA2DBBA2-F706-4C56-8400-9DCD6BDEE061}" destId="{1E97E820-D538-4A52-85A9-9AE8A5920A07}" srcOrd="2" destOrd="0" parTransId="{C7DC3703-6E58-49F6-923F-C5BC490079E8}" sibTransId="{43839595-ABD3-4781-A09B-B3798693311A}"/>
+    <dgm:cxn modelId="{9C3093B8-CD01-4EC1-AD05-BBE75B6AA349}" type="presOf" srcId="{5AF860E6-8C19-43E0-97A3-B3CCFF2BB297}" destId="{705B6E16-F25C-404F-9FE1-D0B8AF972E51}" srcOrd="0" destOrd="3" presId="urn:microsoft.com/office/officeart/2005/8/layout/pList2"/>
+    <dgm:cxn modelId="{4F03211C-1951-480F-87FF-A70BD1B0172D}" type="presOf" srcId="{615B194D-45D0-426C-B6BC-A899A6F5B261}" destId="{53A51957-38F8-415F-890E-1C6F0A45FCFA}" srcOrd="0" destOrd="6" presId="urn:microsoft.com/office/officeart/2005/8/layout/pList2"/>
+    <dgm:cxn modelId="{A87AF37B-1F0C-47E8-93F0-DAF5592FA0AA}" type="presOf" srcId="{FBA416FB-D432-4F4F-ACD8-7201F59964E6}" destId="{AB82B5D7-A627-43E0-87BB-B08266D0AC5A}" srcOrd="0" destOrd="3" presId="urn:microsoft.com/office/officeart/2005/8/layout/pList2"/>
+    <dgm:cxn modelId="{89B23EA2-9CB1-4E16-8F3D-28EA5D763562}" type="presOf" srcId="{7BC467E7-1E36-416C-B693-4C6BFB36EE06}" destId="{D07565E3-C64D-447D-834B-34E47DA23AB5}" srcOrd="0" destOrd="4" presId="urn:microsoft.com/office/officeart/2005/8/layout/pList2"/>
+    <dgm:cxn modelId="{01DD1FB5-4A2A-4D9A-88E9-143E121305F0}" srcId="{486C4AEF-96D1-471D-BEF7-72339A2EA597}" destId="{FAC5E69C-A10A-4F3D-AA68-C59CEF3C4DB9}" srcOrd="0" destOrd="0" parTransId="{6269D1F3-C421-4A47-A650-05B1A462A918}" sibTransId="{E5BC52EA-2BB4-412A-ADE8-EB39F8066B1E}"/>
+    <dgm:cxn modelId="{92B0150F-768F-4B39-9415-7C6E123C0A10}" type="presOf" srcId="{798DC97D-C686-4F6C-868E-EE1332CC717D}" destId="{705B6E16-F25C-404F-9FE1-D0B8AF972E51}" srcOrd="0" destOrd="8" presId="urn:microsoft.com/office/officeart/2005/8/layout/pList2"/>
+    <dgm:cxn modelId="{4ED20955-C983-4781-AF27-D9A5AD640C85}" srcId="{84A42DA3-709A-4202-ACA4-912FCC13A4D0}" destId="{ED98A9DA-417B-41B4-A004-16DD80D2D96D}" srcOrd="0" destOrd="0" parTransId="{A9BE12F2-FC4E-4373-AB29-9A80739F1886}" sibTransId="{E621902E-2061-4EF0-B5A0-A47FB6C5BD2F}"/>
+    <dgm:cxn modelId="{1FC4CEAC-B7A9-4240-9BC1-0231A98F24CA}" type="presOf" srcId="{90AE4260-9E7D-4495-BDE0-1FA9F5B61829}" destId="{53A51957-38F8-415F-890E-1C6F0A45FCFA}" srcOrd="0" destOrd="2" presId="urn:microsoft.com/office/officeart/2005/8/layout/pList2"/>
+    <dgm:cxn modelId="{9404FF89-1C4D-48FC-B2D6-9283A074F98D}" type="presOf" srcId="{60E49577-854C-4C03-A680-9F13F68D215A}" destId="{53A51957-38F8-415F-890E-1C6F0A45FCFA}" srcOrd="0" destOrd="8" presId="urn:microsoft.com/office/officeart/2005/8/layout/pList2"/>
+    <dgm:cxn modelId="{DC9E26F9-44FC-4572-9092-EF6AC2419DC7}" type="presOf" srcId="{1E97E820-D538-4A52-85A9-9AE8A5920A07}" destId="{705B6E16-F25C-404F-9FE1-D0B8AF972E51}" srcOrd="0" destOrd="6" presId="urn:microsoft.com/office/officeart/2005/8/layout/pList2"/>
+    <dgm:cxn modelId="{E9F2B33F-93A1-4D43-854C-FB9813B4AC8F}" srcId="{4FC441B5-ABCA-4773-BA98-925E081597C2}" destId="{E09D2F7E-9ADA-4BBB-9646-D8662B72E7D8}" srcOrd="2" destOrd="0" parTransId="{070B4E4D-BB2F-430E-A7EF-6C1FFB474032}" sibTransId="{37495905-2EBC-4114-B718-D11E159BF5F4}"/>
+    <dgm:cxn modelId="{903DF01A-4F9A-4E17-B395-FD3865FC70F4}" type="presOf" srcId="{A6865933-67A8-4822-BCE7-7FCE80022F97}" destId="{53A51957-38F8-415F-890E-1C6F0A45FCFA}" srcOrd="0" destOrd="7" presId="urn:microsoft.com/office/officeart/2005/8/layout/pList2"/>
+    <dgm:cxn modelId="{76B94850-3147-4ECE-8422-DF7B400A9AEF}" type="presOf" srcId="{36FFC36F-FAA6-4D4C-A02A-FF6366D9C7F8}" destId="{D07565E3-C64D-447D-834B-34E47DA23AB5}" srcOrd="0" destOrd="7" presId="urn:microsoft.com/office/officeart/2005/8/layout/pList2"/>
+    <dgm:cxn modelId="{D4EDED39-6D56-493B-9B86-334F35985116}" type="presOf" srcId="{BF8FE06C-2B19-424C-9C04-13BD8B1C36B4}" destId="{AB82B5D7-A627-43E0-87BB-B08266D0AC5A}" srcOrd="0" destOrd="10" presId="urn:microsoft.com/office/officeart/2005/8/layout/pList2"/>
+    <dgm:cxn modelId="{F26552BD-5613-4736-BDC4-4C120DA281A0}" srcId="{0C8D7C8E-B817-45D6-97F8-E648C42F2BCB}" destId="{FA2DBBA2-F706-4C56-8400-9DCD6BDEE061}" srcOrd="0" destOrd="0" parTransId="{3AFC04D9-8505-4DEA-A470-369AAFF1EA7E}" sibTransId="{4FC81FA5-26E8-4CFC-B3AC-F87703767036}"/>
+    <dgm:cxn modelId="{728EC4DC-C0D8-452D-9EA1-D194C593336A}" type="presOf" srcId="{E09D2F7E-9ADA-4BBB-9646-D8662B72E7D8}" destId="{D07565E3-C64D-447D-834B-34E47DA23AB5}" srcOrd="0" destOrd="6" presId="urn:microsoft.com/office/officeart/2005/8/layout/pList2"/>
+    <dgm:cxn modelId="{AAC403A6-8107-459D-AEC4-AAC0EADE7ED9}" type="presOf" srcId="{0C8D7C8E-B817-45D6-97F8-E648C42F2BCB}" destId="{0EB4B8BC-E546-4542-BDC9-5451F78BB39A}" srcOrd="0" destOrd="0" presId="urn:microsoft.com/office/officeart/2005/8/layout/pList2"/>
+    <dgm:cxn modelId="{4363189C-9956-4C86-849A-872622A33CB1}" srcId="{FA2DBBA2-F706-4C56-8400-9DCD6BDEE061}" destId="{798DC97D-C686-4F6C-868E-EE1332CC717D}" srcOrd="3" destOrd="0" parTransId="{1A56C781-C7DF-49C0-A9A0-018153F5908B}" sibTransId="{81381EC6-90A7-4050-9C95-F22FD3AE10D4}"/>
+    <dgm:cxn modelId="{4627F888-20EB-496C-B12E-AD6AF3945AB5}" type="presOf" srcId="{C218C1ED-D0A7-430A-8826-3E699D50AA3A}" destId="{705B6E16-F25C-404F-9FE1-D0B8AF972E51}" srcOrd="0" destOrd="1" presId="urn:microsoft.com/office/officeart/2005/8/layout/pList2"/>
+    <dgm:cxn modelId="{77053C8D-0F43-4149-B314-1DF1E3C988F3}" srcId="{01F2561F-B950-4FD8-B316-B49181FD0D3C}" destId="{DB13631D-B5DA-482B-A07B-E1E58D10BDB8}" srcOrd="1" destOrd="0" parTransId="{1D7657C2-5240-4024-8E34-95D470CF6A8C}" sibTransId="{50ED5596-AB19-43EA-B521-B99B10077964}"/>
+    <dgm:cxn modelId="{C3E1249A-F1C2-4841-921C-9DD4D44D12D3}" srcId="{798DC97D-C686-4F6C-868E-EE1332CC717D}" destId="{263BB2F0-317C-41A5-B806-AB72A4275333}" srcOrd="0" destOrd="0" parTransId="{243523CB-FF26-4B3D-AA61-47A0EB48DF26}" sibTransId="{50138CF1-7CEF-445A-80A7-5EDADF53A519}"/>
+    <dgm:cxn modelId="{D3237208-9DE8-4A42-AD73-56743223AD0A}" type="presOf" srcId="{E6C02FDB-7669-4387-9DFE-29EBA3A4A55E}" destId="{AB82B5D7-A627-43E0-87BB-B08266D0AC5A}" srcOrd="0" destOrd="1" presId="urn:microsoft.com/office/officeart/2005/8/layout/pList2"/>
+    <dgm:cxn modelId="{3A307D03-3D96-4F56-B1F4-7D7F02412DD3}" srcId="{84A42DA3-709A-4202-ACA4-912FCC13A4D0}" destId="{01F2561F-B950-4FD8-B316-B49181FD0D3C}" srcOrd="1" destOrd="0" parTransId="{4F15E2BD-2247-4260-9BE8-88962C38EBF6}" sibTransId="{A7C1A049-074C-4C0D-B3A2-A89C6918D3FF}"/>
+    <dgm:cxn modelId="{B187B24F-F08E-4BBA-9BCA-210F4E6F8FE7}" type="presOf" srcId="{8F7F7AC2-8F1F-478F-930E-3A21C380EA67}" destId="{52749BC3-F0B4-4D65-88A2-0DE17BA26B31}" srcOrd="0" destOrd="0" presId="urn:microsoft.com/office/officeart/2005/8/layout/pList2"/>
+    <dgm:cxn modelId="{2B58593D-C3F6-4949-91F9-1A595373793E}" srcId="{01F2561F-B950-4FD8-B316-B49181FD0D3C}" destId="{2D9E6D83-B60F-46D9-ABFA-5F31B49ABAF5}" srcOrd="0" destOrd="0" parTransId="{A87EF87A-C2A5-4FEC-9558-362614B6E7C2}" sibTransId="{C4D81AFA-67A9-471E-8212-EC2FF1C07149}"/>
+    <dgm:cxn modelId="{BF34DA37-EFBE-49FB-8519-00AD4F83A7B0}" srcId="{5AF860E6-8C19-43E0-97A3-B3CCFF2BB297}" destId="{66DE55FE-7808-4F70-93BB-FD24F86DF2F5}" srcOrd="1" destOrd="0" parTransId="{C37B193A-C2C6-4066-9211-C8E064641D48}" sibTransId="{B7647557-0112-4D41-AC7E-FC745E22F77B}"/>
+    <dgm:cxn modelId="{A240E32C-B0B9-414E-9EF1-B4647BC90945}" srcId="{486C4AEF-96D1-471D-BEF7-72339A2EA597}" destId="{BF8FE06C-2B19-424C-9C04-13BD8B1C36B4}" srcOrd="1" destOrd="0" parTransId="{0DB967CF-2533-4486-80D0-1B355BF83FF2}" sibTransId="{95CF25EC-6C8A-44CE-8FEA-FBE12E07022A}"/>
+    <dgm:cxn modelId="{F7600506-1F11-4910-8BA4-4EAA7D2BCF58}" type="presOf" srcId="{E0C7B6EE-5768-4B8A-8B30-423FF2EDBB83}" destId="{D07565E3-C64D-447D-834B-34E47DA23AB5}" srcOrd="0" destOrd="10" presId="urn:microsoft.com/office/officeart/2005/8/layout/pList2"/>
+    <dgm:cxn modelId="{62C427C3-4A84-4594-ADFA-E13694DCC597}" srcId="{60E49577-854C-4C03-A680-9F13F68D215A}" destId="{CCBD2499-1F76-4D73-ADAC-8B2F614CAF5B}" srcOrd="1" destOrd="0" parTransId="{14B81312-A0AB-4B4F-8CF3-54DFF34D1D0B}" sibTransId="{566EAB48-40BA-4B29-BDFF-E4D97A155EBD}"/>
+    <dgm:cxn modelId="{AE2F1F14-EC92-4B6C-9A2B-8E5A05DFD4C0}" srcId="{0C8D7C8E-B817-45D6-97F8-E648C42F2BCB}" destId="{4FC441B5-ABCA-4773-BA98-925E081597C2}" srcOrd="1" destOrd="0" parTransId="{18B329F1-47C5-4136-92DD-896021CAFA3A}" sibTransId="{8F7F7AC2-8F1F-478F-930E-3A21C380EA67}"/>
+    <dgm:cxn modelId="{1EED549C-2BE9-47F7-9B05-D329C7794648}" type="presOf" srcId="{263BB2F0-317C-41A5-B806-AB72A4275333}" destId="{705B6E16-F25C-404F-9FE1-D0B8AF972E51}" srcOrd="0" destOrd="9" presId="urn:microsoft.com/office/officeart/2005/8/layout/pList2"/>
+    <dgm:cxn modelId="{137E0151-8FF7-469B-8977-F67224F82317}" type="presOf" srcId="{DB13631D-B5DA-482B-A07B-E1E58D10BDB8}" destId="{53A51957-38F8-415F-890E-1C6F0A45FCFA}" srcOrd="0" destOrd="5" presId="urn:microsoft.com/office/officeart/2005/8/layout/pList2"/>
+    <dgm:cxn modelId="{5C888D50-0887-4512-BB29-9406DDB873B7}" type="presOf" srcId="{486C4AEF-96D1-471D-BEF7-72339A2EA597}" destId="{AB82B5D7-A627-43E0-87BB-B08266D0AC5A}" srcOrd="0" destOrd="8" presId="urn:microsoft.com/office/officeart/2005/8/layout/pList2"/>
+    <dgm:cxn modelId="{C6664F68-0815-4C49-A8D1-5BB1775EE101}" srcId="{43876A20-641C-4B8F-8583-5559871CF253}" destId="{14353971-7A2B-4778-82D1-6F4A5F1DD254}" srcOrd="0" destOrd="0" parTransId="{EA1AC3D8-AA1A-44A1-97E1-80A1E6470FDD}" sibTransId="{46AD9994-F8F0-4568-8732-DC510D156BF4}"/>
+    <dgm:cxn modelId="{79F3FC5D-0153-488A-8E1F-14FB2AA0E0A2}" type="presOf" srcId="{C09A9828-70F3-464A-A23C-BDF183DAFA78}" destId="{D07565E3-C64D-447D-834B-34E47DA23AB5}" srcOrd="0" destOrd="5" presId="urn:microsoft.com/office/officeart/2005/8/layout/pList2"/>
+    <dgm:cxn modelId="{F4E4E0BA-A965-4832-9464-DCFEEA58D8DB}" type="presOf" srcId="{CCBD2499-1F76-4D73-ADAC-8B2F614CAF5B}" destId="{53A51957-38F8-415F-890E-1C6F0A45FCFA}" srcOrd="0" destOrd="10" presId="urn:microsoft.com/office/officeart/2005/8/layout/pList2"/>
+    <dgm:cxn modelId="{6C821A37-1A4E-4113-B7E1-BD60BEF4C1D6}" type="presOf" srcId="{FA2DBBA2-F706-4C56-8400-9DCD6BDEE061}" destId="{705B6E16-F25C-404F-9FE1-D0B8AF972E51}" srcOrd="0" destOrd="0" presId="urn:microsoft.com/office/officeart/2005/8/layout/pList2"/>
+    <dgm:cxn modelId="{AABBA01F-18D6-4480-9769-C91D580E3A45}" srcId="{C218C1ED-D0A7-430A-8826-3E699D50AA3A}" destId="{FD1AD48F-19A4-4AC1-9179-684D7B495DC6}" srcOrd="0" destOrd="0" parTransId="{625C3D78-2758-46A0-9BFB-C422A8D8FAD0}" sibTransId="{275AD810-A4C0-45D4-9D82-32689ED19250}"/>
+    <dgm:cxn modelId="{C63E6208-5221-4DCA-BF4F-1F31BDD64B2F}" srcId="{F452D755-67E6-4419-84C9-4B581C3ED6CF}" destId="{9DAC5840-0606-49FF-AD81-3E7BABCEC404}" srcOrd="2" destOrd="0" parTransId="{D9DC3FB8-5EFF-4FFD-A40D-291D8E0A5CC8}" sibTransId="{8DA8C832-3C53-499F-9B20-97D6799DE5E2}"/>
+    <dgm:cxn modelId="{5C83C991-7CE3-41F4-B663-08646DA04046}" type="presOf" srcId="{2D9E6D83-B60F-46D9-ABFA-5F31B49ABAF5}" destId="{53A51957-38F8-415F-890E-1C6F0A45FCFA}" srcOrd="0" destOrd="4" presId="urn:microsoft.com/office/officeart/2005/8/layout/pList2"/>
+    <dgm:cxn modelId="{5F9A0BF4-DF88-408E-A776-F04C9ACF146D}" type="presOf" srcId="{B2077BFD-C354-481C-BA49-6EEAD9BBA22A}" destId="{53A51957-38F8-415F-890E-1C6F0A45FCFA}" srcOrd="0" destOrd="9" presId="urn:microsoft.com/office/officeart/2005/8/layout/pList2"/>
+    <dgm:cxn modelId="{5C87C85F-B203-473E-9D20-EE596C0CB368}" type="presOf" srcId="{FB0C4F5F-41E1-4455-8539-C64E6BFE63A6}" destId="{D07565E3-C64D-447D-834B-34E47DA23AB5}" srcOrd="0" destOrd="1" presId="urn:microsoft.com/office/officeart/2005/8/layout/pList2"/>
+    <dgm:cxn modelId="{861043C1-A60B-4F58-BBA9-88B272D57EAB}" type="presOf" srcId="{2E5D6054-0487-4FA2-AA15-4EFECCA331D2}" destId="{D07565E3-C64D-447D-834B-34E47DA23AB5}" srcOrd="0" destOrd="2" presId="urn:microsoft.com/office/officeart/2005/8/layout/pList2"/>
+    <dgm:cxn modelId="{5CE7D9E9-804B-405C-A4AF-46BFD0E903A9}" type="presOf" srcId="{84A42DA3-709A-4202-ACA4-912FCC13A4D0}" destId="{53A51957-38F8-415F-890E-1C6F0A45FCFA}" srcOrd="0" destOrd="0" presId="urn:microsoft.com/office/officeart/2005/8/layout/pList2"/>
+    <dgm:cxn modelId="{5CD7A200-1894-49BD-BE94-17232D862CAD}" srcId="{F452D755-67E6-4419-84C9-4B581C3ED6CF}" destId="{486C4AEF-96D1-471D-BEF7-72339A2EA597}" srcOrd="3" destOrd="0" parTransId="{6DD048CC-F9C6-49E5-819E-A6CD1E36350F}" sibTransId="{88516C03-3593-4F1A-B951-22B24CE2E01C}"/>
+    <dgm:cxn modelId="{0B463794-7CAF-4ADA-AD39-57B627A39423}" srcId="{60E49577-854C-4C03-A680-9F13F68D215A}" destId="{B2077BFD-C354-481C-BA49-6EEAD9BBA22A}" srcOrd="0" destOrd="0" parTransId="{B851E437-B215-4814-A1B4-09338416C2BA}" sibTransId="{C21C12AC-EFBD-49A5-8FD7-6B88BE664F1D}"/>
+    <dgm:cxn modelId="{8A211CF7-FFDC-450A-A5EB-156ADEB1EC09}" srcId="{0C8D7C8E-B817-45D6-97F8-E648C42F2BCB}" destId="{F452D755-67E6-4419-84C9-4B581C3ED6CF}" srcOrd="2" destOrd="0" parTransId="{E373F282-4E3D-4A8E-A5CA-2C7F14454182}" sibTransId="{8222FE09-1616-41C5-A033-258EB331E585}"/>
+    <dgm:cxn modelId="{20BEB97D-7546-48BC-A4E3-4B129DA8B324}" type="presOf" srcId="{66DE55FE-7808-4F70-93BB-FD24F86DF2F5}" destId="{705B6E16-F25C-404F-9FE1-D0B8AF972E51}" srcOrd="0" destOrd="5" presId="urn:microsoft.com/office/officeart/2005/8/layout/pList2"/>
+    <dgm:cxn modelId="{2FDA17BD-ABA6-4361-B445-5EE284B4C13A}" srcId="{F452D755-67E6-4419-84C9-4B581C3ED6CF}" destId="{E6C02FDB-7669-4387-9DFE-29EBA3A4A55E}" srcOrd="0" destOrd="0" parTransId="{23B9AAA7-03DB-4568-9892-2F109EF6BFCC}" sibTransId="{C64614E8-DB45-4A7C-800D-B0387F6174D3}"/>
+    <dgm:cxn modelId="{9B64B1EB-44D2-4570-987C-3914ADD05729}" srcId="{43876A20-641C-4B8F-8583-5559871CF253}" destId="{E0C7B6EE-5768-4B8A-8B30-423FF2EDBB83}" srcOrd="1" destOrd="0" parTransId="{5E75EB56-1D5E-4CB9-88B6-2A4F53C05961}" sibTransId="{40C7DC5C-41EC-442C-81B9-2D8E9776847A}"/>
+    <dgm:cxn modelId="{77BC2BF7-7E14-4B6F-8D0D-7B39F51D1827}" type="presOf" srcId="{9DAC5840-0606-49FF-AD81-3E7BABCEC404}" destId="{AB82B5D7-A627-43E0-87BB-B08266D0AC5A}" srcOrd="0" destOrd="6" presId="urn:microsoft.com/office/officeart/2005/8/layout/pList2"/>
+    <dgm:cxn modelId="{5E35A4A1-2F93-4452-8CF4-C2B70F027776}" srcId="{E6C02FDB-7669-4387-9DFE-29EBA3A4A55E}" destId="{5F5C7889-37A8-40EB-9E87-7875C20476C5}" srcOrd="0" destOrd="0" parTransId="{B607DB9C-CC27-4BD4-B0B5-537330C32382}" sibTransId="{F411554B-5125-4540-8889-9D1696EC1AF6}"/>
+    <dgm:cxn modelId="{23A06A06-6A69-45DA-9FCC-99F2185EC229}" srcId="{84A42DA3-709A-4202-ACA4-912FCC13A4D0}" destId="{60E49577-854C-4C03-A680-9F13F68D215A}" srcOrd="3" destOrd="0" parTransId="{ECCED074-8FD1-4F31-BDC6-41C12BA5FCFD}" sibTransId="{FF36FDE9-3DF2-4C7E-B8BE-2301006C5055}"/>
+    <dgm:cxn modelId="{00FBBF40-E926-4D15-84AE-263F0C08200D}" type="presOf" srcId="{E2B57DB9-DF3A-4AC3-8891-4C5C0B6F5A23}" destId="{AB82B5D7-A627-43E0-87BB-B08266D0AC5A}" srcOrd="0" destOrd="5" presId="urn:microsoft.com/office/officeart/2005/8/layout/pList2"/>
+    <dgm:cxn modelId="{524DB1D7-BDF4-47E1-9AB7-19FF9C377994}" type="presOf" srcId="{4FC441B5-ABCA-4773-BA98-925E081597C2}" destId="{D07565E3-C64D-447D-834B-34E47DA23AB5}" srcOrd="0" destOrd="0" presId="urn:microsoft.com/office/officeart/2005/8/layout/pList2"/>
+    <dgm:cxn modelId="{9EA03034-955C-408E-8FF0-E0F3B8B99477}" srcId="{FBA416FB-D432-4F4F-ACD8-7201F59964E6}" destId="{E2B57DB9-DF3A-4AC3-8891-4C5C0B6F5A23}" srcOrd="1" destOrd="0" parTransId="{D330FE22-54E6-4F92-A7FE-ED7DDB062C39}" sibTransId="{3E32DFC0-EACE-45BD-82ED-88C2A40382B6}"/>
+    <dgm:cxn modelId="{A57F750B-DAF4-46AD-AA97-A8C9BB3962BD}" type="presOf" srcId="{8222FE09-1616-41C5-A033-258EB331E585}" destId="{D2AFDB38-35F8-4B8F-83FD-10008204833E}" srcOrd="0" destOrd="0" presId="urn:microsoft.com/office/officeart/2005/8/layout/pList2"/>
+    <dgm:cxn modelId="{3DA745EF-A687-40DD-B589-643608E9EFE0}" srcId="{4FC441B5-ABCA-4773-BA98-925E081597C2}" destId="{43876A20-641C-4B8F-8583-5559871CF253}" srcOrd="3" destOrd="0" parTransId="{8E753960-754B-44C2-9819-2379D103EAF5}" sibTransId="{31BEDEB1-1EA3-4784-8D41-E94737E1758A}"/>
+    <dgm:cxn modelId="{43F79C67-A737-4665-A9F1-BC5425985839}" srcId="{5AF860E6-8C19-43E0-97A3-B3CCFF2BB297}" destId="{51E79EDC-9EFD-4FA9-A16E-A83FABD18A51}" srcOrd="0" destOrd="0" parTransId="{5EBAF32F-77C5-4D1C-B4A9-5B7C6DD1D586}" sibTransId="{031477DA-FF98-473A-8A8D-C5FFCEB1A4E6}"/>
+    <dgm:cxn modelId="{4BB4DEED-BEAD-436E-88A6-9F02756425AF}" srcId="{615B194D-45D0-426C-B6BC-A899A6F5B261}" destId="{A6865933-67A8-4822-BCE7-7FCE80022F97}" srcOrd="0" destOrd="0" parTransId="{4577D274-DCE9-41C4-8DE8-07C3F1EE0F9E}" sibTransId="{891ACC85-3CDC-4BFF-8F58-D1AC86DB5037}"/>
+    <dgm:cxn modelId="{0AEF9ADF-0F62-44DA-8A5D-BDAF82FE46D3}" srcId="{4FC441B5-ABCA-4773-BA98-925E081597C2}" destId="{C97C8E40-97BB-46D4-BE8D-D6E24A53AE1E}" srcOrd="1" destOrd="0" parTransId="{18E398F3-7C51-4BBF-9522-780FF17A8C93}" sibTransId="{4D42BBA8-D532-4D2E-A8C5-4A636EFB2803}"/>
+    <dgm:cxn modelId="{576DFA3B-AA77-4799-9A2B-239476851EB5}" srcId="{C97C8E40-97BB-46D4-BE8D-D6E24A53AE1E}" destId="{7BC467E7-1E36-416C-B693-4C6BFB36EE06}" srcOrd="0" destOrd="0" parTransId="{EF181F7D-7B67-4DA9-B666-E866309EEB54}" sibTransId="{8D8A7EB8-65E1-4645-8F26-A2BE04F2E8B2}"/>
+    <dgm:cxn modelId="{542B1569-DBED-4A86-9866-057EF6CC4BFE}" type="presOf" srcId="{ED98A9DA-417B-41B4-A004-16DD80D2D96D}" destId="{53A51957-38F8-415F-890E-1C6F0A45FCFA}" srcOrd="0" destOrd="1" presId="urn:microsoft.com/office/officeart/2005/8/layout/pList2"/>
+    <dgm:cxn modelId="{798F3564-3918-4024-8605-AF35B3FB1A7D}" srcId="{84A42DA3-709A-4202-ACA4-912FCC13A4D0}" destId="{615B194D-45D0-426C-B6BC-A899A6F5B261}" srcOrd="2" destOrd="0" parTransId="{1EB922DE-B0AA-4369-BFB1-F56F248899D6}" sibTransId="{FC404D6F-9AD3-4C51-98F8-4A16C2D1397B}"/>
+    <dgm:cxn modelId="{A098BF35-C700-4A37-AB1A-C34B91B69427}" type="presOf" srcId="{01F2561F-B950-4FD8-B316-B49181FD0D3C}" destId="{53A51957-38F8-415F-890E-1C6F0A45FCFA}" srcOrd="0" destOrd="3" presId="urn:microsoft.com/office/officeart/2005/8/layout/pList2"/>
+    <dgm:cxn modelId="{A01A46B0-DA0E-457F-990F-F5B9401A6F62}" type="presOf" srcId="{14353971-7A2B-4778-82D1-6F4A5F1DD254}" destId="{D07565E3-C64D-447D-834B-34E47DA23AB5}" srcOrd="0" destOrd="9" presId="urn:microsoft.com/office/officeart/2005/8/layout/pList2"/>
+    <dgm:cxn modelId="{1580DF71-BC42-4D5A-98AE-D8FA1FB2EFEB}" type="presOf" srcId="{5F5C7889-37A8-40EB-9E87-7875C20476C5}" destId="{AB82B5D7-A627-43E0-87BB-B08266D0AC5A}" srcOrd="0" destOrd="2" presId="urn:microsoft.com/office/officeart/2005/8/layout/pList2"/>
+    <dgm:cxn modelId="{94F80D56-5510-45C2-BA36-C1938FB8F229}" srcId="{E09D2F7E-9ADA-4BBB-9646-D8662B72E7D8}" destId="{36FFC36F-FAA6-4D4C-A02A-FF6366D9C7F8}" srcOrd="0" destOrd="0" parTransId="{18FE9BD5-230F-41F1-A059-E2C07568A553}" sibTransId="{CB2DC214-CB5F-46BC-9BD1-BABE03E29F92}"/>
+    <dgm:cxn modelId="{AC32853B-B0EA-497C-9E70-15C8AAA89336}" srcId="{4FC441B5-ABCA-4773-BA98-925E081597C2}" destId="{FB0C4F5F-41E1-4455-8539-C64E6BFE63A6}" srcOrd="0" destOrd="0" parTransId="{32C9C359-7B5C-44AF-A762-945CCEF13DEF}" sibTransId="{7D95DB22-F3B4-4D95-AB4C-F672A5350EE2}"/>
+    <dgm:cxn modelId="{09D3B5EE-E59A-4861-AD04-54D193905DCC}" srcId="{0C8D7C8E-B817-45D6-97F8-E648C42F2BCB}" destId="{84A42DA3-709A-4202-ACA4-912FCC13A4D0}" srcOrd="3" destOrd="0" parTransId="{D45A267E-073D-45F5-950F-13BAB5BCE584}" sibTransId="{3AFB489D-A758-4F49-8936-9D4912B3B551}"/>
+    <dgm:cxn modelId="{5EB0D136-E01A-4D4B-AD16-640DCD8BD106}" srcId="{FA2DBBA2-F706-4C56-8400-9DCD6BDEE061}" destId="{5AF860E6-8C19-43E0-97A3-B3CCFF2BB297}" srcOrd="1" destOrd="0" parTransId="{10FD5583-4A1E-4752-B744-DCE8D5843615}" sibTransId="{A1D39C1D-339D-4A48-A19D-EC3EFE000018}"/>
+    <dgm:cxn modelId="{CD5D2279-6264-4B75-8788-8525A144E618}" srcId="{FA2DBBA2-F706-4C56-8400-9DCD6BDEE061}" destId="{C218C1ED-D0A7-430A-8826-3E699D50AA3A}" srcOrd="0" destOrd="0" parTransId="{24E74EF1-73B2-4E81-8B27-C139C9E1EDEC}" sibTransId="{F6C5CBBB-9EE0-479D-84CB-96168D398971}"/>
+    <dgm:cxn modelId="{6FF01564-49D7-42D9-A135-A5914393FA3C}" type="presOf" srcId="{F452D755-67E6-4419-84C9-4B581C3ED6CF}" destId="{AB82B5D7-A627-43E0-87BB-B08266D0AC5A}" srcOrd="0" destOrd="0" presId="urn:microsoft.com/office/officeart/2005/8/layout/pList2"/>
+    <dgm:cxn modelId="{6F23D877-EFF9-4EDB-820E-27BC0597BA75}" srcId="{9DAC5840-0606-49FF-AD81-3E7BABCEC404}" destId="{E7E9DC4F-004A-48EC-A27F-3D76718DC6C7}" srcOrd="0" destOrd="0" parTransId="{BDFAD55D-8D06-4D05-B28F-85B622747634}" sibTransId="{6AADCBC5-F263-4A05-A9AD-95D74EB8B9AF}"/>
+    <dgm:cxn modelId="{BA904108-2BA9-4795-B6EA-6F4117EE7D14}" srcId="{FB0C4F5F-41E1-4455-8539-C64E6BFE63A6}" destId="{2E5D6054-0487-4FA2-AA15-4EFECCA331D2}" srcOrd="0" destOrd="0" parTransId="{1208BD5E-F90A-47C2-805B-CA113CF629EA}" sibTransId="{C06DC7A6-CCFC-4508-9C52-AC69A0C809A8}"/>
+    <dgm:cxn modelId="{CDEBD2F2-4874-48F1-BF8C-91FB6366B0CC}" type="presOf" srcId="{51E79EDC-9EFD-4FA9-A16E-A83FABD18A51}" destId="{705B6E16-F25C-404F-9FE1-D0B8AF972E51}" srcOrd="0" destOrd="4" presId="urn:microsoft.com/office/officeart/2005/8/layout/pList2"/>
+    <dgm:cxn modelId="{0E67EE4D-C1F0-40E1-A013-DDD34BC2B514}" type="presOf" srcId="{FAC5E69C-A10A-4F3D-AA68-C59CEF3C4DB9}" destId="{AB82B5D7-A627-43E0-87BB-B08266D0AC5A}" srcOrd="0" destOrd="9" presId="urn:microsoft.com/office/officeart/2005/8/layout/pList2"/>
+    <dgm:cxn modelId="{202D03FC-54EB-486D-A834-58E1A5203F51}" type="presOf" srcId="{4FC81FA5-26E8-4CFC-B3AC-F87703767036}" destId="{D1445B81-BDF5-498C-A96E-D95888C3ADF5}" srcOrd="0" destOrd="0" presId="urn:microsoft.com/office/officeart/2005/8/layout/pList2"/>
+    <dgm:cxn modelId="{B8DAE451-623E-4B0A-BDAB-E5254ACAADEF}" type="presOf" srcId="{E7E9DC4F-004A-48EC-A27F-3D76718DC6C7}" destId="{AB82B5D7-A627-43E0-87BB-B08266D0AC5A}" srcOrd="0" destOrd="7" presId="urn:microsoft.com/office/officeart/2005/8/layout/pList2"/>
+    <dgm:cxn modelId="{E9A42F94-028C-4053-91C2-5AD6F2EF3579}" type="presOf" srcId="{43876A20-641C-4B8F-8583-5559871CF253}" destId="{D07565E3-C64D-447D-834B-34E47DA23AB5}" srcOrd="0" destOrd="8" presId="urn:microsoft.com/office/officeart/2005/8/layout/pList2"/>
+    <dgm:cxn modelId="{81A1F9B4-023C-4EB6-B73C-7ABDDF286D13}" srcId="{F452D755-67E6-4419-84C9-4B581C3ED6CF}" destId="{FBA416FB-D432-4F4F-ACD8-7201F59964E6}" srcOrd="1" destOrd="0" parTransId="{E4FC9E8F-8133-489F-8961-EF91F26A127B}" sibTransId="{03AE311F-18A1-4916-9B74-74CE836DC5CD}"/>
+    <dgm:cxn modelId="{A0D6F358-28D8-403E-BA69-BC42080A0E6C}" type="presOf" srcId="{FD1AD48F-19A4-4AC1-9179-684D7B495DC6}" destId="{705B6E16-F25C-404F-9FE1-D0B8AF972E51}" srcOrd="0" destOrd="2" presId="urn:microsoft.com/office/officeart/2005/8/layout/pList2"/>
+    <dgm:cxn modelId="{957AAFD1-8FA1-42C2-A758-196BDCE571A0}" srcId="{ED98A9DA-417B-41B4-A004-16DD80D2D96D}" destId="{90AE4260-9E7D-4495-BDE0-1FA9F5B61829}" srcOrd="0" destOrd="0" parTransId="{D7B62DA5-34E3-4640-B99C-5FE8934021D7}" sibTransId="{7578125F-4634-4723-8F98-186DDDBCE861}"/>
+    <dgm:cxn modelId="{C50BD147-EA2F-43F0-ABEA-A6D6A8DE1F30}" type="presOf" srcId="{5B834EC2-8DDA-4F81-9504-D088FB79145E}" destId="{705B6E16-F25C-404F-9FE1-D0B8AF972E51}" srcOrd="0" destOrd="7" presId="urn:microsoft.com/office/officeart/2005/8/layout/pList2"/>
+    <dgm:cxn modelId="{852E647A-A37D-422B-8965-913C3FD4C40D}" type="presOf" srcId="{C97C8E40-97BB-46D4-BE8D-D6E24A53AE1E}" destId="{D07565E3-C64D-447D-834B-34E47DA23AB5}" srcOrd="0" destOrd="3" presId="urn:microsoft.com/office/officeart/2005/8/layout/pList2"/>
+    <dgm:cxn modelId="{27AA6487-1CD1-4193-A421-59124708B02B}" srcId="{1E97E820-D538-4A52-85A9-9AE8A5920A07}" destId="{5B834EC2-8DDA-4F81-9504-D088FB79145E}" srcOrd="0" destOrd="0" parTransId="{6B82AC47-06F2-4CBE-A7CC-B5EBE57E4A77}" sibTransId="{6F504F6C-B9A0-423F-B6BD-A33DBC89C71F}"/>
+    <dgm:cxn modelId="{7F809470-FE34-4B54-AB2D-E25B0451EC20}" srcId="{FBA416FB-D432-4F4F-ACD8-7201F59964E6}" destId="{C5483148-481F-4908-AAF7-7E38CF7DF6BC}" srcOrd="0" destOrd="0" parTransId="{7C9D0D60-3AA6-45B3-8E0F-99FF9ED9C15D}" sibTransId="{EA2A2803-D330-4B45-A350-1BE47A80B8FD}"/>
+    <dgm:cxn modelId="{647E8316-F818-4E78-BF9B-2C9846DB90DB}" srcId="{C97C8E40-97BB-46D4-BE8D-D6E24A53AE1E}" destId="{C09A9828-70F3-464A-A23C-BDF183DAFA78}" srcOrd="1" destOrd="0" parTransId="{ECBDC056-0C35-4B1A-8964-EBD7A390A9D4}" sibTransId="{C70B79B1-8F99-48E5-AB46-0C85C63CAE40}"/>
+    <dgm:cxn modelId="{E3775481-3BDF-4870-B5B1-288AB10250CD}" type="presParOf" srcId="{0EB4B8BC-E546-4542-BDC9-5451F78BB39A}" destId="{C60AE2FD-89FA-4949-86A1-FF8578D6CE22}" srcOrd="0" destOrd="0" presId="urn:microsoft.com/office/officeart/2005/8/layout/pList2"/>
+    <dgm:cxn modelId="{66401FC1-F68B-4E0F-9853-7FF60C47126B}" type="presParOf" srcId="{0EB4B8BC-E546-4542-BDC9-5451F78BB39A}" destId="{A0D9AB9C-EE96-414C-9012-F771CBC2699A}" srcOrd="1" destOrd="0" presId="urn:microsoft.com/office/officeart/2005/8/layout/pList2"/>
+    <dgm:cxn modelId="{0C4382ED-F783-4C2A-AC8A-6F939639159E}" type="presParOf" srcId="{A0D9AB9C-EE96-414C-9012-F771CBC2699A}" destId="{225E0FEE-3B09-42BE-B615-D684F020085C}" srcOrd="0" destOrd="0" presId="urn:microsoft.com/office/officeart/2005/8/layout/pList2"/>
+    <dgm:cxn modelId="{0D11ABA7-8D01-4D9B-9ADD-382C30982CCA}" type="presParOf" srcId="{225E0FEE-3B09-42BE-B615-D684F020085C}" destId="{705B6E16-F25C-404F-9FE1-D0B8AF972E51}" srcOrd="0" destOrd="0" presId="urn:microsoft.com/office/officeart/2005/8/layout/pList2"/>
+    <dgm:cxn modelId="{F78E01A9-71B1-4D2B-AAD5-F9BAAA755CDA}" type="presParOf" srcId="{225E0FEE-3B09-42BE-B615-D684F020085C}" destId="{F181E480-4499-48A2-87E3-27CB140099ED}" srcOrd="1" destOrd="0" presId="urn:microsoft.com/office/officeart/2005/8/layout/pList2"/>
+    <dgm:cxn modelId="{E29CF8DC-3D2D-4CD9-AF14-0C1D53C5FF3D}" type="presParOf" srcId="{225E0FEE-3B09-42BE-B615-D684F020085C}" destId="{FE1DEF34-FCF3-48C5-90F9-F1AB9D230E3A}" srcOrd="2" destOrd="0" presId="urn:microsoft.com/office/officeart/2005/8/layout/pList2"/>
+    <dgm:cxn modelId="{8163BA22-62CE-435F-B1C1-D3EB07F721AE}" type="presParOf" srcId="{A0D9AB9C-EE96-414C-9012-F771CBC2699A}" destId="{D1445B81-BDF5-498C-A96E-D95888C3ADF5}" srcOrd="1" destOrd="0" presId="urn:microsoft.com/office/officeart/2005/8/layout/pList2"/>
+    <dgm:cxn modelId="{BC55F920-E1FA-4755-9E19-E06EE6E967A0}" type="presParOf" srcId="{A0D9AB9C-EE96-414C-9012-F771CBC2699A}" destId="{70CD73A5-DDA6-4354-BE28-0C9A54B3BE21}" srcOrd="2" destOrd="0" presId="urn:microsoft.com/office/officeart/2005/8/layout/pList2"/>
+    <dgm:cxn modelId="{F178699C-795C-42FB-ACB5-6BA5A5992A2A}" type="presParOf" srcId="{70CD73A5-DDA6-4354-BE28-0C9A54B3BE21}" destId="{D07565E3-C64D-447D-834B-34E47DA23AB5}" srcOrd="0" destOrd="0" presId="urn:microsoft.com/office/officeart/2005/8/layout/pList2"/>
+    <dgm:cxn modelId="{AB69F5D5-4DA1-4510-8E7A-7413243518C1}" type="presParOf" srcId="{70CD73A5-DDA6-4354-BE28-0C9A54B3BE21}" destId="{641C55FA-5255-43F7-8A57-F02EA27E3FD5}" srcOrd="1" destOrd="0" presId="urn:microsoft.com/office/officeart/2005/8/layout/pList2"/>
+    <dgm:cxn modelId="{4AC25D7E-66A9-4AEA-993A-BF6171A317A1}" type="presParOf" srcId="{70CD73A5-DDA6-4354-BE28-0C9A54B3BE21}" destId="{6F0E6511-D43D-46EB-A4A9-FC380DA96B30}" srcOrd="2" destOrd="0" presId="urn:microsoft.com/office/officeart/2005/8/layout/pList2"/>
+    <dgm:cxn modelId="{D672F998-F7F6-475D-83E4-26C0C4509EC9}" type="presParOf" srcId="{A0D9AB9C-EE96-414C-9012-F771CBC2699A}" destId="{52749BC3-F0B4-4D65-88A2-0DE17BA26B31}" srcOrd="3" destOrd="0" presId="urn:microsoft.com/office/officeart/2005/8/layout/pList2"/>
+    <dgm:cxn modelId="{F22009D1-18DA-46EF-B724-07FBC891D491}" type="presParOf" srcId="{A0D9AB9C-EE96-414C-9012-F771CBC2699A}" destId="{93FB92BA-2AC4-49D1-A335-244DAACFD3A5}" srcOrd="4" destOrd="0" presId="urn:microsoft.com/office/officeart/2005/8/layout/pList2"/>
+    <dgm:cxn modelId="{8FD9CEE5-B72F-4BEF-B7F1-677DF172256C}" type="presParOf" srcId="{93FB92BA-2AC4-49D1-A335-244DAACFD3A5}" destId="{AB82B5D7-A627-43E0-87BB-B08266D0AC5A}" srcOrd="0" destOrd="0" presId="urn:microsoft.com/office/officeart/2005/8/layout/pList2"/>
+    <dgm:cxn modelId="{D0EADDE9-8B5C-405C-859D-E4137C76061F}" type="presParOf" srcId="{93FB92BA-2AC4-49D1-A335-244DAACFD3A5}" destId="{80A7B401-B489-4FFA-9301-E9726847AADD}" srcOrd="1" destOrd="0" presId="urn:microsoft.com/office/officeart/2005/8/layout/pList2"/>
+    <dgm:cxn modelId="{E784DCE5-7116-40D3-A5E8-108F92FD1DBB}" type="presParOf" srcId="{93FB92BA-2AC4-49D1-A335-244DAACFD3A5}" destId="{D293988E-CD1B-4955-98D8-C5EEEC3E85A5}" srcOrd="2" destOrd="0" presId="urn:microsoft.com/office/officeart/2005/8/layout/pList2"/>
+    <dgm:cxn modelId="{26E7DA7D-F124-4854-92F5-B57FC50D4682}" type="presParOf" srcId="{A0D9AB9C-EE96-414C-9012-F771CBC2699A}" destId="{D2AFDB38-35F8-4B8F-83FD-10008204833E}" srcOrd="5" destOrd="0" presId="urn:microsoft.com/office/officeart/2005/8/layout/pList2"/>
+    <dgm:cxn modelId="{62C85538-B96B-46BF-803A-559B4373811A}" type="presParOf" srcId="{A0D9AB9C-EE96-414C-9012-F771CBC2699A}" destId="{D74B1B60-5AC5-4BDB-A7BA-C5C2B9F58701}" srcOrd="6" destOrd="0" presId="urn:microsoft.com/office/officeart/2005/8/layout/pList2"/>
+    <dgm:cxn modelId="{BFA4DA42-1758-4A35-BD6C-AA67BF1F6C4B}" type="presParOf" srcId="{D74B1B60-5AC5-4BDB-A7BA-C5C2B9F58701}" destId="{53A51957-38F8-415F-890E-1C6F0A45FCFA}" srcOrd="0" destOrd="0" presId="urn:microsoft.com/office/officeart/2005/8/layout/pList2"/>
+    <dgm:cxn modelId="{A17A7633-6610-4C47-B6DA-DEE7E831813E}" type="presParOf" srcId="{D74B1B60-5AC5-4BDB-A7BA-C5C2B9F58701}" destId="{521ABE7C-A50C-4ED3-A252-0D167304112C}" srcOrd="1" destOrd="0" presId="urn:microsoft.com/office/officeart/2005/8/layout/pList2"/>
+    <dgm:cxn modelId="{79225806-D839-4E31-BD2B-7C9B9E8CEB42}" type="presParOf" srcId="{D74B1B60-5AC5-4BDB-A7BA-C5C2B9F58701}" destId="{C7B42966-148E-4260-9995-C190AEB8C839}" srcOrd="2" destOrd="0" presId="urn:microsoft.com/office/officeart/2005/8/layout/pList2"/>
+  </dgm:cxnLst>
+  <dgm:bg/>
+  <dgm:whole/>
+  <dgm:extLst>
+    <a:ext uri="http://schemas.microsoft.com/office/drawing/2008/diagram">
+      <dsp:dataModelExt xmlns:dsp="http://schemas.microsoft.com/office/drawing/2008/diagram" relId="rId6" minVer="http://schemas.openxmlformats.org/drawingml/2006/diagram"/>
     </a:ext>
   </dgm:extLst>
 </dgm:dataModel>
@@ -3873,6 +6742,1450 @@
 </dsp:drawing>
 </file>
 
+<file path=ppt/diagrams/drawing2.xml><?xml version="1.0" encoding="utf-8"?>
+<dsp:drawing xmlns:dgm="http://schemas.openxmlformats.org/drawingml/2006/diagram" xmlns:dsp="http://schemas.microsoft.com/office/drawing/2008/diagram" xmlns:a="http://schemas.openxmlformats.org/drawingml/2006/main">
+  <dsp:spTree>
+    <dsp:nvGrpSpPr>
+      <dsp:cNvPr id="0" name=""/>
+      <dsp:cNvGrpSpPr/>
+    </dsp:nvGrpSpPr>
+    <dsp:grpSpPr/>
+    <dsp:sp modelId="{C60AE2FD-89FA-4949-86A1-FF8578D6CE22}">
+      <dsp:nvSpPr>
+        <dsp:cNvPr id="0" name=""/>
+        <dsp:cNvSpPr/>
+      </dsp:nvSpPr>
+      <dsp:spPr>
+        <a:xfrm>
+          <a:off x="0" y="0"/>
+          <a:ext cx="12004765" cy="1837903"/>
+        </a:xfrm>
+        <a:prstGeom prst="roundRect">
+          <a:avLst>
+            <a:gd name="adj" fmla="val 10000"/>
+          </a:avLst>
+        </a:prstGeom>
+        <a:solidFill>
+          <a:schemeClr val="accent1">
+            <a:alpha val="90000"/>
+            <a:tint val="40000"/>
+            <a:hueOff val="0"/>
+            <a:satOff val="0"/>
+            <a:lumOff val="0"/>
+            <a:alphaOff val="0"/>
+          </a:schemeClr>
+        </a:solidFill>
+        <a:ln w="15875" cap="flat" cmpd="sng" algn="ctr">
+          <a:solidFill>
+            <a:schemeClr val="accent1">
+              <a:alpha val="90000"/>
+              <a:tint val="40000"/>
+              <a:hueOff val="0"/>
+              <a:satOff val="0"/>
+              <a:lumOff val="0"/>
+              <a:alphaOff val="0"/>
+            </a:schemeClr>
+          </a:solidFill>
+          <a:prstDash val="solid"/>
+        </a:ln>
+        <a:effectLst/>
+      </dsp:spPr>
+      <dsp:style>
+        <a:lnRef idx="2">
+          <a:scrgbClr r="0" g="0" b="0"/>
+        </a:lnRef>
+        <a:fillRef idx="1">
+          <a:scrgbClr r="0" g="0" b="0"/>
+        </a:fillRef>
+        <a:effectRef idx="0">
+          <a:scrgbClr r="0" g="0" b="0"/>
+        </a:effectRef>
+        <a:fontRef idx="minor"/>
+      </dsp:style>
+    </dsp:sp>
+    <dsp:sp modelId="{FE1DEF34-FCF3-48C5-90F9-F1AB9D230E3A}">
+      <dsp:nvSpPr>
+        <dsp:cNvPr id="0" name=""/>
+        <dsp:cNvSpPr/>
+      </dsp:nvSpPr>
+      <dsp:spPr>
+        <a:xfrm>
+          <a:off x="363448" y="245053"/>
+          <a:ext cx="2622759" cy="1347795"/>
+        </a:xfrm>
+        <a:prstGeom prst="roundRect">
+          <a:avLst>
+            <a:gd name="adj" fmla="val 10000"/>
+          </a:avLst>
+        </a:prstGeom>
+        <a:blipFill>
+          <a:blip xmlns:r="http://schemas.openxmlformats.org/officeDocument/2006/relationships" r:embed="rId1">
+            <a:extLst>
+              <a:ext uri="{28A0092B-C50C-407E-A947-70E740481C1C}">
+                <a14:useLocalDpi xmlns:a14="http://schemas.microsoft.com/office/drawing/2010/main" val="0"/>
+              </a:ext>
+            </a:extLst>
+          </a:blip>
+          <a:srcRect/>
+          <a:stretch>
+            <a:fillRect t="-40000" b="-40000"/>
+          </a:stretch>
+        </a:blipFill>
+        <a:ln w="15875" cap="flat" cmpd="sng" algn="ctr">
+          <a:solidFill>
+            <a:schemeClr val="lt1">
+              <a:hueOff val="0"/>
+              <a:satOff val="0"/>
+              <a:lumOff val="0"/>
+              <a:alphaOff val="0"/>
+            </a:schemeClr>
+          </a:solidFill>
+          <a:prstDash val="solid"/>
+        </a:ln>
+        <a:effectLst/>
+      </dsp:spPr>
+      <dsp:style>
+        <a:lnRef idx="2">
+          <a:scrgbClr r="0" g="0" b="0"/>
+        </a:lnRef>
+        <a:fillRef idx="1">
+          <a:scrgbClr r="0" g="0" b="0"/>
+        </a:fillRef>
+        <a:effectRef idx="0">
+          <a:scrgbClr r="0" g="0" b="0"/>
+        </a:effectRef>
+        <a:fontRef idx="minor"/>
+      </dsp:style>
+    </dsp:sp>
+    <dsp:sp modelId="{705B6E16-F25C-404F-9FE1-D0B8AF972E51}">
+      <dsp:nvSpPr>
+        <dsp:cNvPr id="0" name=""/>
+        <dsp:cNvSpPr/>
+      </dsp:nvSpPr>
+      <dsp:spPr>
+        <a:xfrm rot="10800000">
+          <a:off x="363448" y="1837903"/>
+          <a:ext cx="2622759" cy="2246325"/>
+        </a:xfrm>
+        <a:prstGeom prst="round2SameRect">
+          <a:avLst>
+            <a:gd name="adj1" fmla="val 10500"/>
+            <a:gd name="adj2" fmla="val 0"/>
+          </a:avLst>
+        </a:prstGeom>
+        <a:solidFill>
+          <a:schemeClr val="accent1">
+            <a:hueOff val="0"/>
+            <a:satOff val="0"/>
+            <a:lumOff val="0"/>
+            <a:alphaOff val="0"/>
+          </a:schemeClr>
+        </a:solidFill>
+        <a:ln w="15875" cap="flat" cmpd="sng" algn="ctr">
+          <a:solidFill>
+            <a:schemeClr val="lt1">
+              <a:hueOff val="0"/>
+              <a:satOff val="0"/>
+              <a:lumOff val="0"/>
+              <a:alphaOff val="0"/>
+            </a:schemeClr>
+          </a:solidFill>
+          <a:prstDash val="solid"/>
+        </a:ln>
+        <a:effectLst/>
+      </dsp:spPr>
+      <dsp:style>
+        <a:lnRef idx="2">
+          <a:scrgbClr r="0" g="0" b="0"/>
+        </a:lnRef>
+        <a:fillRef idx="1">
+          <a:scrgbClr r="0" g="0" b="0"/>
+        </a:fillRef>
+        <a:effectRef idx="0">
+          <a:scrgbClr r="0" g="0" b="0"/>
+        </a:effectRef>
+        <a:fontRef idx="minor">
+          <a:schemeClr val="lt1"/>
+        </a:fontRef>
+      </dsp:style>
+      <dsp:txBody>
+        <a:bodyPr spcFirstLastPara="0" vert="horz" wrap="square" lIns="85344" tIns="85344" rIns="85344" bIns="85344" numCol="1" spcCol="1270" anchor="t" anchorCtr="0">
+          <a:noAutofit/>
+        </a:bodyPr>
+        <a:lstStyle/>
+        <a:p>
+          <a:pPr lvl="0" algn="l" defTabSz="533400">
+            <a:lnSpc>
+              <a:spcPct val="90000"/>
+            </a:lnSpc>
+            <a:spcBef>
+              <a:spcPct val="0"/>
+            </a:spcBef>
+            <a:spcAft>
+              <a:spcPct val="35000"/>
+            </a:spcAft>
+          </a:pPr>
+          <a:r>
+            <a:rPr lang="fr-FR" sz="1200" b="1" kern="1200" dirty="0" smtClean="0">
+              <a:effectLst>
+                <a:outerShdw blurRad="38100" dist="38100" dir="2700000" algn="tl">
+                  <a:srgbClr val="000000">
+                    <a:alpha val="43137"/>
+                  </a:srgbClr>
+                </a:outerShdw>
+              </a:effectLst>
+            </a:rPr>
+            <a:t>Mélanie Giraud</a:t>
+          </a:r>
+          <a:endParaRPr lang="fr-FR" sz="1200" b="1" kern="1200" dirty="0">
+            <a:effectLst>
+              <a:outerShdw blurRad="38100" dist="38100" dir="2700000" algn="tl">
+                <a:srgbClr val="000000">
+                  <a:alpha val="43137"/>
+                </a:srgbClr>
+              </a:outerShdw>
+            </a:effectLst>
+          </a:endParaRPr>
+        </a:p>
+        <a:p>
+          <a:pPr marL="57150" lvl="1" indent="-57150" algn="l" defTabSz="444500">
+            <a:lnSpc>
+              <a:spcPct val="90000"/>
+            </a:lnSpc>
+            <a:spcBef>
+              <a:spcPct val="0"/>
+            </a:spcBef>
+            <a:spcAft>
+              <a:spcPct val="15000"/>
+            </a:spcAft>
+            <a:buChar char="••"/>
+          </a:pPr>
+          <a:r>
+            <a:rPr lang="fr-FR" sz="1000" b="1" kern="1200" dirty="0" smtClean="0"/>
+            <a:t>Intéressée par :</a:t>
+          </a:r>
+          <a:endParaRPr lang="fr-FR" sz="1000" b="1" kern="1200" dirty="0"/>
+        </a:p>
+        <a:p>
+          <a:pPr marL="114300" lvl="2" indent="-57150" algn="l" defTabSz="444500">
+            <a:lnSpc>
+              <a:spcPct val="90000"/>
+            </a:lnSpc>
+            <a:spcBef>
+              <a:spcPct val="0"/>
+            </a:spcBef>
+            <a:spcAft>
+              <a:spcPct val="15000"/>
+            </a:spcAft>
+            <a:buChar char="••"/>
+          </a:pPr>
+          <a:r>
+            <a:rPr lang="fr-FR" sz="1000" kern="1200" dirty="0" smtClean="0"/>
+            <a:t>Électronique embarquée en général, plus domotique et robotique.</a:t>
+          </a:r>
+          <a:endParaRPr lang="fr-FR" sz="1000" kern="1200" dirty="0"/>
+        </a:p>
+        <a:p>
+          <a:pPr marL="57150" lvl="1" indent="-57150" algn="l" defTabSz="444500">
+            <a:lnSpc>
+              <a:spcPct val="90000"/>
+            </a:lnSpc>
+            <a:spcBef>
+              <a:spcPct val="0"/>
+            </a:spcBef>
+            <a:spcAft>
+              <a:spcPct val="15000"/>
+            </a:spcAft>
+            <a:buChar char="••"/>
+          </a:pPr>
+          <a:r>
+            <a:rPr lang="fr-FR" sz="1000" b="1" kern="1200" dirty="0" smtClean="0"/>
+            <a:t>Caractère :</a:t>
+          </a:r>
+          <a:endParaRPr lang="fr-FR" sz="1000" b="1" kern="1200" dirty="0"/>
+        </a:p>
+        <a:p>
+          <a:pPr marL="114300" lvl="2" indent="-57150" algn="l" defTabSz="444500">
+            <a:lnSpc>
+              <a:spcPct val="90000"/>
+            </a:lnSpc>
+            <a:spcBef>
+              <a:spcPct val="0"/>
+            </a:spcBef>
+            <a:spcAft>
+              <a:spcPct val="15000"/>
+            </a:spcAft>
+            <a:buChar char="••"/>
+          </a:pPr>
+          <a:r>
+            <a:rPr lang="fr-FR" sz="1000" b="0" kern="1200" dirty="0" smtClean="0"/>
+            <a:t>N’aime pas lire du cours, ou vraiment s’il y en a peu.</a:t>
+          </a:r>
+          <a:endParaRPr lang="fr-FR" sz="1000" b="0" kern="1200" dirty="0"/>
+        </a:p>
+        <a:p>
+          <a:pPr marL="114300" lvl="2" indent="-57150" algn="l" defTabSz="444500">
+            <a:lnSpc>
+              <a:spcPct val="90000"/>
+            </a:lnSpc>
+            <a:spcBef>
+              <a:spcPct val="0"/>
+            </a:spcBef>
+            <a:spcAft>
+              <a:spcPct val="15000"/>
+            </a:spcAft>
+            <a:buChar char="••"/>
+          </a:pPr>
+          <a:r>
+            <a:rPr lang="fr-FR" sz="1000" b="0" kern="1200" dirty="0" smtClean="0"/>
+            <a:t>Est autodidacte.</a:t>
+          </a:r>
+          <a:endParaRPr lang="fr-FR" sz="1000" b="0" kern="1200" dirty="0"/>
+        </a:p>
+        <a:p>
+          <a:pPr marL="57150" lvl="1" indent="-57150" algn="l" defTabSz="444500">
+            <a:lnSpc>
+              <a:spcPct val="90000"/>
+            </a:lnSpc>
+            <a:spcBef>
+              <a:spcPct val="0"/>
+            </a:spcBef>
+            <a:spcAft>
+              <a:spcPct val="15000"/>
+            </a:spcAft>
+            <a:buChar char="••"/>
+          </a:pPr>
+          <a:r>
+            <a:rPr lang="fr-FR" sz="1000" b="1" kern="1200" dirty="0" err="1" smtClean="0"/>
+            <a:t>Arduino</a:t>
+          </a:r>
+          <a:r>
+            <a:rPr lang="fr-FR" sz="1000" b="1" kern="1200" dirty="0" smtClean="0"/>
+            <a:t> :</a:t>
+          </a:r>
+          <a:endParaRPr lang="fr-FR" sz="1000" b="1" kern="1200" dirty="0"/>
+        </a:p>
+        <a:p>
+          <a:pPr marL="114300" lvl="2" indent="-57150" algn="l" defTabSz="444500">
+            <a:lnSpc>
+              <a:spcPct val="90000"/>
+            </a:lnSpc>
+            <a:spcBef>
+              <a:spcPct val="0"/>
+            </a:spcBef>
+            <a:spcAft>
+              <a:spcPct val="15000"/>
+            </a:spcAft>
+            <a:buChar char="••"/>
+          </a:pPr>
+          <a:r>
+            <a:rPr lang="fr-FR" sz="1000" b="0" kern="1200" dirty="0" smtClean="0"/>
+            <a:t>Ne connait pas forcément</a:t>
+          </a:r>
+          <a:endParaRPr lang="fr-FR" sz="1000" b="0" kern="1200" dirty="0"/>
+        </a:p>
+        <a:p>
+          <a:pPr marL="57150" lvl="1" indent="-57150" algn="l" defTabSz="444500">
+            <a:lnSpc>
+              <a:spcPct val="90000"/>
+            </a:lnSpc>
+            <a:spcBef>
+              <a:spcPct val="0"/>
+            </a:spcBef>
+            <a:spcAft>
+              <a:spcPct val="15000"/>
+            </a:spcAft>
+            <a:buChar char="••"/>
+          </a:pPr>
+          <a:r>
+            <a:rPr lang="fr-FR" sz="1000" b="1" kern="1200" dirty="0" smtClean="0"/>
+            <a:t>Niveau :</a:t>
+          </a:r>
+          <a:endParaRPr lang="fr-FR" sz="1000" b="1" kern="1200" dirty="0"/>
+        </a:p>
+        <a:p>
+          <a:pPr marL="114300" lvl="2" indent="-57150" algn="l" defTabSz="444500">
+            <a:lnSpc>
+              <a:spcPct val="90000"/>
+            </a:lnSpc>
+            <a:spcBef>
+              <a:spcPct val="0"/>
+            </a:spcBef>
+            <a:spcAft>
+              <a:spcPct val="15000"/>
+            </a:spcAft>
+            <a:buChar char="••"/>
+          </a:pPr>
+          <a:r>
+            <a:rPr lang="fr-FR" sz="1000" b="0" kern="1200" dirty="0" smtClean="0"/>
+            <a:t>N’a jamais vraiment programmée, peu de connaissance mais voudrait acquérir les bases.</a:t>
+          </a:r>
+          <a:endParaRPr lang="fr-FR" sz="1000" b="0" kern="1200" dirty="0"/>
+        </a:p>
+      </dsp:txBody>
+      <dsp:txXfrm rot="10800000">
+        <a:off x="432530" y="1837903"/>
+        <a:ext cx="2484595" cy="2177243"/>
+      </dsp:txXfrm>
+    </dsp:sp>
+    <dsp:sp modelId="{6F0E6511-D43D-46EB-A4A9-FC380DA96B30}">
+      <dsp:nvSpPr>
+        <dsp:cNvPr id="0" name=""/>
+        <dsp:cNvSpPr/>
+      </dsp:nvSpPr>
+      <dsp:spPr>
+        <a:xfrm>
+          <a:off x="3248484" y="245053"/>
+          <a:ext cx="2622759" cy="1347795"/>
+        </a:xfrm>
+        <a:prstGeom prst="roundRect">
+          <a:avLst>
+            <a:gd name="adj" fmla="val 10000"/>
+          </a:avLst>
+        </a:prstGeom>
+        <a:blipFill>
+          <a:blip xmlns:r="http://schemas.openxmlformats.org/officeDocument/2006/relationships" r:embed="rId2">
+            <a:extLst>
+              <a:ext uri="{28A0092B-C50C-407E-A947-70E740481C1C}">
+                <a14:useLocalDpi xmlns:a14="http://schemas.microsoft.com/office/drawing/2010/main" val="0"/>
+              </a:ext>
+            </a:extLst>
+          </a:blip>
+          <a:srcRect/>
+          <a:stretch>
+            <a:fillRect t="-42000" b="-42000"/>
+          </a:stretch>
+        </a:blipFill>
+        <a:ln w="15875" cap="flat" cmpd="sng" algn="ctr">
+          <a:solidFill>
+            <a:schemeClr val="lt1">
+              <a:hueOff val="0"/>
+              <a:satOff val="0"/>
+              <a:lumOff val="0"/>
+              <a:alphaOff val="0"/>
+            </a:schemeClr>
+          </a:solidFill>
+          <a:prstDash val="solid"/>
+        </a:ln>
+        <a:effectLst/>
+      </dsp:spPr>
+      <dsp:style>
+        <a:lnRef idx="2">
+          <a:scrgbClr r="0" g="0" b="0"/>
+        </a:lnRef>
+        <a:fillRef idx="1">
+          <a:scrgbClr r="0" g="0" b="0"/>
+        </a:fillRef>
+        <a:effectRef idx="0">
+          <a:scrgbClr r="0" g="0" b="0"/>
+        </a:effectRef>
+        <a:fontRef idx="minor"/>
+      </dsp:style>
+    </dsp:sp>
+    <dsp:sp modelId="{D07565E3-C64D-447D-834B-34E47DA23AB5}">
+      <dsp:nvSpPr>
+        <dsp:cNvPr id="0" name=""/>
+        <dsp:cNvSpPr/>
+      </dsp:nvSpPr>
+      <dsp:spPr>
+        <a:xfrm rot="10800000">
+          <a:off x="3248484" y="1837903"/>
+          <a:ext cx="2622759" cy="2246325"/>
+        </a:xfrm>
+        <a:prstGeom prst="round2SameRect">
+          <a:avLst>
+            <a:gd name="adj1" fmla="val 10500"/>
+            <a:gd name="adj2" fmla="val 0"/>
+          </a:avLst>
+        </a:prstGeom>
+        <a:solidFill>
+          <a:schemeClr val="accent1">
+            <a:hueOff val="0"/>
+            <a:satOff val="0"/>
+            <a:lumOff val="0"/>
+            <a:alphaOff val="0"/>
+          </a:schemeClr>
+        </a:solidFill>
+        <a:ln w="15875" cap="flat" cmpd="sng" algn="ctr">
+          <a:solidFill>
+            <a:schemeClr val="lt1">
+              <a:hueOff val="0"/>
+              <a:satOff val="0"/>
+              <a:lumOff val="0"/>
+              <a:alphaOff val="0"/>
+            </a:schemeClr>
+          </a:solidFill>
+          <a:prstDash val="solid"/>
+        </a:ln>
+        <a:effectLst/>
+      </dsp:spPr>
+      <dsp:style>
+        <a:lnRef idx="2">
+          <a:scrgbClr r="0" g="0" b="0"/>
+        </a:lnRef>
+        <a:fillRef idx="1">
+          <a:scrgbClr r="0" g="0" b="0"/>
+        </a:fillRef>
+        <a:effectRef idx="0">
+          <a:scrgbClr r="0" g="0" b="0"/>
+        </a:effectRef>
+        <a:fontRef idx="minor">
+          <a:schemeClr val="lt1"/>
+        </a:fontRef>
+      </dsp:style>
+      <dsp:txBody>
+        <a:bodyPr spcFirstLastPara="0" vert="horz" wrap="square" lIns="85344" tIns="85344" rIns="85344" bIns="85344" numCol="1" spcCol="1270" anchor="t" anchorCtr="0">
+          <a:noAutofit/>
+        </a:bodyPr>
+        <a:lstStyle/>
+        <a:p>
+          <a:pPr lvl="0" algn="l" defTabSz="533400">
+            <a:lnSpc>
+              <a:spcPct val="90000"/>
+            </a:lnSpc>
+            <a:spcBef>
+              <a:spcPct val="0"/>
+            </a:spcBef>
+            <a:spcAft>
+              <a:spcPct val="35000"/>
+            </a:spcAft>
+          </a:pPr>
+          <a:r>
+            <a:rPr lang="fr-FR" sz="1200" b="1" kern="1200" dirty="0" smtClean="0">
+              <a:effectLst>
+                <a:outerShdw blurRad="38100" dist="38100" dir="2700000" algn="tl">
+                  <a:srgbClr val="000000">
+                    <a:alpha val="43137"/>
+                  </a:srgbClr>
+                </a:outerShdw>
+              </a:effectLst>
+            </a:rPr>
+            <a:t>Ophélie </a:t>
+          </a:r>
+          <a:r>
+            <a:rPr lang="fr-FR" sz="1200" b="1" kern="1200" dirty="0" err="1" smtClean="0">
+              <a:effectLst>
+                <a:outerShdw blurRad="38100" dist="38100" dir="2700000" algn="tl">
+                  <a:srgbClr val="000000">
+                    <a:alpha val="43137"/>
+                  </a:srgbClr>
+                </a:outerShdw>
+              </a:effectLst>
+            </a:rPr>
+            <a:t>Frênet</a:t>
+          </a:r>
+          <a:endParaRPr lang="fr-FR" sz="1200" b="1" kern="1200" dirty="0">
+            <a:effectLst>
+              <a:outerShdw blurRad="38100" dist="38100" dir="2700000" algn="tl">
+                <a:srgbClr val="000000">
+                  <a:alpha val="43137"/>
+                </a:srgbClr>
+              </a:outerShdw>
+            </a:effectLst>
+          </a:endParaRPr>
+        </a:p>
+        <a:p>
+          <a:pPr marL="57150" lvl="1" indent="-57150" algn="l" defTabSz="422275">
+            <a:lnSpc>
+              <a:spcPct val="90000"/>
+            </a:lnSpc>
+            <a:spcBef>
+              <a:spcPct val="0"/>
+            </a:spcBef>
+            <a:spcAft>
+              <a:spcPct val="15000"/>
+            </a:spcAft>
+            <a:buChar char="••"/>
+          </a:pPr>
+          <a:r>
+            <a:rPr lang="fr-FR" sz="950" b="1" kern="1200" dirty="0" smtClean="0"/>
+            <a:t>Intéressé par :</a:t>
+          </a:r>
+          <a:endParaRPr lang="fr-FR" sz="950" b="1" kern="1200" dirty="0"/>
+        </a:p>
+        <a:p>
+          <a:pPr marL="114300" lvl="2" indent="-57150" algn="l" defTabSz="422275">
+            <a:lnSpc>
+              <a:spcPct val="90000"/>
+            </a:lnSpc>
+            <a:spcBef>
+              <a:spcPct val="0"/>
+            </a:spcBef>
+            <a:spcAft>
+              <a:spcPct val="15000"/>
+            </a:spcAft>
+            <a:buChar char="••"/>
+          </a:pPr>
+          <a:r>
+            <a:rPr lang="fr-FR" sz="950" kern="1200" dirty="0" smtClean="0"/>
+            <a:t>Électronique embarquée en général, s’intéresse à tout.</a:t>
+          </a:r>
+          <a:endParaRPr lang="fr-FR" sz="950" kern="1200" dirty="0"/>
+        </a:p>
+        <a:p>
+          <a:pPr marL="57150" lvl="1" indent="-57150" algn="l" defTabSz="422275">
+            <a:lnSpc>
+              <a:spcPct val="90000"/>
+            </a:lnSpc>
+            <a:spcBef>
+              <a:spcPct val="0"/>
+            </a:spcBef>
+            <a:spcAft>
+              <a:spcPct val="15000"/>
+            </a:spcAft>
+            <a:buChar char="••"/>
+          </a:pPr>
+          <a:r>
+            <a:rPr lang="fr-FR" sz="950" b="1" kern="1200" dirty="0" smtClean="0"/>
+            <a:t>Caractère :</a:t>
+          </a:r>
+          <a:endParaRPr lang="fr-FR" sz="950" b="1" kern="1200" dirty="0"/>
+        </a:p>
+        <a:p>
+          <a:pPr marL="114300" lvl="2" indent="-57150" algn="l" defTabSz="422275">
+            <a:lnSpc>
+              <a:spcPct val="90000"/>
+            </a:lnSpc>
+            <a:spcBef>
+              <a:spcPct val="0"/>
+            </a:spcBef>
+            <a:spcAft>
+              <a:spcPct val="15000"/>
+            </a:spcAft>
+            <a:buChar char="••"/>
+          </a:pPr>
+          <a:r>
+            <a:rPr lang="fr-FR" sz="950" kern="1200" dirty="0" smtClean="0"/>
+            <a:t>Peut lire du cours s’il n’y en a pas beaucoup.</a:t>
+          </a:r>
+          <a:endParaRPr lang="fr-FR" sz="950" kern="1200" dirty="0"/>
+        </a:p>
+        <a:p>
+          <a:pPr marL="114300" lvl="2" indent="-57150" algn="l" defTabSz="422275">
+            <a:lnSpc>
+              <a:spcPct val="90000"/>
+            </a:lnSpc>
+            <a:spcBef>
+              <a:spcPct val="0"/>
+            </a:spcBef>
+            <a:spcAft>
+              <a:spcPct val="15000"/>
+            </a:spcAft>
+            <a:buChar char="••"/>
+          </a:pPr>
+          <a:r>
+            <a:rPr lang="fr-FR" sz="950" kern="1200" dirty="0" smtClean="0"/>
+            <a:t>Pas vraiment autodidacte.</a:t>
+          </a:r>
+          <a:endParaRPr lang="fr-FR" sz="950" kern="1200" dirty="0"/>
+        </a:p>
+        <a:p>
+          <a:pPr marL="57150" lvl="1" indent="-57150" algn="l" defTabSz="422275">
+            <a:lnSpc>
+              <a:spcPct val="90000"/>
+            </a:lnSpc>
+            <a:spcBef>
+              <a:spcPct val="0"/>
+            </a:spcBef>
+            <a:spcAft>
+              <a:spcPct val="15000"/>
+            </a:spcAft>
+            <a:buChar char="••"/>
+          </a:pPr>
+          <a:r>
+            <a:rPr lang="fr-FR" sz="950" b="1" kern="1200" dirty="0" err="1" smtClean="0"/>
+            <a:t>Arduino</a:t>
+          </a:r>
+          <a:r>
+            <a:rPr lang="fr-FR" sz="950" b="1" kern="1200" dirty="0" smtClean="0"/>
+            <a:t> :</a:t>
+          </a:r>
+          <a:endParaRPr lang="fr-FR" sz="950" b="1" kern="1200" dirty="0"/>
+        </a:p>
+        <a:p>
+          <a:pPr marL="114300" lvl="2" indent="-57150" algn="l" defTabSz="422275">
+            <a:lnSpc>
+              <a:spcPct val="90000"/>
+            </a:lnSpc>
+            <a:spcBef>
+              <a:spcPct val="0"/>
+            </a:spcBef>
+            <a:spcAft>
+              <a:spcPct val="15000"/>
+            </a:spcAft>
+            <a:buChar char="••"/>
+          </a:pPr>
+          <a:r>
+            <a:rPr lang="fr-FR" sz="950" kern="1200" dirty="0" smtClean="0"/>
+            <a:t>Connait vaguement.</a:t>
+          </a:r>
+          <a:endParaRPr lang="fr-FR" sz="950" kern="1200" dirty="0"/>
+        </a:p>
+        <a:p>
+          <a:pPr marL="57150" lvl="1" indent="-57150" algn="l" defTabSz="422275">
+            <a:lnSpc>
+              <a:spcPct val="90000"/>
+            </a:lnSpc>
+            <a:spcBef>
+              <a:spcPct val="0"/>
+            </a:spcBef>
+            <a:spcAft>
+              <a:spcPct val="15000"/>
+            </a:spcAft>
+            <a:buChar char="••"/>
+          </a:pPr>
+          <a:r>
+            <a:rPr lang="fr-FR" sz="950" b="1" kern="1200" dirty="0" smtClean="0"/>
+            <a:t>Niveau :</a:t>
+          </a:r>
+          <a:endParaRPr lang="fr-FR" sz="950" b="1" kern="1200" dirty="0"/>
+        </a:p>
+        <a:p>
+          <a:pPr marL="114300" lvl="2" indent="-57150" algn="l" defTabSz="422275">
+            <a:lnSpc>
+              <a:spcPct val="90000"/>
+            </a:lnSpc>
+            <a:spcBef>
+              <a:spcPct val="0"/>
+            </a:spcBef>
+            <a:spcAft>
+              <a:spcPct val="15000"/>
+            </a:spcAft>
+            <a:buChar char="••"/>
+          </a:pPr>
+          <a:r>
+            <a:rPr lang="fr-FR" sz="950" kern="1200" dirty="0" smtClean="0"/>
+            <a:t>Connait plus ou moins les bases en programmation.</a:t>
+          </a:r>
+          <a:endParaRPr lang="fr-FR" sz="950" kern="1200" dirty="0"/>
+        </a:p>
+        <a:p>
+          <a:pPr marL="114300" lvl="2" indent="-57150" algn="l" defTabSz="422275">
+            <a:lnSpc>
+              <a:spcPct val="90000"/>
+            </a:lnSpc>
+            <a:spcBef>
+              <a:spcPct val="0"/>
+            </a:spcBef>
+            <a:spcAft>
+              <a:spcPct val="15000"/>
+            </a:spcAft>
+            <a:buChar char="••"/>
+          </a:pPr>
+          <a:r>
+            <a:rPr lang="fr-FR" sz="950" kern="1200" dirty="0" smtClean="0"/>
+            <a:t>Voudrait acquérir un niveau avancé en Arduino.</a:t>
+          </a:r>
+          <a:endParaRPr lang="fr-FR" sz="950" kern="1200" dirty="0"/>
+        </a:p>
+      </dsp:txBody>
+      <dsp:txXfrm rot="10800000">
+        <a:off x="3317566" y="1837903"/>
+        <a:ext cx="2484595" cy="2177243"/>
+      </dsp:txXfrm>
+    </dsp:sp>
+    <dsp:sp modelId="{D293988E-CD1B-4955-98D8-C5EEEC3E85A5}">
+      <dsp:nvSpPr>
+        <dsp:cNvPr id="0" name=""/>
+        <dsp:cNvSpPr/>
+      </dsp:nvSpPr>
+      <dsp:spPr>
+        <a:xfrm>
+          <a:off x="6133520" y="245053"/>
+          <a:ext cx="2622759" cy="1347795"/>
+        </a:xfrm>
+        <a:prstGeom prst="roundRect">
+          <a:avLst>
+            <a:gd name="adj" fmla="val 10000"/>
+          </a:avLst>
+        </a:prstGeom>
+        <a:blipFill>
+          <a:blip xmlns:r="http://schemas.openxmlformats.org/officeDocument/2006/relationships" r:embed="rId3">
+            <a:extLst>
+              <a:ext uri="{28A0092B-C50C-407E-A947-70E740481C1C}">
+                <a14:useLocalDpi xmlns:a14="http://schemas.microsoft.com/office/drawing/2010/main" val="0"/>
+              </a:ext>
+            </a:extLst>
+          </a:blip>
+          <a:srcRect/>
+          <a:stretch>
+            <a:fillRect t="-28000" b="-28000"/>
+          </a:stretch>
+        </a:blipFill>
+        <a:ln w="15875" cap="flat" cmpd="sng" algn="ctr">
+          <a:solidFill>
+            <a:schemeClr val="lt1">
+              <a:hueOff val="0"/>
+              <a:satOff val="0"/>
+              <a:lumOff val="0"/>
+              <a:alphaOff val="0"/>
+            </a:schemeClr>
+          </a:solidFill>
+          <a:prstDash val="solid"/>
+        </a:ln>
+        <a:effectLst/>
+      </dsp:spPr>
+      <dsp:style>
+        <a:lnRef idx="2">
+          <a:scrgbClr r="0" g="0" b="0"/>
+        </a:lnRef>
+        <a:fillRef idx="1">
+          <a:scrgbClr r="0" g="0" b="0"/>
+        </a:fillRef>
+        <a:effectRef idx="0">
+          <a:scrgbClr r="0" g="0" b="0"/>
+        </a:effectRef>
+        <a:fontRef idx="minor"/>
+      </dsp:style>
+    </dsp:sp>
+    <dsp:sp modelId="{AB82B5D7-A627-43E0-87BB-B08266D0AC5A}">
+      <dsp:nvSpPr>
+        <dsp:cNvPr id="0" name=""/>
+        <dsp:cNvSpPr/>
+      </dsp:nvSpPr>
+      <dsp:spPr>
+        <a:xfrm rot="10800000">
+          <a:off x="6133520" y="1837903"/>
+          <a:ext cx="2622759" cy="2246325"/>
+        </a:xfrm>
+        <a:prstGeom prst="round2SameRect">
+          <a:avLst>
+            <a:gd name="adj1" fmla="val 10500"/>
+            <a:gd name="adj2" fmla="val 0"/>
+          </a:avLst>
+        </a:prstGeom>
+        <a:solidFill>
+          <a:srgbClr val="AC5C2A"/>
+        </a:solidFill>
+        <a:ln w="15875" cap="flat" cmpd="sng" algn="ctr">
+          <a:solidFill>
+            <a:schemeClr val="lt1">
+              <a:hueOff val="0"/>
+              <a:satOff val="0"/>
+              <a:lumOff val="0"/>
+              <a:alphaOff val="0"/>
+            </a:schemeClr>
+          </a:solidFill>
+          <a:prstDash val="solid"/>
+        </a:ln>
+        <a:effectLst/>
+      </dsp:spPr>
+      <dsp:style>
+        <a:lnRef idx="2">
+          <a:scrgbClr r="0" g="0" b="0"/>
+        </a:lnRef>
+        <a:fillRef idx="1">
+          <a:scrgbClr r="0" g="0" b="0"/>
+        </a:fillRef>
+        <a:effectRef idx="0">
+          <a:scrgbClr r="0" g="0" b="0"/>
+        </a:effectRef>
+        <a:fontRef idx="minor">
+          <a:schemeClr val="lt1"/>
+        </a:fontRef>
+      </dsp:style>
+      <dsp:txBody>
+        <a:bodyPr spcFirstLastPara="0" vert="horz" wrap="square" lIns="78232" tIns="78232" rIns="78232" bIns="78232" numCol="1" spcCol="1270" anchor="t" anchorCtr="0">
+          <a:noAutofit/>
+        </a:bodyPr>
+        <a:lstStyle/>
+        <a:p>
+          <a:pPr lvl="0" algn="l" defTabSz="488950">
+            <a:lnSpc>
+              <a:spcPct val="90000"/>
+            </a:lnSpc>
+            <a:spcBef>
+              <a:spcPct val="0"/>
+            </a:spcBef>
+            <a:spcAft>
+              <a:spcPct val="35000"/>
+            </a:spcAft>
+          </a:pPr>
+          <a:r>
+            <a:rPr lang="fr-FR" sz="1100" b="1" kern="1200" dirty="0" smtClean="0">
+              <a:effectLst>
+                <a:outerShdw blurRad="38100" dist="38100" dir="2700000" algn="tl">
+                  <a:srgbClr val="000000">
+                    <a:alpha val="43137"/>
+                  </a:srgbClr>
+                </a:outerShdw>
+              </a:effectLst>
+            </a:rPr>
+            <a:t>Romain Michelet</a:t>
+          </a:r>
+          <a:endParaRPr lang="fr-FR" sz="1100" b="1" kern="1200" dirty="0">
+            <a:effectLst>
+              <a:outerShdw blurRad="38100" dist="38100" dir="2700000" algn="tl">
+                <a:srgbClr val="000000">
+                  <a:alpha val="43137"/>
+                </a:srgbClr>
+              </a:outerShdw>
+            </a:effectLst>
+          </a:endParaRPr>
+        </a:p>
+        <a:p>
+          <a:pPr marL="57150" lvl="1" indent="-57150" algn="l" defTabSz="422275">
+            <a:lnSpc>
+              <a:spcPct val="90000"/>
+            </a:lnSpc>
+            <a:spcBef>
+              <a:spcPct val="0"/>
+            </a:spcBef>
+            <a:spcAft>
+              <a:spcPct val="15000"/>
+            </a:spcAft>
+            <a:buChar char="••"/>
+          </a:pPr>
+          <a:r>
+            <a:rPr lang="fr-FR" sz="950" b="1" kern="1200" dirty="0" smtClean="0"/>
+            <a:t>Intéressé par :</a:t>
+          </a:r>
+          <a:endParaRPr lang="fr-FR" sz="950" kern="1200" dirty="0"/>
+        </a:p>
+        <a:p>
+          <a:pPr marL="114300" lvl="2" indent="-57150" algn="l" defTabSz="422275">
+            <a:lnSpc>
+              <a:spcPct val="90000"/>
+            </a:lnSpc>
+            <a:spcBef>
+              <a:spcPct val="0"/>
+            </a:spcBef>
+            <a:spcAft>
+              <a:spcPct val="15000"/>
+            </a:spcAft>
+            <a:buChar char="••"/>
+          </a:pPr>
+          <a:r>
+            <a:rPr lang="fr-FR" sz="950" kern="1200" dirty="0" smtClean="0"/>
+            <a:t>Électronique embarquée en général, plus particulièrement microprocesseurs et robotique.</a:t>
+          </a:r>
+          <a:endParaRPr lang="fr-FR" sz="950" kern="1200" dirty="0"/>
+        </a:p>
+        <a:p>
+          <a:pPr marL="57150" lvl="1" indent="-57150" algn="l" defTabSz="422275">
+            <a:lnSpc>
+              <a:spcPct val="90000"/>
+            </a:lnSpc>
+            <a:spcBef>
+              <a:spcPct val="0"/>
+            </a:spcBef>
+            <a:spcAft>
+              <a:spcPct val="15000"/>
+            </a:spcAft>
+            <a:buChar char="••"/>
+          </a:pPr>
+          <a:r>
+            <a:rPr lang="fr-FR" sz="950" b="1" kern="1200" dirty="0" smtClean="0"/>
+            <a:t>Caractère :</a:t>
+          </a:r>
+          <a:endParaRPr lang="fr-FR" sz="950" b="1" kern="1200" dirty="0"/>
+        </a:p>
+        <a:p>
+          <a:pPr marL="114300" lvl="2" indent="-57150" algn="l" defTabSz="422275">
+            <a:lnSpc>
+              <a:spcPct val="90000"/>
+            </a:lnSpc>
+            <a:spcBef>
+              <a:spcPct val="0"/>
+            </a:spcBef>
+            <a:spcAft>
+              <a:spcPct val="15000"/>
+            </a:spcAft>
+            <a:buChar char="••"/>
+          </a:pPr>
+          <a:r>
+            <a:rPr lang="fr-FR" sz="950" kern="1200" dirty="0" smtClean="0"/>
+            <a:t>N’est pas dérangé par la lecture de cours.</a:t>
+          </a:r>
+          <a:endParaRPr lang="fr-FR" sz="950" kern="1200" dirty="0"/>
+        </a:p>
+        <a:p>
+          <a:pPr marL="114300" lvl="2" indent="-57150" algn="l" defTabSz="422275">
+            <a:lnSpc>
+              <a:spcPct val="90000"/>
+            </a:lnSpc>
+            <a:spcBef>
+              <a:spcPct val="0"/>
+            </a:spcBef>
+            <a:spcAft>
+              <a:spcPct val="15000"/>
+            </a:spcAft>
+            <a:buChar char="••"/>
+          </a:pPr>
+          <a:r>
+            <a:rPr lang="fr-FR" sz="950" kern="1200" dirty="0" smtClean="0"/>
+            <a:t>Est autodidacte.</a:t>
+          </a:r>
+          <a:endParaRPr lang="fr-FR" sz="950" kern="1200" dirty="0"/>
+        </a:p>
+        <a:p>
+          <a:pPr marL="57150" lvl="1" indent="-57150" algn="l" defTabSz="422275">
+            <a:lnSpc>
+              <a:spcPct val="90000"/>
+            </a:lnSpc>
+            <a:spcBef>
+              <a:spcPct val="0"/>
+            </a:spcBef>
+            <a:spcAft>
+              <a:spcPct val="15000"/>
+            </a:spcAft>
+            <a:buChar char="••"/>
+          </a:pPr>
+          <a:r>
+            <a:rPr lang="fr-FR" sz="950" b="1" kern="1200" dirty="0" err="1" smtClean="0"/>
+            <a:t>Arduino</a:t>
+          </a:r>
+          <a:r>
+            <a:rPr lang="fr-FR" sz="950" b="1" kern="1200" dirty="0" smtClean="0"/>
+            <a:t> :</a:t>
+          </a:r>
+          <a:endParaRPr lang="fr-FR" sz="950" b="1" kern="1200" dirty="0"/>
+        </a:p>
+        <a:p>
+          <a:pPr marL="114300" lvl="2" indent="-57150" algn="l" defTabSz="422275">
+            <a:lnSpc>
+              <a:spcPct val="90000"/>
+            </a:lnSpc>
+            <a:spcBef>
+              <a:spcPct val="0"/>
+            </a:spcBef>
+            <a:spcAft>
+              <a:spcPct val="15000"/>
+            </a:spcAft>
+            <a:buChar char="••"/>
+          </a:pPr>
+          <a:r>
+            <a:rPr lang="fr-FR" sz="950" kern="1200" dirty="0" smtClean="0"/>
+            <a:t>Connait plus ou moins.</a:t>
+          </a:r>
+          <a:endParaRPr lang="fr-FR" sz="950" kern="1200" dirty="0"/>
+        </a:p>
+        <a:p>
+          <a:pPr marL="57150" lvl="1" indent="-57150" algn="l" defTabSz="422275">
+            <a:lnSpc>
+              <a:spcPct val="90000"/>
+            </a:lnSpc>
+            <a:spcBef>
+              <a:spcPct val="0"/>
+            </a:spcBef>
+            <a:spcAft>
+              <a:spcPct val="15000"/>
+            </a:spcAft>
+            <a:buChar char="••"/>
+          </a:pPr>
+          <a:r>
+            <a:rPr lang="fr-FR" sz="950" b="1" kern="1200" dirty="0" smtClean="0"/>
+            <a:t>Niveau :</a:t>
+          </a:r>
+          <a:endParaRPr lang="fr-FR" sz="950" b="1" kern="1200" dirty="0"/>
+        </a:p>
+        <a:p>
+          <a:pPr marL="114300" lvl="2" indent="-57150" algn="l" defTabSz="422275">
+            <a:lnSpc>
+              <a:spcPct val="90000"/>
+            </a:lnSpc>
+            <a:spcBef>
+              <a:spcPct val="0"/>
+            </a:spcBef>
+            <a:spcAft>
+              <a:spcPct val="15000"/>
+            </a:spcAft>
+            <a:buChar char="••"/>
+          </a:pPr>
+          <a:r>
+            <a:rPr lang="fr-FR" sz="950" kern="1200" dirty="0" smtClean="0"/>
+            <a:t>Connait plus ou moins les bases en programmation.</a:t>
+          </a:r>
+          <a:endParaRPr lang="fr-FR" sz="950" kern="1200" dirty="0"/>
+        </a:p>
+        <a:p>
+          <a:pPr marL="114300" lvl="2" indent="-57150" algn="l" defTabSz="422275">
+            <a:lnSpc>
+              <a:spcPct val="90000"/>
+            </a:lnSpc>
+            <a:spcBef>
+              <a:spcPct val="0"/>
+            </a:spcBef>
+            <a:spcAft>
+              <a:spcPct val="15000"/>
+            </a:spcAft>
+            <a:buChar char="••"/>
+          </a:pPr>
+          <a:r>
+            <a:rPr lang="fr-FR" sz="950" kern="1200" dirty="0" smtClean="0"/>
+            <a:t>Voudrait acquérir un niveau avancé en Arduino.</a:t>
+          </a:r>
+          <a:endParaRPr lang="fr-FR" sz="950" kern="1200" dirty="0"/>
+        </a:p>
+      </dsp:txBody>
+      <dsp:txXfrm rot="10800000">
+        <a:off x="6202602" y="1837903"/>
+        <a:ext cx="2484595" cy="2177243"/>
+      </dsp:txXfrm>
+    </dsp:sp>
+    <dsp:sp modelId="{C7B42966-148E-4260-9995-C190AEB8C839}">
+      <dsp:nvSpPr>
+        <dsp:cNvPr id="0" name=""/>
+        <dsp:cNvSpPr/>
+      </dsp:nvSpPr>
+      <dsp:spPr>
+        <a:xfrm>
+          <a:off x="9018556" y="245053"/>
+          <a:ext cx="2622759" cy="1347795"/>
+        </a:xfrm>
+        <a:prstGeom prst="roundRect">
+          <a:avLst>
+            <a:gd name="adj" fmla="val 10000"/>
+          </a:avLst>
+        </a:prstGeom>
+        <a:blipFill>
+          <a:blip xmlns:r="http://schemas.openxmlformats.org/officeDocument/2006/relationships" r:embed="rId4">
+            <a:extLst>
+              <a:ext uri="{28A0092B-C50C-407E-A947-70E740481C1C}">
+                <a14:useLocalDpi xmlns:a14="http://schemas.microsoft.com/office/drawing/2010/main" val="0"/>
+              </a:ext>
+            </a:extLst>
+          </a:blip>
+          <a:srcRect/>
+          <a:stretch>
+            <a:fillRect t="-59000" b="-59000"/>
+          </a:stretch>
+        </a:blipFill>
+        <a:ln w="15875" cap="flat" cmpd="sng" algn="ctr">
+          <a:solidFill>
+            <a:schemeClr val="lt1">
+              <a:hueOff val="0"/>
+              <a:satOff val="0"/>
+              <a:lumOff val="0"/>
+              <a:alphaOff val="0"/>
+            </a:schemeClr>
+          </a:solidFill>
+          <a:prstDash val="solid"/>
+        </a:ln>
+        <a:effectLst/>
+      </dsp:spPr>
+      <dsp:style>
+        <a:lnRef idx="2">
+          <a:scrgbClr r="0" g="0" b="0"/>
+        </a:lnRef>
+        <a:fillRef idx="1">
+          <a:scrgbClr r="0" g="0" b="0"/>
+        </a:fillRef>
+        <a:effectRef idx="0">
+          <a:scrgbClr r="0" g="0" b="0"/>
+        </a:effectRef>
+        <a:fontRef idx="minor"/>
+      </dsp:style>
+    </dsp:sp>
+    <dsp:sp modelId="{53A51957-38F8-415F-890E-1C6F0A45FCFA}">
+      <dsp:nvSpPr>
+        <dsp:cNvPr id="0" name=""/>
+        <dsp:cNvSpPr/>
+      </dsp:nvSpPr>
+      <dsp:spPr>
+        <a:xfrm rot="10800000">
+          <a:off x="9018556" y="1837903"/>
+          <a:ext cx="2622759" cy="2246325"/>
+        </a:xfrm>
+        <a:prstGeom prst="round2SameRect">
+          <a:avLst>
+            <a:gd name="adj1" fmla="val 10500"/>
+            <a:gd name="adj2" fmla="val 0"/>
+          </a:avLst>
+        </a:prstGeom>
+        <a:solidFill>
+          <a:srgbClr val="FF0000"/>
+        </a:solidFill>
+        <a:ln w="15875" cap="flat" cmpd="sng" algn="ctr">
+          <a:solidFill>
+            <a:schemeClr val="lt1">
+              <a:hueOff val="0"/>
+              <a:satOff val="0"/>
+              <a:lumOff val="0"/>
+              <a:alphaOff val="0"/>
+            </a:schemeClr>
+          </a:solidFill>
+          <a:prstDash val="solid"/>
+        </a:ln>
+        <a:effectLst/>
+      </dsp:spPr>
+      <dsp:style>
+        <a:lnRef idx="2">
+          <a:scrgbClr r="0" g="0" b="0"/>
+        </a:lnRef>
+        <a:fillRef idx="1">
+          <a:scrgbClr r="0" g="0" b="0"/>
+        </a:fillRef>
+        <a:effectRef idx="0">
+          <a:scrgbClr r="0" g="0" b="0"/>
+        </a:effectRef>
+        <a:fontRef idx="minor">
+          <a:schemeClr val="lt1"/>
+        </a:fontRef>
+      </dsp:style>
+      <dsp:txBody>
+        <a:bodyPr spcFirstLastPara="0" vert="horz" wrap="square" lIns="99568" tIns="99568" rIns="99568" bIns="99568" numCol="1" spcCol="1270" anchor="t" anchorCtr="0">
+          <a:noAutofit/>
+        </a:bodyPr>
+        <a:lstStyle/>
+        <a:p>
+          <a:pPr lvl="0" algn="l" defTabSz="622300">
+            <a:lnSpc>
+              <a:spcPct val="90000"/>
+            </a:lnSpc>
+            <a:spcBef>
+              <a:spcPct val="0"/>
+            </a:spcBef>
+            <a:spcAft>
+              <a:spcPct val="35000"/>
+            </a:spcAft>
+          </a:pPr>
+          <a:r>
+            <a:rPr lang="fr-FR" sz="1400" b="1" kern="1200" dirty="0" smtClean="0">
+              <a:effectLst>
+                <a:outerShdw blurRad="38100" dist="38100" dir="2700000" algn="tl">
+                  <a:srgbClr val="000000">
+                    <a:alpha val="43137"/>
+                  </a:srgbClr>
+                </a:outerShdw>
+              </a:effectLst>
+            </a:rPr>
+            <a:t>Dorian </a:t>
+          </a:r>
+          <a:r>
+            <a:rPr lang="fr-FR" sz="1400" b="1" kern="1200" dirty="0" err="1" smtClean="0">
+              <a:effectLst>
+                <a:outerShdw blurRad="38100" dist="38100" dir="2700000" algn="tl">
+                  <a:srgbClr val="000000">
+                    <a:alpha val="43137"/>
+                  </a:srgbClr>
+                </a:outerShdw>
+              </a:effectLst>
+            </a:rPr>
+            <a:t>Milters</a:t>
+          </a:r>
+          <a:endParaRPr lang="fr-FR" sz="1400" b="1" kern="1200" dirty="0">
+            <a:effectLst>
+              <a:outerShdw blurRad="38100" dist="38100" dir="2700000" algn="tl">
+                <a:srgbClr val="000000">
+                  <a:alpha val="43137"/>
+                </a:srgbClr>
+              </a:outerShdw>
+            </a:effectLst>
+          </a:endParaRPr>
+        </a:p>
+        <a:p>
+          <a:pPr marL="57150" lvl="1" indent="-57150" algn="l" defTabSz="466725">
+            <a:lnSpc>
+              <a:spcPct val="90000"/>
+            </a:lnSpc>
+            <a:spcBef>
+              <a:spcPct val="0"/>
+            </a:spcBef>
+            <a:spcAft>
+              <a:spcPct val="15000"/>
+            </a:spcAft>
+            <a:buChar char="••"/>
+          </a:pPr>
+          <a:r>
+            <a:rPr lang="fr-FR" sz="1050" b="1" kern="1200" dirty="0" smtClean="0"/>
+            <a:t>Intéressé par :</a:t>
+          </a:r>
+          <a:endParaRPr lang="fr-FR" sz="1050" b="1" kern="1200" dirty="0"/>
+        </a:p>
+        <a:p>
+          <a:pPr marL="114300" lvl="2" indent="-57150" algn="l" defTabSz="466725">
+            <a:lnSpc>
+              <a:spcPct val="90000"/>
+            </a:lnSpc>
+            <a:spcBef>
+              <a:spcPct val="0"/>
+            </a:spcBef>
+            <a:spcAft>
+              <a:spcPct val="15000"/>
+            </a:spcAft>
+            <a:buChar char="••"/>
+          </a:pPr>
+          <a:r>
+            <a:rPr lang="fr-FR" sz="1050" kern="1200" dirty="0" smtClean="0"/>
+            <a:t>Electronique en générale. S’intéresse à tout.</a:t>
+          </a:r>
+          <a:endParaRPr lang="fr-FR" sz="1050" kern="1200" dirty="0"/>
+        </a:p>
+        <a:p>
+          <a:pPr marL="57150" lvl="1" indent="-57150" algn="l" defTabSz="466725">
+            <a:lnSpc>
+              <a:spcPct val="90000"/>
+            </a:lnSpc>
+            <a:spcBef>
+              <a:spcPct val="0"/>
+            </a:spcBef>
+            <a:spcAft>
+              <a:spcPct val="15000"/>
+            </a:spcAft>
+            <a:buChar char="••"/>
+          </a:pPr>
+          <a:r>
+            <a:rPr lang="fr-FR" sz="1050" b="1" kern="1200" dirty="0" smtClean="0"/>
+            <a:t>Caractère :</a:t>
+          </a:r>
+          <a:endParaRPr lang="fr-FR" sz="1050" b="1" kern="1200" dirty="0"/>
+        </a:p>
+        <a:p>
+          <a:pPr marL="114300" lvl="2" indent="-57150" algn="l" defTabSz="466725">
+            <a:lnSpc>
+              <a:spcPct val="90000"/>
+            </a:lnSpc>
+            <a:spcBef>
+              <a:spcPct val="0"/>
+            </a:spcBef>
+            <a:spcAft>
+              <a:spcPct val="15000"/>
+            </a:spcAft>
+            <a:buChar char="••"/>
+          </a:pPr>
+          <a:r>
+            <a:rPr lang="fr-FR" sz="1050" kern="1200" dirty="0" smtClean="0"/>
+            <a:t>Peut lire plus ou moins de cours.</a:t>
+          </a:r>
+          <a:endParaRPr lang="fr-FR" sz="1050" kern="1200" dirty="0"/>
+        </a:p>
+        <a:p>
+          <a:pPr marL="114300" lvl="2" indent="-57150" algn="l" defTabSz="466725">
+            <a:lnSpc>
+              <a:spcPct val="90000"/>
+            </a:lnSpc>
+            <a:spcBef>
+              <a:spcPct val="0"/>
+            </a:spcBef>
+            <a:spcAft>
+              <a:spcPct val="15000"/>
+            </a:spcAft>
+            <a:buChar char="••"/>
+          </a:pPr>
+          <a:r>
+            <a:rPr lang="fr-FR" sz="1050" kern="1200" dirty="0" smtClean="0"/>
+            <a:t>Est autodidacte.</a:t>
+          </a:r>
+          <a:endParaRPr lang="fr-FR" sz="1050" kern="1200" dirty="0"/>
+        </a:p>
+        <a:p>
+          <a:pPr marL="57150" lvl="1" indent="-57150" algn="l" defTabSz="466725">
+            <a:lnSpc>
+              <a:spcPct val="90000"/>
+            </a:lnSpc>
+            <a:spcBef>
+              <a:spcPct val="0"/>
+            </a:spcBef>
+            <a:spcAft>
+              <a:spcPct val="15000"/>
+            </a:spcAft>
+            <a:buChar char="••"/>
+          </a:pPr>
+          <a:r>
+            <a:rPr lang="fr-FR" sz="1050" b="1" kern="1200" dirty="0" err="1" smtClean="0"/>
+            <a:t>Arduino</a:t>
+          </a:r>
+          <a:r>
+            <a:rPr lang="fr-FR" sz="1050" b="1" kern="1200" dirty="0" smtClean="0"/>
+            <a:t> :</a:t>
+          </a:r>
+          <a:endParaRPr lang="fr-FR" sz="1050" b="1" kern="1200" dirty="0"/>
+        </a:p>
+        <a:p>
+          <a:pPr marL="114300" lvl="2" indent="-57150" algn="l" defTabSz="466725">
+            <a:lnSpc>
+              <a:spcPct val="90000"/>
+            </a:lnSpc>
+            <a:spcBef>
+              <a:spcPct val="0"/>
+            </a:spcBef>
+            <a:spcAft>
+              <a:spcPct val="15000"/>
+            </a:spcAft>
+            <a:buChar char="••"/>
+          </a:pPr>
+          <a:r>
+            <a:rPr lang="fr-FR" sz="1050" kern="1200" dirty="0" smtClean="0"/>
+            <a:t>Connaît </a:t>
+          </a:r>
+          <a:r>
+            <a:rPr lang="fr-FR" sz="1050" kern="1200" dirty="0" err="1" smtClean="0"/>
+            <a:t>Arduino</a:t>
+          </a:r>
+          <a:r>
+            <a:rPr lang="fr-FR" sz="1050" kern="1200" dirty="0" smtClean="0"/>
+            <a:t>.</a:t>
+          </a:r>
+          <a:endParaRPr lang="fr-FR" sz="1050" kern="1200" dirty="0"/>
+        </a:p>
+        <a:p>
+          <a:pPr marL="57150" lvl="1" indent="-57150" algn="l" defTabSz="466725">
+            <a:lnSpc>
+              <a:spcPct val="90000"/>
+            </a:lnSpc>
+            <a:spcBef>
+              <a:spcPct val="0"/>
+            </a:spcBef>
+            <a:spcAft>
+              <a:spcPct val="15000"/>
+            </a:spcAft>
+            <a:buChar char="••"/>
+          </a:pPr>
+          <a:r>
+            <a:rPr lang="fr-FR" sz="1050" b="1" kern="1200" dirty="0" smtClean="0"/>
+            <a:t>Niveau :</a:t>
+          </a:r>
+          <a:endParaRPr lang="fr-FR" sz="1050" b="1" kern="1200" dirty="0"/>
+        </a:p>
+        <a:p>
+          <a:pPr marL="114300" lvl="2" indent="-57150" algn="l" defTabSz="466725">
+            <a:lnSpc>
+              <a:spcPct val="90000"/>
+            </a:lnSpc>
+            <a:spcBef>
+              <a:spcPct val="0"/>
+            </a:spcBef>
+            <a:spcAft>
+              <a:spcPct val="15000"/>
+            </a:spcAft>
+            <a:buChar char="••"/>
+          </a:pPr>
+          <a:r>
+            <a:rPr lang="fr-FR" sz="1050" kern="1200" dirty="0" smtClean="0"/>
+            <a:t>Connait la programmation.</a:t>
+          </a:r>
+          <a:endParaRPr lang="fr-FR" sz="1050" kern="1200" dirty="0"/>
+        </a:p>
+        <a:p>
+          <a:pPr marL="114300" lvl="2" indent="-57150" algn="l" defTabSz="466725">
+            <a:lnSpc>
+              <a:spcPct val="90000"/>
+            </a:lnSpc>
+            <a:spcBef>
+              <a:spcPct val="0"/>
+            </a:spcBef>
+            <a:spcAft>
+              <a:spcPct val="15000"/>
+            </a:spcAft>
+            <a:buChar char="••"/>
+          </a:pPr>
+          <a:r>
+            <a:rPr lang="fr-FR" sz="1050" kern="1200" dirty="0" smtClean="0"/>
+            <a:t>N’a jamais programmé sous Arduino mais aimerai acquérir un niveau avancé.</a:t>
+          </a:r>
+          <a:endParaRPr lang="fr-FR" sz="1050" kern="1200" dirty="0"/>
+        </a:p>
+      </dsp:txBody>
+      <dsp:txXfrm rot="10800000">
+        <a:off x="9087638" y="1837903"/>
+        <a:ext cx="2484595" cy="2177243"/>
+      </dsp:txXfrm>
+    </dsp:sp>
+  </dsp:spTree>
+</dsp:drawing>
+</file>
+
 <file path=ppt/diagrams/layout1.xml><?xml version="1.0" encoding="utf-8"?>
 <dgm:layoutDef xmlns:dgm="http://schemas.openxmlformats.org/drawingml/2006/diagram" xmlns:a="http://schemas.openxmlformats.org/drawingml/2006/main" uniqueId="urn:microsoft.com/office/officeart/2005/8/layout/vList3">
   <dgm:title val=""/>
@@ -4036,6 +8349,195 @@
 </dgm:layoutDef>
 </file>
 
+<file path=ppt/diagrams/layout2.xml><?xml version="1.0" encoding="utf-8"?>
+<dgm:layoutDef xmlns:dgm="http://schemas.openxmlformats.org/drawingml/2006/diagram" xmlns:a="http://schemas.openxmlformats.org/drawingml/2006/main" uniqueId="urn:microsoft.com/office/officeart/2005/8/layout/pList2">
+  <dgm:title val=""/>
+  <dgm:desc val=""/>
+  <dgm:catLst>
+    <dgm:cat type="list" pri="11000"/>
+    <dgm:cat type="picture" pri="24000"/>
+    <dgm:cat type="pictureconvert" pri="24000"/>
+  </dgm:catLst>
+  <dgm:sampData useDef="1">
+    <dgm:dataModel>
+      <dgm:ptLst/>
+      <dgm:bg/>
+      <dgm:whole/>
+    </dgm:dataModel>
+  </dgm:sampData>
+  <dgm:styleData>
+    <dgm:dataModel>
+      <dgm:ptLst>
+        <dgm:pt modelId="0" type="doc"/>
+        <dgm:pt modelId="1"/>
+        <dgm:pt modelId="2"/>
+      </dgm:ptLst>
+      <dgm:cxnLst>
+        <dgm:cxn modelId="3" srcId="0" destId="1" srcOrd="0" destOrd="0"/>
+        <dgm:cxn modelId="4" srcId="0" destId="2" srcOrd="1" destOrd="0"/>
+      </dgm:cxnLst>
+      <dgm:bg/>
+      <dgm:whole/>
+    </dgm:dataModel>
+  </dgm:styleData>
+  <dgm:clrData>
+    <dgm:dataModel>
+      <dgm:ptLst>
+        <dgm:pt modelId="0" type="doc"/>
+        <dgm:pt modelId="1"/>
+        <dgm:pt modelId="2"/>
+        <dgm:pt modelId="3"/>
+        <dgm:pt modelId="4"/>
+      </dgm:ptLst>
+      <dgm:cxnLst>
+        <dgm:cxn modelId="5" srcId="0" destId="1" srcOrd="0" destOrd="0"/>
+        <dgm:cxn modelId="6" srcId="0" destId="2" srcOrd="1" destOrd="0"/>
+        <dgm:cxn modelId="7" srcId="0" destId="3" srcOrd="2" destOrd="0"/>
+        <dgm:cxn modelId="8" srcId="0" destId="4" srcOrd="3" destOrd="0"/>
+      </dgm:cxnLst>
+      <dgm:bg/>
+      <dgm:whole/>
+    </dgm:dataModel>
+  </dgm:clrData>
+  <dgm:layoutNode name="Name0">
+    <dgm:varLst>
+      <dgm:dir/>
+      <dgm:resizeHandles val="exact"/>
+    </dgm:varLst>
+    <dgm:alg type="composite"/>
+    <dgm:shape xmlns:r="http://schemas.openxmlformats.org/officeDocument/2006/relationships" r:blip="">
+      <dgm:adjLst/>
+    </dgm:shape>
+    <dgm:presOf/>
+    <dgm:constrLst>
+      <dgm:constr type="w" for="ch" forName="bkgdShp" refType="w"/>
+      <dgm:constr type="h" for="ch" forName="bkgdShp" refType="h" fact="0.45"/>
+      <dgm:constr type="t" for="ch" forName="bkgdShp"/>
+      <dgm:constr type="w" for="ch" forName="linComp" refType="w" fact="0.94"/>
+      <dgm:constr type="h" for="ch" forName="linComp" refType="h"/>
+      <dgm:constr type="ctrX" for="ch" forName="linComp" refType="w" fact="0.5"/>
+    </dgm:constrLst>
+    <dgm:ruleLst/>
+    <dgm:choose name="Name1">
+      <dgm:if name="Name2" axis="ch" ptType="node" func="cnt" op="gte" val="1">
+        <dgm:layoutNode name="bkgdShp" styleLbl="alignAccFollowNode1">
+          <dgm:alg type="sp"/>
+          <dgm:shape xmlns:r="http://schemas.openxmlformats.org/officeDocument/2006/relationships" type="roundRect" r:blip="">
+            <dgm:adjLst>
+              <dgm:adj idx="1" val="0.1"/>
+            </dgm:adjLst>
+          </dgm:shape>
+          <dgm:presOf/>
+          <dgm:constrLst/>
+          <dgm:ruleLst/>
+        </dgm:layoutNode>
+        <dgm:layoutNode name="linComp">
+          <dgm:choose name="Name3">
+            <dgm:if name="Name4" func="var" arg="dir" op="equ" val="norm">
+              <dgm:alg type="lin"/>
+            </dgm:if>
+            <dgm:else name="Name5">
+              <dgm:alg type="lin">
+                <dgm:param type="linDir" val="fromR"/>
+              </dgm:alg>
+            </dgm:else>
+          </dgm:choose>
+          <dgm:shape xmlns:r="http://schemas.openxmlformats.org/officeDocument/2006/relationships" r:blip="">
+            <dgm:adjLst/>
+          </dgm:shape>
+          <dgm:presOf/>
+          <dgm:constrLst>
+            <dgm:constr type="w" for="ch" forName="compNode" refType="w"/>
+            <dgm:constr type="h" for="ch" forName="compNode" refType="h"/>
+            <dgm:constr type="w" for="ch" ptType="sibTrans" refType="w" refFor="ch" refForName="compNode" fact="0.1"/>
+            <dgm:constr type="h" for="ch" ptType="sibTrans" op="equ"/>
+            <dgm:constr type="h" for="ch" forName="compNode" op="equ"/>
+            <dgm:constr type="primFontSz" for="des" forName="node" op="equ"/>
+          </dgm:constrLst>
+          <dgm:ruleLst/>
+          <dgm:forEach name="nodesForEach" axis="ch" ptType="node">
+            <dgm:layoutNode name="compNode">
+              <dgm:alg type="composite"/>
+              <dgm:shape xmlns:r="http://schemas.openxmlformats.org/officeDocument/2006/relationships" r:blip="">
+                <dgm:adjLst/>
+              </dgm:shape>
+              <dgm:presOf/>
+              <dgm:constrLst>
+                <dgm:constr type="w" for="ch" forName="node" refType="w"/>
+                <dgm:constr type="h" for="ch" forName="node" refType="h" fact="0.55"/>
+                <dgm:constr type="b" for="ch" forName="node" refType="h"/>
+                <dgm:constr type="w" for="ch" forName="invisiNode" refType="w" fact="0.75"/>
+                <dgm:constr type="h" for="ch" forName="invisiNode" refType="h" fact="0.06"/>
+                <dgm:constr type="t" for="ch" forName="invisiNode"/>
+                <dgm:constr type="w" for="ch" forName="imagNode" refType="w"/>
+                <dgm:constr type="h" for="ch" forName="imagNode" refType="h" fact="0.33"/>
+                <dgm:constr type="ctrX" for="ch" forName="imagNode" refType="w" fact="0.5"/>
+                <dgm:constr type="t" for="ch" forName="imagNode" refType="h" fact="0.06"/>
+              </dgm:constrLst>
+              <dgm:ruleLst/>
+              <dgm:layoutNode name="node" styleLbl="node1">
+                <dgm:varLst>
+                  <dgm:bulletEnabled val="1"/>
+                </dgm:varLst>
+                <dgm:alg type="tx">
+                  <dgm:param type="txAnchorVert" val="t"/>
+                </dgm:alg>
+                <dgm:shape xmlns:r="http://schemas.openxmlformats.org/officeDocument/2006/relationships" rot="180" type="round2SameRect" r:blip="">
+                  <dgm:adjLst>
+                    <dgm:adj idx="1" val="0.105"/>
+                  </dgm:adjLst>
+                </dgm:shape>
+                <dgm:presOf axis="desOrSelf" ptType="node"/>
+                <dgm:constrLst>
+                  <dgm:constr type="primFontSz" val="65"/>
+                </dgm:constrLst>
+                <dgm:ruleLst>
+                  <dgm:rule type="primFontSz" val="5" fact="NaN" max="NaN"/>
+                </dgm:ruleLst>
+              </dgm:layoutNode>
+              <dgm:layoutNode name="invisiNode">
+                <dgm:alg type="sp"/>
+                <dgm:shape xmlns:r="http://schemas.openxmlformats.org/officeDocument/2006/relationships" type="roundRect" r:blip="" hideGeom="1">
+                  <dgm:adjLst>
+                    <dgm:adj idx="1" val="0.1"/>
+                  </dgm:adjLst>
+                </dgm:shape>
+                <dgm:presOf/>
+                <dgm:constrLst/>
+                <dgm:ruleLst/>
+              </dgm:layoutNode>
+              <dgm:layoutNode name="imagNode" styleLbl="fgImgPlace1">
+                <dgm:alg type="sp"/>
+                <dgm:shape xmlns:r="http://schemas.openxmlformats.org/officeDocument/2006/relationships" type="roundRect" r:blip="" zOrderOff="-2" blipPhldr="1">
+                  <dgm:adjLst>
+                    <dgm:adj idx="1" val="0.1"/>
+                  </dgm:adjLst>
+                </dgm:shape>
+                <dgm:presOf/>
+                <dgm:constrLst/>
+                <dgm:ruleLst/>
+              </dgm:layoutNode>
+            </dgm:layoutNode>
+            <dgm:forEach name="sibTransForEach" axis="followSib" ptType="sibTrans" cnt="1">
+              <dgm:layoutNode name="sibTrans">
+                <dgm:alg type="sp"/>
+                <dgm:shape xmlns:r="http://schemas.openxmlformats.org/officeDocument/2006/relationships" type="rect" r:blip="" hideGeom="1">
+                  <dgm:adjLst/>
+                </dgm:shape>
+                <dgm:presOf axis="self"/>
+                <dgm:constrLst/>
+                <dgm:ruleLst/>
+              </dgm:layoutNode>
+            </dgm:forEach>
+          </dgm:forEach>
+        </dgm:layoutNode>
+      </dgm:if>
+      <dgm:else name="Name6"/>
+    </dgm:choose>
+  </dgm:layoutNode>
+</dgm:layoutDef>
+</file>
+
 <file path=ppt/diagrams/quickStyle1.xml><?xml version="1.0" encoding="utf-8"?>
 <dgm:styleDef xmlns:dgm="http://schemas.openxmlformats.org/drawingml/2006/diagram" xmlns:a="http://schemas.openxmlformats.org/drawingml/2006/main" uniqueId="urn:microsoft.com/office/officeart/2005/8/quickstyle/simple5">
   <dgm:title val=""/>
@@ -5042,6 +9544,1040 @@
         <a:scrgbClr r="0" g="0" b="0"/>
       </a:fillRef>
       <a:effectRef idx="3">
+        <a:scrgbClr r="0" g="0" b="0"/>
+      </a:effectRef>
+      <a:fontRef idx="minor"/>
+    </dgm:style>
+  </dgm:styleLbl>
+  <dgm:styleLbl name="revTx">
+    <dgm:scene3d>
+      <a:camera prst="orthographicFront"/>
+      <a:lightRig rig="threePt" dir="t"/>
+    </dgm:scene3d>
+    <dgm:sp3d/>
+    <dgm:txPr/>
+    <dgm:style>
+      <a:lnRef idx="0">
+        <a:scrgbClr r="0" g="0" b="0"/>
+      </a:lnRef>
+      <a:fillRef idx="0">
+        <a:scrgbClr r="0" g="0" b="0"/>
+      </a:fillRef>
+      <a:effectRef idx="0">
+        <a:scrgbClr r="0" g="0" b="0"/>
+      </a:effectRef>
+      <a:fontRef idx="minor"/>
+    </dgm:style>
+  </dgm:styleLbl>
+</dgm:styleDef>
+</file>
+
+<file path=ppt/diagrams/quickStyle2.xml><?xml version="1.0" encoding="utf-8"?>
+<dgm:styleDef xmlns:dgm="http://schemas.openxmlformats.org/drawingml/2006/diagram" xmlns:a="http://schemas.openxmlformats.org/drawingml/2006/main" uniqueId="urn:microsoft.com/office/officeart/2005/8/quickstyle/simple1">
+  <dgm:title val=""/>
+  <dgm:desc val=""/>
+  <dgm:catLst>
+    <dgm:cat type="simple" pri="10100"/>
+  </dgm:catLst>
+  <dgm:scene3d>
+    <a:camera prst="orthographicFront"/>
+    <a:lightRig rig="threePt" dir="t"/>
+  </dgm:scene3d>
+  <dgm:styleLbl name="node0">
+    <dgm:scene3d>
+      <a:camera prst="orthographicFront"/>
+      <a:lightRig rig="threePt" dir="t"/>
+    </dgm:scene3d>
+    <dgm:sp3d/>
+    <dgm:txPr/>
+    <dgm:style>
+      <a:lnRef idx="2">
+        <a:scrgbClr r="0" g="0" b="0"/>
+      </a:lnRef>
+      <a:fillRef idx="1">
+        <a:scrgbClr r="0" g="0" b="0"/>
+      </a:fillRef>
+      <a:effectRef idx="0">
+        <a:scrgbClr r="0" g="0" b="0"/>
+      </a:effectRef>
+      <a:fontRef idx="minor">
+        <a:schemeClr val="lt1"/>
+      </a:fontRef>
+    </dgm:style>
+  </dgm:styleLbl>
+  <dgm:styleLbl name="lnNode1">
+    <dgm:scene3d>
+      <a:camera prst="orthographicFront"/>
+      <a:lightRig rig="threePt" dir="t"/>
+    </dgm:scene3d>
+    <dgm:sp3d/>
+    <dgm:txPr/>
+    <dgm:style>
+      <a:lnRef idx="2">
+        <a:scrgbClr r="0" g="0" b="0"/>
+      </a:lnRef>
+      <a:fillRef idx="1">
+        <a:scrgbClr r="0" g="0" b="0"/>
+      </a:fillRef>
+      <a:effectRef idx="0">
+        <a:scrgbClr r="0" g="0" b="0"/>
+      </a:effectRef>
+      <a:fontRef idx="minor">
+        <a:schemeClr val="lt1"/>
+      </a:fontRef>
+    </dgm:style>
+  </dgm:styleLbl>
+  <dgm:styleLbl name="vennNode1">
+    <dgm:scene3d>
+      <a:camera prst="orthographicFront"/>
+      <a:lightRig rig="threePt" dir="t"/>
+    </dgm:scene3d>
+    <dgm:sp3d/>
+    <dgm:txPr/>
+    <dgm:style>
+      <a:lnRef idx="2">
+        <a:scrgbClr r="0" g="0" b="0"/>
+      </a:lnRef>
+      <a:fillRef idx="1">
+        <a:scrgbClr r="0" g="0" b="0"/>
+      </a:fillRef>
+      <a:effectRef idx="0">
+        <a:scrgbClr r="0" g="0" b="0"/>
+      </a:effectRef>
+      <a:fontRef idx="minor">
+        <a:schemeClr val="tx1"/>
+      </a:fontRef>
+    </dgm:style>
+  </dgm:styleLbl>
+  <dgm:styleLbl name="alignNode1">
+    <dgm:scene3d>
+      <a:camera prst="orthographicFront"/>
+      <a:lightRig rig="threePt" dir="t"/>
+    </dgm:scene3d>
+    <dgm:sp3d/>
+    <dgm:txPr/>
+    <dgm:style>
+      <a:lnRef idx="2">
+        <a:scrgbClr r="0" g="0" b="0"/>
+      </a:lnRef>
+      <a:fillRef idx="1">
+        <a:scrgbClr r="0" g="0" b="0"/>
+      </a:fillRef>
+      <a:effectRef idx="0">
+        <a:scrgbClr r="0" g="0" b="0"/>
+      </a:effectRef>
+      <a:fontRef idx="minor">
+        <a:schemeClr val="lt1"/>
+      </a:fontRef>
+    </dgm:style>
+  </dgm:styleLbl>
+  <dgm:styleLbl name="node1">
+    <dgm:scene3d>
+      <a:camera prst="orthographicFront"/>
+      <a:lightRig rig="threePt" dir="t"/>
+    </dgm:scene3d>
+    <dgm:sp3d/>
+    <dgm:txPr/>
+    <dgm:style>
+      <a:lnRef idx="2">
+        <a:scrgbClr r="0" g="0" b="0"/>
+      </a:lnRef>
+      <a:fillRef idx="1">
+        <a:scrgbClr r="0" g="0" b="0"/>
+      </a:fillRef>
+      <a:effectRef idx="0">
+        <a:scrgbClr r="0" g="0" b="0"/>
+      </a:effectRef>
+      <a:fontRef idx="minor">
+        <a:schemeClr val="lt1"/>
+      </a:fontRef>
+    </dgm:style>
+  </dgm:styleLbl>
+  <dgm:styleLbl name="node2">
+    <dgm:scene3d>
+      <a:camera prst="orthographicFront"/>
+      <a:lightRig rig="threePt" dir="t"/>
+    </dgm:scene3d>
+    <dgm:sp3d/>
+    <dgm:txPr/>
+    <dgm:style>
+      <a:lnRef idx="2">
+        <a:scrgbClr r="0" g="0" b="0"/>
+      </a:lnRef>
+      <a:fillRef idx="1">
+        <a:scrgbClr r="0" g="0" b="0"/>
+      </a:fillRef>
+      <a:effectRef idx="0">
+        <a:scrgbClr r="0" g="0" b="0"/>
+      </a:effectRef>
+      <a:fontRef idx="minor">
+        <a:schemeClr val="lt1"/>
+      </a:fontRef>
+    </dgm:style>
+  </dgm:styleLbl>
+  <dgm:styleLbl name="node3">
+    <dgm:scene3d>
+      <a:camera prst="orthographicFront"/>
+      <a:lightRig rig="threePt" dir="t"/>
+    </dgm:scene3d>
+    <dgm:sp3d/>
+    <dgm:txPr/>
+    <dgm:style>
+      <a:lnRef idx="2">
+        <a:scrgbClr r="0" g="0" b="0"/>
+      </a:lnRef>
+      <a:fillRef idx="1">
+        <a:scrgbClr r="0" g="0" b="0"/>
+      </a:fillRef>
+      <a:effectRef idx="0">
+        <a:scrgbClr r="0" g="0" b="0"/>
+      </a:effectRef>
+      <a:fontRef idx="minor">
+        <a:schemeClr val="lt1"/>
+      </a:fontRef>
+    </dgm:style>
+  </dgm:styleLbl>
+  <dgm:styleLbl name="node4">
+    <dgm:scene3d>
+      <a:camera prst="orthographicFront"/>
+      <a:lightRig rig="threePt" dir="t"/>
+    </dgm:scene3d>
+    <dgm:sp3d/>
+    <dgm:txPr/>
+    <dgm:style>
+      <a:lnRef idx="2">
+        <a:scrgbClr r="0" g="0" b="0"/>
+      </a:lnRef>
+      <a:fillRef idx="1">
+        <a:scrgbClr r="0" g="0" b="0"/>
+      </a:fillRef>
+      <a:effectRef idx="0">
+        <a:scrgbClr r="0" g="0" b="0"/>
+      </a:effectRef>
+      <a:fontRef idx="minor">
+        <a:schemeClr val="lt1"/>
+      </a:fontRef>
+    </dgm:style>
+  </dgm:styleLbl>
+  <dgm:styleLbl name="fgImgPlace1">
+    <dgm:scene3d>
+      <a:camera prst="orthographicFront"/>
+      <a:lightRig rig="threePt" dir="t"/>
+    </dgm:scene3d>
+    <dgm:sp3d/>
+    <dgm:txPr/>
+    <dgm:style>
+      <a:lnRef idx="2">
+        <a:scrgbClr r="0" g="0" b="0"/>
+      </a:lnRef>
+      <a:fillRef idx="1">
+        <a:scrgbClr r="0" g="0" b="0"/>
+      </a:fillRef>
+      <a:effectRef idx="0">
+        <a:scrgbClr r="0" g="0" b="0"/>
+      </a:effectRef>
+      <a:fontRef idx="minor"/>
+    </dgm:style>
+  </dgm:styleLbl>
+  <dgm:styleLbl name="alignImgPlace1">
+    <dgm:scene3d>
+      <a:camera prst="orthographicFront"/>
+      <a:lightRig rig="threePt" dir="t"/>
+    </dgm:scene3d>
+    <dgm:sp3d/>
+    <dgm:txPr/>
+    <dgm:style>
+      <a:lnRef idx="2">
+        <a:scrgbClr r="0" g="0" b="0"/>
+      </a:lnRef>
+      <a:fillRef idx="1">
+        <a:scrgbClr r="0" g="0" b="0"/>
+      </a:fillRef>
+      <a:effectRef idx="0">
+        <a:scrgbClr r="0" g="0" b="0"/>
+      </a:effectRef>
+      <a:fontRef idx="minor"/>
+    </dgm:style>
+  </dgm:styleLbl>
+  <dgm:styleLbl name="bgImgPlace1">
+    <dgm:scene3d>
+      <a:camera prst="orthographicFront"/>
+      <a:lightRig rig="threePt" dir="t"/>
+    </dgm:scene3d>
+    <dgm:sp3d/>
+    <dgm:txPr/>
+    <dgm:style>
+      <a:lnRef idx="2">
+        <a:scrgbClr r="0" g="0" b="0"/>
+      </a:lnRef>
+      <a:fillRef idx="1">
+        <a:scrgbClr r="0" g="0" b="0"/>
+      </a:fillRef>
+      <a:effectRef idx="0">
+        <a:scrgbClr r="0" g="0" b="0"/>
+      </a:effectRef>
+      <a:fontRef idx="minor"/>
+    </dgm:style>
+  </dgm:styleLbl>
+  <dgm:styleLbl name="sibTrans2D1">
+    <dgm:scene3d>
+      <a:camera prst="orthographicFront"/>
+      <a:lightRig rig="threePt" dir="t"/>
+    </dgm:scene3d>
+    <dgm:sp3d/>
+    <dgm:txPr/>
+    <dgm:style>
+      <a:lnRef idx="0">
+        <a:scrgbClr r="0" g="0" b="0"/>
+      </a:lnRef>
+      <a:fillRef idx="1">
+        <a:scrgbClr r="0" g="0" b="0"/>
+      </a:fillRef>
+      <a:effectRef idx="0">
+        <a:scrgbClr r="0" g="0" b="0"/>
+      </a:effectRef>
+      <a:fontRef idx="minor">
+        <a:schemeClr val="lt1"/>
+      </a:fontRef>
+    </dgm:style>
+  </dgm:styleLbl>
+  <dgm:styleLbl name="fgSibTrans2D1">
+    <dgm:scene3d>
+      <a:camera prst="orthographicFront"/>
+      <a:lightRig rig="threePt" dir="t"/>
+    </dgm:scene3d>
+    <dgm:sp3d/>
+    <dgm:txPr/>
+    <dgm:style>
+      <a:lnRef idx="0">
+        <a:scrgbClr r="0" g="0" b="0"/>
+      </a:lnRef>
+      <a:fillRef idx="1">
+        <a:scrgbClr r="0" g="0" b="0"/>
+      </a:fillRef>
+      <a:effectRef idx="0">
+        <a:scrgbClr r="0" g="0" b="0"/>
+      </a:effectRef>
+      <a:fontRef idx="minor">
+        <a:schemeClr val="lt1"/>
+      </a:fontRef>
+    </dgm:style>
+  </dgm:styleLbl>
+  <dgm:styleLbl name="bgSibTrans2D1">
+    <dgm:scene3d>
+      <a:camera prst="orthographicFront"/>
+      <a:lightRig rig="threePt" dir="t"/>
+    </dgm:scene3d>
+    <dgm:sp3d/>
+    <dgm:txPr/>
+    <dgm:style>
+      <a:lnRef idx="0">
+        <a:scrgbClr r="0" g="0" b="0"/>
+      </a:lnRef>
+      <a:fillRef idx="1">
+        <a:scrgbClr r="0" g="0" b="0"/>
+      </a:fillRef>
+      <a:effectRef idx="0">
+        <a:scrgbClr r="0" g="0" b="0"/>
+      </a:effectRef>
+      <a:fontRef idx="minor">
+        <a:schemeClr val="lt1"/>
+      </a:fontRef>
+    </dgm:style>
+  </dgm:styleLbl>
+  <dgm:styleLbl name="sibTrans1D1">
+    <dgm:scene3d>
+      <a:camera prst="orthographicFront"/>
+      <a:lightRig rig="threePt" dir="t"/>
+    </dgm:scene3d>
+    <dgm:sp3d/>
+    <dgm:txPr/>
+    <dgm:style>
+      <a:lnRef idx="1">
+        <a:scrgbClr r="0" g="0" b="0"/>
+      </a:lnRef>
+      <a:fillRef idx="0">
+        <a:scrgbClr r="0" g="0" b="0"/>
+      </a:fillRef>
+      <a:effectRef idx="0">
+        <a:scrgbClr r="0" g="0" b="0"/>
+      </a:effectRef>
+      <a:fontRef idx="minor"/>
+    </dgm:style>
+  </dgm:styleLbl>
+  <dgm:styleLbl name="callout">
+    <dgm:scene3d>
+      <a:camera prst="orthographicFront"/>
+      <a:lightRig rig="threePt" dir="t"/>
+    </dgm:scene3d>
+    <dgm:sp3d/>
+    <dgm:txPr/>
+    <dgm:style>
+      <a:lnRef idx="2">
+        <a:scrgbClr r="0" g="0" b="0"/>
+      </a:lnRef>
+      <a:fillRef idx="1">
+        <a:scrgbClr r="0" g="0" b="0"/>
+      </a:fillRef>
+      <a:effectRef idx="0">
+        <a:scrgbClr r="0" g="0" b="0"/>
+      </a:effectRef>
+      <a:fontRef idx="minor"/>
+    </dgm:style>
+  </dgm:styleLbl>
+  <dgm:styleLbl name="asst0">
+    <dgm:scene3d>
+      <a:camera prst="orthographicFront"/>
+      <a:lightRig rig="threePt" dir="t"/>
+    </dgm:scene3d>
+    <dgm:sp3d/>
+    <dgm:txPr/>
+    <dgm:style>
+      <a:lnRef idx="2">
+        <a:scrgbClr r="0" g="0" b="0"/>
+      </a:lnRef>
+      <a:fillRef idx="1">
+        <a:scrgbClr r="0" g="0" b="0"/>
+      </a:fillRef>
+      <a:effectRef idx="0">
+        <a:scrgbClr r="0" g="0" b="0"/>
+      </a:effectRef>
+      <a:fontRef idx="minor">
+        <a:schemeClr val="lt1"/>
+      </a:fontRef>
+    </dgm:style>
+  </dgm:styleLbl>
+  <dgm:styleLbl name="asst1">
+    <dgm:scene3d>
+      <a:camera prst="orthographicFront"/>
+      <a:lightRig rig="threePt" dir="t"/>
+    </dgm:scene3d>
+    <dgm:sp3d/>
+    <dgm:txPr/>
+    <dgm:style>
+      <a:lnRef idx="2">
+        <a:scrgbClr r="0" g="0" b="0"/>
+      </a:lnRef>
+      <a:fillRef idx="1">
+        <a:scrgbClr r="0" g="0" b="0"/>
+      </a:fillRef>
+      <a:effectRef idx="0">
+        <a:scrgbClr r="0" g="0" b="0"/>
+      </a:effectRef>
+      <a:fontRef idx="minor">
+        <a:schemeClr val="lt1"/>
+      </a:fontRef>
+    </dgm:style>
+  </dgm:styleLbl>
+  <dgm:styleLbl name="asst2">
+    <dgm:scene3d>
+      <a:camera prst="orthographicFront"/>
+      <a:lightRig rig="threePt" dir="t"/>
+    </dgm:scene3d>
+    <dgm:sp3d/>
+    <dgm:txPr/>
+    <dgm:style>
+      <a:lnRef idx="2">
+        <a:scrgbClr r="0" g="0" b="0"/>
+      </a:lnRef>
+      <a:fillRef idx="1">
+        <a:scrgbClr r="0" g="0" b="0"/>
+      </a:fillRef>
+      <a:effectRef idx="0">
+        <a:scrgbClr r="0" g="0" b="0"/>
+      </a:effectRef>
+      <a:fontRef idx="minor">
+        <a:schemeClr val="lt1"/>
+      </a:fontRef>
+    </dgm:style>
+  </dgm:styleLbl>
+  <dgm:styleLbl name="asst3">
+    <dgm:scene3d>
+      <a:camera prst="orthographicFront"/>
+      <a:lightRig rig="threePt" dir="t"/>
+    </dgm:scene3d>
+    <dgm:sp3d/>
+    <dgm:txPr/>
+    <dgm:style>
+      <a:lnRef idx="2">
+        <a:scrgbClr r="0" g="0" b="0"/>
+      </a:lnRef>
+      <a:fillRef idx="1">
+        <a:scrgbClr r="0" g="0" b="0"/>
+      </a:fillRef>
+      <a:effectRef idx="0">
+        <a:scrgbClr r="0" g="0" b="0"/>
+      </a:effectRef>
+      <a:fontRef idx="minor">
+        <a:schemeClr val="lt1"/>
+      </a:fontRef>
+    </dgm:style>
+  </dgm:styleLbl>
+  <dgm:styleLbl name="asst4">
+    <dgm:scene3d>
+      <a:camera prst="orthographicFront"/>
+      <a:lightRig rig="threePt" dir="t"/>
+    </dgm:scene3d>
+    <dgm:sp3d/>
+    <dgm:txPr/>
+    <dgm:style>
+      <a:lnRef idx="2">
+        <a:scrgbClr r="0" g="0" b="0"/>
+      </a:lnRef>
+      <a:fillRef idx="1">
+        <a:scrgbClr r="0" g="0" b="0"/>
+      </a:fillRef>
+      <a:effectRef idx="0">
+        <a:scrgbClr r="0" g="0" b="0"/>
+      </a:effectRef>
+      <a:fontRef idx="minor">
+        <a:schemeClr val="lt1"/>
+      </a:fontRef>
+    </dgm:style>
+  </dgm:styleLbl>
+  <dgm:styleLbl name="parChTrans2D1">
+    <dgm:scene3d>
+      <a:camera prst="orthographicFront"/>
+      <a:lightRig rig="threePt" dir="t"/>
+    </dgm:scene3d>
+    <dgm:sp3d/>
+    <dgm:txPr/>
+    <dgm:style>
+      <a:lnRef idx="2">
+        <a:scrgbClr r="0" g="0" b="0"/>
+      </a:lnRef>
+      <a:fillRef idx="1">
+        <a:scrgbClr r="0" g="0" b="0"/>
+      </a:fillRef>
+      <a:effectRef idx="0">
+        <a:scrgbClr r="0" g="0" b="0"/>
+      </a:effectRef>
+      <a:fontRef idx="minor">
+        <a:schemeClr val="lt1"/>
+      </a:fontRef>
+    </dgm:style>
+  </dgm:styleLbl>
+  <dgm:styleLbl name="parChTrans2D2">
+    <dgm:scene3d>
+      <a:camera prst="orthographicFront"/>
+      <a:lightRig rig="threePt" dir="t"/>
+    </dgm:scene3d>
+    <dgm:sp3d/>
+    <dgm:txPr/>
+    <dgm:style>
+      <a:lnRef idx="2">
+        <a:scrgbClr r="0" g="0" b="0"/>
+      </a:lnRef>
+      <a:fillRef idx="1">
+        <a:scrgbClr r="0" g="0" b="0"/>
+      </a:fillRef>
+      <a:effectRef idx="0">
+        <a:scrgbClr r="0" g="0" b="0"/>
+      </a:effectRef>
+      <a:fontRef idx="minor">
+        <a:schemeClr val="lt1"/>
+      </a:fontRef>
+    </dgm:style>
+  </dgm:styleLbl>
+  <dgm:styleLbl name="parChTrans2D3">
+    <dgm:scene3d>
+      <a:camera prst="orthographicFront"/>
+      <a:lightRig rig="threePt" dir="t"/>
+    </dgm:scene3d>
+    <dgm:sp3d/>
+    <dgm:txPr/>
+    <dgm:style>
+      <a:lnRef idx="2">
+        <a:scrgbClr r="0" g="0" b="0"/>
+      </a:lnRef>
+      <a:fillRef idx="1">
+        <a:scrgbClr r="0" g="0" b="0"/>
+      </a:fillRef>
+      <a:effectRef idx="0">
+        <a:scrgbClr r="0" g="0" b="0"/>
+      </a:effectRef>
+      <a:fontRef idx="minor">
+        <a:schemeClr val="lt1"/>
+      </a:fontRef>
+    </dgm:style>
+  </dgm:styleLbl>
+  <dgm:styleLbl name="parChTrans2D4">
+    <dgm:scene3d>
+      <a:camera prst="orthographicFront"/>
+      <a:lightRig rig="threePt" dir="t"/>
+    </dgm:scene3d>
+    <dgm:sp3d/>
+    <dgm:txPr/>
+    <dgm:style>
+      <a:lnRef idx="2">
+        <a:scrgbClr r="0" g="0" b="0"/>
+      </a:lnRef>
+      <a:fillRef idx="1">
+        <a:scrgbClr r="0" g="0" b="0"/>
+      </a:fillRef>
+      <a:effectRef idx="0">
+        <a:scrgbClr r="0" g="0" b="0"/>
+      </a:effectRef>
+      <a:fontRef idx="minor">
+        <a:schemeClr val="lt1"/>
+      </a:fontRef>
+    </dgm:style>
+  </dgm:styleLbl>
+  <dgm:styleLbl name="parChTrans1D1">
+    <dgm:scene3d>
+      <a:camera prst="orthographicFront"/>
+      <a:lightRig rig="threePt" dir="t"/>
+    </dgm:scene3d>
+    <dgm:sp3d/>
+    <dgm:txPr/>
+    <dgm:style>
+      <a:lnRef idx="2">
+        <a:scrgbClr r="0" g="0" b="0"/>
+      </a:lnRef>
+      <a:fillRef idx="0">
+        <a:scrgbClr r="0" g="0" b="0"/>
+      </a:fillRef>
+      <a:effectRef idx="0">
+        <a:scrgbClr r="0" g="0" b="0"/>
+      </a:effectRef>
+      <a:fontRef idx="minor"/>
+    </dgm:style>
+  </dgm:styleLbl>
+  <dgm:styleLbl name="parChTrans1D2">
+    <dgm:scene3d>
+      <a:camera prst="orthographicFront"/>
+      <a:lightRig rig="threePt" dir="t"/>
+    </dgm:scene3d>
+    <dgm:sp3d/>
+    <dgm:txPr/>
+    <dgm:style>
+      <a:lnRef idx="2">
+        <a:scrgbClr r="0" g="0" b="0"/>
+      </a:lnRef>
+      <a:fillRef idx="0">
+        <a:scrgbClr r="0" g="0" b="0"/>
+      </a:fillRef>
+      <a:effectRef idx="0">
+        <a:scrgbClr r="0" g="0" b="0"/>
+      </a:effectRef>
+      <a:fontRef idx="minor"/>
+    </dgm:style>
+  </dgm:styleLbl>
+  <dgm:styleLbl name="parChTrans1D3">
+    <dgm:scene3d>
+      <a:camera prst="orthographicFront"/>
+      <a:lightRig rig="threePt" dir="t"/>
+    </dgm:scene3d>
+    <dgm:sp3d/>
+    <dgm:txPr/>
+    <dgm:style>
+      <a:lnRef idx="2">
+        <a:scrgbClr r="0" g="0" b="0"/>
+      </a:lnRef>
+      <a:fillRef idx="0">
+        <a:scrgbClr r="0" g="0" b="0"/>
+      </a:fillRef>
+      <a:effectRef idx="0">
+        <a:scrgbClr r="0" g="0" b="0"/>
+      </a:effectRef>
+      <a:fontRef idx="minor"/>
+    </dgm:style>
+  </dgm:styleLbl>
+  <dgm:styleLbl name="parChTrans1D4">
+    <dgm:scene3d>
+      <a:camera prst="orthographicFront"/>
+      <a:lightRig rig="threePt" dir="t"/>
+    </dgm:scene3d>
+    <dgm:sp3d/>
+    <dgm:txPr/>
+    <dgm:style>
+      <a:lnRef idx="2">
+        <a:scrgbClr r="0" g="0" b="0"/>
+      </a:lnRef>
+      <a:fillRef idx="0">
+        <a:scrgbClr r="0" g="0" b="0"/>
+      </a:fillRef>
+      <a:effectRef idx="0">
+        <a:scrgbClr r="0" g="0" b="0"/>
+      </a:effectRef>
+      <a:fontRef idx="minor"/>
+    </dgm:style>
+  </dgm:styleLbl>
+  <dgm:styleLbl name="fgAcc1">
+    <dgm:scene3d>
+      <a:camera prst="orthographicFront"/>
+      <a:lightRig rig="threePt" dir="t"/>
+    </dgm:scene3d>
+    <dgm:sp3d/>
+    <dgm:txPr/>
+    <dgm:style>
+      <a:lnRef idx="2">
+        <a:scrgbClr r="0" g="0" b="0"/>
+      </a:lnRef>
+      <a:fillRef idx="1">
+        <a:scrgbClr r="0" g="0" b="0"/>
+      </a:fillRef>
+      <a:effectRef idx="0">
+        <a:scrgbClr r="0" g="0" b="0"/>
+      </a:effectRef>
+      <a:fontRef idx="minor"/>
+    </dgm:style>
+  </dgm:styleLbl>
+  <dgm:styleLbl name="conFgAcc1">
+    <dgm:scene3d>
+      <a:camera prst="orthographicFront"/>
+      <a:lightRig rig="threePt" dir="t"/>
+    </dgm:scene3d>
+    <dgm:sp3d/>
+    <dgm:txPr/>
+    <dgm:style>
+      <a:lnRef idx="2">
+        <a:scrgbClr r="0" g="0" b="0"/>
+      </a:lnRef>
+      <a:fillRef idx="1">
+        <a:scrgbClr r="0" g="0" b="0"/>
+      </a:fillRef>
+      <a:effectRef idx="0">
+        <a:scrgbClr r="0" g="0" b="0"/>
+      </a:effectRef>
+      <a:fontRef idx="minor"/>
+    </dgm:style>
+  </dgm:styleLbl>
+  <dgm:styleLbl name="alignAcc1">
+    <dgm:scene3d>
+      <a:camera prst="orthographicFront"/>
+      <a:lightRig rig="threePt" dir="t"/>
+    </dgm:scene3d>
+    <dgm:sp3d/>
+    <dgm:txPr/>
+    <dgm:style>
+      <a:lnRef idx="2">
+        <a:scrgbClr r="0" g="0" b="0"/>
+      </a:lnRef>
+      <a:fillRef idx="1">
+        <a:scrgbClr r="0" g="0" b="0"/>
+      </a:fillRef>
+      <a:effectRef idx="0">
+        <a:scrgbClr r="0" g="0" b="0"/>
+      </a:effectRef>
+      <a:fontRef idx="minor"/>
+    </dgm:style>
+  </dgm:styleLbl>
+  <dgm:styleLbl name="trAlignAcc1">
+    <dgm:scene3d>
+      <a:camera prst="orthographicFront"/>
+      <a:lightRig rig="threePt" dir="t"/>
+    </dgm:scene3d>
+    <dgm:sp3d/>
+    <dgm:txPr/>
+    <dgm:style>
+      <a:lnRef idx="1">
+        <a:scrgbClr r="0" g="0" b="0"/>
+      </a:lnRef>
+      <a:fillRef idx="1">
+        <a:scrgbClr r="0" g="0" b="0"/>
+      </a:fillRef>
+      <a:effectRef idx="0">
+        <a:scrgbClr r="0" g="0" b="0"/>
+      </a:effectRef>
+      <a:fontRef idx="minor"/>
+    </dgm:style>
+  </dgm:styleLbl>
+  <dgm:styleLbl name="bgAcc1">
+    <dgm:scene3d>
+      <a:camera prst="orthographicFront"/>
+      <a:lightRig rig="threePt" dir="t"/>
+    </dgm:scene3d>
+    <dgm:sp3d/>
+    <dgm:txPr/>
+    <dgm:style>
+      <a:lnRef idx="2">
+        <a:scrgbClr r="0" g="0" b="0"/>
+      </a:lnRef>
+      <a:fillRef idx="1">
+        <a:scrgbClr r="0" g="0" b="0"/>
+      </a:fillRef>
+      <a:effectRef idx="0">
+        <a:scrgbClr r="0" g="0" b="0"/>
+      </a:effectRef>
+      <a:fontRef idx="minor"/>
+    </dgm:style>
+  </dgm:styleLbl>
+  <dgm:styleLbl name="solidFgAcc1">
+    <dgm:scene3d>
+      <a:camera prst="orthographicFront"/>
+      <a:lightRig rig="threePt" dir="t"/>
+    </dgm:scene3d>
+    <dgm:sp3d/>
+    <dgm:txPr/>
+    <dgm:style>
+      <a:lnRef idx="2">
+        <a:scrgbClr r="0" g="0" b="0"/>
+      </a:lnRef>
+      <a:fillRef idx="1">
+        <a:scrgbClr r="0" g="0" b="0"/>
+      </a:fillRef>
+      <a:effectRef idx="0">
+        <a:scrgbClr r="0" g="0" b="0"/>
+      </a:effectRef>
+      <a:fontRef idx="minor"/>
+    </dgm:style>
+  </dgm:styleLbl>
+  <dgm:styleLbl name="solidAlignAcc1">
+    <dgm:scene3d>
+      <a:camera prst="orthographicFront"/>
+      <a:lightRig rig="threePt" dir="t"/>
+    </dgm:scene3d>
+    <dgm:sp3d/>
+    <dgm:txPr/>
+    <dgm:style>
+      <a:lnRef idx="2">
+        <a:scrgbClr r="0" g="0" b="0"/>
+      </a:lnRef>
+      <a:fillRef idx="1">
+        <a:scrgbClr r="0" g="0" b="0"/>
+      </a:fillRef>
+      <a:effectRef idx="0">
+        <a:scrgbClr r="0" g="0" b="0"/>
+      </a:effectRef>
+      <a:fontRef idx="minor"/>
+    </dgm:style>
+  </dgm:styleLbl>
+  <dgm:styleLbl name="solidBgAcc1">
+    <dgm:scene3d>
+      <a:camera prst="orthographicFront"/>
+      <a:lightRig rig="threePt" dir="t"/>
+    </dgm:scene3d>
+    <dgm:sp3d/>
+    <dgm:txPr/>
+    <dgm:style>
+      <a:lnRef idx="2">
+        <a:scrgbClr r="0" g="0" b="0"/>
+      </a:lnRef>
+      <a:fillRef idx="1">
+        <a:scrgbClr r="0" g="0" b="0"/>
+      </a:fillRef>
+      <a:effectRef idx="0">
+        <a:scrgbClr r="0" g="0" b="0"/>
+      </a:effectRef>
+      <a:fontRef idx="minor"/>
+    </dgm:style>
+  </dgm:styleLbl>
+  <dgm:styleLbl name="fgAccFollowNode1">
+    <dgm:scene3d>
+      <a:camera prst="orthographicFront"/>
+      <a:lightRig rig="threePt" dir="t"/>
+    </dgm:scene3d>
+    <dgm:sp3d/>
+    <dgm:txPr/>
+    <dgm:style>
+      <a:lnRef idx="2">
+        <a:scrgbClr r="0" g="0" b="0"/>
+      </a:lnRef>
+      <a:fillRef idx="1">
+        <a:scrgbClr r="0" g="0" b="0"/>
+      </a:fillRef>
+      <a:effectRef idx="0">
+        <a:scrgbClr r="0" g="0" b="0"/>
+      </a:effectRef>
+      <a:fontRef idx="minor"/>
+    </dgm:style>
+  </dgm:styleLbl>
+  <dgm:styleLbl name="alignAccFollowNode1">
+    <dgm:scene3d>
+      <a:camera prst="orthographicFront"/>
+      <a:lightRig rig="threePt" dir="t"/>
+    </dgm:scene3d>
+    <dgm:sp3d/>
+    <dgm:txPr/>
+    <dgm:style>
+      <a:lnRef idx="2">
+        <a:scrgbClr r="0" g="0" b="0"/>
+      </a:lnRef>
+      <a:fillRef idx="1">
+        <a:scrgbClr r="0" g="0" b="0"/>
+      </a:fillRef>
+      <a:effectRef idx="0">
+        <a:scrgbClr r="0" g="0" b="0"/>
+      </a:effectRef>
+      <a:fontRef idx="minor"/>
+    </dgm:style>
+  </dgm:styleLbl>
+  <dgm:styleLbl name="bgAccFollowNode1">
+    <dgm:scene3d>
+      <a:camera prst="orthographicFront"/>
+      <a:lightRig rig="threePt" dir="t"/>
+    </dgm:scene3d>
+    <dgm:sp3d/>
+    <dgm:txPr/>
+    <dgm:style>
+      <a:lnRef idx="2">
+        <a:scrgbClr r="0" g="0" b="0"/>
+      </a:lnRef>
+      <a:fillRef idx="1">
+        <a:scrgbClr r="0" g="0" b="0"/>
+      </a:fillRef>
+      <a:effectRef idx="0">
+        <a:scrgbClr r="0" g="0" b="0"/>
+      </a:effectRef>
+      <a:fontRef idx="minor"/>
+    </dgm:style>
+  </dgm:styleLbl>
+  <dgm:styleLbl name="fgAcc0">
+    <dgm:scene3d>
+      <a:camera prst="orthographicFront"/>
+      <a:lightRig rig="threePt" dir="t"/>
+    </dgm:scene3d>
+    <dgm:sp3d/>
+    <dgm:txPr/>
+    <dgm:style>
+      <a:lnRef idx="2">
+        <a:scrgbClr r="0" g="0" b="0"/>
+      </a:lnRef>
+      <a:fillRef idx="1">
+        <a:scrgbClr r="0" g="0" b="0"/>
+      </a:fillRef>
+      <a:effectRef idx="0">
+        <a:scrgbClr r="0" g="0" b="0"/>
+      </a:effectRef>
+      <a:fontRef idx="minor"/>
+    </dgm:style>
+  </dgm:styleLbl>
+  <dgm:styleLbl name="fgAcc2">
+    <dgm:scene3d>
+      <a:camera prst="orthographicFront"/>
+      <a:lightRig rig="threePt" dir="t"/>
+    </dgm:scene3d>
+    <dgm:sp3d/>
+    <dgm:txPr/>
+    <dgm:style>
+      <a:lnRef idx="2">
+        <a:scrgbClr r="0" g="0" b="0"/>
+      </a:lnRef>
+      <a:fillRef idx="1">
+        <a:scrgbClr r="0" g="0" b="0"/>
+      </a:fillRef>
+      <a:effectRef idx="0">
+        <a:scrgbClr r="0" g="0" b="0"/>
+      </a:effectRef>
+      <a:fontRef idx="minor"/>
+    </dgm:style>
+  </dgm:styleLbl>
+  <dgm:styleLbl name="fgAcc3">
+    <dgm:scene3d>
+      <a:camera prst="orthographicFront"/>
+      <a:lightRig rig="threePt" dir="t"/>
+    </dgm:scene3d>
+    <dgm:sp3d/>
+    <dgm:txPr/>
+    <dgm:style>
+      <a:lnRef idx="2">
+        <a:scrgbClr r="0" g="0" b="0"/>
+      </a:lnRef>
+      <a:fillRef idx="1">
+        <a:scrgbClr r="0" g="0" b="0"/>
+      </a:fillRef>
+      <a:effectRef idx="0">
+        <a:scrgbClr r="0" g="0" b="0"/>
+      </a:effectRef>
+      <a:fontRef idx="minor"/>
+    </dgm:style>
+  </dgm:styleLbl>
+  <dgm:styleLbl name="fgAcc4">
+    <dgm:scene3d>
+      <a:camera prst="orthographicFront"/>
+      <a:lightRig rig="threePt" dir="t"/>
+    </dgm:scene3d>
+    <dgm:sp3d/>
+    <dgm:txPr/>
+    <dgm:style>
+      <a:lnRef idx="2">
+        <a:scrgbClr r="0" g="0" b="0"/>
+      </a:lnRef>
+      <a:fillRef idx="1">
+        <a:scrgbClr r="0" g="0" b="0"/>
+      </a:fillRef>
+      <a:effectRef idx="0">
+        <a:scrgbClr r="0" g="0" b="0"/>
+      </a:effectRef>
+      <a:fontRef idx="minor"/>
+    </dgm:style>
+  </dgm:styleLbl>
+  <dgm:styleLbl name="bgShp">
+    <dgm:scene3d>
+      <a:camera prst="orthographicFront"/>
+      <a:lightRig rig="threePt" dir="t"/>
+    </dgm:scene3d>
+    <dgm:sp3d/>
+    <dgm:txPr/>
+    <dgm:style>
+      <a:lnRef idx="0">
+        <a:scrgbClr r="0" g="0" b="0"/>
+      </a:lnRef>
+      <a:fillRef idx="1">
+        <a:scrgbClr r="0" g="0" b="0"/>
+      </a:fillRef>
+      <a:effectRef idx="0">
+        <a:scrgbClr r="0" g="0" b="0"/>
+      </a:effectRef>
+      <a:fontRef idx="minor"/>
+    </dgm:style>
+  </dgm:styleLbl>
+  <dgm:styleLbl name="dkBgShp">
+    <dgm:scene3d>
+      <a:camera prst="orthographicFront"/>
+      <a:lightRig rig="threePt" dir="t"/>
+    </dgm:scene3d>
+    <dgm:sp3d/>
+    <dgm:txPr/>
+    <dgm:style>
+      <a:lnRef idx="0">
+        <a:scrgbClr r="0" g="0" b="0"/>
+      </a:lnRef>
+      <a:fillRef idx="1">
+        <a:scrgbClr r="0" g="0" b="0"/>
+      </a:fillRef>
+      <a:effectRef idx="0">
+        <a:scrgbClr r="0" g="0" b="0"/>
+      </a:effectRef>
+      <a:fontRef idx="minor"/>
+    </dgm:style>
+  </dgm:styleLbl>
+  <dgm:styleLbl name="trBgShp">
+    <dgm:scene3d>
+      <a:camera prst="orthographicFront"/>
+      <a:lightRig rig="threePt" dir="t"/>
+    </dgm:scene3d>
+    <dgm:sp3d/>
+    <dgm:txPr/>
+    <dgm:style>
+      <a:lnRef idx="0">
+        <a:scrgbClr r="0" g="0" b="0"/>
+      </a:lnRef>
+      <a:fillRef idx="1">
+        <a:scrgbClr r="0" g="0" b="0"/>
+      </a:fillRef>
+      <a:effectRef idx="0">
+        <a:scrgbClr r="0" g="0" b="0"/>
+      </a:effectRef>
+      <a:fontRef idx="minor"/>
+    </dgm:style>
+  </dgm:styleLbl>
+  <dgm:styleLbl name="fgShp">
+    <dgm:scene3d>
+      <a:camera prst="orthographicFront"/>
+      <a:lightRig rig="threePt" dir="t"/>
+    </dgm:scene3d>
+    <dgm:sp3d/>
+    <dgm:txPr/>
+    <dgm:style>
+      <a:lnRef idx="2">
+        <a:scrgbClr r="0" g="0" b="0"/>
+      </a:lnRef>
+      <a:fillRef idx="1">
+        <a:scrgbClr r="0" g="0" b="0"/>
+      </a:fillRef>
+      <a:effectRef idx="0">
         <a:scrgbClr r="0" g="0" b="0"/>
       </a:effectRef>
       <a:fontRef idx="minor"/>
@@ -8542,6 +14078,7 @@
           </a:bodyPr>
           <a:lstStyle/>
           <a:p>
+            <a:pPr algn="ctr"/>
             <a:r>
               <a:rPr lang="en-US" sz="3600" dirty="0" err="1"/>
               <a:t>Genuini's</a:t>
@@ -8574,6 +14111,7 @@
           <a:bodyPr/>
           <a:lstStyle/>
           <a:p>
+            <a:pPr algn="ctr"/>
             <a:r>
               <a:rPr lang="fr-FR" dirty="0" smtClean="0"/>
               <a:t>Apprenez,  vous aussi, 		  en vous amusant</a:t>
@@ -8664,7 +14202,7 @@
         </p:blipFill>
         <p:spPr>
           <a:xfrm>
-            <a:off x="5087693" y="3814781"/>
+            <a:off x="6434868" y="3814781"/>
             <a:ext cx="1076557" cy="232680"/>
           </a:xfrm>
           <a:prstGeom prst="rect">
@@ -8915,6 +14453,429 @@
 </p:sld>
 </file>
 
+<file path=ppt/slides/slide10.xml><?xml version="1.0" encoding="utf-8"?>
+<p:sld xmlns:a="http://schemas.openxmlformats.org/drawingml/2006/main" xmlns:r="http://schemas.openxmlformats.org/officeDocument/2006/relationships" xmlns:p="http://schemas.openxmlformats.org/presentationml/2006/main">
+  <p:cSld>
+    <p:spTree>
+      <p:nvGrpSpPr>
+        <p:cNvPr id="1" name=""/>
+        <p:cNvGrpSpPr/>
+        <p:nvPr/>
+      </p:nvGrpSpPr>
+      <p:grpSpPr>
+        <a:xfrm>
+          <a:off x="0" y="0"/>
+          <a:ext cx="0" cy="0"/>
+          <a:chOff x="0" y="0"/>
+          <a:chExt cx="0" cy="0"/>
+        </a:xfrm>
+      </p:grpSpPr>
+      <p:sp>
+        <p:nvSpPr>
+          <p:cNvPr id="2" name="Titre 1"/>
+          <p:cNvSpPr>
+            <a:spLocks noGrp="1"/>
+          </p:cNvSpPr>
+          <p:nvPr>
+            <p:ph type="title"/>
+          </p:nvPr>
+        </p:nvSpPr>
+        <p:spPr/>
+        <p:txBody>
+          <a:bodyPr/>
+          <a:lstStyle/>
+          <a:p>
+            <a:r>
+              <a:rPr lang="fr-FR" dirty="0" smtClean="0"/>
+              <a:t>Les maquettes</a:t>
+            </a:r>
+            <a:endParaRPr lang="fr-FR" dirty="0"/>
+          </a:p>
+        </p:txBody>
+      </p:sp>
+      <p:pic>
+        <p:nvPicPr>
+          <p:cNvPr id="4" name="Espace réservé du contenu 3"/>
+          <p:cNvPicPr>
+            <a:picLocks noGrp="1" noChangeAspect="1"/>
+          </p:cNvPicPr>
+          <p:nvPr>
+            <p:ph idx="1"/>
+          </p:nvPr>
+        </p:nvPicPr>
+        <p:blipFill>
+          <a:blip r:embed="rId2">
+            <a:extLst>
+              <a:ext uri="{28A0092B-C50C-407E-A947-70E740481C1C}">
+                <a14:useLocalDpi xmlns:a14="http://schemas.microsoft.com/office/drawing/2010/main" val="0"/>
+              </a:ext>
+            </a:extLst>
+          </a:blip>
+          <a:stretch>
+            <a:fillRect/>
+          </a:stretch>
+        </p:blipFill>
+        <p:spPr>
+          <a:xfrm>
+            <a:off x="6679269" y="0"/>
+            <a:ext cx="1964917" cy="1964917"/>
+          </a:xfrm>
+        </p:spPr>
+      </p:pic>
+    </p:spTree>
+    <p:extLst>
+      <p:ext uri="{BB962C8B-B14F-4D97-AF65-F5344CB8AC3E}">
+        <p14:creationId xmlns:p14="http://schemas.microsoft.com/office/powerpoint/2010/main" val="2002453521"/>
+      </p:ext>
+    </p:extLst>
+  </p:cSld>
+  <p:clrMapOvr>
+    <a:masterClrMapping/>
+  </p:clrMapOvr>
+  <p:timing>
+    <p:tnLst>
+      <p:par>
+        <p:cTn id="1" dur="indefinite" restart="never" nodeType="tmRoot"/>
+      </p:par>
+    </p:tnLst>
+  </p:timing>
+</p:sld>
+</file>
+
+<file path=ppt/slides/slide11.xml><?xml version="1.0" encoding="utf-8"?>
+<p:sld xmlns:a="http://schemas.openxmlformats.org/drawingml/2006/main" xmlns:r="http://schemas.openxmlformats.org/officeDocument/2006/relationships" xmlns:p="http://schemas.openxmlformats.org/presentationml/2006/main">
+  <p:cSld>
+    <p:spTree>
+      <p:nvGrpSpPr>
+        <p:cNvPr id="1" name=""/>
+        <p:cNvGrpSpPr/>
+        <p:nvPr/>
+      </p:nvGrpSpPr>
+      <p:grpSpPr>
+        <a:xfrm>
+          <a:off x="0" y="0"/>
+          <a:ext cx="0" cy="0"/>
+          <a:chOff x="0" y="0"/>
+          <a:chExt cx="0" cy="0"/>
+        </a:xfrm>
+      </p:grpSpPr>
+      <p:sp>
+        <p:nvSpPr>
+          <p:cNvPr id="2" name="Titre 1"/>
+          <p:cNvSpPr>
+            <a:spLocks noGrp="1"/>
+          </p:cNvSpPr>
+          <p:nvPr>
+            <p:ph type="title"/>
+          </p:nvPr>
+        </p:nvSpPr>
+        <p:spPr/>
+        <p:txBody>
+          <a:bodyPr/>
+          <a:lstStyle/>
+          <a:p>
+            <a:r>
+              <a:rPr lang="fr-FR" dirty="0" smtClean="0"/>
+              <a:t>Répartition des tâches</a:t>
+            </a:r>
+            <a:endParaRPr lang="fr-FR" dirty="0"/>
+          </a:p>
+        </p:txBody>
+      </p:sp>
+      <p:pic>
+        <p:nvPicPr>
+          <p:cNvPr id="4" name="Espace réservé du contenu 3"/>
+          <p:cNvPicPr>
+            <a:picLocks noGrp="1" noChangeAspect="1"/>
+          </p:cNvPicPr>
+          <p:nvPr>
+            <p:ph idx="1"/>
+          </p:nvPr>
+        </p:nvPicPr>
+        <p:blipFill>
+          <a:blip r:embed="rId2">
+            <a:extLst>
+              <a:ext uri="{28A0092B-C50C-407E-A947-70E740481C1C}">
+                <a14:useLocalDpi xmlns:a14="http://schemas.microsoft.com/office/drawing/2010/main" val="0"/>
+              </a:ext>
+            </a:extLst>
+          </a:blip>
+          <a:stretch>
+            <a:fillRect/>
+          </a:stretch>
+        </p:blipFill>
+        <p:spPr>
+          <a:xfrm>
+            <a:off x="7942216" y="397562"/>
+            <a:ext cx="2005081" cy="1190517"/>
+          </a:xfrm>
+        </p:spPr>
+      </p:pic>
+    </p:spTree>
+    <p:extLst>
+      <p:ext uri="{BB962C8B-B14F-4D97-AF65-F5344CB8AC3E}">
+        <p14:creationId xmlns:p14="http://schemas.microsoft.com/office/powerpoint/2010/main" val="2044969835"/>
+      </p:ext>
+    </p:extLst>
+  </p:cSld>
+  <p:clrMapOvr>
+    <a:masterClrMapping/>
+  </p:clrMapOvr>
+  <p:timing>
+    <p:tnLst>
+      <p:par>
+        <p:cTn id="1" dur="indefinite" restart="never" nodeType="tmRoot"/>
+      </p:par>
+    </p:tnLst>
+  </p:timing>
+</p:sld>
+</file>
+
+<file path=ppt/slides/slide12.xml><?xml version="1.0" encoding="utf-8"?>
+<p:sld xmlns:a="http://schemas.openxmlformats.org/drawingml/2006/main" xmlns:r="http://schemas.openxmlformats.org/officeDocument/2006/relationships" xmlns:p="http://schemas.openxmlformats.org/presentationml/2006/main">
+  <p:cSld>
+    <p:spTree>
+      <p:nvGrpSpPr>
+        <p:cNvPr id="1" name=""/>
+        <p:cNvGrpSpPr/>
+        <p:nvPr/>
+      </p:nvGrpSpPr>
+      <p:grpSpPr>
+        <a:xfrm>
+          <a:off x="0" y="0"/>
+          <a:ext cx="0" cy="0"/>
+          <a:chOff x="0" y="0"/>
+          <a:chExt cx="0" cy="0"/>
+        </a:xfrm>
+      </p:grpSpPr>
+      <p:sp>
+        <p:nvSpPr>
+          <p:cNvPr id="2" name="Titre 1"/>
+          <p:cNvSpPr>
+            <a:spLocks noGrp="1"/>
+          </p:cNvSpPr>
+          <p:nvPr>
+            <p:ph type="title"/>
+          </p:nvPr>
+        </p:nvSpPr>
+        <p:spPr/>
+        <p:txBody>
+          <a:bodyPr/>
+          <a:lstStyle/>
+          <a:p>
+            <a:r>
+              <a:rPr lang="fr-FR" dirty="0" smtClean="0"/>
+              <a:t>Matériels nécessaires</a:t>
+            </a:r>
+            <a:endParaRPr lang="fr-FR" dirty="0"/>
+          </a:p>
+        </p:txBody>
+      </p:sp>
+      <p:pic>
+        <p:nvPicPr>
+          <p:cNvPr id="4" name="Image 3"/>
+          <p:cNvPicPr>
+            <a:picLocks noChangeAspect="1"/>
+          </p:cNvPicPr>
+          <p:nvPr/>
+        </p:nvPicPr>
+        <p:blipFill>
+          <a:blip r:embed="rId2">
+            <a:extLst>
+              <a:ext uri="{BEBA8EAE-BF5A-486C-A8C5-ECC9F3942E4B}">
+                <a14:imgProps xmlns:a14="http://schemas.microsoft.com/office/drawing/2010/main">
+                  <a14:imgLayer r:embed="rId3">
+                    <a14:imgEffect>
+                      <a14:backgroundRemoval t="0" b="100000" l="0" r="100000"/>
+                    </a14:imgEffect>
+                  </a14:imgLayer>
+                </a14:imgProps>
+              </a:ext>
+              <a:ext uri="{28A0092B-C50C-407E-A947-70E740481C1C}">
+                <a14:useLocalDpi xmlns:a14="http://schemas.microsoft.com/office/drawing/2010/main" val="0"/>
+              </a:ext>
+            </a:extLst>
+          </a:blip>
+          <a:stretch>
+            <a:fillRect/>
+          </a:stretch>
+        </p:blipFill>
+        <p:spPr>
+          <a:xfrm>
+            <a:off x="-2070848" y="631817"/>
+            <a:ext cx="7691719" cy="4326592"/>
+          </a:xfrm>
+          <a:prstGeom prst="rect">
+            <a:avLst/>
+          </a:prstGeom>
+        </p:spPr>
+      </p:pic>
+      <p:sp>
+        <p:nvSpPr>
+          <p:cNvPr id="5" name="Titre 1"/>
+          <p:cNvSpPr txBox="1">
+            <a:spLocks/>
+          </p:cNvSpPr>
+          <p:nvPr/>
+        </p:nvSpPr>
+        <p:spPr>
+          <a:xfrm>
+            <a:off x="945073" y="4958409"/>
+            <a:ext cx="3734504" cy="513224"/>
+          </a:xfrm>
+          <a:prstGeom prst="rect">
+            <a:avLst/>
+          </a:prstGeom>
+        </p:spPr>
+        <p:txBody>
+          <a:bodyPr vert="horz" lIns="91440" tIns="45720" rIns="91440" bIns="45720" rtlCol="0" anchor="t">
+            <a:normAutofit/>
+          </a:bodyPr>
+          <a:lstStyle>
+            <a:lvl1pPr algn="l" defTabSz="914400" rtl="0" eaLnBrk="1" latinLnBrk="0" hangingPunct="1">
+              <a:lnSpc>
+                <a:spcPct val="90000"/>
+              </a:lnSpc>
+              <a:spcBef>
+                <a:spcPct val="0"/>
+              </a:spcBef>
+              <a:buNone/>
+              <a:defRPr sz="3200" b="0" i="0" kern="1200" cap="all">
+                <a:solidFill>
+                  <a:schemeClr val="tx1"/>
+                </a:solidFill>
+                <a:effectLst/>
+                <a:latin typeface="+mj-lt"/>
+                <a:ea typeface="+mj-ea"/>
+                <a:cs typeface="+mj-cs"/>
+              </a:defRPr>
+            </a:lvl1pPr>
+          </a:lstStyle>
+          <a:p>
+            <a:r>
+              <a:rPr lang="fr-FR" sz="2400" dirty="0" err="1" smtClean="0"/>
+              <a:t>Genuino</a:t>
+            </a:r>
+            <a:r>
+              <a:rPr lang="fr-FR" sz="2400" dirty="0" smtClean="0"/>
+              <a:t> 101</a:t>
+            </a:r>
+            <a:endParaRPr lang="fr-FR" sz="2400" dirty="0"/>
+          </a:p>
+        </p:txBody>
+      </p:sp>
+      <p:pic>
+        <p:nvPicPr>
+          <p:cNvPr id="6" name="Image 5"/>
+          <p:cNvPicPr>
+            <a:picLocks noChangeAspect="1"/>
+          </p:cNvPicPr>
+          <p:nvPr/>
+        </p:nvPicPr>
+        <p:blipFill>
+          <a:blip r:embed="rId4"/>
+          <a:stretch>
+            <a:fillRect/>
+          </a:stretch>
+        </p:blipFill>
+        <p:spPr>
+          <a:xfrm>
+            <a:off x="4434768" y="2917814"/>
+            <a:ext cx="3636896" cy="1291313"/>
+          </a:xfrm>
+          <a:prstGeom prst="rect">
+            <a:avLst/>
+          </a:prstGeom>
+          <a:ln>
+            <a:noFill/>
+          </a:ln>
+          <a:effectLst>
+            <a:outerShdw blurRad="292100" dist="139700" dir="2700000" algn="tl" rotWithShape="0">
+              <a:srgbClr val="333333">
+                <a:alpha val="65000"/>
+              </a:srgbClr>
+            </a:outerShdw>
+          </a:effectLst>
+        </p:spPr>
+      </p:pic>
+      <p:sp>
+        <p:nvSpPr>
+          <p:cNvPr id="7" name="Titre 1"/>
+          <p:cNvSpPr txBox="1">
+            <a:spLocks/>
+          </p:cNvSpPr>
+          <p:nvPr/>
+        </p:nvSpPr>
+        <p:spPr>
+          <a:xfrm>
+            <a:off x="4679577" y="4958409"/>
+            <a:ext cx="3734504" cy="513224"/>
+          </a:xfrm>
+          <a:prstGeom prst="rect">
+            <a:avLst/>
+          </a:prstGeom>
+        </p:spPr>
+        <p:txBody>
+          <a:bodyPr vert="horz" lIns="91440" tIns="45720" rIns="91440" bIns="45720" rtlCol="0" anchor="t">
+            <a:normAutofit/>
+          </a:bodyPr>
+          <a:lstStyle>
+            <a:lvl1pPr algn="l" defTabSz="914400" rtl="0" eaLnBrk="1" latinLnBrk="0" hangingPunct="1">
+              <a:lnSpc>
+                <a:spcPct val="90000"/>
+              </a:lnSpc>
+              <a:spcBef>
+                <a:spcPct val="0"/>
+              </a:spcBef>
+              <a:buNone/>
+              <a:defRPr sz="3200" b="0" i="0" kern="1200" cap="all">
+                <a:solidFill>
+                  <a:schemeClr val="tx1"/>
+                </a:solidFill>
+                <a:effectLst/>
+                <a:latin typeface="+mj-lt"/>
+                <a:ea typeface="+mj-ea"/>
+                <a:cs typeface="+mj-cs"/>
+              </a:defRPr>
+            </a:lvl1pPr>
+          </a:lstStyle>
+          <a:p>
+            <a:r>
+              <a:rPr lang="fr-FR" sz="2400" dirty="0" err="1" smtClean="0"/>
+              <a:t>Bargraphe</a:t>
+            </a:r>
+            <a:r>
+              <a:rPr lang="fr-FR" sz="2400" dirty="0" smtClean="0"/>
+              <a:t> 10 </a:t>
+            </a:r>
+            <a:r>
+              <a:rPr lang="fr-FR" sz="2400" dirty="0" err="1" smtClean="0"/>
+              <a:t>led</a:t>
+            </a:r>
+            <a:endParaRPr lang="fr-FR" sz="2400" dirty="0"/>
+          </a:p>
+        </p:txBody>
+      </p:sp>
+    </p:spTree>
+    <p:extLst>
+      <p:ext uri="{BB962C8B-B14F-4D97-AF65-F5344CB8AC3E}">
+        <p14:creationId xmlns:p14="http://schemas.microsoft.com/office/powerpoint/2010/main" val="4042351825"/>
+      </p:ext>
+    </p:extLst>
+  </p:cSld>
+  <p:clrMapOvr>
+    <a:masterClrMapping/>
+  </p:clrMapOvr>
+  <p:timing>
+    <p:tnLst>
+      <p:par>
+        <p:cTn id="1" dur="indefinite" restart="never" nodeType="tmRoot"/>
+      </p:par>
+    </p:tnLst>
+  </p:timing>
+</p:sld>
+</file>
+
 <file path=ppt/slides/slide2.xml><?xml version="1.0" encoding="utf-8"?>
 <p:sld xmlns:a="http://schemas.openxmlformats.org/drawingml/2006/main" xmlns:r="http://schemas.openxmlformats.org/officeDocument/2006/relationships" xmlns:p="http://schemas.openxmlformats.org/presentationml/2006/main">
   <p:cSld>
@@ -9092,13 +15053,13 @@
   <p:clrMapOvr>
     <a:masterClrMapping/>
   </p:clrMapOvr>
-  <mc:AlternateContent xmlns:mc="http://schemas.openxmlformats.org/markup-compatibility/2006">
-    <mc:Choice xmlns:p14="http://schemas.microsoft.com/office/powerpoint/2010/main" Requires="p14">
+  <mc:AlternateContent xmlns:mc="http://schemas.openxmlformats.org/markup-compatibility/2006" xmlns:p14="http://schemas.microsoft.com/office/powerpoint/2010/main">
+    <mc:Choice Requires="p14">
       <p:transition spd="med" p14:dur="700">
         <p:fade/>
       </p:transition>
     </mc:Choice>
-    <mc:Fallback>
+    <mc:Fallback xmlns="">
       <p:transition spd="med">
         <p:fade/>
       </p:transition>
@@ -10169,6 +16130,547 @@
           </a:xfrm>
         </p:spPr>
       </p:pic>
+      <p:graphicFrame>
+        <p:nvGraphicFramePr>
+          <p:cNvPr id="3" name="Tableau 2"/>
+          <p:cNvGraphicFramePr>
+            <a:graphicFrameLocks noGrp="1"/>
+          </p:cNvGraphicFramePr>
+          <p:nvPr>
+            <p:extLst>
+              <p:ext uri="{D42A27DB-BD31-4B8C-83A1-F6EECF244321}">
+                <p14:modId xmlns:p14="http://schemas.microsoft.com/office/powerpoint/2010/main" val="2985600614"/>
+              </p:ext>
+            </p:extLst>
+          </p:nvPr>
+        </p:nvGraphicFramePr>
+        <p:xfrm>
+          <a:off x="1451582" y="1942228"/>
+          <a:ext cx="9603272" cy="4079748"/>
+        </p:xfrm>
+        <a:graphic>
+          <a:graphicData uri="http://schemas.openxmlformats.org/drawingml/2006/table">
+            <a:tbl>
+              <a:tblPr firstRow="1" bandRow="1">
+                <a:tableStyleId>{93296810-A885-4BE3-A3E7-6D5BEEA58F35}</a:tableStyleId>
+              </a:tblPr>
+              <a:tblGrid>
+                <a:gridCol w="1371896">
+                  <a:extLst>
+                    <a:ext uri="{9D8B030D-6E8A-4147-A177-3AD203B41FA5}">
+                      <a16:colId xmlns:a16="http://schemas.microsoft.com/office/drawing/2014/main" val="226518769"/>
+                    </a:ext>
+                  </a:extLst>
+                </a:gridCol>
+                <a:gridCol w="1371896">
+                  <a:extLst>
+                    <a:ext uri="{9D8B030D-6E8A-4147-A177-3AD203B41FA5}">
+                      <a16:colId xmlns:a16="http://schemas.microsoft.com/office/drawing/2014/main" val="3100188029"/>
+                    </a:ext>
+                  </a:extLst>
+                </a:gridCol>
+                <a:gridCol w="1371896">
+                  <a:extLst>
+                    <a:ext uri="{9D8B030D-6E8A-4147-A177-3AD203B41FA5}">
+                      <a16:colId xmlns:a16="http://schemas.microsoft.com/office/drawing/2014/main" val="2907036671"/>
+                    </a:ext>
+                  </a:extLst>
+                </a:gridCol>
+                <a:gridCol w="1371896">
+                  <a:extLst>
+                    <a:ext uri="{9D8B030D-6E8A-4147-A177-3AD203B41FA5}">
+                      <a16:colId xmlns:a16="http://schemas.microsoft.com/office/drawing/2014/main" val="3954731480"/>
+                    </a:ext>
+                  </a:extLst>
+                </a:gridCol>
+                <a:gridCol w="1371896">
+                  <a:extLst>
+                    <a:ext uri="{9D8B030D-6E8A-4147-A177-3AD203B41FA5}">
+                      <a16:colId xmlns:a16="http://schemas.microsoft.com/office/drawing/2014/main" val="3592284672"/>
+                    </a:ext>
+                  </a:extLst>
+                </a:gridCol>
+                <a:gridCol w="1371896">
+                  <a:extLst>
+                    <a:ext uri="{9D8B030D-6E8A-4147-A177-3AD203B41FA5}">
+                      <a16:colId xmlns:a16="http://schemas.microsoft.com/office/drawing/2014/main" val="2899020420"/>
+                    </a:ext>
+                  </a:extLst>
+                </a:gridCol>
+                <a:gridCol w="1371896">
+                  <a:extLst>
+                    <a:ext uri="{9D8B030D-6E8A-4147-A177-3AD203B41FA5}">
+                      <a16:colId xmlns:a16="http://schemas.microsoft.com/office/drawing/2014/main" val="3186998701"/>
+                    </a:ext>
+                  </a:extLst>
+                </a:gridCol>
+              </a:tblGrid>
+              <a:tr h="679958">
+                <a:tc>
+                  <a:txBody>
+                    <a:bodyPr/>
+                    <a:lstStyle/>
+                    <a:p>
+                      <a:endParaRPr lang="fr-FR" dirty="0"/>
+                    </a:p>
+                  </a:txBody>
+                  <a:tcPr/>
+                </a:tc>
+                <a:tc>
+                  <a:txBody>
+                    <a:bodyPr/>
+                    <a:lstStyle/>
+                    <a:p>
+                      <a:endParaRPr lang="fr-FR"/>
+                    </a:p>
+                  </a:txBody>
+                  <a:tcPr/>
+                </a:tc>
+                <a:tc>
+                  <a:txBody>
+                    <a:bodyPr/>
+                    <a:lstStyle/>
+                    <a:p>
+                      <a:endParaRPr lang="fr-FR"/>
+                    </a:p>
+                  </a:txBody>
+                  <a:tcPr/>
+                </a:tc>
+                <a:tc>
+                  <a:txBody>
+                    <a:bodyPr/>
+                    <a:lstStyle/>
+                    <a:p>
+                      <a:endParaRPr lang="fr-FR"/>
+                    </a:p>
+                  </a:txBody>
+                  <a:tcPr/>
+                </a:tc>
+                <a:tc>
+                  <a:txBody>
+                    <a:bodyPr/>
+                    <a:lstStyle/>
+                    <a:p>
+                      <a:endParaRPr lang="fr-FR"/>
+                    </a:p>
+                  </a:txBody>
+                  <a:tcPr/>
+                </a:tc>
+                <a:tc>
+                  <a:txBody>
+                    <a:bodyPr/>
+                    <a:lstStyle/>
+                    <a:p>
+                      <a:endParaRPr lang="fr-FR"/>
+                    </a:p>
+                  </a:txBody>
+                  <a:tcPr/>
+                </a:tc>
+                <a:tc>
+                  <a:txBody>
+                    <a:bodyPr/>
+                    <a:lstStyle/>
+                    <a:p>
+                      <a:endParaRPr lang="fr-FR"/>
+                    </a:p>
+                  </a:txBody>
+                  <a:tcPr/>
+                </a:tc>
+                <a:extLst>
+                  <a:ext uri="{0D108BD9-81ED-4DB2-BD59-A6C34878D82A}">
+                    <a16:rowId xmlns:a16="http://schemas.microsoft.com/office/drawing/2014/main" val="958230750"/>
+                  </a:ext>
+                </a:extLst>
+              </a:tr>
+              <a:tr h="679958">
+                <a:tc>
+                  <a:txBody>
+                    <a:bodyPr/>
+                    <a:lstStyle/>
+                    <a:p>
+                      <a:endParaRPr lang="fr-FR"/>
+                    </a:p>
+                  </a:txBody>
+                  <a:tcPr/>
+                </a:tc>
+                <a:tc>
+                  <a:txBody>
+                    <a:bodyPr/>
+                    <a:lstStyle/>
+                    <a:p>
+                      <a:endParaRPr lang="fr-FR"/>
+                    </a:p>
+                  </a:txBody>
+                  <a:tcPr/>
+                </a:tc>
+                <a:tc>
+                  <a:txBody>
+                    <a:bodyPr/>
+                    <a:lstStyle/>
+                    <a:p>
+                      <a:endParaRPr lang="fr-FR"/>
+                    </a:p>
+                  </a:txBody>
+                  <a:tcPr/>
+                </a:tc>
+                <a:tc>
+                  <a:txBody>
+                    <a:bodyPr/>
+                    <a:lstStyle/>
+                    <a:p>
+                      <a:endParaRPr lang="fr-FR"/>
+                    </a:p>
+                  </a:txBody>
+                  <a:tcPr/>
+                </a:tc>
+                <a:tc>
+                  <a:txBody>
+                    <a:bodyPr/>
+                    <a:lstStyle/>
+                    <a:p>
+                      <a:endParaRPr lang="fr-FR"/>
+                    </a:p>
+                  </a:txBody>
+                  <a:tcPr/>
+                </a:tc>
+                <a:tc>
+                  <a:txBody>
+                    <a:bodyPr/>
+                    <a:lstStyle/>
+                    <a:p>
+                      <a:endParaRPr lang="fr-FR"/>
+                    </a:p>
+                  </a:txBody>
+                  <a:tcPr/>
+                </a:tc>
+                <a:tc>
+                  <a:txBody>
+                    <a:bodyPr/>
+                    <a:lstStyle/>
+                    <a:p>
+                      <a:endParaRPr lang="fr-FR"/>
+                    </a:p>
+                  </a:txBody>
+                  <a:tcPr/>
+                </a:tc>
+                <a:extLst>
+                  <a:ext uri="{0D108BD9-81ED-4DB2-BD59-A6C34878D82A}">
+                    <a16:rowId xmlns:a16="http://schemas.microsoft.com/office/drawing/2014/main" val="3767672960"/>
+                  </a:ext>
+                </a:extLst>
+              </a:tr>
+              <a:tr h="679958">
+                <a:tc>
+                  <a:txBody>
+                    <a:bodyPr/>
+                    <a:lstStyle/>
+                    <a:p>
+                      <a:endParaRPr lang="fr-FR"/>
+                    </a:p>
+                  </a:txBody>
+                  <a:tcPr/>
+                </a:tc>
+                <a:tc>
+                  <a:txBody>
+                    <a:bodyPr/>
+                    <a:lstStyle/>
+                    <a:p>
+                      <a:endParaRPr lang="fr-FR"/>
+                    </a:p>
+                  </a:txBody>
+                  <a:tcPr/>
+                </a:tc>
+                <a:tc>
+                  <a:txBody>
+                    <a:bodyPr/>
+                    <a:lstStyle/>
+                    <a:p>
+                      <a:endParaRPr lang="fr-FR"/>
+                    </a:p>
+                  </a:txBody>
+                  <a:tcPr/>
+                </a:tc>
+                <a:tc>
+                  <a:txBody>
+                    <a:bodyPr/>
+                    <a:lstStyle/>
+                    <a:p>
+                      <a:endParaRPr lang="fr-FR"/>
+                    </a:p>
+                  </a:txBody>
+                  <a:tcPr/>
+                </a:tc>
+                <a:tc>
+                  <a:txBody>
+                    <a:bodyPr/>
+                    <a:lstStyle/>
+                    <a:p>
+                      <a:endParaRPr lang="fr-FR"/>
+                    </a:p>
+                  </a:txBody>
+                  <a:tcPr/>
+                </a:tc>
+                <a:tc>
+                  <a:txBody>
+                    <a:bodyPr/>
+                    <a:lstStyle/>
+                    <a:p>
+                      <a:endParaRPr lang="fr-FR"/>
+                    </a:p>
+                  </a:txBody>
+                  <a:tcPr/>
+                </a:tc>
+                <a:tc>
+                  <a:txBody>
+                    <a:bodyPr/>
+                    <a:lstStyle/>
+                    <a:p>
+                      <a:endParaRPr lang="fr-FR"/>
+                    </a:p>
+                  </a:txBody>
+                  <a:tcPr/>
+                </a:tc>
+                <a:extLst>
+                  <a:ext uri="{0D108BD9-81ED-4DB2-BD59-A6C34878D82A}">
+                    <a16:rowId xmlns:a16="http://schemas.microsoft.com/office/drawing/2014/main" val="293540391"/>
+                  </a:ext>
+                </a:extLst>
+              </a:tr>
+              <a:tr h="679958">
+                <a:tc>
+                  <a:txBody>
+                    <a:bodyPr/>
+                    <a:lstStyle/>
+                    <a:p>
+                      <a:endParaRPr lang="fr-FR"/>
+                    </a:p>
+                  </a:txBody>
+                  <a:tcPr/>
+                </a:tc>
+                <a:tc>
+                  <a:txBody>
+                    <a:bodyPr/>
+                    <a:lstStyle/>
+                    <a:p>
+                      <a:endParaRPr lang="fr-FR"/>
+                    </a:p>
+                  </a:txBody>
+                  <a:tcPr/>
+                </a:tc>
+                <a:tc>
+                  <a:txBody>
+                    <a:bodyPr/>
+                    <a:lstStyle/>
+                    <a:p>
+                      <a:endParaRPr lang="fr-FR"/>
+                    </a:p>
+                  </a:txBody>
+                  <a:tcPr/>
+                </a:tc>
+                <a:tc>
+                  <a:txBody>
+                    <a:bodyPr/>
+                    <a:lstStyle/>
+                    <a:p>
+                      <a:endParaRPr lang="fr-FR"/>
+                    </a:p>
+                  </a:txBody>
+                  <a:tcPr/>
+                </a:tc>
+                <a:tc>
+                  <a:txBody>
+                    <a:bodyPr/>
+                    <a:lstStyle/>
+                    <a:p>
+                      <a:endParaRPr lang="fr-FR"/>
+                    </a:p>
+                  </a:txBody>
+                  <a:tcPr/>
+                </a:tc>
+                <a:tc>
+                  <a:txBody>
+                    <a:bodyPr/>
+                    <a:lstStyle/>
+                    <a:p>
+                      <a:endParaRPr lang="fr-FR"/>
+                    </a:p>
+                  </a:txBody>
+                  <a:tcPr/>
+                </a:tc>
+                <a:tc>
+                  <a:txBody>
+                    <a:bodyPr/>
+                    <a:lstStyle/>
+                    <a:p>
+                      <a:endParaRPr lang="fr-FR"/>
+                    </a:p>
+                  </a:txBody>
+                  <a:tcPr/>
+                </a:tc>
+                <a:extLst>
+                  <a:ext uri="{0D108BD9-81ED-4DB2-BD59-A6C34878D82A}">
+                    <a16:rowId xmlns:a16="http://schemas.microsoft.com/office/drawing/2014/main" val="1878483281"/>
+                  </a:ext>
+                </a:extLst>
+              </a:tr>
+              <a:tr h="679958">
+                <a:tc>
+                  <a:txBody>
+                    <a:bodyPr/>
+                    <a:lstStyle/>
+                    <a:p>
+                      <a:endParaRPr lang="fr-FR"/>
+                    </a:p>
+                  </a:txBody>
+                  <a:tcPr/>
+                </a:tc>
+                <a:tc>
+                  <a:txBody>
+                    <a:bodyPr/>
+                    <a:lstStyle/>
+                    <a:p>
+                      <a:endParaRPr lang="fr-FR"/>
+                    </a:p>
+                  </a:txBody>
+                  <a:tcPr/>
+                </a:tc>
+                <a:tc>
+                  <a:txBody>
+                    <a:bodyPr/>
+                    <a:lstStyle/>
+                    <a:p>
+                      <a:endParaRPr lang="fr-FR"/>
+                    </a:p>
+                  </a:txBody>
+                  <a:tcPr/>
+                </a:tc>
+                <a:tc>
+                  <a:txBody>
+                    <a:bodyPr/>
+                    <a:lstStyle/>
+                    <a:p>
+                      <a:endParaRPr lang="fr-FR"/>
+                    </a:p>
+                  </a:txBody>
+                  <a:tcPr/>
+                </a:tc>
+                <a:tc>
+                  <a:txBody>
+                    <a:bodyPr/>
+                    <a:lstStyle/>
+                    <a:p>
+                      <a:endParaRPr lang="fr-FR"/>
+                    </a:p>
+                  </a:txBody>
+                  <a:tcPr/>
+                </a:tc>
+                <a:tc>
+                  <a:txBody>
+                    <a:bodyPr/>
+                    <a:lstStyle/>
+                    <a:p>
+                      <a:endParaRPr lang="fr-FR"/>
+                    </a:p>
+                  </a:txBody>
+                  <a:tcPr/>
+                </a:tc>
+                <a:tc>
+                  <a:txBody>
+                    <a:bodyPr/>
+                    <a:lstStyle/>
+                    <a:p>
+                      <a:endParaRPr lang="fr-FR"/>
+                    </a:p>
+                  </a:txBody>
+                  <a:tcPr/>
+                </a:tc>
+                <a:extLst>
+                  <a:ext uri="{0D108BD9-81ED-4DB2-BD59-A6C34878D82A}">
+                    <a16:rowId xmlns:a16="http://schemas.microsoft.com/office/drawing/2014/main" val="331626270"/>
+                  </a:ext>
+                </a:extLst>
+              </a:tr>
+              <a:tr h="679958">
+                <a:tc>
+                  <a:txBody>
+                    <a:bodyPr/>
+                    <a:lstStyle/>
+                    <a:p>
+                      <a:endParaRPr lang="fr-FR"/>
+                    </a:p>
+                  </a:txBody>
+                  <a:tcPr/>
+                </a:tc>
+                <a:tc>
+                  <a:txBody>
+                    <a:bodyPr/>
+                    <a:lstStyle/>
+                    <a:p>
+                      <a:endParaRPr lang="fr-FR"/>
+                    </a:p>
+                  </a:txBody>
+                  <a:tcPr/>
+                </a:tc>
+                <a:tc>
+                  <a:txBody>
+                    <a:bodyPr/>
+                    <a:lstStyle/>
+                    <a:p>
+                      <a:endParaRPr lang="fr-FR"/>
+                    </a:p>
+                  </a:txBody>
+                  <a:tcPr/>
+                </a:tc>
+                <a:tc>
+                  <a:txBody>
+                    <a:bodyPr/>
+                    <a:lstStyle/>
+                    <a:p>
+                      <a:endParaRPr lang="fr-FR"/>
+                    </a:p>
+                  </a:txBody>
+                  <a:tcPr/>
+                </a:tc>
+                <a:tc>
+                  <a:txBody>
+                    <a:bodyPr/>
+                    <a:lstStyle/>
+                    <a:p>
+                      <a:endParaRPr lang="fr-FR"/>
+                    </a:p>
+                  </a:txBody>
+                  <a:tcPr/>
+                </a:tc>
+                <a:tc>
+                  <a:txBody>
+                    <a:bodyPr/>
+                    <a:lstStyle/>
+                    <a:p>
+                      <a:endParaRPr lang="fr-FR"/>
+                    </a:p>
+                  </a:txBody>
+                  <a:tcPr/>
+                </a:tc>
+                <a:tc>
+                  <a:txBody>
+                    <a:bodyPr/>
+                    <a:lstStyle/>
+                    <a:p>
+                      <a:endParaRPr lang="fr-FR" dirty="0"/>
+                    </a:p>
+                  </a:txBody>
+                  <a:tcPr/>
+                </a:tc>
+                <a:extLst>
+                  <a:ext uri="{0D108BD9-81ED-4DB2-BD59-A6C34878D82A}">
+                    <a16:rowId xmlns:a16="http://schemas.microsoft.com/office/drawing/2014/main" val="4239160489"/>
+                  </a:ext>
+                </a:extLst>
+              </a:tr>
+            </a:tbl>
+          </a:graphicData>
+        </a:graphic>
+      </p:graphicFrame>
     </p:spTree>
     <p:extLst>
       <p:ext uri="{BB962C8B-B14F-4D97-AF65-F5344CB8AC3E}">
@@ -10224,7 +16726,2785 @@
           <a:bodyPr/>
           <a:lstStyle/>
           <a:p>
+            <a:r>
+              <a:rPr lang="fr-FR" dirty="0" smtClean="0"/>
+              <a:t>Diagramme des cas d’utilisation</a:t>
+            </a:r>
+            <a:endParaRPr lang="fr-FR" dirty="0"/>
+          </a:p>
+        </p:txBody>
+      </p:sp>
+      <p:cxnSp>
+        <p:nvCxnSpPr>
+          <p:cNvPr id="5" name="Connecteur droit 4"/>
+          <p:cNvCxnSpPr/>
+          <p:nvPr/>
+        </p:nvCxnSpPr>
+        <p:spPr>
+          <a:xfrm>
+            <a:off x="6061166" y="2024743"/>
+            <a:ext cx="26125" cy="3931920"/>
+          </a:xfrm>
+          <a:prstGeom prst="line">
+            <a:avLst/>
+          </a:prstGeom>
+          <a:ln w="38100"/>
+        </p:spPr>
+        <p:style>
+          <a:lnRef idx="1">
+            <a:schemeClr val="accent1"/>
+          </a:lnRef>
+          <a:fillRef idx="0">
+            <a:schemeClr val="accent1"/>
+          </a:fillRef>
+          <a:effectRef idx="0">
+            <a:schemeClr val="accent1"/>
+          </a:effectRef>
+          <a:fontRef idx="minor">
+            <a:schemeClr val="tx1"/>
+          </a:fontRef>
+        </p:style>
+      </p:cxnSp>
+      <p:sp>
+        <p:nvSpPr>
+          <p:cNvPr id="10" name="Rectangle 9"/>
+          <p:cNvSpPr/>
+          <p:nvPr/>
+        </p:nvSpPr>
+        <p:spPr>
+          <a:xfrm>
+            <a:off x="1451579" y="2024743"/>
+            <a:ext cx="3358612" cy="707886"/>
+          </a:xfrm>
+          <a:prstGeom prst="rect">
+            <a:avLst/>
+          </a:prstGeom>
+          <a:noFill/>
+        </p:spPr>
+        <p:txBody>
+          <a:bodyPr wrap="none" lIns="91440" tIns="45720" rIns="91440" bIns="45720">
+            <a:spAutoFit/>
+          </a:bodyPr>
+          <a:lstStyle/>
+          <a:p>
+            <a:pPr algn="ctr"/>
+            <a:r>
+              <a:rPr lang="fr-FR" sz="4000" b="0" cap="none" spc="0" dirty="0" smtClean="0">
+                <a:ln w="0"/>
+                <a:solidFill>
+                  <a:schemeClr val="accent1"/>
+                </a:solidFill>
+                <a:effectLst>
+                  <a:outerShdw blurRad="38100" dist="25400" dir="5400000" algn="ctr" rotWithShape="0">
+                    <a:srgbClr val="6E747A">
+                      <a:alpha val="43000"/>
+                    </a:srgbClr>
+                  </a:outerShdw>
+                </a:effectLst>
+              </a:rPr>
+              <a:t>Partie software</a:t>
+            </a:r>
+            <a:endParaRPr lang="fr-FR" sz="4000" b="0" cap="none" spc="0" dirty="0">
+              <a:ln w="0"/>
+              <a:solidFill>
+                <a:schemeClr val="accent1"/>
+              </a:solidFill>
+              <a:effectLst>
+                <a:outerShdw blurRad="38100" dist="25400" dir="5400000" algn="ctr" rotWithShape="0">
+                  <a:srgbClr val="6E747A">
+                    <a:alpha val="43000"/>
+                  </a:srgbClr>
+                </a:outerShdw>
+              </a:effectLst>
+            </a:endParaRPr>
+          </a:p>
+        </p:txBody>
+      </p:sp>
+      <p:sp>
+        <p:nvSpPr>
+          <p:cNvPr id="11" name="Rectangle 10"/>
+          <p:cNvSpPr/>
+          <p:nvPr/>
+        </p:nvSpPr>
+        <p:spPr>
+          <a:xfrm>
+            <a:off x="7334533" y="2024743"/>
+            <a:ext cx="3511154" cy="707886"/>
+          </a:xfrm>
+          <a:prstGeom prst="rect">
+            <a:avLst/>
+          </a:prstGeom>
+          <a:noFill/>
+        </p:spPr>
+        <p:txBody>
+          <a:bodyPr wrap="none" lIns="91440" tIns="45720" rIns="91440" bIns="45720">
+            <a:spAutoFit/>
+          </a:bodyPr>
+          <a:lstStyle/>
+          <a:p>
+            <a:pPr algn="ctr"/>
+            <a:r>
+              <a:rPr lang="fr-FR" sz="4000" b="0" cap="none" spc="0" dirty="0" smtClean="0">
+                <a:ln w="0"/>
+                <a:solidFill>
+                  <a:schemeClr val="accent1"/>
+                </a:solidFill>
+                <a:effectLst>
+                  <a:outerShdw blurRad="38100" dist="25400" dir="5400000" algn="ctr" rotWithShape="0">
+                    <a:srgbClr val="6E747A">
+                      <a:alpha val="43000"/>
+                    </a:srgbClr>
+                  </a:outerShdw>
+                </a:effectLst>
+              </a:rPr>
+              <a:t>Partie hardware</a:t>
+            </a:r>
+            <a:endParaRPr lang="fr-FR" sz="4000" b="0" cap="none" spc="0" dirty="0">
+              <a:ln w="0"/>
+              <a:solidFill>
+                <a:schemeClr val="accent1"/>
+              </a:solidFill>
+              <a:effectLst>
+                <a:outerShdw blurRad="38100" dist="25400" dir="5400000" algn="ctr" rotWithShape="0">
+                  <a:srgbClr val="6E747A">
+                    <a:alpha val="43000"/>
+                  </a:srgbClr>
+                </a:outerShdw>
+              </a:effectLst>
+            </a:endParaRPr>
+          </a:p>
+        </p:txBody>
+      </p:sp>
+      <p:pic>
+        <p:nvPicPr>
+          <p:cNvPr id="16" name="Image 15"/>
+          <p:cNvPicPr>
+            <a:picLocks noChangeAspect="1"/>
+          </p:cNvPicPr>
+          <p:nvPr/>
+        </p:nvPicPr>
+        <p:blipFill>
+          <a:blip r:embed="rId2">
+            <a:extLst>
+              <a:ext uri="{28A0092B-C50C-407E-A947-70E740481C1C}">
+                <a14:useLocalDpi xmlns:a14="http://schemas.microsoft.com/office/drawing/2010/main" val="0"/>
+              </a:ext>
+            </a:extLst>
+          </a:blip>
+          <a:stretch>
+            <a:fillRect/>
+          </a:stretch>
+        </p:blipFill>
+        <p:spPr>
+          <a:xfrm>
+            <a:off x="-404685" y="2659778"/>
+            <a:ext cx="6751167" cy="3066494"/>
+          </a:xfrm>
+          <a:prstGeom prst="rect">
+            <a:avLst/>
+          </a:prstGeom>
+        </p:spPr>
+      </p:pic>
+      <p:pic>
+        <p:nvPicPr>
+          <p:cNvPr id="17" name="Image 16"/>
+          <p:cNvPicPr>
+            <a:picLocks noChangeAspect="1"/>
+          </p:cNvPicPr>
+          <p:nvPr/>
+        </p:nvPicPr>
+        <p:blipFill>
+          <a:blip r:embed="rId3">
+            <a:extLst>
+              <a:ext uri="{28A0092B-C50C-407E-A947-70E740481C1C}">
+                <a14:useLocalDpi xmlns:a14="http://schemas.microsoft.com/office/drawing/2010/main" val="0"/>
+              </a:ext>
+            </a:extLst>
+          </a:blip>
+          <a:stretch>
+            <a:fillRect/>
+          </a:stretch>
+        </p:blipFill>
+        <p:spPr>
+          <a:xfrm>
+            <a:off x="5873338" y="2430504"/>
+            <a:ext cx="6433544" cy="3526159"/>
+          </a:xfrm>
+          <a:prstGeom prst="rect">
+            <a:avLst/>
+          </a:prstGeom>
+        </p:spPr>
+      </p:pic>
+    </p:spTree>
+    <p:extLst>
+      <p:ext uri="{BB962C8B-B14F-4D97-AF65-F5344CB8AC3E}">
+        <p14:creationId xmlns:p14="http://schemas.microsoft.com/office/powerpoint/2010/main" val="2326458268"/>
+      </p:ext>
+    </p:extLst>
+  </p:cSld>
+  <p:clrMapOvr>
+    <a:masterClrMapping/>
+  </p:clrMapOvr>
+  <p:transition spd="slow">
+    <p:push dir="u"/>
+  </p:transition>
+  <p:timing>
+    <p:tnLst>
+      <p:par>
+        <p:cTn id="1" dur="indefinite" restart="never" nodeType="tmRoot"/>
+      </p:par>
+    </p:tnLst>
+  </p:timing>
+</p:sld>
+</file>
+
+<file path=ppt/slides/slide6.xml><?xml version="1.0" encoding="utf-8"?>
+<p:sld xmlns:a="http://schemas.openxmlformats.org/drawingml/2006/main" xmlns:r="http://schemas.openxmlformats.org/officeDocument/2006/relationships" xmlns:p="http://schemas.openxmlformats.org/presentationml/2006/main">
+  <p:cSld>
+    <p:spTree>
+      <p:nvGrpSpPr>
+        <p:cNvPr id="1" name=""/>
+        <p:cNvGrpSpPr/>
+        <p:nvPr/>
+      </p:nvGrpSpPr>
+      <p:grpSpPr>
+        <a:xfrm>
+          <a:off x="0" y="0"/>
+          <a:ext cx="0" cy="0"/>
+          <a:chOff x="0" y="0"/>
+          <a:chExt cx="0" cy="0"/>
+        </a:xfrm>
+      </p:grpSpPr>
+      <p:sp>
+        <p:nvSpPr>
+          <p:cNvPr id="2" name="Titre 1"/>
+          <p:cNvSpPr>
+            <a:spLocks noGrp="1"/>
+          </p:cNvSpPr>
+          <p:nvPr>
+            <p:ph type="title"/>
+          </p:nvPr>
+        </p:nvSpPr>
+        <p:spPr/>
+        <p:txBody>
+          <a:bodyPr/>
+          <a:lstStyle/>
+          <a:p>
+            <a:r>
+              <a:rPr lang="fr-FR" dirty="0" smtClean="0"/>
+              <a:t>étude de marché</a:t>
+            </a:r>
+            <a:endParaRPr lang="fr-FR" dirty="0"/>
+          </a:p>
+        </p:txBody>
+      </p:sp>
+      <p:pic>
+        <p:nvPicPr>
+          <p:cNvPr id="4" name="Espace réservé du contenu 3"/>
+          <p:cNvPicPr>
+            <a:picLocks noGrp="1" noChangeAspect="1"/>
+          </p:cNvPicPr>
+          <p:nvPr>
+            <p:ph idx="1"/>
+          </p:nvPr>
+        </p:nvPicPr>
+        <p:blipFill>
+          <a:blip r:embed="rId2">
+            <a:extLst>
+              <a:ext uri="{28A0092B-C50C-407E-A947-70E740481C1C}">
+                <a14:useLocalDpi xmlns:a14="http://schemas.microsoft.com/office/drawing/2010/main" val="0"/>
+              </a:ext>
+            </a:extLst>
+          </a:blip>
+          <a:stretch>
+            <a:fillRect/>
+          </a:stretch>
+        </p:blipFill>
+        <p:spPr>
+          <a:xfrm rot="20993039">
+            <a:off x="7537985" y="93824"/>
+            <a:ext cx="2115323" cy="1586492"/>
+          </a:xfrm>
+          <a:prstGeom prst="ellipse">
+            <a:avLst/>
+          </a:prstGeom>
+          <a:ln w="63500" cap="rnd">
+            <a:solidFill>
+              <a:srgbClr val="333333"/>
+            </a:solidFill>
+          </a:ln>
+          <a:effectLst/>
+          <a:scene3d>
+            <a:camera prst="orthographicFront"/>
+            <a:lightRig rig="contrasting" dir="t">
+              <a:rot lat="0" lon="0" rev="3000000"/>
+            </a:lightRig>
+          </a:scene3d>
+          <a:sp3d contourW="7620">
+            <a:bevelT w="95250" h="31750"/>
+            <a:contourClr>
+              <a:srgbClr val="333333"/>
+            </a:contourClr>
+          </a:sp3d>
+        </p:spPr>
+      </p:pic>
+      <p:sp>
+        <p:nvSpPr>
+          <p:cNvPr id="5" name="Rectangle 4"/>
+          <p:cNvSpPr/>
+          <p:nvPr/>
+        </p:nvSpPr>
+        <p:spPr>
+          <a:xfrm>
+            <a:off x="1752050" y="2078437"/>
+            <a:ext cx="5878149" cy="1077218"/>
+          </a:xfrm>
+          <a:prstGeom prst="rect">
+            <a:avLst/>
+          </a:prstGeom>
+          <a:noFill/>
+        </p:spPr>
+        <p:txBody>
+          <a:bodyPr wrap="none" lIns="91440" tIns="45720" rIns="91440" bIns="45720">
+            <a:spAutoFit/>
+          </a:bodyPr>
+          <a:lstStyle/>
+          <a:p>
+            <a:pPr algn="ctr"/>
+            <a:r>
+              <a:rPr lang="fr-FR" sz="3200" b="0" cap="none" spc="0" dirty="0" smtClean="0">
+                <a:ln w="0"/>
+                <a:solidFill>
+                  <a:srgbClr val="FF0000"/>
+                </a:solidFill>
+                <a:effectLst>
+                  <a:outerShdw blurRad="38100" dist="25400" dir="5400000" algn="ctr" rotWithShape="0">
+                    <a:srgbClr val="6E747A">
+                      <a:alpha val="43000"/>
+                    </a:srgbClr>
+                  </a:outerShdw>
+                </a:effectLst>
+              </a:rPr>
+              <a:t>Q</a:t>
+            </a:r>
+            <a:r>
+              <a:rPr lang="fr-FR" sz="3200" dirty="0" smtClean="0">
+                <a:ln w="0"/>
+                <a:solidFill>
+                  <a:srgbClr val="FF0000"/>
+                </a:solidFill>
+                <a:effectLst>
+                  <a:outerShdw blurRad="38100" dist="25400" dir="5400000" algn="ctr" rotWithShape="0">
+                    <a:srgbClr val="6E747A">
+                      <a:alpha val="43000"/>
+                    </a:srgbClr>
+                  </a:outerShdw>
+                </a:effectLst>
+              </a:rPr>
+              <a:t>uestionnaire</a:t>
+            </a:r>
+            <a:r>
+              <a:rPr lang="fr-FR" sz="3200" b="0" cap="none" spc="0" dirty="0" smtClean="0">
+                <a:ln w="0"/>
+                <a:solidFill>
+                  <a:srgbClr val="C00000"/>
+                </a:solidFill>
+                <a:effectLst>
+                  <a:outerShdw blurRad="38100" dist="25400" dir="5400000" algn="ctr" rotWithShape="0">
+                    <a:srgbClr val="6E747A">
+                      <a:alpha val="43000"/>
+                    </a:srgbClr>
+                  </a:outerShdw>
+                </a:effectLst>
+              </a:rPr>
+              <a:t> </a:t>
+            </a:r>
+            <a:r>
+              <a:rPr lang="fr-FR" sz="3200" b="0" cap="none" spc="0" dirty="0" smtClean="0">
+                <a:ln w="0"/>
+                <a:effectLst>
+                  <a:outerShdw blurRad="38100" dist="25400" dir="5400000" algn="ctr" rotWithShape="0">
+                    <a:srgbClr val="6E747A">
+                      <a:alpha val="43000"/>
+                    </a:srgbClr>
+                  </a:outerShdw>
+                </a:effectLst>
+              </a:rPr>
+              <a:t>envoyé à </a:t>
+            </a:r>
+            <a:r>
+              <a:rPr lang="fr-FR" sz="3200" dirty="0" smtClean="0">
+                <a:ln w="0"/>
+                <a:effectLst>
+                  <a:outerShdw blurRad="38100" dist="25400" dir="5400000" algn="ctr" rotWithShape="0">
+                    <a:srgbClr val="6E747A">
+                      <a:alpha val="43000"/>
+                    </a:srgbClr>
+                  </a:outerShdw>
+                </a:effectLst>
+              </a:rPr>
+              <a:t>tout</a:t>
+            </a:r>
+            <a:r>
+              <a:rPr lang="fr-FR" sz="3200" b="0" cap="none" spc="0" dirty="0" smtClean="0">
+                <a:ln w="0"/>
+                <a:effectLst>
+                  <a:outerShdw blurRad="38100" dist="25400" dir="5400000" algn="ctr" rotWithShape="0">
+                    <a:srgbClr val="6E747A">
+                      <a:alpha val="43000"/>
+                    </a:srgbClr>
+                  </a:outerShdw>
+                </a:effectLst>
+              </a:rPr>
+              <a:t> </a:t>
+            </a:r>
+            <a:r>
+              <a:rPr lang="fr-FR" sz="3200" b="0" cap="none" spc="0" dirty="0" smtClean="0">
+                <a:ln w="0"/>
+                <a:solidFill>
+                  <a:srgbClr val="FF0000"/>
+                </a:solidFill>
+                <a:effectLst>
+                  <a:outerShdw blurRad="38100" dist="25400" dir="5400000" algn="ctr" rotWithShape="0">
+                    <a:srgbClr val="6E747A">
+                      <a:alpha val="43000"/>
+                    </a:srgbClr>
+                  </a:outerShdw>
+                </a:effectLst>
+              </a:rPr>
+              <a:t>l’IUT</a:t>
+            </a:r>
+          </a:p>
+          <a:p>
+            <a:pPr algn="ctr"/>
+            <a:r>
+              <a:rPr lang="fr-FR" sz="3200" dirty="0">
+                <a:ln w="0"/>
+                <a:effectLst>
+                  <a:outerShdw blurRad="38100" dist="25400" dir="5400000" algn="ctr" rotWithShape="0">
+                    <a:srgbClr val="6E747A">
+                      <a:alpha val="43000"/>
+                    </a:srgbClr>
+                  </a:outerShdw>
+                </a:effectLst>
+              </a:rPr>
+              <a:t>e</a:t>
+            </a:r>
+            <a:r>
+              <a:rPr lang="fr-FR" sz="3200" dirty="0" smtClean="0">
+                <a:ln w="0"/>
+                <a:effectLst>
+                  <a:outerShdw blurRad="38100" dist="25400" dir="5400000" algn="ctr" rotWithShape="0">
+                    <a:srgbClr val="6E747A">
+                      <a:alpha val="43000"/>
+                    </a:srgbClr>
+                  </a:outerShdw>
+                </a:effectLst>
+              </a:rPr>
+              <a:t>t bien plus</a:t>
+            </a:r>
+            <a:endParaRPr lang="fr-FR" sz="3200" b="0" cap="none" spc="0" dirty="0">
+              <a:ln w="0"/>
+              <a:effectLst>
+                <a:outerShdw blurRad="38100" dist="25400" dir="5400000" algn="ctr" rotWithShape="0">
+                  <a:srgbClr val="6E747A">
+                    <a:alpha val="43000"/>
+                  </a:srgbClr>
+                </a:outerShdw>
+              </a:effectLst>
+            </a:endParaRPr>
+          </a:p>
+        </p:txBody>
+      </p:sp>
+      <p:sp>
+        <p:nvSpPr>
+          <p:cNvPr id="6" name="Rectangle 5"/>
+          <p:cNvSpPr/>
+          <p:nvPr/>
+        </p:nvSpPr>
+        <p:spPr>
+          <a:xfrm>
+            <a:off x="8000720" y="3263204"/>
+            <a:ext cx="3260829" cy="769441"/>
+          </a:xfrm>
+          <a:prstGeom prst="rect">
+            <a:avLst/>
+          </a:prstGeom>
+          <a:noFill/>
+        </p:spPr>
+        <p:txBody>
+          <a:bodyPr wrap="none" lIns="91440" tIns="45720" rIns="91440" bIns="45720">
+            <a:spAutoFit/>
+          </a:bodyPr>
+          <a:lstStyle/>
+          <a:p>
+            <a:pPr algn="ctr"/>
+            <a:r>
+              <a:rPr lang="fr-FR" sz="4400" b="0" cap="none" spc="0" dirty="0" smtClean="0">
+                <a:ln w="0"/>
+                <a:solidFill>
+                  <a:srgbClr val="FF0000"/>
+                </a:solidFill>
+                <a:effectLst>
+                  <a:outerShdw blurRad="38100" dist="25400" dir="5400000" algn="ctr" rotWithShape="0">
+                    <a:srgbClr val="6E747A">
+                      <a:alpha val="43000"/>
+                    </a:srgbClr>
+                  </a:outerShdw>
+                </a:effectLst>
+              </a:rPr>
+              <a:t>218</a:t>
+            </a:r>
+            <a:r>
+              <a:rPr lang="fr-FR" sz="4400" b="0" cap="none" spc="0" dirty="0" smtClean="0">
+                <a:ln w="0"/>
+                <a:solidFill>
+                  <a:srgbClr val="C00000"/>
+                </a:solidFill>
+                <a:effectLst>
+                  <a:outerShdw blurRad="38100" dist="25400" dir="5400000" algn="ctr" rotWithShape="0">
+                    <a:srgbClr val="6E747A">
+                      <a:alpha val="43000"/>
+                    </a:srgbClr>
+                  </a:outerShdw>
+                </a:effectLst>
+              </a:rPr>
+              <a:t> </a:t>
+            </a:r>
+            <a:r>
+              <a:rPr lang="fr-FR" sz="4400" b="0" cap="none" spc="0" dirty="0" smtClean="0">
+                <a:ln w="0"/>
+                <a:effectLst>
+                  <a:outerShdw blurRad="38100" dist="25400" dir="5400000" algn="ctr" rotWithShape="0">
+                    <a:srgbClr val="6E747A">
+                      <a:alpha val="43000"/>
+                    </a:srgbClr>
+                  </a:outerShdw>
+                </a:effectLst>
+              </a:rPr>
+              <a:t>réponses</a:t>
+            </a:r>
+            <a:endParaRPr lang="fr-FR" sz="4400" b="0" cap="none" spc="0" dirty="0">
+              <a:ln w="0"/>
+              <a:effectLst>
+                <a:outerShdw blurRad="38100" dist="25400" dir="5400000" algn="ctr" rotWithShape="0">
+                  <a:srgbClr val="6E747A">
+                    <a:alpha val="43000"/>
+                  </a:srgbClr>
+                </a:outerShdw>
+              </a:effectLst>
+            </a:endParaRPr>
+          </a:p>
+        </p:txBody>
+      </p:sp>
+      <p:sp>
+        <p:nvSpPr>
+          <p:cNvPr id="7" name="Rectangle 6"/>
+          <p:cNvSpPr/>
+          <p:nvPr/>
+        </p:nvSpPr>
+        <p:spPr>
+          <a:xfrm>
+            <a:off x="1752045" y="3907536"/>
+            <a:ext cx="4501169" cy="1077218"/>
+          </a:xfrm>
+          <a:prstGeom prst="rect">
+            <a:avLst/>
+          </a:prstGeom>
+          <a:noFill/>
+        </p:spPr>
+        <p:txBody>
+          <a:bodyPr wrap="none" lIns="91440" tIns="45720" rIns="91440" bIns="45720">
+            <a:spAutoFit/>
+          </a:bodyPr>
+          <a:lstStyle/>
+          <a:p>
+            <a:pPr algn="ctr"/>
+            <a:r>
+              <a:rPr lang="fr-FR" sz="3200" b="0" cap="none" spc="0" dirty="0" smtClean="0">
+                <a:ln w="0"/>
+                <a:effectLst>
+                  <a:outerShdw blurRad="38100" dist="25400" dir="5400000" algn="ctr" rotWithShape="0">
+                    <a:srgbClr val="6E747A">
+                      <a:alpha val="43000"/>
+                    </a:srgbClr>
+                  </a:outerShdw>
+                </a:effectLst>
+              </a:rPr>
+              <a:t>Environ</a:t>
+            </a:r>
+            <a:r>
+              <a:rPr lang="fr-FR" sz="3200" b="0" cap="none" spc="0" dirty="0" smtClean="0">
+                <a:ln w="0"/>
+                <a:solidFill>
+                  <a:srgbClr val="C00000"/>
+                </a:solidFill>
+                <a:effectLst>
+                  <a:outerShdw blurRad="38100" dist="25400" dir="5400000" algn="ctr" rotWithShape="0">
+                    <a:srgbClr val="6E747A">
+                      <a:alpha val="43000"/>
+                    </a:srgbClr>
+                  </a:outerShdw>
+                </a:effectLst>
+              </a:rPr>
+              <a:t> </a:t>
+            </a:r>
+            <a:r>
+              <a:rPr lang="fr-FR" sz="3200" b="0" cap="none" spc="0" dirty="0" smtClean="0">
+                <a:ln w="0"/>
+                <a:solidFill>
+                  <a:srgbClr val="FF0000"/>
+                </a:solidFill>
+                <a:effectLst>
+                  <a:outerShdw blurRad="38100" dist="25400" dir="5400000" algn="ctr" rotWithShape="0">
+                    <a:srgbClr val="6E747A">
+                      <a:alpha val="43000"/>
+                    </a:srgbClr>
+                  </a:outerShdw>
+                </a:effectLst>
+              </a:rPr>
+              <a:t>50%</a:t>
+            </a:r>
+            <a:r>
+              <a:rPr lang="fr-FR" sz="3200" b="0" cap="none" spc="0" dirty="0" smtClean="0">
+                <a:ln w="0"/>
+                <a:solidFill>
+                  <a:srgbClr val="C00000"/>
+                </a:solidFill>
+                <a:effectLst>
+                  <a:outerShdw blurRad="38100" dist="25400" dir="5400000" algn="ctr" rotWithShape="0">
+                    <a:srgbClr val="6E747A">
+                      <a:alpha val="43000"/>
+                    </a:srgbClr>
+                  </a:outerShdw>
+                </a:effectLst>
+              </a:rPr>
+              <a:t> </a:t>
+            </a:r>
+            <a:r>
+              <a:rPr lang="fr-FR" sz="3200" b="0" cap="none" spc="0" dirty="0" smtClean="0">
+                <a:ln w="0"/>
+                <a:effectLst>
+                  <a:outerShdw blurRad="38100" dist="25400" dir="5400000" algn="ctr" rotWithShape="0">
+                    <a:srgbClr val="6E747A">
+                      <a:alpha val="43000"/>
+                    </a:srgbClr>
+                  </a:outerShdw>
+                </a:effectLst>
+              </a:rPr>
+              <a:t>de réponses </a:t>
+            </a:r>
+          </a:p>
+          <a:p>
+            <a:pPr algn="ctr"/>
+            <a:r>
+              <a:rPr lang="fr-FR" sz="3200" b="0" cap="none" spc="0" dirty="0" smtClean="0">
+                <a:ln w="0"/>
+                <a:solidFill>
+                  <a:srgbClr val="FF0000"/>
+                </a:solidFill>
+                <a:effectLst>
+                  <a:outerShdw blurRad="38100" dist="25400" dir="5400000" algn="ctr" rotWithShape="0">
+                    <a:srgbClr val="6E747A">
+                      <a:alpha val="43000"/>
+                    </a:srgbClr>
+                  </a:outerShdw>
+                </a:effectLst>
+              </a:rPr>
+              <a:t>m</a:t>
+            </a:r>
+            <a:r>
+              <a:rPr lang="fr-FR" sz="3200" dirty="0" smtClean="0">
+                <a:ln w="0"/>
+                <a:solidFill>
+                  <a:srgbClr val="FF0000"/>
+                </a:solidFill>
+                <a:effectLst>
+                  <a:outerShdw blurRad="38100" dist="25400" dir="5400000" algn="ctr" rotWithShape="0">
+                    <a:srgbClr val="6E747A">
+                      <a:alpha val="43000"/>
+                    </a:srgbClr>
+                  </a:outerShdw>
+                </a:effectLst>
+              </a:rPr>
+              <a:t>asculine</a:t>
+            </a:r>
+            <a:r>
+              <a:rPr lang="fr-FR" sz="3200" b="0" cap="none" spc="0" dirty="0" smtClean="0">
+                <a:ln w="0"/>
+                <a:solidFill>
+                  <a:srgbClr val="C00000"/>
+                </a:solidFill>
+                <a:effectLst>
+                  <a:outerShdw blurRad="38100" dist="25400" dir="5400000" algn="ctr" rotWithShape="0">
+                    <a:srgbClr val="6E747A">
+                      <a:alpha val="43000"/>
+                    </a:srgbClr>
+                  </a:outerShdw>
+                </a:effectLst>
+              </a:rPr>
+              <a:t> </a:t>
+            </a:r>
+            <a:r>
+              <a:rPr lang="fr-FR" sz="3200" b="0" cap="none" spc="0" dirty="0" smtClean="0">
+                <a:ln w="0"/>
+                <a:effectLst>
+                  <a:outerShdw blurRad="38100" dist="25400" dir="5400000" algn="ctr" rotWithShape="0">
+                    <a:srgbClr val="6E747A">
+                      <a:alpha val="43000"/>
+                    </a:srgbClr>
+                  </a:outerShdw>
+                </a:effectLst>
+              </a:rPr>
+              <a:t>et</a:t>
+            </a:r>
+            <a:r>
+              <a:rPr lang="fr-FR" sz="3200" b="0" cap="none" spc="0" dirty="0" smtClean="0">
+                <a:ln w="0"/>
+                <a:solidFill>
+                  <a:srgbClr val="C00000"/>
+                </a:solidFill>
+                <a:effectLst>
+                  <a:outerShdw blurRad="38100" dist="25400" dir="5400000" algn="ctr" rotWithShape="0">
+                    <a:srgbClr val="6E747A">
+                      <a:alpha val="43000"/>
+                    </a:srgbClr>
+                  </a:outerShdw>
+                </a:effectLst>
+              </a:rPr>
+              <a:t> </a:t>
+            </a:r>
+            <a:r>
+              <a:rPr lang="fr-FR" sz="3200" dirty="0" smtClean="0">
+                <a:ln w="0"/>
+                <a:solidFill>
+                  <a:srgbClr val="FF0000"/>
+                </a:solidFill>
+                <a:effectLst>
+                  <a:outerShdw blurRad="38100" dist="25400" dir="5400000" algn="ctr" rotWithShape="0">
+                    <a:srgbClr val="6E747A">
+                      <a:alpha val="43000"/>
+                    </a:srgbClr>
+                  </a:outerShdw>
+                </a:effectLst>
+              </a:rPr>
+              <a:t>féminine</a:t>
+            </a:r>
+            <a:endParaRPr lang="fr-FR" sz="3200" b="0" cap="none" spc="0" dirty="0">
+              <a:ln w="0"/>
+              <a:solidFill>
+                <a:srgbClr val="FF0000"/>
+              </a:solidFill>
+              <a:effectLst>
+                <a:outerShdw blurRad="38100" dist="25400" dir="5400000" algn="ctr" rotWithShape="0">
+                  <a:srgbClr val="6E747A">
+                    <a:alpha val="43000"/>
+                  </a:srgbClr>
+                </a:outerShdw>
+              </a:effectLst>
+            </a:endParaRPr>
+          </a:p>
+        </p:txBody>
+      </p:sp>
+      <p:sp>
+        <p:nvSpPr>
+          <p:cNvPr id="8" name="Rectangle 7"/>
+          <p:cNvSpPr/>
+          <p:nvPr/>
+        </p:nvSpPr>
+        <p:spPr>
+          <a:xfrm>
+            <a:off x="6132288" y="5198750"/>
+            <a:ext cx="4922566" cy="584775"/>
+          </a:xfrm>
+          <a:prstGeom prst="rect">
+            <a:avLst/>
+          </a:prstGeom>
+          <a:noFill/>
+        </p:spPr>
+        <p:txBody>
+          <a:bodyPr wrap="none" lIns="91440" tIns="45720" rIns="91440" bIns="45720">
+            <a:spAutoFit/>
+          </a:bodyPr>
+          <a:lstStyle/>
+          <a:p>
+            <a:pPr algn="ctr"/>
+            <a:r>
+              <a:rPr lang="fr-FR" sz="3200" b="0" cap="none" spc="0" dirty="0" smtClean="0">
+                <a:ln w="0"/>
+                <a:solidFill>
+                  <a:srgbClr val="FF0000"/>
+                </a:solidFill>
+                <a:effectLst>
+                  <a:outerShdw blurRad="38100" dist="25400" dir="5400000" algn="ctr" rotWithShape="0">
+                    <a:srgbClr val="6E747A">
+                      <a:alpha val="43000"/>
+                    </a:srgbClr>
+                  </a:outerShdw>
+                </a:effectLst>
+              </a:rPr>
+              <a:t>C</a:t>
+            </a:r>
+            <a:r>
+              <a:rPr lang="fr-FR" sz="3200" dirty="0" smtClean="0">
+                <a:ln w="0"/>
+                <a:solidFill>
+                  <a:srgbClr val="FF0000"/>
+                </a:solidFill>
+                <a:effectLst>
+                  <a:outerShdw blurRad="38100" dist="25400" dir="5400000" algn="ctr" rotWithShape="0">
+                    <a:srgbClr val="6E747A">
+                      <a:alpha val="43000"/>
+                    </a:srgbClr>
+                  </a:outerShdw>
+                </a:effectLst>
+              </a:rPr>
+              <a:t>réation</a:t>
+            </a:r>
+            <a:r>
+              <a:rPr lang="fr-FR" sz="3200" b="0" cap="none" spc="0" dirty="0" smtClean="0">
+                <a:ln w="0"/>
+                <a:solidFill>
+                  <a:srgbClr val="C00000"/>
+                </a:solidFill>
+                <a:effectLst>
+                  <a:outerShdw blurRad="38100" dist="25400" dir="5400000" algn="ctr" rotWithShape="0">
+                    <a:srgbClr val="6E747A">
+                      <a:alpha val="43000"/>
+                    </a:srgbClr>
+                  </a:outerShdw>
+                </a:effectLst>
+              </a:rPr>
+              <a:t> </a:t>
+            </a:r>
+            <a:r>
+              <a:rPr lang="fr-FR" sz="3200" b="0" cap="none" spc="0" dirty="0" smtClean="0">
+                <a:ln w="0"/>
+                <a:effectLst>
+                  <a:outerShdw blurRad="38100" dist="25400" dir="5400000" algn="ctr" rotWithShape="0">
+                    <a:srgbClr val="6E747A">
+                      <a:alpha val="43000"/>
+                    </a:srgbClr>
+                  </a:outerShdw>
+                </a:effectLst>
+              </a:rPr>
+              <a:t>de</a:t>
+            </a:r>
+            <a:r>
+              <a:rPr lang="fr-FR" sz="3200" b="0" cap="none" spc="0" dirty="0" smtClean="0">
+                <a:ln w="0"/>
+                <a:solidFill>
+                  <a:srgbClr val="C00000"/>
+                </a:solidFill>
+                <a:effectLst>
+                  <a:outerShdw blurRad="38100" dist="25400" dir="5400000" algn="ctr" rotWithShape="0">
+                    <a:srgbClr val="6E747A">
+                      <a:alpha val="43000"/>
+                    </a:srgbClr>
+                  </a:outerShdw>
+                </a:effectLst>
+              </a:rPr>
+              <a:t> </a:t>
+            </a:r>
+            <a:r>
+              <a:rPr lang="fr-FR" sz="3200" b="0" cap="none" spc="0" dirty="0" smtClean="0">
+                <a:ln w="0"/>
+                <a:solidFill>
+                  <a:srgbClr val="FF0000"/>
+                </a:solidFill>
+                <a:effectLst>
+                  <a:outerShdw blurRad="38100" dist="25400" dir="5400000" algn="ctr" rotWithShape="0">
+                    <a:srgbClr val="6E747A">
+                      <a:alpha val="43000"/>
+                    </a:srgbClr>
+                  </a:outerShdw>
+                </a:effectLst>
+              </a:rPr>
+              <a:t>P</a:t>
+            </a:r>
+            <a:r>
+              <a:rPr lang="fr-FR" sz="3200" dirty="0" smtClean="0">
+                <a:ln w="0"/>
+                <a:solidFill>
+                  <a:srgbClr val="FF0000"/>
+                </a:solidFill>
+                <a:effectLst>
+                  <a:outerShdw blurRad="38100" dist="25400" dir="5400000" algn="ctr" rotWithShape="0">
+                    <a:srgbClr val="6E747A">
+                      <a:alpha val="43000"/>
+                    </a:srgbClr>
+                  </a:outerShdw>
+                </a:effectLst>
+              </a:rPr>
+              <a:t>ersona</a:t>
+            </a:r>
+            <a:r>
+              <a:rPr lang="fr-FR" sz="3200" b="0" cap="none" spc="0" dirty="0" smtClean="0">
+                <a:ln w="0"/>
+                <a:solidFill>
+                  <a:srgbClr val="C00000"/>
+                </a:solidFill>
+                <a:effectLst>
+                  <a:outerShdw blurRad="38100" dist="25400" dir="5400000" algn="ctr" rotWithShape="0">
+                    <a:srgbClr val="6E747A">
+                      <a:alpha val="43000"/>
+                    </a:srgbClr>
+                  </a:outerShdw>
+                </a:effectLst>
+              </a:rPr>
+              <a:t> </a:t>
+            </a:r>
+            <a:r>
+              <a:rPr lang="fr-FR" sz="3200" b="0" cap="none" spc="0" dirty="0" smtClean="0">
+                <a:ln w="0"/>
+                <a:effectLst>
+                  <a:outerShdw blurRad="38100" dist="25400" dir="5400000" algn="ctr" rotWithShape="0">
+                    <a:srgbClr val="6E747A">
+                      <a:alpha val="43000"/>
+                    </a:srgbClr>
+                  </a:outerShdw>
+                </a:effectLst>
+              </a:rPr>
+              <a:t>associé</a:t>
+            </a:r>
+            <a:endParaRPr lang="fr-FR" sz="3200" b="0" cap="none" spc="0" dirty="0">
+              <a:ln w="0"/>
+              <a:effectLst>
+                <a:outerShdw blurRad="38100" dist="25400" dir="5400000" algn="ctr" rotWithShape="0">
+                  <a:srgbClr val="6E747A">
+                    <a:alpha val="43000"/>
+                  </a:srgbClr>
+                </a:outerShdw>
+              </a:effectLst>
+            </a:endParaRPr>
+          </a:p>
+        </p:txBody>
+      </p:sp>
+      <p:sp>
+        <p:nvSpPr>
+          <p:cNvPr id="9" name="Rectangle avec coins arrondis en diagonale 8"/>
+          <p:cNvSpPr/>
+          <p:nvPr/>
+        </p:nvSpPr>
+        <p:spPr>
+          <a:xfrm>
+            <a:off x="1752047" y="2078437"/>
+            <a:ext cx="6101035" cy="1077218"/>
+          </a:xfrm>
+          <a:prstGeom prst="round2DiagRect">
+            <a:avLst/>
+          </a:prstGeom>
+          <a:noFill/>
+          <a:ln w="38100"/>
+        </p:spPr>
+        <p:style>
+          <a:lnRef idx="2">
+            <a:schemeClr val="accent1">
+              <a:shade val="50000"/>
+            </a:schemeClr>
+          </a:lnRef>
+          <a:fillRef idx="1">
+            <a:schemeClr val="accent1"/>
+          </a:fillRef>
+          <a:effectRef idx="0">
+            <a:schemeClr val="accent1"/>
+          </a:effectRef>
+          <a:fontRef idx="minor">
+            <a:schemeClr val="lt1"/>
+          </a:fontRef>
+        </p:style>
+        <p:txBody>
+          <a:bodyPr rtlCol="0" anchor="ctr"/>
+          <a:lstStyle/>
+          <a:p>
+            <a:pPr algn="ctr"/>
             <a:endParaRPr lang="fr-FR"/>
+          </a:p>
+        </p:txBody>
+      </p:sp>
+      <p:sp>
+        <p:nvSpPr>
+          <p:cNvPr id="10" name="Rectangle avec coins arrondis en diagonale 9"/>
+          <p:cNvSpPr/>
+          <p:nvPr/>
+        </p:nvSpPr>
+        <p:spPr>
+          <a:xfrm>
+            <a:off x="8000720" y="3263203"/>
+            <a:ext cx="3260829" cy="769442"/>
+          </a:xfrm>
+          <a:prstGeom prst="round2DiagRect">
+            <a:avLst/>
+          </a:prstGeom>
+          <a:noFill/>
+          <a:ln w="38100"/>
+        </p:spPr>
+        <p:style>
+          <a:lnRef idx="2">
+            <a:schemeClr val="accent1">
+              <a:shade val="50000"/>
+            </a:schemeClr>
+          </a:lnRef>
+          <a:fillRef idx="1">
+            <a:schemeClr val="accent1"/>
+          </a:fillRef>
+          <a:effectRef idx="0">
+            <a:schemeClr val="accent1"/>
+          </a:effectRef>
+          <a:fontRef idx="minor">
+            <a:schemeClr val="lt1"/>
+          </a:fontRef>
+        </p:style>
+        <p:txBody>
+          <a:bodyPr rtlCol="0" anchor="ctr"/>
+          <a:lstStyle/>
+          <a:p>
+            <a:pPr algn="ctr"/>
+            <a:endParaRPr lang="fr-FR"/>
+          </a:p>
+        </p:txBody>
+      </p:sp>
+      <p:sp>
+        <p:nvSpPr>
+          <p:cNvPr id="11" name="Rectangle avec coins arrondis en diagonale 10"/>
+          <p:cNvSpPr/>
+          <p:nvPr/>
+        </p:nvSpPr>
+        <p:spPr>
+          <a:xfrm>
+            <a:off x="1752046" y="3907537"/>
+            <a:ext cx="4501169" cy="1105281"/>
+          </a:xfrm>
+          <a:prstGeom prst="round2DiagRect">
+            <a:avLst/>
+          </a:prstGeom>
+          <a:noFill/>
+          <a:ln w="38100"/>
+        </p:spPr>
+        <p:style>
+          <a:lnRef idx="2">
+            <a:schemeClr val="accent1">
+              <a:shade val="50000"/>
+            </a:schemeClr>
+          </a:lnRef>
+          <a:fillRef idx="1">
+            <a:schemeClr val="accent1"/>
+          </a:fillRef>
+          <a:effectRef idx="0">
+            <a:schemeClr val="accent1"/>
+          </a:effectRef>
+          <a:fontRef idx="minor">
+            <a:schemeClr val="lt1"/>
+          </a:fontRef>
+        </p:style>
+        <p:txBody>
+          <a:bodyPr rtlCol="0" anchor="ctr"/>
+          <a:lstStyle/>
+          <a:p>
+            <a:pPr algn="ctr"/>
+            <a:endParaRPr lang="fr-FR"/>
+          </a:p>
+        </p:txBody>
+      </p:sp>
+      <p:sp>
+        <p:nvSpPr>
+          <p:cNvPr id="12" name="Rectangle avec coins arrondis en diagonale 11"/>
+          <p:cNvSpPr/>
+          <p:nvPr/>
+        </p:nvSpPr>
+        <p:spPr>
+          <a:xfrm>
+            <a:off x="6134363" y="5198751"/>
+            <a:ext cx="4920491" cy="612838"/>
+          </a:xfrm>
+          <a:prstGeom prst="round2DiagRect">
+            <a:avLst/>
+          </a:prstGeom>
+          <a:noFill/>
+          <a:ln w="38100"/>
+        </p:spPr>
+        <p:style>
+          <a:lnRef idx="2">
+            <a:schemeClr val="accent1">
+              <a:shade val="50000"/>
+            </a:schemeClr>
+          </a:lnRef>
+          <a:fillRef idx="1">
+            <a:schemeClr val="accent1"/>
+          </a:fillRef>
+          <a:effectRef idx="0">
+            <a:schemeClr val="accent1"/>
+          </a:effectRef>
+          <a:fontRef idx="minor">
+            <a:schemeClr val="lt1"/>
+          </a:fontRef>
+        </p:style>
+        <p:txBody>
+          <a:bodyPr rtlCol="0" anchor="ctr"/>
+          <a:lstStyle/>
+          <a:p>
+            <a:pPr algn="ctr"/>
+            <a:endParaRPr lang="fr-FR"/>
+          </a:p>
+        </p:txBody>
+      </p:sp>
+    </p:spTree>
+    <p:extLst>
+      <p:ext uri="{BB962C8B-B14F-4D97-AF65-F5344CB8AC3E}">
+        <p14:creationId xmlns:p14="http://schemas.microsoft.com/office/powerpoint/2010/main" val="1599554254"/>
+      </p:ext>
+    </p:extLst>
+  </p:cSld>
+  <p:clrMapOvr>
+    <a:masterClrMapping/>
+  </p:clrMapOvr>
+  <mc:AlternateContent xmlns:mc="http://schemas.openxmlformats.org/markup-compatibility/2006">
+    <mc:Choice xmlns:p14="http://schemas.microsoft.com/office/powerpoint/2010/main" Requires="p14">
+      <p:transition spd="med" p14:dur="700">
+        <p:fade/>
+      </p:transition>
+    </mc:Choice>
+    <mc:Fallback>
+      <p:transition spd="med">
+        <p:fade/>
+      </p:transition>
+    </mc:Fallback>
+  </mc:AlternateContent>
+  <p:timing>
+    <p:tnLst>
+      <p:par>
+        <p:cTn id="1" dur="indefinite" restart="never" nodeType="tmRoot"/>
+      </p:par>
+    </p:tnLst>
+  </p:timing>
+</p:sld>
+</file>
+
+<file path=ppt/slides/slide7.xml><?xml version="1.0" encoding="utf-8"?>
+<p:sld xmlns:a="http://schemas.openxmlformats.org/drawingml/2006/main" xmlns:r="http://schemas.openxmlformats.org/officeDocument/2006/relationships" xmlns:p="http://schemas.openxmlformats.org/presentationml/2006/main">
+  <p:cSld>
+    <p:spTree>
+      <p:nvGrpSpPr>
+        <p:cNvPr id="1" name=""/>
+        <p:cNvGrpSpPr/>
+        <p:nvPr/>
+      </p:nvGrpSpPr>
+      <p:grpSpPr>
+        <a:xfrm>
+          <a:off x="0" y="0"/>
+          <a:ext cx="0" cy="0"/>
+          <a:chOff x="0" y="0"/>
+          <a:chExt cx="0" cy="0"/>
+        </a:xfrm>
+      </p:grpSpPr>
+      <p:graphicFrame>
+        <p:nvGraphicFramePr>
+          <p:cNvPr id="6" name="Espace réservé du contenu 5"/>
+          <p:cNvGraphicFramePr>
+            <a:graphicFrameLocks noGrp="1"/>
+          </p:cNvGraphicFramePr>
+          <p:nvPr>
+            <p:ph idx="1"/>
+            <p:extLst>
+              <p:ext uri="{D42A27DB-BD31-4B8C-83A1-F6EECF244321}">
+                <p14:modId xmlns:p14="http://schemas.microsoft.com/office/powerpoint/2010/main" val="771801004"/>
+              </p:ext>
+            </p:extLst>
+          </p:nvPr>
+        </p:nvGraphicFramePr>
+        <p:xfrm>
+          <a:off x="91440" y="2016125"/>
+          <a:ext cx="12004765" cy="4084229"/>
+        </p:xfrm>
+        <a:graphic>
+          <a:graphicData uri="http://schemas.openxmlformats.org/drawingml/2006/diagram">
+            <dgm:relIds xmlns:dgm="http://schemas.openxmlformats.org/drawingml/2006/diagram" xmlns:r="http://schemas.openxmlformats.org/officeDocument/2006/relationships" r:dm="rId2" r:lo="rId3" r:qs="rId4" r:cs="rId5"/>
+          </a:graphicData>
+        </a:graphic>
+      </p:graphicFrame>
+      <p:sp>
+        <p:nvSpPr>
+          <p:cNvPr id="4" name="Titre 1"/>
+          <p:cNvSpPr txBox="1">
+            <a:spLocks/>
+          </p:cNvSpPr>
+          <p:nvPr/>
+        </p:nvSpPr>
+        <p:spPr>
+          <a:xfrm>
+            <a:off x="1603979" y="956919"/>
+            <a:ext cx="9603275" cy="1049235"/>
+          </a:xfrm>
+          <a:prstGeom prst="rect">
+            <a:avLst/>
+          </a:prstGeom>
+        </p:spPr>
+        <p:txBody>
+          <a:bodyPr vert="horz" lIns="91440" tIns="45720" rIns="91440" bIns="45720" rtlCol="0" anchor="t">
+            <a:normAutofit/>
+          </a:bodyPr>
+          <a:lstStyle>
+            <a:lvl1pPr algn="l" defTabSz="914400" rtl="0" eaLnBrk="1" latinLnBrk="0" hangingPunct="1">
+              <a:lnSpc>
+                <a:spcPct val="90000"/>
+              </a:lnSpc>
+              <a:spcBef>
+                <a:spcPct val="0"/>
+              </a:spcBef>
+              <a:buNone/>
+              <a:defRPr sz="3200" b="0" i="0" kern="1200" cap="all">
+                <a:solidFill>
+                  <a:schemeClr val="tx1"/>
+                </a:solidFill>
+                <a:effectLst/>
+                <a:latin typeface="+mj-lt"/>
+                <a:ea typeface="+mj-ea"/>
+                <a:cs typeface="+mj-cs"/>
+              </a:defRPr>
+            </a:lvl1pPr>
+          </a:lstStyle>
+          <a:p>
+            <a:r>
+              <a:rPr lang="fr-FR" smtClean="0"/>
+              <a:t>étude de marché</a:t>
+            </a:r>
+            <a:endParaRPr lang="fr-FR" dirty="0"/>
+          </a:p>
+        </p:txBody>
+      </p:sp>
+      <p:pic>
+        <p:nvPicPr>
+          <p:cNvPr id="5" name="Espace réservé du contenu 3"/>
+          <p:cNvPicPr>
+            <a:picLocks noChangeAspect="1"/>
+          </p:cNvPicPr>
+          <p:nvPr/>
+        </p:nvPicPr>
+        <p:blipFill>
+          <a:blip r:embed="rId7">
+            <a:extLst>
+              <a:ext uri="{28A0092B-C50C-407E-A947-70E740481C1C}">
+                <a14:useLocalDpi xmlns:a14="http://schemas.microsoft.com/office/drawing/2010/main" val="0"/>
+              </a:ext>
+            </a:extLst>
+          </a:blip>
+          <a:stretch>
+            <a:fillRect/>
+          </a:stretch>
+        </p:blipFill>
+        <p:spPr>
+          <a:xfrm rot="20993039">
+            <a:off x="7537985" y="93824"/>
+            <a:ext cx="2115323" cy="1586492"/>
+          </a:xfrm>
+          <a:prstGeom prst="ellipse">
+            <a:avLst/>
+          </a:prstGeom>
+          <a:ln w="63500" cap="rnd">
+            <a:solidFill>
+              <a:srgbClr val="333333"/>
+            </a:solidFill>
+          </a:ln>
+          <a:effectLst/>
+          <a:scene3d>
+            <a:camera prst="orthographicFront"/>
+            <a:lightRig rig="contrasting" dir="t">
+              <a:rot lat="0" lon="0" rev="3000000"/>
+            </a:lightRig>
+          </a:scene3d>
+          <a:sp3d contourW="7620">
+            <a:bevelT w="95250" h="31750"/>
+            <a:contourClr>
+              <a:srgbClr val="333333"/>
+            </a:contourClr>
+          </a:sp3d>
+        </p:spPr>
+      </p:pic>
+      <p:sp>
+        <p:nvSpPr>
+          <p:cNvPr id="7" name="Rectangle 6"/>
+          <p:cNvSpPr/>
+          <p:nvPr/>
+        </p:nvSpPr>
+        <p:spPr>
+          <a:xfrm>
+            <a:off x="606187" y="6110325"/>
+            <a:ext cx="1790875" cy="584775"/>
+          </a:xfrm>
+          <a:prstGeom prst="rect">
+            <a:avLst/>
+          </a:prstGeom>
+          <a:noFill/>
+        </p:spPr>
+        <p:txBody>
+          <a:bodyPr wrap="none" lIns="91440" tIns="45720" rIns="91440" bIns="45720">
+            <a:spAutoFit/>
+          </a:bodyPr>
+          <a:lstStyle/>
+          <a:p>
+            <a:pPr algn="ctr"/>
+            <a:r>
+              <a:rPr lang="fr-FR" sz="3200" b="0" cap="none" spc="0" dirty="0" smtClean="0">
+                <a:ln w="0"/>
+                <a:solidFill>
+                  <a:schemeClr val="bg1"/>
+                </a:solidFill>
+                <a:effectLst>
+                  <a:outerShdw blurRad="38100" dist="19050" dir="2700000" algn="tl" rotWithShape="0">
+                    <a:schemeClr val="dk1">
+                      <a:alpha val="40000"/>
+                    </a:schemeClr>
+                  </a:outerShdw>
+                </a:effectLst>
+              </a:rPr>
+              <a:t>18-25 ans</a:t>
+            </a:r>
+            <a:endParaRPr lang="fr-FR" sz="3200" b="0" cap="none" spc="0" dirty="0">
+              <a:ln w="0"/>
+              <a:solidFill>
+                <a:schemeClr val="bg1"/>
+              </a:solidFill>
+              <a:effectLst>
+                <a:outerShdw blurRad="38100" dist="19050" dir="2700000" algn="tl" rotWithShape="0">
+                  <a:schemeClr val="dk1">
+                    <a:alpha val="40000"/>
+                  </a:schemeClr>
+                </a:outerShdw>
+              </a:effectLst>
+            </a:endParaRPr>
+          </a:p>
+        </p:txBody>
+      </p:sp>
+      <p:sp>
+        <p:nvSpPr>
+          <p:cNvPr id="8" name="Rectangle 7"/>
+          <p:cNvSpPr/>
+          <p:nvPr/>
+        </p:nvSpPr>
+        <p:spPr>
+          <a:xfrm>
+            <a:off x="3607377" y="6084199"/>
+            <a:ext cx="1790875" cy="584775"/>
+          </a:xfrm>
+          <a:prstGeom prst="rect">
+            <a:avLst/>
+          </a:prstGeom>
+          <a:noFill/>
+        </p:spPr>
+        <p:txBody>
+          <a:bodyPr wrap="none" lIns="91440" tIns="45720" rIns="91440" bIns="45720">
+            <a:spAutoFit/>
+          </a:bodyPr>
+          <a:lstStyle/>
+          <a:p>
+            <a:pPr algn="ctr"/>
+            <a:r>
+              <a:rPr lang="fr-FR" sz="3200" b="0" cap="none" spc="0" dirty="0" smtClean="0">
+                <a:ln w="0"/>
+                <a:solidFill>
+                  <a:schemeClr val="bg1"/>
+                </a:solidFill>
+                <a:effectLst>
+                  <a:outerShdw blurRad="38100" dist="19050" dir="2700000" algn="tl" rotWithShape="0">
+                    <a:schemeClr val="dk1">
+                      <a:alpha val="40000"/>
+                    </a:schemeClr>
+                  </a:outerShdw>
+                </a:effectLst>
+              </a:rPr>
+              <a:t>18-25 ans</a:t>
+            </a:r>
+            <a:endParaRPr lang="fr-FR" sz="3200" b="0" cap="none" spc="0" dirty="0">
+              <a:ln w="0"/>
+              <a:solidFill>
+                <a:schemeClr val="bg1"/>
+              </a:solidFill>
+              <a:effectLst>
+                <a:outerShdw blurRad="38100" dist="19050" dir="2700000" algn="tl" rotWithShape="0">
+                  <a:schemeClr val="dk1">
+                    <a:alpha val="40000"/>
+                  </a:schemeClr>
+                </a:outerShdw>
+              </a:effectLst>
+            </a:endParaRPr>
+          </a:p>
+        </p:txBody>
+      </p:sp>
+      <p:sp>
+        <p:nvSpPr>
+          <p:cNvPr id="9" name="Rectangle 8"/>
+          <p:cNvSpPr/>
+          <p:nvPr/>
+        </p:nvSpPr>
+        <p:spPr>
+          <a:xfrm>
+            <a:off x="6608568" y="6110325"/>
+            <a:ext cx="1790876" cy="584775"/>
+          </a:xfrm>
+          <a:prstGeom prst="rect">
+            <a:avLst/>
+          </a:prstGeom>
+          <a:noFill/>
+        </p:spPr>
+        <p:txBody>
+          <a:bodyPr wrap="none" lIns="91440" tIns="45720" rIns="91440" bIns="45720">
+            <a:spAutoFit/>
+          </a:bodyPr>
+          <a:lstStyle/>
+          <a:p>
+            <a:pPr algn="ctr"/>
+            <a:r>
+              <a:rPr lang="fr-FR" sz="3200" b="0" cap="none" spc="0" dirty="0" smtClean="0">
+                <a:ln w="0"/>
+                <a:solidFill>
+                  <a:schemeClr val="bg1"/>
+                </a:solidFill>
+                <a:effectLst>
+                  <a:outerShdw blurRad="38100" dist="19050" dir="2700000" algn="tl" rotWithShape="0">
+                    <a:schemeClr val="dk1">
+                      <a:alpha val="40000"/>
+                    </a:schemeClr>
+                  </a:outerShdw>
+                </a:effectLst>
+              </a:rPr>
+              <a:t>15-18 ans</a:t>
+            </a:r>
+            <a:endParaRPr lang="fr-FR" sz="3200" b="0" cap="none" spc="0" dirty="0">
+              <a:ln w="0"/>
+              <a:solidFill>
+                <a:schemeClr val="bg1"/>
+              </a:solidFill>
+              <a:effectLst>
+                <a:outerShdw blurRad="38100" dist="19050" dir="2700000" algn="tl" rotWithShape="0">
+                  <a:schemeClr val="dk1">
+                    <a:alpha val="40000"/>
+                  </a:schemeClr>
+                </a:outerShdw>
+              </a:effectLst>
+            </a:endParaRPr>
+          </a:p>
+        </p:txBody>
+      </p:sp>
+      <p:sp>
+        <p:nvSpPr>
+          <p:cNvPr id="10" name="Rectangle 9"/>
+          <p:cNvSpPr/>
+          <p:nvPr/>
+        </p:nvSpPr>
+        <p:spPr>
+          <a:xfrm>
+            <a:off x="9609758" y="6084198"/>
+            <a:ext cx="1790876" cy="584775"/>
+          </a:xfrm>
+          <a:prstGeom prst="rect">
+            <a:avLst/>
+          </a:prstGeom>
+          <a:noFill/>
+        </p:spPr>
+        <p:txBody>
+          <a:bodyPr wrap="none" lIns="91440" tIns="45720" rIns="91440" bIns="45720">
+            <a:spAutoFit/>
+          </a:bodyPr>
+          <a:lstStyle/>
+          <a:p>
+            <a:pPr algn="ctr"/>
+            <a:r>
+              <a:rPr lang="fr-FR" sz="3200" b="0" cap="none" spc="0" dirty="0" smtClean="0">
+                <a:ln w="0"/>
+                <a:solidFill>
+                  <a:schemeClr val="bg1"/>
+                </a:solidFill>
+                <a:effectLst>
+                  <a:outerShdw blurRad="38100" dist="19050" dir="2700000" algn="tl" rotWithShape="0">
+                    <a:schemeClr val="dk1">
+                      <a:alpha val="40000"/>
+                    </a:schemeClr>
+                  </a:outerShdw>
+                </a:effectLst>
+              </a:rPr>
+              <a:t>18-25 ans</a:t>
+            </a:r>
+            <a:endParaRPr lang="fr-FR" sz="3200" b="0" cap="none" spc="0" dirty="0">
+              <a:ln w="0"/>
+              <a:solidFill>
+                <a:schemeClr val="bg1"/>
+              </a:solidFill>
+              <a:effectLst>
+                <a:outerShdw blurRad="38100" dist="19050" dir="2700000" algn="tl" rotWithShape="0">
+                  <a:schemeClr val="dk1">
+                    <a:alpha val="40000"/>
+                  </a:schemeClr>
+                </a:outerShdw>
+              </a:effectLst>
+            </a:endParaRPr>
+          </a:p>
+        </p:txBody>
+      </p:sp>
+      <p:sp>
+        <p:nvSpPr>
+          <p:cNvPr id="11" name="Ellipse 10"/>
+          <p:cNvSpPr/>
+          <p:nvPr/>
+        </p:nvSpPr>
+        <p:spPr>
+          <a:xfrm>
+            <a:off x="9825518" y="992521"/>
+            <a:ext cx="444137" cy="313509"/>
+          </a:xfrm>
+          <a:prstGeom prst="ellipse">
+            <a:avLst/>
+          </a:prstGeom>
+          <a:solidFill>
+            <a:srgbClr val="FF0000"/>
+          </a:solidFill>
+          <a:ln>
+            <a:solidFill>
+              <a:srgbClr val="FF0000"/>
+            </a:solidFill>
+          </a:ln>
+        </p:spPr>
+        <p:style>
+          <a:lnRef idx="2">
+            <a:schemeClr val="accent1">
+              <a:shade val="50000"/>
+            </a:schemeClr>
+          </a:lnRef>
+          <a:fillRef idx="1">
+            <a:schemeClr val="accent1"/>
+          </a:fillRef>
+          <a:effectRef idx="0">
+            <a:schemeClr val="accent1"/>
+          </a:effectRef>
+          <a:fontRef idx="minor">
+            <a:schemeClr val="lt1"/>
+          </a:fontRef>
+        </p:style>
+        <p:txBody>
+          <a:bodyPr rtlCol="0" anchor="ctr"/>
+          <a:lstStyle/>
+          <a:p>
+            <a:pPr algn="ctr"/>
+            <a:endParaRPr lang="fr-FR"/>
+          </a:p>
+        </p:txBody>
+      </p:sp>
+      <p:sp>
+        <p:nvSpPr>
+          <p:cNvPr id="12" name="ZoneTexte 11"/>
+          <p:cNvSpPr txBox="1"/>
+          <p:nvPr/>
+        </p:nvSpPr>
+        <p:spPr>
+          <a:xfrm>
+            <a:off x="10269655" y="965191"/>
+            <a:ext cx="1780296" cy="369332"/>
+          </a:xfrm>
+          <a:prstGeom prst="rect">
+            <a:avLst/>
+          </a:prstGeom>
+          <a:noFill/>
+        </p:spPr>
+        <p:txBody>
+          <a:bodyPr wrap="none" rtlCol="0">
+            <a:spAutoFit/>
+          </a:bodyPr>
+          <a:lstStyle/>
+          <a:p>
+            <a:r>
+              <a:rPr lang="fr-FR" dirty="0" smtClean="0"/>
+              <a:t>Persona principal</a:t>
+            </a:r>
+            <a:endParaRPr lang="fr-FR" dirty="0"/>
+          </a:p>
+        </p:txBody>
+      </p:sp>
+    </p:spTree>
+    <p:extLst>
+      <p:ext uri="{BB962C8B-B14F-4D97-AF65-F5344CB8AC3E}">
+        <p14:creationId xmlns:p14="http://schemas.microsoft.com/office/powerpoint/2010/main" val="3100236823"/>
+      </p:ext>
+    </p:extLst>
+  </p:cSld>
+  <p:clrMapOvr>
+    <a:masterClrMapping/>
+  </p:clrMapOvr>
+  <mc:AlternateContent xmlns:mc="http://schemas.openxmlformats.org/markup-compatibility/2006">
+    <mc:Choice xmlns:p14="http://schemas.microsoft.com/office/powerpoint/2010/main" Requires="p14">
+      <p:transition p14:dur="250">
+        <p:fade/>
+      </p:transition>
+    </mc:Choice>
+    <mc:Fallback>
+      <p:transition>
+        <p:fade/>
+      </p:transition>
+    </mc:Fallback>
+  </mc:AlternateContent>
+  <p:timing>
+    <p:tnLst>
+      <p:par>
+        <p:cTn id="1" dur="indefinite" restart="never" nodeType="tmRoot">
+          <p:childTnLst>
+            <p:seq concurrent="1" nextAc="seek">
+              <p:cTn id="2" dur="indefinite" nodeType="mainSeq">
+                <p:childTnLst>
+                  <p:par>
+                    <p:cTn id="3" fill="hold">
+                      <p:stCondLst>
+                        <p:cond delay="indefinite"/>
+                        <p:cond evt="onBegin" delay="0">
+                          <p:tn val="2"/>
+                        </p:cond>
+                      </p:stCondLst>
+                      <p:childTnLst>
+                        <p:par>
+                          <p:cTn id="4" fill="hold">
+                            <p:stCondLst>
+                              <p:cond delay="0"/>
+                            </p:stCondLst>
+                            <p:childTnLst>
+                              <p:par>
+                                <p:cTn id="5" presetID="47" presetClass="entr" presetSubtype="0" fill="hold" grpId="0" nodeType="withEffect">
+                                  <p:stCondLst>
+                                    <p:cond delay="0"/>
+                                  </p:stCondLst>
+                                  <p:childTnLst>
+                                    <p:set>
+                                      <p:cBhvr>
+                                        <p:cTn id="6" dur="1" fill="hold">
+                                          <p:stCondLst>
+                                            <p:cond delay="0"/>
+                                          </p:stCondLst>
+                                        </p:cTn>
+                                        <p:tgtEl>
+                                          <p:spTgt spid="6">
+                                            <p:graphicEl>
+                                              <a:dgm id="{C60AE2FD-89FA-4949-86A1-FF8578D6CE22}"/>
+                                            </p:graphicEl>
+                                          </p:spTgt>
+                                        </p:tgtEl>
+                                        <p:attrNameLst>
+                                          <p:attrName>style.visibility</p:attrName>
+                                        </p:attrNameLst>
+                                      </p:cBhvr>
+                                      <p:to>
+                                        <p:strVal val="visible"/>
+                                      </p:to>
+                                    </p:set>
+                                    <p:animEffect transition="in" filter="fade">
+                                      <p:cBhvr>
+                                        <p:cTn id="7" dur="100"/>
+                                        <p:tgtEl>
+                                          <p:spTgt spid="6">
+                                            <p:graphicEl>
+                                              <a:dgm id="{C60AE2FD-89FA-4949-86A1-FF8578D6CE22}"/>
+                                            </p:graphicEl>
+                                          </p:spTgt>
+                                        </p:tgtEl>
+                                      </p:cBhvr>
+                                    </p:animEffect>
+                                    <p:anim calcmode="lin" valueType="num">
+                                      <p:cBhvr>
+                                        <p:cTn id="8" dur="100" fill="hold"/>
+                                        <p:tgtEl>
+                                          <p:spTgt spid="6">
+                                            <p:graphicEl>
+                                              <a:dgm id="{C60AE2FD-89FA-4949-86A1-FF8578D6CE22}"/>
+                                            </p:graphicEl>
+                                          </p:spTgt>
+                                        </p:tgtEl>
+                                        <p:attrNameLst>
+                                          <p:attrName>ppt_x</p:attrName>
+                                        </p:attrNameLst>
+                                      </p:cBhvr>
+                                      <p:tavLst>
+                                        <p:tav tm="0">
+                                          <p:val>
+                                            <p:strVal val="#ppt_x"/>
+                                          </p:val>
+                                        </p:tav>
+                                        <p:tav tm="100000">
+                                          <p:val>
+                                            <p:strVal val="#ppt_x"/>
+                                          </p:val>
+                                        </p:tav>
+                                      </p:tavLst>
+                                    </p:anim>
+                                    <p:anim calcmode="lin" valueType="num">
+                                      <p:cBhvr>
+                                        <p:cTn id="9" dur="100" fill="hold"/>
+                                        <p:tgtEl>
+                                          <p:spTgt spid="6">
+                                            <p:graphicEl>
+                                              <a:dgm id="{C60AE2FD-89FA-4949-86A1-FF8578D6CE22}"/>
+                                            </p:graphicEl>
+                                          </p:spTgt>
+                                        </p:tgtEl>
+                                        <p:attrNameLst>
+                                          <p:attrName>ppt_y</p:attrName>
+                                        </p:attrNameLst>
+                                      </p:cBhvr>
+                                      <p:tavLst>
+                                        <p:tav tm="0">
+                                          <p:val>
+                                            <p:strVal val="#ppt_y-.1"/>
+                                          </p:val>
+                                        </p:tav>
+                                        <p:tav tm="100000">
+                                          <p:val>
+                                            <p:strVal val="#ppt_y"/>
+                                          </p:val>
+                                        </p:tav>
+                                      </p:tavLst>
+                                    </p:anim>
+                                  </p:childTnLst>
+                                </p:cTn>
+                              </p:par>
+                              <p:par>
+                                <p:cTn id="10" presetID="47" presetClass="entr" presetSubtype="0" fill="hold" grpId="0" nodeType="withEffect">
+                                  <p:stCondLst>
+                                    <p:cond delay="0"/>
+                                  </p:stCondLst>
+                                  <p:childTnLst>
+                                    <p:set>
+                                      <p:cBhvr>
+                                        <p:cTn id="11" dur="1" fill="hold">
+                                          <p:stCondLst>
+                                            <p:cond delay="0"/>
+                                          </p:stCondLst>
+                                        </p:cTn>
+                                        <p:tgtEl>
+                                          <p:spTgt spid="6">
+                                            <p:graphicEl>
+                                              <a:dgm id="{FE1DEF34-FCF3-48C5-90F9-F1AB9D230E3A}"/>
+                                            </p:graphicEl>
+                                          </p:spTgt>
+                                        </p:tgtEl>
+                                        <p:attrNameLst>
+                                          <p:attrName>style.visibility</p:attrName>
+                                        </p:attrNameLst>
+                                      </p:cBhvr>
+                                      <p:to>
+                                        <p:strVal val="visible"/>
+                                      </p:to>
+                                    </p:set>
+                                    <p:animEffect transition="in" filter="fade">
+                                      <p:cBhvr>
+                                        <p:cTn id="12" dur="1000"/>
+                                        <p:tgtEl>
+                                          <p:spTgt spid="6">
+                                            <p:graphicEl>
+                                              <a:dgm id="{FE1DEF34-FCF3-48C5-90F9-F1AB9D230E3A}"/>
+                                            </p:graphicEl>
+                                          </p:spTgt>
+                                        </p:tgtEl>
+                                      </p:cBhvr>
+                                    </p:animEffect>
+                                    <p:anim calcmode="lin" valueType="num">
+                                      <p:cBhvr>
+                                        <p:cTn id="13" dur="1000" fill="hold"/>
+                                        <p:tgtEl>
+                                          <p:spTgt spid="6">
+                                            <p:graphicEl>
+                                              <a:dgm id="{FE1DEF34-FCF3-48C5-90F9-F1AB9D230E3A}"/>
+                                            </p:graphicEl>
+                                          </p:spTgt>
+                                        </p:tgtEl>
+                                        <p:attrNameLst>
+                                          <p:attrName>ppt_x</p:attrName>
+                                        </p:attrNameLst>
+                                      </p:cBhvr>
+                                      <p:tavLst>
+                                        <p:tav tm="0">
+                                          <p:val>
+                                            <p:strVal val="#ppt_x"/>
+                                          </p:val>
+                                        </p:tav>
+                                        <p:tav tm="100000">
+                                          <p:val>
+                                            <p:strVal val="#ppt_x"/>
+                                          </p:val>
+                                        </p:tav>
+                                      </p:tavLst>
+                                    </p:anim>
+                                    <p:anim calcmode="lin" valueType="num">
+                                      <p:cBhvr>
+                                        <p:cTn id="14" dur="1000" fill="hold"/>
+                                        <p:tgtEl>
+                                          <p:spTgt spid="6">
+                                            <p:graphicEl>
+                                              <a:dgm id="{FE1DEF34-FCF3-48C5-90F9-F1AB9D230E3A}"/>
+                                            </p:graphicEl>
+                                          </p:spTgt>
+                                        </p:tgtEl>
+                                        <p:attrNameLst>
+                                          <p:attrName>ppt_y</p:attrName>
+                                        </p:attrNameLst>
+                                      </p:cBhvr>
+                                      <p:tavLst>
+                                        <p:tav tm="0">
+                                          <p:val>
+                                            <p:strVal val="#ppt_y-.1"/>
+                                          </p:val>
+                                        </p:tav>
+                                        <p:tav tm="100000">
+                                          <p:val>
+                                            <p:strVal val="#ppt_y"/>
+                                          </p:val>
+                                        </p:tav>
+                                      </p:tavLst>
+                                    </p:anim>
+                                  </p:childTnLst>
+                                </p:cTn>
+                              </p:par>
+                              <p:par>
+                                <p:cTn id="15" presetID="47" presetClass="entr" presetSubtype="0" fill="hold" grpId="0" nodeType="withEffect">
+                                  <p:stCondLst>
+                                    <p:cond delay="0"/>
+                                  </p:stCondLst>
+                                  <p:childTnLst>
+                                    <p:set>
+                                      <p:cBhvr>
+                                        <p:cTn id="16" dur="1" fill="hold">
+                                          <p:stCondLst>
+                                            <p:cond delay="0"/>
+                                          </p:stCondLst>
+                                        </p:cTn>
+                                        <p:tgtEl>
+                                          <p:spTgt spid="6">
+                                            <p:graphicEl>
+                                              <a:dgm id="{705B6E16-F25C-404F-9FE1-D0B8AF972E51}"/>
+                                            </p:graphicEl>
+                                          </p:spTgt>
+                                        </p:tgtEl>
+                                        <p:attrNameLst>
+                                          <p:attrName>style.visibility</p:attrName>
+                                        </p:attrNameLst>
+                                      </p:cBhvr>
+                                      <p:to>
+                                        <p:strVal val="visible"/>
+                                      </p:to>
+                                    </p:set>
+                                    <p:animEffect transition="in" filter="fade">
+                                      <p:cBhvr>
+                                        <p:cTn id="17" dur="1000"/>
+                                        <p:tgtEl>
+                                          <p:spTgt spid="6">
+                                            <p:graphicEl>
+                                              <a:dgm id="{705B6E16-F25C-404F-9FE1-D0B8AF972E51}"/>
+                                            </p:graphicEl>
+                                          </p:spTgt>
+                                        </p:tgtEl>
+                                      </p:cBhvr>
+                                    </p:animEffect>
+                                    <p:anim calcmode="lin" valueType="num">
+                                      <p:cBhvr>
+                                        <p:cTn id="18" dur="1000" fill="hold"/>
+                                        <p:tgtEl>
+                                          <p:spTgt spid="6">
+                                            <p:graphicEl>
+                                              <a:dgm id="{705B6E16-F25C-404F-9FE1-D0B8AF972E51}"/>
+                                            </p:graphicEl>
+                                          </p:spTgt>
+                                        </p:tgtEl>
+                                        <p:attrNameLst>
+                                          <p:attrName>ppt_x</p:attrName>
+                                        </p:attrNameLst>
+                                      </p:cBhvr>
+                                      <p:tavLst>
+                                        <p:tav tm="0">
+                                          <p:val>
+                                            <p:strVal val="#ppt_x"/>
+                                          </p:val>
+                                        </p:tav>
+                                        <p:tav tm="100000">
+                                          <p:val>
+                                            <p:strVal val="#ppt_x"/>
+                                          </p:val>
+                                        </p:tav>
+                                      </p:tavLst>
+                                    </p:anim>
+                                    <p:anim calcmode="lin" valueType="num">
+                                      <p:cBhvr>
+                                        <p:cTn id="19" dur="1000" fill="hold"/>
+                                        <p:tgtEl>
+                                          <p:spTgt spid="6">
+                                            <p:graphicEl>
+                                              <a:dgm id="{705B6E16-F25C-404F-9FE1-D0B8AF972E51}"/>
+                                            </p:graphicEl>
+                                          </p:spTgt>
+                                        </p:tgtEl>
+                                        <p:attrNameLst>
+                                          <p:attrName>ppt_y</p:attrName>
+                                        </p:attrNameLst>
+                                      </p:cBhvr>
+                                      <p:tavLst>
+                                        <p:tav tm="0">
+                                          <p:val>
+                                            <p:strVal val="#ppt_y-.1"/>
+                                          </p:val>
+                                        </p:tav>
+                                        <p:tav tm="100000">
+                                          <p:val>
+                                            <p:strVal val="#ppt_y"/>
+                                          </p:val>
+                                        </p:tav>
+                                      </p:tavLst>
+                                    </p:anim>
+                                  </p:childTnLst>
+                                </p:cTn>
+                              </p:par>
+                              <p:par>
+                                <p:cTn id="20" presetID="47" presetClass="entr" presetSubtype="0" fill="hold" grpId="0" nodeType="withEffect">
+                                  <p:stCondLst>
+                                    <p:cond delay="0"/>
+                                  </p:stCondLst>
+                                  <p:childTnLst>
+                                    <p:set>
+                                      <p:cBhvr>
+                                        <p:cTn id="21" dur="1" fill="hold">
+                                          <p:stCondLst>
+                                            <p:cond delay="0"/>
+                                          </p:stCondLst>
+                                        </p:cTn>
+                                        <p:tgtEl>
+                                          <p:spTgt spid="6">
+                                            <p:graphicEl>
+                                              <a:dgm id="{6F0E6511-D43D-46EB-A4A9-FC380DA96B30}"/>
+                                            </p:graphicEl>
+                                          </p:spTgt>
+                                        </p:tgtEl>
+                                        <p:attrNameLst>
+                                          <p:attrName>style.visibility</p:attrName>
+                                        </p:attrNameLst>
+                                      </p:cBhvr>
+                                      <p:to>
+                                        <p:strVal val="visible"/>
+                                      </p:to>
+                                    </p:set>
+                                    <p:animEffect transition="in" filter="fade">
+                                      <p:cBhvr>
+                                        <p:cTn id="22" dur="1000"/>
+                                        <p:tgtEl>
+                                          <p:spTgt spid="6">
+                                            <p:graphicEl>
+                                              <a:dgm id="{6F0E6511-D43D-46EB-A4A9-FC380DA96B30}"/>
+                                            </p:graphicEl>
+                                          </p:spTgt>
+                                        </p:tgtEl>
+                                      </p:cBhvr>
+                                    </p:animEffect>
+                                    <p:anim calcmode="lin" valueType="num">
+                                      <p:cBhvr>
+                                        <p:cTn id="23" dur="1000" fill="hold"/>
+                                        <p:tgtEl>
+                                          <p:spTgt spid="6">
+                                            <p:graphicEl>
+                                              <a:dgm id="{6F0E6511-D43D-46EB-A4A9-FC380DA96B30}"/>
+                                            </p:graphicEl>
+                                          </p:spTgt>
+                                        </p:tgtEl>
+                                        <p:attrNameLst>
+                                          <p:attrName>ppt_x</p:attrName>
+                                        </p:attrNameLst>
+                                      </p:cBhvr>
+                                      <p:tavLst>
+                                        <p:tav tm="0">
+                                          <p:val>
+                                            <p:strVal val="#ppt_x"/>
+                                          </p:val>
+                                        </p:tav>
+                                        <p:tav tm="100000">
+                                          <p:val>
+                                            <p:strVal val="#ppt_x"/>
+                                          </p:val>
+                                        </p:tav>
+                                      </p:tavLst>
+                                    </p:anim>
+                                    <p:anim calcmode="lin" valueType="num">
+                                      <p:cBhvr>
+                                        <p:cTn id="24" dur="1000" fill="hold"/>
+                                        <p:tgtEl>
+                                          <p:spTgt spid="6">
+                                            <p:graphicEl>
+                                              <a:dgm id="{6F0E6511-D43D-46EB-A4A9-FC380DA96B30}"/>
+                                            </p:graphicEl>
+                                          </p:spTgt>
+                                        </p:tgtEl>
+                                        <p:attrNameLst>
+                                          <p:attrName>ppt_y</p:attrName>
+                                        </p:attrNameLst>
+                                      </p:cBhvr>
+                                      <p:tavLst>
+                                        <p:tav tm="0">
+                                          <p:val>
+                                            <p:strVal val="#ppt_y-.1"/>
+                                          </p:val>
+                                        </p:tav>
+                                        <p:tav tm="100000">
+                                          <p:val>
+                                            <p:strVal val="#ppt_y"/>
+                                          </p:val>
+                                        </p:tav>
+                                      </p:tavLst>
+                                    </p:anim>
+                                  </p:childTnLst>
+                                </p:cTn>
+                              </p:par>
+                              <p:par>
+                                <p:cTn id="25" presetID="47" presetClass="entr" presetSubtype="0" fill="hold" grpId="0" nodeType="withEffect">
+                                  <p:stCondLst>
+                                    <p:cond delay="0"/>
+                                  </p:stCondLst>
+                                  <p:childTnLst>
+                                    <p:set>
+                                      <p:cBhvr>
+                                        <p:cTn id="26" dur="1" fill="hold">
+                                          <p:stCondLst>
+                                            <p:cond delay="0"/>
+                                          </p:stCondLst>
+                                        </p:cTn>
+                                        <p:tgtEl>
+                                          <p:spTgt spid="6">
+                                            <p:graphicEl>
+                                              <a:dgm id="{D07565E3-C64D-447D-834B-34E47DA23AB5}"/>
+                                            </p:graphicEl>
+                                          </p:spTgt>
+                                        </p:tgtEl>
+                                        <p:attrNameLst>
+                                          <p:attrName>style.visibility</p:attrName>
+                                        </p:attrNameLst>
+                                      </p:cBhvr>
+                                      <p:to>
+                                        <p:strVal val="visible"/>
+                                      </p:to>
+                                    </p:set>
+                                    <p:animEffect transition="in" filter="fade">
+                                      <p:cBhvr>
+                                        <p:cTn id="27" dur="1000"/>
+                                        <p:tgtEl>
+                                          <p:spTgt spid="6">
+                                            <p:graphicEl>
+                                              <a:dgm id="{D07565E3-C64D-447D-834B-34E47DA23AB5}"/>
+                                            </p:graphicEl>
+                                          </p:spTgt>
+                                        </p:tgtEl>
+                                      </p:cBhvr>
+                                    </p:animEffect>
+                                    <p:anim calcmode="lin" valueType="num">
+                                      <p:cBhvr>
+                                        <p:cTn id="28" dur="1000" fill="hold"/>
+                                        <p:tgtEl>
+                                          <p:spTgt spid="6">
+                                            <p:graphicEl>
+                                              <a:dgm id="{D07565E3-C64D-447D-834B-34E47DA23AB5}"/>
+                                            </p:graphicEl>
+                                          </p:spTgt>
+                                        </p:tgtEl>
+                                        <p:attrNameLst>
+                                          <p:attrName>ppt_x</p:attrName>
+                                        </p:attrNameLst>
+                                      </p:cBhvr>
+                                      <p:tavLst>
+                                        <p:tav tm="0">
+                                          <p:val>
+                                            <p:strVal val="#ppt_x"/>
+                                          </p:val>
+                                        </p:tav>
+                                        <p:tav tm="100000">
+                                          <p:val>
+                                            <p:strVal val="#ppt_x"/>
+                                          </p:val>
+                                        </p:tav>
+                                      </p:tavLst>
+                                    </p:anim>
+                                    <p:anim calcmode="lin" valueType="num">
+                                      <p:cBhvr>
+                                        <p:cTn id="29" dur="1000" fill="hold"/>
+                                        <p:tgtEl>
+                                          <p:spTgt spid="6">
+                                            <p:graphicEl>
+                                              <a:dgm id="{D07565E3-C64D-447D-834B-34E47DA23AB5}"/>
+                                            </p:graphicEl>
+                                          </p:spTgt>
+                                        </p:tgtEl>
+                                        <p:attrNameLst>
+                                          <p:attrName>ppt_y</p:attrName>
+                                        </p:attrNameLst>
+                                      </p:cBhvr>
+                                      <p:tavLst>
+                                        <p:tav tm="0">
+                                          <p:val>
+                                            <p:strVal val="#ppt_y-.1"/>
+                                          </p:val>
+                                        </p:tav>
+                                        <p:tav tm="100000">
+                                          <p:val>
+                                            <p:strVal val="#ppt_y"/>
+                                          </p:val>
+                                        </p:tav>
+                                      </p:tavLst>
+                                    </p:anim>
+                                  </p:childTnLst>
+                                </p:cTn>
+                              </p:par>
+                              <p:par>
+                                <p:cTn id="30" presetID="47" presetClass="entr" presetSubtype="0" fill="hold" grpId="0" nodeType="withEffect">
+                                  <p:stCondLst>
+                                    <p:cond delay="0"/>
+                                  </p:stCondLst>
+                                  <p:childTnLst>
+                                    <p:set>
+                                      <p:cBhvr>
+                                        <p:cTn id="31" dur="1" fill="hold">
+                                          <p:stCondLst>
+                                            <p:cond delay="0"/>
+                                          </p:stCondLst>
+                                        </p:cTn>
+                                        <p:tgtEl>
+                                          <p:spTgt spid="6">
+                                            <p:graphicEl>
+                                              <a:dgm id="{D293988E-CD1B-4955-98D8-C5EEEC3E85A5}"/>
+                                            </p:graphicEl>
+                                          </p:spTgt>
+                                        </p:tgtEl>
+                                        <p:attrNameLst>
+                                          <p:attrName>style.visibility</p:attrName>
+                                        </p:attrNameLst>
+                                      </p:cBhvr>
+                                      <p:to>
+                                        <p:strVal val="visible"/>
+                                      </p:to>
+                                    </p:set>
+                                    <p:animEffect transition="in" filter="fade">
+                                      <p:cBhvr>
+                                        <p:cTn id="32" dur="1000"/>
+                                        <p:tgtEl>
+                                          <p:spTgt spid="6">
+                                            <p:graphicEl>
+                                              <a:dgm id="{D293988E-CD1B-4955-98D8-C5EEEC3E85A5}"/>
+                                            </p:graphicEl>
+                                          </p:spTgt>
+                                        </p:tgtEl>
+                                      </p:cBhvr>
+                                    </p:animEffect>
+                                    <p:anim calcmode="lin" valueType="num">
+                                      <p:cBhvr>
+                                        <p:cTn id="33" dur="1000" fill="hold"/>
+                                        <p:tgtEl>
+                                          <p:spTgt spid="6">
+                                            <p:graphicEl>
+                                              <a:dgm id="{D293988E-CD1B-4955-98D8-C5EEEC3E85A5}"/>
+                                            </p:graphicEl>
+                                          </p:spTgt>
+                                        </p:tgtEl>
+                                        <p:attrNameLst>
+                                          <p:attrName>ppt_x</p:attrName>
+                                        </p:attrNameLst>
+                                      </p:cBhvr>
+                                      <p:tavLst>
+                                        <p:tav tm="0">
+                                          <p:val>
+                                            <p:strVal val="#ppt_x"/>
+                                          </p:val>
+                                        </p:tav>
+                                        <p:tav tm="100000">
+                                          <p:val>
+                                            <p:strVal val="#ppt_x"/>
+                                          </p:val>
+                                        </p:tav>
+                                      </p:tavLst>
+                                    </p:anim>
+                                    <p:anim calcmode="lin" valueType="num">
+                                      <p:cBhvr>
+                                        <p:cTn id="34" dur="1000" fill="hold"/>
+                                        <p:tgtEl>
+                                          <p:spTgt spid="6">
+                                            <p:graphicEl>
+                                              <a:dgm id="{D293988E-CD1B-4955-98D8-C5EEEC3E85A5}"/>
+                                            </p:graphicEl>
+                                          </p:spTgt>
+                                        </p:tgtEl>
+                                        <p:attrNameLst>
+                                          <p:attrName>ppt_y</p:attrName>
+                                        </p:attrNameLst>
+                                      </p:cBhvr>
+                                      <p:tavLst>
+                                        <p:tav tm="0">
+                                          <p:val>
+                                            <p:strVal val="#ppt_y-.1"/>
+                                          </p:val>
+                                        </p:tav>
+                                        <p:tav tm="100000">
+                                          <p:val>
+                                            <p:strVal val="#ppt_y"/>
+                                          </p:val>
+                                        </p:tav>
+                                      </p:tavLst>
+                                    </p:anim>
+                                  </p:childTnLst>
+                                </p:cTn>
+                              </p:par>
+                              <p:par>
+                                <p:cTn id="35" presetID="47" presetClass="entr" presetSubtype="0" fill="hold" grpId="0" nodeType="withEffect">
+                                  <p:stCondLst>
+                                    <p:cond delay="0"/>
+                                  </p:stCondLst>
+                                  <p:childTnLst>
+                                    <p:set>
+                                      <p:cBhvr>
+                                        <p:cTn id="36" dur="1" fill="hold">
+                                          <p:stCondLst>
+                                            <p:cond delay="0"/>
+                                          </p:stCondLst>
+                                        </p:cTn>
+                                        <p:tgtEl>
+                                          <p:spTgt spid="6">
+                                            <p:graphicEl>
+                                              <a:dgm id="{AB82B5D7-A627-43E0-87BB-B08266D0AC5A}"/>
+                                            </p:graphicEl>
+                                          </p:spTgt>
+                                        </p:tgtEl>
+                                        <p:attrNameLst>
+                                          <p:attrName>style.visibility</p:attrName>
+                                        </p:attrNameLst>
+                                      </p:cBhvr>
+                                      <p:to>
+                                        <p:strVal val="visible"/>
+                                      </p:to>
+                                    </p:set>
+                                    <p:animEffect transition="in" filter="fade">
+                                      <p:cBhvr>
+                                        <p:cTn id="37" dur="1000"/>
+                                        <p:tgtEl>
+                                          <p:spTgt spid="6">
+                                            <p:graphicEl>
+                                              <a:dgm id="{AB82B5D7-A627-43E0-87BB-B08266D0AC5A}"/>
+                                            </p:graphicEl>
+                                          </p:spTgt>
+                                        </p:tgtEl>
+                                      </p:cBhvr>
+                                    </p:animEffect>
+                                    <p:anim calcmode="lin" valueType="num">
+                                      <p:cBhvr>
+                                        <p:cTn id="38" dur="1000" fill="hold"/>
+                                        <p:tgtEl>
+                                          <p:spTgt spid="6">
+                                            <p:graphicEl>
+                                              <a:dgm id="{AB82B5D7-A627-43E0-87BB-B08266D0AC5A}"/>
+                                            </p:graphicEl>
+                                          </p:spTgt>
+                                        </p:tgtEl>
+                                        <p:attrNameLst>
+                                          <p:attrName>ppt_x</p:attrName>
+                                        </p:attrNameLst>
+                                      </p:cBhvr>
+                                      <p:tavLst>
+                                        <p:tav tm="0">
+                                          <p:val>
+                                            <p:strVal val="#ppt_x"/>
+                                          </p:val>
+                                        </p:tav>
+                                        <p:tav tm="100000">
+                                          <p:val>
+                                            <p:strVal val="#ppt_x"/>
+                                          </p:val>
+                                        </p:tav>
+                                      </p:tavLst>
+                                    </p:anim>
+                                    <p:anim calcmode="lin" valueType="num">
+                                      <p:cBhvr>
+                                        <p:cTn id="39" dur="1000" fill="hold"/>
+                                        <p:tgtEl>
+                                          <p:spTgt spid="6">
+                                            <p:graphicEl>
+                                              <a:dgm id="{AB82B5D7-A627-43E0-87BB-B08266D0AC5A}"/>
+                                            </p:graphicEl>
+                                          </p:spTgt>
+                                        </p:tgtEl>
+                                        <p:attrNameLst>
+                                          <p:attrName>ppt_y</p:attrName>
+                                        </p:attrNameLst>
+                                      </p:cBhvr>
+                                      <p:tavLst>
+                                        <p:tav tm="0">
+                                          <p:val>
+                                            <p:strVal val="#ppt_y-.1"/>
+                                          </p:val>
+                                        </p:tav>
+                                        <p:tav tm="100000">
+                                          <p:val>
+                                            <p:strVal val="#ppt_y"/>
+                                          </p:val>
+                                        </p:tav>
+                                      </p:tavLst>
+                                    </p:anim>
+                                  </p:childTnLst>
+                                </p:cTn>
+                              </p:par>
+                              <p:par>
+                                <p:cTn id="40" presetID="47" presetClass="entr" presetSubtype="0" fill="hold" grpId="0" nodeType="withEffect">
+                                  <p:stCondLst>
+                                    <p:cond delay="0"/>
+                                  </p:stCondLst>
+                                  <p:childTnLst>
+                                    <p:set>
+                                      <p:cBhvr>
+                                        <p:cTn id="41" dur="1" fill="hold">
+                                          <p:stCondLst>
+                                            <p:cond delay="0"/>
+                                          </p:stCondLst>
+                                        </p:cTn>
+                                        <p:tgtEl>
+                                          <p:spTgt spid="6">
+                                            <p:graphicEl>
+                                              <a:dgm id="{C7B42966-148E-4260-9995-C190AEB8C839}"/>
+                                            </p:graphicEl>
+                                          </p:spTgt>
+                                        </p:tgtEl>
+                                        <p:attrNameLst>
+                                          <p:attrName>style.visibility</p:attrName>
+                                        </p:attrNameLst>
+                                      </p:cBhvr>
+                                      <p:to>
+                                        <p:strVal val="visible"/>
+                                      </p:to>
+                                    </p:set>
+                                    <p:animEffect transition="in" filter="fade">
+                                      <p:cBhvr>
+                                        <p:cTn id="42" dur="1000"/>
+                                        <p:tgtEl>
+                                          <p:spTgt spid="6">
+                                            <p:graphicEl>
+                                              <a:dgm id="{C7B42966-148E-4260-9995-C190AEB8C839}"/>
+                                            </p:graphicEl>
+                                          </p:spTgt>
+                                        </p:tgtEl>
+                                      </p:cBhvr>
+                                    </p:animEffect>
+                                    <p:anim calcmode="lin" valueType="num">
+                                      <p:cBhvr>
+                                        <p:cTn id="43" dur="1000" fill="hold"/>
+                                        <p:tgtEl>
+                                          <p:spTgt spid="6">
+                                            <p:graphicEl>
+                                              <a:dgm id="{C7B42966-148E-4260-9995-C190AEB8C839}"/>
+                                            </p:graphicEl>
+                                          </p:spTgt>
+                                        </p:tgtEl>
+                                        <p:attrNameLst>
+                                          <p:attrName>ppt_x</p:attrName>
+                                        </p:attrNameLst>
+                                      </p:cBhvr>
+                                      <p:tavLst>
+                                        <p:tav tm="0">
+                                          <p:val>
+                                            <p:strVal val="#ppt_x"/>
+                                          </p:val>
+                                        </p:tav>
+                                        <p:tav tm="100000">
+                                          <p:val>
+                                            <p:strVal val="#ppt_x"/>
+                                          </p:val>
+                                        </p:tav>
+                                      </p:tavLst>
+                                    </p:anim>
+                                    <p:anim calcmode="lin" valueType="num">
+                                      <p:cBhvr>
+                                        <p:cTn id="44" dur="1000" fill="hold"/>
+                                        <p:tgtEl>
+                                          <p:spTgt spid="6">
+                                            <p:graphicEl>
+                                              <a:dgm id="{C7B42966-148E-4260-9995-C190AEB8C839}"/>
+                                            </p:graphicEl>
+                                          </p:spTgt>
+                                        </p:tgtEl>
+                                        <p:attrNameLst>
+                                          <p:attrName>ppt_y</p:attrName>
+                                        </p:attrNameLst>
+                                      </p:cBhvr>
+                                      <p:tavLst>
+                                        <p:tav tm="0">
+                                          <p:val>
+                                            <p:strVal val="#ppt_y-.1"/>
+                                          </p:val>
+                                        </p:tav>
+                                        <p:tav tm="100000">
+                                          <p:val>
+                                            <p:strVal val="#ppt_y"/>
+                                          </p:val>
+                                        </p:tav>
+                                      </p:tavLst>
+                                    </p:anim>
+                                  </p:childTnLst>
+                                </p:cTn>
+                              </p:par>
+                              <p:par>
+                                <p:cTn id="45" presetID="47" presetClass="entr" presetSubtype="0" fill="hold" grpId="0" nodeType="withEffect">
+                                  <p:stCondLst>
+                                    <p:cond delay="0"/>
+                                  </p:stCondLst>
+                                  <p:childTnLst>
+                                    <p:set>
+                                      <p:cBhvr>
+                                        <p:cTn id="46" dur="1" fill="hold">
+                                          <p:stCondLst>
+                                            <p:cond delay="0"/>
+                                          </p:stCondLst>
+                                        </p:cTn>
+                                        <p:tgtEl>
+                                          <p:spTgt spid="6">
+                                            <p:graphicEl>
+                                              <a:dgm id="{53A51957-38F8-415F-890E-1C6F0A45FCFA}"/>
+                                            </p:graphicEl>
+                                          </p:spTgt>
+                                        </p:tgtEl>
+                                        <p:attrNameLst>
+                                          <p:attrName>style.visibility</p:attrName>
+                                        </p:attrNameLst>
+                                      </p:cBhvr>
+                                      <p:to>
+                                        <p:strVal val="visible"/>
+                                      </p:to>
+                                    </p:set>
+                                    <p:animEffect transition="in" filter="fade">
+                                      <p:cBhvr>
+                                        <p:cTn id="47" dur="1000"/>
+                                        <p:tgtEl>
+                                          <p:spTgt spid="6">
+                                            <p:graphicEl>
+                                              <a:dgm id="{53A51957-38F8-415F-890E-1C6F0A45FCFA}"/>
+                                            </p:graphicEl>
+                                          </p:spTgt>
+                                        </p:tgtEl>
+                                      </p:cBhvr>
+                                    </p:animEffect>
+                                    <p:anim calcmode="lin" valueType="num">
+                                      <p:cBhvr>
+                                        <p:cTn id="48" dur="1000" fill="hold"/>
+                                        <p:tgtEl>
+                                          <p:spTgt spid="6">
+                                            <p:graphicEl>
+                                              <a:dgm id="{53A51957-38F8-415F-890E-1C6F0A45FCFA}"/>
+                                            </p:graphicEl>
+                                          </p:spTgt>
+                                        </p:tgtEl>
+                                        <p:attrNameLst>
+                                          <p:attrName>ppt_x</p:attrName>
+                                        </p:attrNameLst>
+                                      </p:cBhvr>
+                                      <p:tavLst>
+                                        <p:tav tm="0">
+                                          <p:val>
+                                            <p:strVal val="#ppt_x"/>
+                                          </p:val>
+                                        </p:tav>
+                                        <p:tav tm="100000">
+                                          <p:val>
+                                            <p:strVal val="#ppt_x"/>
+                                          </p:val>
+                                        </p:tav>
+                                      </p:tavLst>
+                                    </p:anim>
+                                    <p:anim calcmode="lin" valueType="num">
+                                      <p:cBhvr>
+                                        <p:cTn id="49" dur="1000" fill="hold"/>
+                                        <p:tgtEl>
+                                          <p:spTgt spid="6">
+                                            <p:graphicEl>
+                                              <a:dgm id="{53A51957-38F8-415F-890E-1C6F0A45FCFA}"/>
+                                            </p:graphicEl>
+                                          </p:spTgt>
+                                        </p:tgtEl>
+                                        <p:attrNameLst>
+                                          <p:attrName>ppt_y</p:attrName>
+                                        </p:attrNameLst>
+                                      </p:cBhvr>
+                                      <p:tavLst>
+                                        <p:tav tm="0">
+                                          <p:val>
+                                            <p:strVal val="#ppt_y-.1"/>
+                                          </p:val>
+                                        </p:tav>
+                                        <p:tav tm="100000">
+                                          <p:val>
+                                            <p:strVal val="#ppt_y"/>
+                                          </p:val>
+                                        </p:tav>
+                                      </p:tavLst>
+                                    </p:anim>
+                                  </p:childTnLst>
+                                </p:cTn>
+                              </p:par>
+                            </p:childTnLst>
+                          </p:cTn>
+                        </p:par>
+                      </p:childTnLst>
+                    </p:cTn>
+                  </p:par>
+                </p:childTnLst>
+              </p:cTn>
+              <p:prevCondLst>
+                <p:cond evt="onPrev" delay="0">
+                  <p:tgtEl>
+                    <p:sldTgt/>
+                  </p:tgtEl>
+                </p:cond>
+              </p:prevCondLst>
+              <p:nextCondLst>
+                <p:cond evt="onNext" delay="0">
+                  <p:tgtEl>
+                    <p:sldTgt/>
+                  </p:tgtEl>
+                </p:cond>
+              </p:nextCondLst>
+            </p:seq>
+          </p:childTnLst>
+        </p:cTn>
+      </p:par>
+    </p:tnLst>
+    <p:bldLst>
+      <p:bldGraphic spid="6" grpId="0">
+        <p:bldSub>
+          <a:bldDgm bld="one"/>
+        </p:bldSub>
+      </p:bldGraphic>
+    </p:bldLst>
+  </p:timing>
+</p:sld>
+</file>
+
+<file path=ppt/slides/slide8.xml><?xml version="1.0" encoding="utf-8"?>
+<p:sld xmlns:a="http://schemas.openxmlformats.org/drawingml/2006/main" xmlns:r="http://schemas.openxmlformats.org/officeDocument/2006/relationships" xmlns:p="http://schemas.openxmlformats.org/presentationml/2006/main">
+  <p:cSld>
+    <p:spTree>
+      <p:nvGrpSpPr>
+        <p:cNvPr id="1" name=""/>
+        <p:cNvGrpSpPr/>
+        <p:nvPr/>
+      </p:nvGrpSpPr>
+      <p:grpSpPr>
+        <a:xfrm>
+          <a:off x="0" y="0"/>
+          <a:ext cx="0" cy="0"/>
+          <a:chOff x="0" y="0"/>
+          <a:chExt cx="0" cy="0"/>
+        </a:xfrm>
+      </p:grpSpPr>
+      <p:sp>
+        <p:nvSpPr>
+          <p:cNvPr id="2" name="Titre 1"/>
+          <p:cNvSpPr>
+            <a:spLocks noGrp="1"/>
+          </p:cNvSpPr>
+          <p:nvPr>
+            <p:ph type="title"/>
+          </p:nvPr>
+        </p:nvSpPr>
+        <p:spPr/>
+        <p:txBody>
+          <a:bodyPr/>
+          <a:lstStyle/>
+          <a:p>
+            <a:r>
+              <a:rPr lang="fr-FR" dirty="0" smtClean="0"/>
+              <a:t>Diagramme d’état</a:t>
+            </a:r>
+            <a:endParaRPr lang="fr-FR" dirty="0"/>
+          </a:p>
+        </p:txBody>
+      </p:sp>
+      <p:pic>
+        <p:nvPicPr>
+          <p:cNvPr id="6" name="Image 5"/>
+          <p:cNvPicPr>
+            <a:picLocks noChangeAspect="1"/>
+          </p:cNvPicPr>
+          <p:nvPr/>
+        </p:nvPicPr>
+        <p:blipFill>
+          <a:blip r:embed="rId2">
+            <a:extLst>
+              <a:ext uri="{28A0092B-C50C-407E-A947-70E740481C1C}">
+                <a14:useLocalDpi xmlns:a14="http://schemas.microsoft.com/office/drawing/2010/main" val="0"/>
+              </a:ext>
+            </a:extLst>
+          </a:blip>
+          <a:stretch>
+            <a:fillRect/>
+          </a:stretch>
+        </p:blipFill>
+        <p:spPr>
+          <a:xfrm>
+            <a:off x="0" y="2020295"/>
+            <a:ext cx="6795842" cy="4132310"/>
+          </a:xfrm>
+          <a:prstGeom prst="rect">
+            <a:avLst/>
+          </a:prstGeom>
+        </p:spPr>
+      </p:pic>
+      <p:pic>
+        <p:nvPicPr>
+          <p:cNvPr id="7" name="Image 6"/>
+          <p:cNvPicPr>
+            <a:picLocks noChangeAspect="1"/>
+          </p:cNvPicPr>
+          <p:nvPr/>
+        </p:nvPicPr>
+        <p:blipFill>
+          <a:blip r:embed="rId3">
+            <a:extLst>
+              <a:ext uri="{28A0092B-C50C-407E-A947-70E740481C1C}">
+                <a14:useLocalDpi xmlns:a14="http://schemas.microsoft.com/office/drawing/2010/main" val="0"/>
+              </a:ext>
+            </a:extLst>
+          </a:blip>
+          <a:stretch>
+            <a:fillRect/>
+          </a:stretch>
+        </p:blipFill>
+        <p:spPr>
+          <a:xfrm>
+            <a:off x="6701713" y="2020295"/>
+            <a:ext cx="5650609" cy="4173637"/>
+          </a:xfrm>
+          <a:prstGeom prst="rect">
+            <a:avLst/>
+          </a:prstGeom>
+        </p:spPr>
+      </p:pic>
+      <p:cxnSp>
+        <p:nvCxnSpPr>
+          <p:cNvPr id="9" name="Connecteur droit 8"/>
+          <p:cNvCxnSpPr/>
+          <p:nvPr/>
+        </p:nvCxnSpPr>
+        <p:spPr>
+          <a:xfrm>
+            <a:off x="6701713" y="1853754"/>
+            <a:ext cx="0" cy="4298851"/>
+          </a:xfrm>
+          <a:prstGeom prst="line">
+            <a:avLst/>
+          </a:prstGeom>
+          <a:ln w="57150"/>
+        </p:spPr>
+        <p:style>
+          <a:lnRef idx="1">
+            <a:schemeClr val="accent1"/>
+          </a:lnRef>
+          <a:fillRef idx="0">
+            <a:schemeClr val="accent1"/>
+          </a:fillRef>
+          <a:effectRef idx="0">
+            <a:schemeClr val="accent1"/>
+          </a:effectRef>
+          <a:fontRef idx="minor">
+            <a:schemeClr val="tx1"/>
+          </a:fontRef>
+        </p:style>
+      </p:cxnSp>
+      <p:pic>
+        <p:nvPicPr>
+          <p:cNvPr id="11" name="Image 10"/>
+          <p:cNvPicPr>
+            <a:picLocks noChangeAspect="1"/>
+          </p:cNvPicPr>
+          <p:nvPr/>
+        </p:nvPicPr>
+        <p:blipFill>
+          <a:blip r:embed="rId4">
+            <a:extLst>
+              <a:ext uri="{28A0092B-C50C-407E-A947-70E740481C1C}">
+                <a14:useLocalDpi xmlns:a14="http://schemas.microsoft.com/office/drawing/2010/main" val="0"/>
+              </a:ext>
+            </a:extLst>
+          </a:blip>
+          <a:stretch>
+            <a:fillRect/>
+          </a:stretch>
+        </p:blipFill>
+        <p:spPr>
+          <a:xfrm>
+            <a:off x="6795842" y="155435"/>
+            <a:ext cx="2184587" cy="1552989"/>
+          </a:xfrm>
+          <a:prstGeom prst="roundRect">
+            <a:avLst>
+              <a:gd name="adj" fmla="val 8594"/>
+            </a:avLst>
+          </a:prstGeom>
+          <a:solidFill>
+            <a:srgbClr val="FFFFFF">
+              <a:shade val="85000"/>
+            </a:srgbClr>
+          </a:solidFill>
+          <a:ln>
+            <a:noFill/>
+          </a:ln>
+          <a:effectLst>
+            <a:reflection blurRad="12700" stA="38000" endPos="28000" dist="5000" dir="5400000" sy="-100000" algn="bl" rotWithShape="0"/>
+          </a:effectLst>
+        </p:spPr>
+      </p:pic>
+    </p:spTree>
+    <p:extLst>
+      <p:ext uri="{BB962C8B-B14F-4D97-AF65-F5344CB8AC3E}">
+        <p14:creationId xmlns:p14="http://schemas.microsoft.com/office/powerpoint/2010/main" val="901231074"/>
+      </p:ext>
+    </p:extLst>
+  </p:cSld>
+  <p:clrMapOvr>
+    <a:masterClrMapping/>
+  </p:clrMapOvr>
+  <p:timing>
+    <p:tnLst>
+      <p:par>
+        <p:cTn id="1" dur="indefinite" restart="never" nodeType="tmRoot"/>
+      </p:par>
+    </p:tnLst>
+  </p:timing>
+</p:sld>
+</file>
+
+<file path=ppt/slides/slide9.xml><?xml version="1.0" encoding="utf-8"?>
+<p:sld xmlns:a="http://schemas.openxmlformats.org/drawingml/2006/main" xmlns:r="http://schemas.openxmlformats.org/officeDocument/2006/relationships" xmlns:p="http://schemas.openxmlformats.org/presentationml/2006/main">
+  <p:cSld>
+    <p:spTree>
+      <p:nvGrpSpPr>
+        <p:cNvPr id="1" name=""/>
+        <p:cNvGrpSpPr/>
+        <p:nvPr/>
+      </p:nvGrpSpPr>
+      <p:grpSpPr>
+        <a:xfrm>
+          <a:off x="0" y="0"/>
+          <a:ext cx="0" cy="0"/>
+          <a:chOff x="0" y="0"/>
+          <a:chExt cx="0" cy="0"/>
+        </a:xfrm>
+      </p:grpSpPr>
+      <p:sp>
+        <p:nvSpPr>
+          <p:cNvPr id="2" name="Titre 1"/>
+          <p:cNvSpPr>
+            <a:spLocks noGrp="1"/>
+          </p:cNvSpPr>
+          <p:nvPr>
+            <p:ph type="title"/>
+          </p:nvPr>
+        </p:nvSpPr>
+        <p:spPr/>
+        <p:txBody>
+          <a:bodyPr/>
+          <a:lstStyle/>
+          <a:p>
+            <a:r>
+              <a:rPr lang="fr-FR" dirty="0" smtClean="0"/>
+              <a:t>Le scénario du jeu </a:t>
+            </a:r>
+            <a:endParaRPr lang="fr-FR" dirty="0"/>
           </a:p>
         </p:txBody>
       </p:sp>
@@ -10250,7 +19530,7 @@
     </p:spTree>
     <p:extLst>
       <p:ext uri="{BB962C8B-B14F-4D97-AF65-F5344CB8AC3E}">
-        <p14:creationId xmlns:p14="http://schemas.microsoft.com/office/powerpoint/2010/main" val="2326458268"/>
+        <p14:creationId xmlns:p14="http://schemas.microsoft.com/office/powerpoint/2010/main" val="4176303142"/>
       </p:ext>
     </p:extLst>
   </p:cSld>
